--- a/Whiteboard design session/Diagrams.pptx
+++ b/Whiteboard design session/Diagrams.pptx
@@ -109,6 +109,11 @@
       </a:defRPr>
     </a:lvl9pPr>
   </p:defaultTextStyle>
+  <p:extLst>
+    <p:ext uri="{EFAFB233-063F-42B5-8137-9DF3F51BA10A}">
+      <p15:sldGuideLst xmlns:p15="http://schemas.microsoft.com/office/powerpoint/2012/main"/>
+    </p:ext>
+  </p:extLst>
 </p:presentation>
 </file>
 
@@ -259,7 +264,7 @@
           <a:p>
             <a:fld id="{7197974A-2564-4B50-81B9-7BC2278DE874}" type="datetimeFigureOut">
               <a:rPr lang="en-US" smtClean="0"/>
-              <a:t>6/7/2018</a:t>
+              <a:t>6/5/2019</a:t>
             </a:fld>
             <a:endParaRPr lang="en-US"/>
           </a:p>
@@ -457,7 +462,7 @@
           <a:p>
             <a:fld id="{7197974A-2564-4B50-81B9-7BC2278DE874}" type="datetimeFigureOut">
               <a:rPr lang="en-US" smtClean="0"/>
-              <a:t>6/7/2018</a:t>
+              <a:t>6/5/2019</a:t>
             </a:fld>
             <a:endParaRPr lang="en-US"/>
           </a:p>
@@ -665,7 +670,7 @@
           <a:p>
             <a:fld id="{7197974A-2564-4B50-81B9-7BC2278DE874}" type="datetimeFigureOut">
               <a:rPr lang="en-US" smtClean="0"/>
-              <a:t>6/7/2018</a:t>
+              <a:t>6/5/2019</a:t>
             </a:fld>
             <a:endParaRPr lang="en-US"/>
           </a:p>
@@ -863,7 +868,7 @@
           <a:p>
             <a:fld id="{7197974A-2564-4B50-81B9-7BC2278DE874}" type="datetimeFigureOut">
               <a:rPr lang="en-US" smtClean="0"/>
-              <a:t>6/7/2018</a:t>
+              <a:t>6/5/2019</a:t>
             </a:fld>
             <a:endParaRPr lang="en-US"/>
           </a:p>
@@ -1138,7 +1143,7 @@
           <a:p>
             <a:fld id="{7197974A-2564-4B50-81B9-7BC2278DE874}" type="datetimeFigureOut">
               <a:rPr lang="en-US" smtClean="0"/>
-              <a:t>6/7/2018</a:t>
+              <a:t>6/5/2019</a:t>
             </a:fld>
             <a:endParaRPr lang="en-US"/>
           </a:p>
@@ -1403,7 +1408,7 @@
           <a:p>
             <a:fld id="{7197974A-2564-4B50-81B9-7BC2278DE874}" type="datetimeFigureOut">
               <a:rPr lang="en-US" smtClean="0"/>
-              <a:t>6/7/2018</a:t>
+              <a:t>6/5/2019</a:t>
             </a:fld>
             <a:endParaRPr lang="en-US"/>
           </a:p>
@@ -1815,7 +1820,7 @@
           <a:p>
             <a:fld id="{7197974A-2564-4B50-81B9-7BC2278DE874}" type="datetimeFigureOut">
               <a:rPr lang="en-US" smtClean="0"/>
-              <a:t>6/7/2018</a:t>
+              <a:t>6/5/2019</a:t>
             </a:fld>
             <a:endParaRPr lang="en-US"/>
           </a:p>
@@ -1956,7 +1961,7 @@
           <a:p>
             <a:fld id="{7197974A-2564-4B50-81B9-7BC2278DE874}" type="datetimeFigureOut">
               <a:rPr lang="en-US" smtClean="0"/>
-              <a:t>6/7/2018</a:t>
+              <a:t>6/5/2019</a:t>
             </a:fld>
             <a:endParaRPr lang="en-US"/>
           </a:p>
@@ -2069,7 +2074,7 @@
           <a:p>
             <a:fld id="{7197974A-2564-4B50-81B9-7BC2278DE874}" type="datetimeFigureOut">
               <a:rPr lang="en-US" smtClean="0"/>
-              <a:t>6/7/2018</a:t>
+              <a:t>6/5/2019</a:t>
             </a:fld>
             <a:endParaRPr lang="en-US"/>
           </a:p>
@@ -2380,7 +2385,7 @@
           <a:p>
             <a:fld id="{7197974A-2564-4B50-81B9-7BC2278DE874}" type="datetimeFigureOut">
               <a:rPr lang="en-US" smtClean="0"/>
-              <a:t>6/7/2018</a:t>
+              <a:t>6/5/2019</a:t>
             </a:fld>
             <a:endParaRPr lang="en-US"/>
           </a:p>
@@ -2668,7 +2673,7 @@
           <a:p>
             <a:fld id="{7197974A-2564-4B50-81B9-7BC2278DE874}" type="datetimeFigureOut">
               <a:rPr lang="en-US" smtClean="0"/>
-              <a:t>6/7/2018</a:t>
+              <a:t>6/5/2019</a:t>
             </a:fld>
             <a:endParaRPr lang="en-US"/>
           </a:p>
@@ -2909,7 +2914,7 @@
           <a:p>
             <a:fld id="{7197974A-2564-4B50-81B9-7BC2278DE874}" type="datetimeFigureOut">
               <a:rPr lang="en-US" smtClean="0"/>
-              <a:t>6/7/2018</a:t>
+              <a:t>6/5/2019</a:t>
             </a:fld>
             <a:endParaRPr lang="en-US"/>
           </a:p>
@@ -4657,21 +4662,23 @@
             </a:extLst>
           </p:cNvPr>
           <p:cNvCxnSpPr>
-            <a:stCxn id="38" idx="1"/>
+            <a:cxnSpLocks/>
+            <a:stCxn id="30" idx="1"/>
             <a:endCxn id="19" idx="0"/>
           </p:cNvCxnSpPr>
           <p:nvPr/>
         </p:nvCxnSpPr>
         <p:spPr>
           <a:xfrm rot="10800000" flipV="1">
-            <a:off x="6582563" y="1081982"/>
-            <a:ext cx="3290690" cy="514152"/>
+            <a:off x="6582563" y="1086208"/>
+            <a:ext cx="1407408" cy="509925"/>
           </a:xfrm>
           <a:prstGeom prst="bentConnector2">
             <a:avLst/>
           </a:prstGeom>
           <a:ln>
-            <a:tailEnd type="triangle"/>
+            <a:headEnd type="triangle" w="med" len="med"/>
+            <a:tailEnd type="none" w="med" len="med"/>
           </a:ln>
         </p:spPr>
         <p:style>
@@ -4902,7 +4909,7 @@
               <a:pPr algn="ctr"/>
               <a:r>
                 <a:rPr lang="en-US" sz="1400" dirty="0"/>
-                <a:t>Azure Machine Learning Services</a:t>
+                <a:t>Azure Machine Learning service</a:t>
               </a:r>
               <a:endParaRPr lang="en-US" sz="1100" dirty="0"/>
             </a:p>
@@ -5086,6 +5093,146 @@
           </a:p>
         </p:txBody>
       </p:sp>
+      <p:cxnSp>
+        <p:nvCxnSpPr>
+          <p:cNvPr id="55" name="Straight Arrow Connector 54">
+            <a:extLst>
+              <a:ext uri="{FF2B5EF4-FFF2-40B4-BE49-F238E27FC236}">
+                <a16:creationId xmlns:a16="http://schemas.microsoft.com/office/drawing/2014/main" id="{FD5C17BB-0A9B-49E3-BD77-B002AE6936CE}"/>
+              </a:ext>
+            </a:extLst>
+          </p:cNvPr>
+          <p:cNvCxnSpPr>
+            <a:cxnSpLocks/>
+            <a:stCxn id="38" idx="1"/>
+            <a:endCxn id="30" idx="3"/>
+          </p:cNvCxnSpPr>
+          <p:nvPr/>
+        </p:nvCxnSpPr>
+        <p:spPr>
+          <a:xfrm flipH="1">
+            <a:off x="8673083" y="1081982"/>
+            <a:ext cx="1200170" cy="4227"/>
+          </a:xfrm>
+          <a:prstGeom prst="straightConnector1">
+            <a:avLst/>
+          </a:prstGeom>
+          <a:ln>
+            <a:tailEnd type="triangle"/>
+          </a:ln>
+        </p:spPr>
+        <p:style>
+          <a:lnRef idx="3">
+            <a:schemeClr val="accent1"/>
+          </a:lnRef>
+          <a:fillRef idx="0">
+            <a:schemeClr val="accent1"/>
+          </a:fillRef>
+          <a:effectRef idx="2">
+            <a:schemeClr val="accent1"/>
+          </a:effectRef>
+          <a:fontRef idx="minor">
+            <a:schemeClr val="tx1"/>
+          </a:fontRef>
+        </p:style>
+      </p:cxnSp>
+      <p:grpSp>
+        <p:nvGrpSpPr>
+          <p:cNvPr id="31" name="Group 30">
+            <a:extLst>
+              <a:ext uri="{FF2B5EF4-FFF2-40B4-BE49-F238E27FC236}">
+                <a16:creationId xmlns:a16="http://schemas.microsoft.com/office/drawing/2014/main" id="{03A8DBB8-AAF5-4FDC-AA41-8CF0770B61B0}"/>
+              </a:ext>
+            </a:extLst>
+          </p:cNvPr>
+          <p:cNvGrpSpPr/>
+          <p:nvPr/>
+        </p:nvGrpSpPr>
+        <p:grpSpPr>
+          <a:xfrm>
+            <a:off x="7660176" y="744653"/>
+            <a:ext cx="1352348" cy="1268215"/>
+            <a:chOff x="7660176" y="744653"/>
+            <a:chExt cx="1352348" cy="1268215"/>
+          </a:xfrm>
+        </p:grpSpPr>
+        <p:sp>
+          <p:nvSpPr>
+            <p:cNvPr id="59" name="TextBox 58">
+              <a:extLst>
+                <a:ext uri="{FF2B5EF4-FFF2-40B4-BE49-F238E27FC236}">
+                  <a16:creationId xmlns:a16="http://schemas.microsoft.com/office/drawing/2014/main" id="{77608820-8161-4AE6-8602-923C28A2C42B}"/>
+                </a:ext>
+              </a:extLst>
+            </p:cNvPr>
+            <p:cNvSpPr txBox="1"/>
+            <p:nvPr/>
+          </p:nvSpPr>
+          <p:spPr>
+            <a:xfrm>
+              <a:off x="7660176" y="1489648"/>
+              <a:ext cx="1352348" cy="523220"/>
+            </a:xfrm>
+            <a:prstGeom prst="rect">
+              <a:avLst/>
+            </a:prstGeom>
+            <a:noFill/>
+          </p:spPr>
+          <p:txBody>
+            <a:bodyPr wrap="square" rtlCol="0">
+              <a:spAutoFit/>
+            </a:bodyPr>
+            <a:lstStyle/>
+            <a:p>
+              <a:pPr algn="ctr"/>
+              <a:r>
+                <a:rPr lang="en-US" sz="1400" dirty="0"/>
+                <a:t>Azure SQL Database</a:t>
+              </a:r>
+              <a:endParaRPr lang="en-US" sz="1000" dirty="0"/>
+            </a:p>
+          </p:txBody>
+        </p:sp>
+        <p:pic>
+          <p:nvPicPr>
+            <p:cNvPr id="30" name="Graphic 29">
+              <a:extLst>
+                <a:ext uri="{FF2B5EF4-FFF2-40B4-BE49-F238E27FC236}">
+                  <a16:creationId xmlns:a16="http://schemas.microsoft.com/office/drawing/2014/main" id="{C82218FE-7DF5-4CDF-BB71-E48DDCAF4CA8}"/>
+                </a:ext>
+              </a:extLst>
+            </p:cNvPr>
+            <p:cNvPicPr>
+              <a:picLocks noChangeAspect="1"/>
+            </p:cNvPicPr>
+            <p:nvPr/>
+          </p:nvPicPr>
+          <p:blipFill>
+            <a:blip r:embed="rId16">
+              <a:extLst>
+                <a:ext uri="{28A0092B-C50C-407E-A947-70E740481C1C}">
+                  <a14:useLocalDpi xmlns:a14="http://schemas.microsoft.com/office/drawing/2010/main" val="0"/>
+                </a:ext>
+                <a:ext uri="{96DAC541-7B7A-43D3-8B79-37D633B846F1}">
+                  <asvg:svgBlip xmlns:asvg="http://schemas.microsoft.com/office/drawing/2016/SVG/main" r:embed="rId17"/>
+                </a:ext>
+              </a:extLst>
+            </a:blip>
+            <a:stretch>
+              <a:fillRect/>
+            </a:stretch>
+          </p:blipFill>
+          <p:spPr>
+            <a:xfrm>
+              <a:off x="7989971" y="744653"/>
+              <a:ext cx="683112" cy="683112"/>
+            </a:xfrm>
+            <a:prstGeom prst="rect">
+              <a:avLst/>
+            </a:prstGeom>
+          </p:spPr>
+        </p:pic>
+      </p:grpSp>
     </p:spTree>
     <p:extLst>
       <p:ext uri="{BB962C8B-B14F-4D97-AF65-F5344CB8AC3E}">
@@ -7116,7 +7263,7 @@
         <p:spPr>
           <a:xfrm>
             <a:off x="4052978" y="1882461"/>
-            <a:ext cx="2452210" cy="692497"/>
+            <a:ext cx="2568395" cy="692497"/>
           </a:xfrm>
           <a:prstGeom prst="rect">
             <a:avLst/>
@@ -7145,7 +7292,7 @@
             </a:br>
             <a:r>
               <a:rPr lang="en-US" sz="1300" i="1" dirty="0"/>
-              <a:t>    Model Management</a:t>
+              <a:t>    service workspace model registry</a:t>
             </a:r>
           </a:p>
         </p:txBody>
@@ -7279,7 +7426,7 @@
               <a:pPr algn="ctr"/>
               <a:r>
                 <a:rPr lang="en-US" sz="1400" dirty="0"/>
-                <a:t>Azure Machine Learning Services</a:t>
+                <a:t>Azure Machine Learning service</a:t>
               </a:r>
               <a:endParaRPr lang="en-US" sz="1100" dirty="0"/>
             </a:p>
@@ -7528,7 +7675,7 @@
             </a:br>
             <a:r>
               <a:rPr lang="en-US" sz="1300" i="1" dirty="0"/>
-              <a:t>     in Azure Container Service</a:t>
+              <a:t>     in Azure Kubernetes Service</a:t>
             </a:r>
           </a:p>
         </p:txBody>
@@ -8396,14 +8543,14 @@
           <p:cNvCxnSpPr>
             <a:cxnSpLocks/>
             <a:stCxn id="27" idx="3"/>
-            <a:endCxn id="21" idx="1"/>
+            <a:endCxn id="35" idx="1"/>
           </p:cNvCxnSpPr>
           <p:nvPr/>
         </p:nvCxnSpPr>
         <p:spPr>
           <a:xfrm>
             <a:off x="4582678" y="2224094"/>
-            <a:ext cx="1955604" cy="748839"/>
+            <a:ext cx="1688215" cy="750165"/>
           </a:xfrm>
           <a:prstGeom prst="bentConnector3">
             <a:avLst>
@@ -8431,201 +8578,6 @@
       </p:cxnSp>
       <p:grpSp>
         <p:nvGrpSpPr>
-          <p:cNvPr id="16" name="Group 15">
-            <a:extLst>
-              <a:ext uri="{FF2B5EF4-FFF2-40B4-BE49-F238E27FC236}">
-                <a16:creationId xmlns:a16="http://schemas.microsoft.com/office/drawing/2014/main" id="{CCD53F96-5840-450D-BB7F-AEDB37805C4A}"/>
-              </a:ext>
-            </a:extLst>
-          </p:cNvPr>
-          <p:cNvGrpSpPr/>
-          <p:nvPr/>
-        </p:nvGrpSpPr>
-        <p:grpSpPr>
-          <a:xfrm>
-            <a:off x="3637454" y="4199750"/>
-            <a:ext cx="1210785" cy="1101067"/>
-            <a:chOff x="3856015" y="1312914"/>
-            <a:chExt cx="1210785" cy="1101067"/>
-          </a:xfrm>
-        </p:grpSpPr>
-        <p:pic>
-          <p:nvPicPr>
-            <p:cNvPr id="17" name="Picture 16" descr="A stop sign&#10;&#10;Description generated with high confidence">
-              <a:extLst>
-                <a:ext uri="{FF2B5EF4-FFF2-40B4-BE49-F238E27FC236}">
-                  <a16:creationId xmlns:a16="http://schemas.microsoft.com/office/drawing/2014/main" id="{6523EED3-4650-4D8F-B14E-6A01E3629E15}"/>
-                </a:ext>
-              </a:extLst>
-            </p:cNvPr>
-            <p:cNvPicPr>
-              <a:picLocks noChangeAspect="1"/>
-            </p:cNvPicPr>
-            <p:nvPr/>
-          </p:nvPicPr>
-          <p:blipFill>
-            <a:blip r:embed="rId3">
-              <a:extLst>
-                <a:ext uri="{28A0092B-C50C-407E-A947-70E740481C1C}">
-                  <a14:useLocalDpi xmlns:a14="http://schemas.microsoft.com/office/drawing/2010/main" val="0"/>
-                </a:ext>
-              </a:extLst>
-            </a:blip>
-            <a:stretch>
-              <a:fillRect/>
-            </a:stretch>
-          </p:blipFill>
-          <p:spPr>
-            <a:xfrm>
-              <a:off x="4071263" y="1312914"/>
-              <a:ext cx="780290" cy="780290"/>
-            </a:xfrm>
-            <a:prstGeom prst="rect">
-              <a:avLst/>
-            </a:prstGeom>
-          </p:spPr>
-        </p:pic>
-        <p:sp>
-          <p:nvSpPr>
-            <p:cNvPr id="18" name="TextBox 17">
-              <a:extLst>
-                <a:ext uri="{FF2B5EF4-FFF2-40B4-BE49-F238E27FC236}">
-                  <a16:creationId xmlns:a16="http://schemas.microsoft.com/office/drawing/2014/main" id="{2C398066-1DD3-4B2A-8D03-A55131C9E7BA}"/>
-                </a:ext>
-              </a:extLst>
-            </p:cNvPr>
-            <p:cNvSpPr txBox="1"/>
-            <p:nvPr/>
-          </p:nvSpPr>
-          <p:spPr>
-            <a:xfrm>
-              <a:off x="3856015" y="2106204"/>
-              <a:ext cx="1210785" cy="307777"/>
-            </a:xfrm>
-            <a:prstGeom prst="rect">
-              <a:avLst/>
-            </a:prstGeom>
-            <a:noFill/>
-          </p:spPr>
-          <p:txBody>
-            <a:bodyPr wrap="square" rtlCol="0">
-              <a:spAutoFit/>
-            </a:bodyPr>
-            <a:lstStyle/>
-            <a:p>
-              <a:pPr algn="ctr"/>
-              <a:r>
-                <a:rPr lang="en-US" sz="1400" dirty="0"/>
-                <a:t>Blob Storage</a:t>
-              </a:r>
-              <a:endParaRPr lang="en-US" sz="1000" dirty="0"/>
-            </a:p>
-          </p:txBody>
-        </p:sp>
-      </p:grpSp>
-      <p:grpSp>
-        <p:nvGrpSpPr>
-          <p:cNvPr id="19" name="Group 18">
-            <a:extLst>
-              <a:ext uri="{FF2B5EF4-FFF2-40B4-BE49-F238E27FC236}">
-                <a16:creationId xmlns:a16="http://schemas.microsoft.com/office/drawing/2014/main" id="{38EEDF4C-8B86-483A-BD8A-BC55CBA0693B}"/>
-              </a:ext>
-            </a:extLst>
-          </p:cNvPr>
-          <p:cNvGrpSpPr/>
-          <p:nvPr/>
-        </p:nvGrpSpPr>
-        <p:grpSpPr>
-          <a:xfrm>
-            <a:off x="6318863" y="2582788"/>
-            <a:ext cx="1210785" cy="1457398"/>
-            <a:chOff x="5421698" y="1312914"/>
-            <a:chExt cx="1210785" cy="1457398"/>
-          </a:xfrm>
-        </p:grpSpPr>
-        <p:pic>
-          <p:nvPicPr>
-            <p:cNvPr id="21" name="Picture 20">
-              <a:extLst>
-                <a:ext uri="{FF2B5EF4-FFF2-40B4-BE49-F238E27FC236}">
-                  <a16:creationId xmlns:a16="http://schemas.microsoft.com/office/drawing/2014/main" id="{94F15CD1-96D5-494E-BF61-D8222A72039C}"/>
-                </a:ext>
-              </a:extLst>
-            </p:cNvPr>
-            <p:cNvPicPr>
-              <a:picLocks noChangeAspect="1"/>
-            </p:cNvPicPr>
-            <p:nvPr/>
-          </p:nvPicPr>
-          <p:blipFill>
-            <a:blip r:embed="rId4">
-              <a:extLst>
-                <a:ext uri="{28A0092B-C50C-407E-A947-70E740481C1C}">
-                  <a14:useLocalDpi xmlns:a14="http://schemas.microsoft.com/office/drawing/2010/main" val="0"/>
-                </a:ext>
-              </a:extLst>
-            </a:blip>
-            <a:stretch>
-              <a:fillRect/>
-            </a:stretch>
-          </p:blipFill>
-          <p:spPr>
-            <a:xfrm>
-              <a:off x="5641117" y="1312914"/>
-              <a:ext cx="707212" cy="780290"/>
-            </a:xfrm>
-            <a:prstGeom prst="rect">
-              <a:avLst/>
-            </a:prstGeom>
-          </p:spPr>
-        </p:pic>
-        <p:sp>
-          <p:nvSpPr>
-            <p:cNvPr id="25" name="TextBox 24">
-              <a:extLst>
-                <a:ext uri="{FF2B5EF4-FFF2-40B4-BE49-F238E27FC236}">
-                  <a16:creationId xmlns:a16="http://schemas.microsoft.com/office/drawing/2014/main" id="{8EB4C381-6F08-48EE-B2E6-23F4BDB1CF8E}"/>
-                </a:ext>
-              </a:extLst>
-            </p:cNvPr>
-            <p:cNvSpPr txBox="1"/>
-            <p:nvPr/>
-          </p:nvSpPr>
-          <p:spPr>
-            <a:xfrm>
-              <a:off x="5421698" y="2093204"/>
-              <a:ext cx="1210785" cy="677108"/>
-            </a:xfrm>
-            <a:prstGeom prst="rect">
-              <a:avLst/>
-            </a:prstGeom>
-            <a:noFill/>
-          </p:spPr>
-          <p:txBody>
-            <a:bodyPr wrap="square" rtlCol="0">
-              <a:spAutoFit/>
-            </a:bodyPr>
-            <a:lstStyle/>
-            <a:p>
-              <a:pPr algn="ctr"/>
-              <a:r>
-                <a:rPr lang="en-US" sz="1400" dirty="0"/>
-                <a:t>Azure Databricks</a:t>
-              </a:r>
-              <a:endParaRPr lang="en-US" sz="1100" dirty="0"/>
-            </a:p>
-            <a:p>
-              <a:pPr algn="ctr"/>
-              <a:r>
-                <a:rPr lang="en-US" sz="1000" dirty="0"/>
-                <a:t>(Spark SQL)</a:t>
-              </a:r>
-            </a:p>
-          </p:txBody>
-        </p:sp>
-      </p:grpSp>
-      <p:grpSp>
-        <p:nvGrpSpPr>
           <p:cNvPr id="26" name="Group 25">
             <a:extLst>
               <a:ext uri="{FF2B5EF4-FFF2-40B4-BE49-F238E27FC236}">
@@ -8659,7 +8611,7 @@
             <p:nvPr/>
           </p:nvPicPr>
           <p:blipFill>
-            <a:blip r:embed="rId5">
+            <a:blip r:embed="rId3">
               <a:extLst>
                 <a:ext uri="{28A0092B-C50C-407E-A947-70E740481C1C}">
                   <a14:useLocalDpi xmlns:a14="http://schemas.microsoft.com/office/drawing/2010/main" val="0"/>
@@ -8718,55 +8670,109 @@
           </p:txBody>
         </p:sp>
       </p:grpSp>
-      <p:cxnSp>
-        <p:nvCxnSpPr>
-          <p:cNvPr id="33" name="Connector: Elbow 32">
-            <a:extLst>
-              <a:ext uri="{FF2B5EF4-FFF2-40B4-BE49-F238E27FC236}">
-                <a16:creationId xmlns:a16="http://schemas.microsoft.com/office/drawing/2014/main" id="{AB8B9A9D-E8F4-4E6E-96D6-F5DED3A18883}"/>
-              </a:ext>
-            </a:extLst>
-          </p:cNvPr>
-          <p:cNvCxnSpPr>
-            <a:cxnSpLocks/>
-            <a:stCxn id="25" idx="2"/>
-            <a:endCxn id="17" idx="3"/>
-          </p:cNvCxnSpPr>
+      <p:grpSp>
+        <p:nvGrpSpPr>
+          <p:cNvPr id="32" name="Group 31">
+            <a:extLst>
+              <a:ext uri="{FF2B5EF4-FFF2-40B4-BE49-F238E27FC236}">
+                <a16:creationId xmlns:a16="http://schemas.microsoft.com/office/drawing/2014/main" id="{5BF2A4FE-C96D-4F98-8E6B-71CD3F9DC316}"/>
+              </a:ext>
+            </a:extLst>
+          </p:cNvPr>
+          <p:cNvGrpSpPr/>
           <p:nvPr/>
-        </p:nvCxnSpPr>
-        <p:spPr>
-          <a:xfrm rot="5400000">
-            <a:off x="5503770" y="3169408"/>
-            <a:ext cx="549709" cy="2291264"/>
-          </a:xfrm>
-          <a:prstGeom prst="bentConnector2">
-            <a:avLst/>
-          </a:prstGeom>
-          <a:ln>
-            <a:tailEnd type="triangle"/>
-          </a:ln>
-        </p:spPr>
-        <p:style>
-          <a:lnRef idx="3">
-            <a:schemeClr val="accent1"/>
-          </a:lnRef>
-          <a:fillRef idx="0">
-            <a:schemeClr val="accent1"/>
-          </a:fillRef>
-          <a:effectRef idx="2">
-            <a:schemeClr val="accent1"/>
-          </a:effectRef>
-          <a:fontRef idx="minor">
-            <a:schemeClr val="tx1"/>
-          </a:fontRef>
-        </p:style>
-      </p:cxnSp>
+        </p:nvGrpSpPr>
+        <p:grpSpPr>
+          <a:xfrm>
+            <a:off x="5941098" y="2632703"/>
+            <a:ext cx="1352348" cy="1268215"/>
+            <a:chOff x="7660176" y="744653"/>
+            <a:chExt cx="1352348" cy="1268215"/>
+          </a:xfrm>
+        </p:grpSpPr>
+        <p:sp>
+          <p:nvSpPr>
+            <p:cNvPr id="34" name="TextBox 33">
+              <a:extLst>
+                <a:ext uri="{FF2B5EF4-FFF2-40B4-BE49-F238E27FC236}">
+                  <a16:creationId xmlns:a16="http://schemas.microsoft.com/office/drawing/2014/main" id="{BB488957-E04F-4C3E-A108-6E41CA430BE9}"/>
+                </a:ext>
+              </a:extLst>
+            </p:cNvPr>
+            <p:cNvSpPr txBox="1"/>
+            <p:nvPr/>
+          </p:nvSpPr>
+          <p:spPr>
+            <a:xfrm>
+              <a:off x="7660176" y="1489648"/>
+              <a:ext cx="1352348" cy="523220"/>
+            </a:xfrm>
+            <a:prstGeom prst="rect">
+              <a:avLst/>
+            </a:prstGeom>
+            <a:noFill/>
+          </p:spPr>
+          <p:txBody>
+            <a:bodyPr wrap="square" rtlCol="0">
+              <a:spAutoFit/>
+            </a:bodyPr>
+            <a:lstStyle/>
+            <a:p>
+              <a:pPr algn="ctr"/>
+              <a:r>
+                <a:rPr lang="en-US" sz="1400" dirty="0"/>
+                <a:t>Azure SQL Database</a:t>
+              </a:r>
+              <a:endParaRPr lang="en-US" sz="1000" dirty="0"/>
+            </a:p>
+          </p:txBody>
+        </p:sp>
+        <p:pic>
+          <p:nvPicPr>
+            <p:cNvPr id="35" name="Graphic 34">
+              <a:extLst>
+                <a:ext uri="{FF2B5EF4-FFF2-40B4-BE49-F238E27FC236}">
+                  <a16:creationId xmlns:a16="http://schemas.microsoft.com/office/drawing/2014/main" id="{48330128-DD44-4488-ABF8-774FC401F6D8}"/>
+                </a:ext>
+              </a:extLst>
+            </p:cNvPr>
+            <p:cNvPicPr>
+              <a:picLocks noChangeAspect="1"/>
+            </p:cNvPicPr>
+            <p:nvPr/>
+          </p:nvPicPr>
+          <p:blipFill>
+            <a:blip r:embed="rId4">
+              <a:extLst>
+                <a:ext uri="{28A0092B-C50C-407E-A947-70E740481C1C}">
+                  <a14:useLocalDpi xmlns:a14="http://schemas.microsoft.com/office/drawing/2010/main" val="0"/>
+                </a:ext>
+                <a:ext uri="{96DAC541-7B7A-43D3-8B79-37D633B846F1}">
+                  <asvg:svgBlip xmlns:asvg="http://schemas.microsoft.com/office/drawing/2016/SVG/main" r:embed="rId5"/>
+                </a:ext>
+              </a:extLst>
+            </a:blip>
+            <a:stretch>
+              <a:fillRect/>
+            </a:stretch>
+          </p:blipFill>
+          <p:spPr>
+            <a:xfrm>
+              <a:off x="7989971" y="744653"/>
+              <a:ext cx="683112" cy="683112"/>
+            </a:xfrm>
+            <a:prstGeom prst="rect">
+              <a:avLst/>
+            </a:prstGeom>
+          </p:spPr>
+        </p:pic>
+      </p:grpSp>
       <p:sp>
         <p:nvSpPr>
-          <p:cNvPr id="38" name="TextBox 37">
-            <a:extLst>
-              <a:ext uri="{FF2B5EF4-FFF2-40B4-BE49-F238E27FC236}">
-                <a16:creationId xmlns:a16="http://schemas.microsoft.com/office/drawing/2014/main" id="{613B02AE-D101-4AF5-97B1-EF99E874DC79}"/>
+          <p:cNvPr id="36" name="TextBox 35">
+            <a:extLst>
+              <a:ext uri="{FF2B5EF4-FFF2-40B4-BE49-F238E27FC236}">
+                <a16:creationId xmlns:a16="http://schemas.microsoft.com/office/drawing/2014/main" id="{40C306C4-F8F1-48B6-9267-336C0CC8579A}"/>
               </a:ext>
             </a:extLst>
           </p:cNvPr>
@@ -8775,42 +8781,7 @@
         </p:nvSpPr>
         <p:spPr>
           <a:xfrm>
-            <a:off x="5111359" y="4668044"/>
-            <a:ext cx="2146934" cy="292388"/>
-          </a:xfrm>
-          <a:prstGeom prst="rect">
-            <a:avLst/>
-          </a:prstGeom>
-          <a:noFill/>
-        </p:spPr>
-        <p:txBody>
-          <a:bodyPr wrap="none" rtlCol="0">
-            <a:spAutoFit/>
-          </a:bodyPr>
-          <a:lstStyle/>
-          <a:p>
-            <a:r>
-              <a:rPr lang="en-US" sz="1300" i="1" dirty="0"/>
-              <a:t>3) Data queried from storage</a:t>
-            </a:r>
-          </a:p>
-        </p:txBody>
-      </p:sp>
-      <p:sp>
-        <p:nvSpPr>
-          <p:cNvPr id="39" name="TextBox 38">
-            <a:extLst>
-              <a:ext uri="{FF2B5EF4-FFF2-40B4-BE49-F238E27FC236}">
-                <a16:creationId xmlns:a16="http://schemas.microsoft.com/office/drawing/2014/main" id="{384C20A8-05DE-491E-B89B-D3355289128F}"/>
-              </a:ext>
-            </a:extLst>
-          </p:cNvPr>
-          <p:cNvSpPr txBox="1"/>
-          <p:nvPr/>
-        </p:nvSpPr>
-        <p:spPr>
-          <a:xfrm>
-            <a:off x="1504520" y="4329889"/>
+            <a:off x="5639392" y="4004793"/>
             <a:ext cx="1958037" cy="692497"/>
           </a:xfrm>
           <a:prstGeom prst="rect">

--- a/Whiteboard design session/Diagrams.pptx
+++ b/Whiteboard design session/Diagrams.pptx
@@ -264,7 +264,7 @@
           <a:p>
             <a:fld id="{7197974A-2564-4B50-81B9-7BC2278DE874}" type="datetimeFigureOut">
               <a:rPr lang="en-US" smtClean="0"/>
-              <a:t>6/5/2019</a:t>
+              <a:t>6/19/2020</a:t>
             </a:fld>
             <a:endParaRPr lang="en-US"/>
           </a:p>
@@ -462,7 +462,7 @@
           <a:p>
             <a:fld id="{7197974A-2564-4B50-81B9-7BC2278DE874}" type="datetimeFigureOut">
               <a:rPr lang="en-US" smtClean="0"/>
-              <a:t>6/5/2019</a:t>
+              <a:t>6/19/2020</a:t>
             </a:fld>
             <a:endParaRPr lang="en-US"/>
           </a:p>
@@ -670,7 +670,7 @@
           <a:p>
             <a:fld id="{7197974A-2564-4B50-81B9-7BC2278DE874}" type="datetimeFigureOut">
               <a:rPr lang="en-US" smtClean="0"/>
-              <a:t>6/5/2019</a:t>
+              <a:t>6/19/2020</a:t>
             </a:fld>
             <a:endParaRPr lang="en-US"/>
           </a:p>
@@ -868,7 +868,7 @@
           <a:p>
             <a:fld id="{7197974A-2564-4B50-81B9-7BC2278DE874}" type="datetimeFigureOut">
               <a:rPr lang="en-US" smtClean="0"/>
-              <a:t>6/5/2019</a:t>
+              <a:t>6/19/2020</a:t>
             </a:fld>
             <a:endParaRPr lang="en-US"/>
           </a:p>
@@ -1143,7 +1143,7 @@
           <a:p>
             <a:fld id="{7197974A-2564-4B50-81B9-7BC2278DE874}" type="datetimeFigureOut">
               <a:rPr lang="en-US" smtClean="0"/>
-              <a:t>6/5/2019</a:t>
+              <a:t>6/19/2020</a:t>
             </a:fld>
             <a:endParaRPr lang="en-US"/>
           </a:p>
@@ -1408,7 +1408,7 @@
           <a:p>
             <a:fld id="{7197974A-2564-4B50-81B9-7BC2278DE874}" type="datetimeFigureOut">
               <a:rPr lang="en-US" smtClean="0"/>
-              <a:t>6/5/2019</a:t>
+              <a:t>6/19/2020</a:t>
             </a:fld>
             <a:endParaRPr lang="en-US"/>
           </a:p>
@@ -1820,7 +1820,7 @@
           <a:p>
             <a:fld id="{7197974A-2564-4B50-81B9-7BC2278DE874}" type="datetimeFigureOut">
               <a:rPr lang="en-US" smtClean="0"/>
-              <a:t>6/5/2019</a:t>
+              <a:t>6/19/2020</a:t>
             </a:fld>
             <a:endParaRPr lang="en-US"/>
           </a:p>
@@ -1961,7 +1961,7 @@
           <a:p>
             <a:fld id="{7197974A-2564-4B50-81B9-7BC2278DE874}" type="datetimeFigureOut">
               <a:rPr lang="en-US" smtClean="0"/>
-              <a:t>6/5/2019</a:t>
+              <a:t>6/19/2020</a:t>
             </a:fld>
             <a:endParaRPr lang="en-US"/>
           </a:p>
@@ -2074,7 +2074,7 @@
           <a:p>
             <a:fld id="{7197974A-2564-4B50-81B9-7BC2278DE874}" type="datetimeFigureOut">
               <a:rPr lang="en-US" smtClean="0"/>
-              <a:t>6/5/2019</a:t>
+              <a:t>6/19/2020</a:t>
             </a:fld>
             <a:endParaRPr lang="en-US"/>
           </a:p>
@@ -2385,7 +2385,7 @@
           <a:p>
             <a:fld id="{7197974A-2564-4B50-81B9-7BC2278DE874}" type="datetimeFigureOut">
               <a:rPr lang="en-US" smtClean="0"/>
-              <a:t>6/5/2019</a:t>
+              <a:t>6/19/2020</a:t>
             </a:fld>
             <a:endParaRPr lang="en-US"/>
           </a:p>
@@ -2673,7 +2673,7 @@
           <a:p>
             <a:fld id="{7197974A-2564-4B50-81B9-7BC2278DE874}" type="datetimeFigureOut">
               <a:rPr lang="en-US" smtClean="0"/>
-              <a:t>6/5/2019</a:t>
+              <a:t>6/19/2020</a:t>
             </a:fld>
             <a:endParaRPr lang="en-US"/>
           </a:p>
@@ -2914,7 +2914,7 @@
           <a:p>
             <a:fld id="{7197974A-2564-4B50-81B9-7BC2278DE874}" type="datetimeFigureOut">
               <a:rPr lang="en-US" smtClean="0"/>
-              <a:t>6/5/2019</a:t>
+              <a:t>6/19/2020</a:t>
             </a:fld>
             <a:endParaRPr lang="en-US"/>
           </a:p>
@@ -5233,6 +5233,200 @@
           </p:spPr>
         </p:pic>
       </p:grpSp>
+      <p:grpSp>
+        <p:nvGrpSpPr>
+          <p:cNvPr id="21" name="Group 20">
+            <a:extLst>
+              <a:ext uri="{FF2B5EF4-FFF2-40B4-BE49-F238E27FC236}">
+                <a16:creationId xmlns:a16="http://schemas.microsoft.com/office/drawing/2014/main" id="{7BA8FC8E-6331-42AB-AB9E-388CB0833E23}"/>
+              </a:ext>
+            </a:extLst>
+          </p:cNvPr>
+          <p:cNvGrpSpPr/>
+          <p:nvPr/>
+        </p:nvGrpSpPr>
+        <p:grpSpPr>
+          <a:xfrm>
+            <a:off x="841526" y="4795500"/>
+            <a:ext cx="1352348" cy="1088997"/>
+            <a:chOff x="841526" y="4759808"/>
+            <a:chExt cx="1352348" cy="1088997"/>
+          </a:xfrm>
+        </p:grpSpPr>
+        <p:pic>
+          <p:nvPicPr>
+            <p:cNvPr id="3" name="Graphic 2">
+              <a:extLst>
+                <a:ext uri="{FF2B5EF4-FFF2-40B4-BE49-F238E27FC236}">
+                  <a16:creationId xmlns:a16="http://schemas.microsoft.com/office/drawing/2014/main" id="{0C7D8724-4E88-413E-A094-5D241CA6D464}"/>
+                </a:ext>
+              </a:extLst>
+            </p:cNvPr>
+            <p:cNvPicPr>
+              <a:picLocks noChangeAspect="1"/>
+            </p:cNvPicPr>
+            <p:nvPr/>
+          </p:nvPicPr>
+          <p:blipFill>
+            <a:blip r:embed="rId18">
+              <a:extLst>
+                <a:ext uri="{28A0092B-C50C-407E-A947-70E740481C1C}">
+                  <a14:useLocalDpi xmlns:a14="http://schemas.microsoft.com/office/drawing/2010/main" val="0"/>
+                </a:ext>
+                <a:ext uri="{96DAC541-7B7A-43D3-8B79-37D633B846F1}">
+                  <asvg:svgBlip xmlns:asvg="http://schemas.microsoft.com/office/drawing/2016/SVG/main" r:embed="rId19"/>
+                </a:ext>
+              </a:extLst>
+            </a:blip>
+            <a:stretch>
+              <a:fillRect/>
+            </a:stretch>
+          </p:blipFill>
+          <p:spPr>
+            <a:xfrm>
+              <a:off x="1127555" y="4759808"/>
+              <a:ext cx="780290" cy="780290"/>
+            </a:xfrm>
+            <a:prstGeom prst="rect">
+              <a:avLst/>
+            </a:prstGeom>
+          </p:spPr>
+        </p:pic>
+        <p:sp>
+          <p:nvSpPr>
+            <p:cNvPr id="18" name="TextBox 17">
+              <a:extLst>
+                <a:ext uri="{FF2B5EF4-FFF2-40B4-BE49-F238E27FC236}">
+                  <a16:creationId xmlns:a16="http://schemas.microsoft.com/office/drawing/2014/main" id="{BE162AB6-6F2F-4DF1-BDCE-4D9A1C83D751}"/>
+                </a:ext>
+              </a:extLst>
+            </p:cNvPr>
+            <p:cNvSpPr txBox="1"/>
+            <p:nvPr/>
+          </p:nvSpPr>
+          <p:spPr>
+            <a:xfrm>
+              <a:off x="841526" y="5541028"/>
+              <a:ext cx="1352348" cy="307777"/>
+            </a:xfrm>
+            <a:prstGeom prst="rect">
+              <a:avLst/>
+            </a:prstGeom>
+            <a:noFill/>
+          </p:spPr>
+          <p:txBody>
+            <a:bodyPr wrap="square" rtlCol="0">
+              <a:spAutoFit/>
+            </a:bodyPr>
+            <a:lstStyle/>
+            <a:p>
+              <a:pPr algn="ctr"/>
+              <a:r>
+                <a:rPr lang="en-US" sz="1400" dirty="0"/>
+                <a:t>Azure Monitor</a:t>
+              </a:r>
+              <a:endParaRPr lang="en-US" sz="1000" dirty="0"/>
+            </a:p>
+          </p:txBody>
+        </p:sp>
+      </p:grpSp>
+      <p:grpSp>
+        <p:nvGrpSpPr>
+          <p:cNvPr id="24" name="Group 23">
+            <a:extLst>
+              <a:ext uri="{FF2B5EF4-FFF2-40B4-BE49-F238E27FC236}">
+                <a16:creationId xmlns:a16="http://schemas.microsoft.com/office/drawing/2014/main" id="{DD32E67C-AF73-4DD0-B47E-E24142A4E337}"/>
+              </a:ext>
+            </a:extLst>
+          </p:cNvPr>
+          <p:cNvGrpSpPr/>
+          <p:nvPr/>
+        </p:nvGrpSpPr>
+        <p:grpSpPr>
+          <a:xfrm>
+            <a:off x="2215379" y="4795500"/>
+            <a:ext cx="1352348" cy="1088067"/>
+            <a:chOff x="2215379" y="4759808"/>
+            <a:chExt cx="1352348" cy="1088067"/>
+          </a:xfrm>
+        </p:grpSpPr>
+        <p:pic>
+          <p:nvPicPr>
+            <p:cNvPr id="16" name="Graphic 15">
+              <a:extLst>
+                <a:ext uri="{FF2B5EF4-FFF2-40B4-BE49-F238E27FC236}">
+                  <a16:creationId xmlns:a16="http://schemas.microsoft.com/office/drawing/2014/main" id="{83110F5A-A31C-4EA5-A301-89FA8C2F70CD}"/>
+                </a:ext>
+              </a:extLst>
+            </p:cNvPr>
+            <p:cNvPicPr>
+              <a:picLocks noChangeAspect="1"/>
+            </p:cNvPicPr>
+            <p:nvPr/>
+          </p:nvPicPr>
+          <p:blipFill>
+            <a:blip r:embed="rId20">
+              <a:extLst>
+                <a:ext uri="{28A0092B-C50C-407E-A947-70E740481C1C}">
+                  <a14:useLocalDpi xmlns:a14="http://schemas.microsoft.com/office/drawing/2010/main" val="0"/>
+                </a:ext>
+                <a:ext uri="{96DAC541-7B7A-43D3-8B79-37D633B846F1}">
+                  <asvg:svgBlip xmlns:asvg="http://schemas.microsoft.com/office/drawing/2016/SVG/main" r:embed="rId21"/>
+                </a:ext>
+              </a:extLst>
+            </a:blip>
+            <a:stretch>
+              <a:fillRect/>
+            </a:stretch>
+          </p:blipFill>
+          <p:spPr>
+            <a:xfrm>
+              <a:off x="2502935" y="4759808"/>
+              <a:ext cx="780290" cy="780290"/>
+            </a:xfrm>
+            <a:prstGeom prst="rect">
+              <a:avLst/>
+            </a:prstGeom>
+          </p:spPr>
+        </p:pic>
+        <p:sp>
+          <p:nvSpPr>
+            <p:cNvPr id="20" name="TextBox 19">
+              <a:extLst>
+                <a:ext uri="{FF2B5EF4-FFF2-40B4-BE49-F238E27FC236}">
+                  <a16:creationId xmlns:a16="http://schemas.microsoft.com/office/drawing/2014/main" id="{A9772A2B-15BE-4BF5-988B-BC4CC1C66855}"/>
+                </a:ext>
+              </a:extLst>
+            </p:cNvPr>
+            <p:cNvSpPr txBox="1"/>
+            <p:nvPr/>
+          </p:nvSpPr>
+          <p:spPr>
+            <a:xfrm>
+              <a:off x="2215379" y="5540098"/>
+              <a:ext cx="1352348" cy="307777"/>
+            </a:xfrm>
+            <a:prstGeom prst="rect">
+              <a:avLst/>
+            </a:prstGeom>
+            <a:noFill/>
+          </p:spPr>
+          <p:txBody>
+            <a:bodyPr wrap="square" rtlCol="0">
+              <a:spAutoFit/>
+            </a:bodyPr>
+            <a:lstStyle/>
+            <a:p>
+              <a:pPr algn="ctr"/>
+              <a:r>
+                <a:rPr lang="en-US" sz="1400" dirty="0"/>
+                <a:t>Azure Key Vault</a:t>
+              </a:r>
+              <a:endParaRPr lang="en-US" sz="1000" dirty="0"/>
+            </a:p>
+          </p:txBody>
+        </p:sp>
+      </p:grpSp>
     </p:spTree>
     <p:extLst>
       <p:ext uri="{BB962C8B-B14F-4D97-AF65-F5344CB8AC3E}">

--- a/Whiteboard design session/Diagrams.pptx
+++ b/Whiteboard design session/Diagrams.pptx
@@ -11,6 +11,7 @@
     <p:sldId id="259" r:id="rId5"/>
     <p:sldId id="260" r:id="rId6"/>
     <p:sldId id="261" r:id="rId7"/>
+    <p:sldId id="262" r:id="rId8"/>
   </p:sldIdLst>
   <p:sldSz cx="12192000" cy="6858000"/>
   <p:notesSz cx="6858000" cy="9144000"/>
@@ -9023,6 +9024,705 @@
 </p:sld>
 </file>
 
+<file path=ppt/slides/slide7.xml><?xml version="1.0" encoding="utf-8"?>
+<p:sld xmlns:a="http://schemas.openxmlformats.org/drawingml/2006/main" xmlns:r="http://schemas.openxmlformats.org/officeDocument/2006/relationships" xmlns:p="http://schemas.openxmlformats.org/presentationml/2006/main">
+  <p:cSld>
+    <p:spTree>
+      <p:nvGrpSpPr>
+        <p:cNvPr id="1" name=""/>
+        <p:cNvGrpSpPr/>
+        <p:nvPr/>
+      </p:nvGrpSpPr>
+      <p:grpSpPr>
+        <a:xfrm>
+          <a:off x="0" y="0"/>
+          <a:ext cx="0" cy="0"/>
+          <a:chOff x="0" y="0"/>
+          <a:chExt cx="0" cy="0"/>
+        </a:xfrm>
+      </p:grpSpPr>
+      <p:sp>
+        <p:nvSpPr>
+          <p:cNvPr id="14" name="TextBox 13">
+            <a:extLst>
+              <a:ext uri="{FF2B5EF4-FFF2-40B4-BE49-F238E27FC236}">
+                <a16:creationId xmlns:a16="http://schemas.microsoft.com/office/drawing/2014/main" id="{9861045D-2BFB-47F3-959E-FD3A1D8353FA}"/>
+              </a:ext>
+            </a:extLst>
+          </p:cNvPr>
+          <p:cNvSpPr txBox="1"/>
+          <p:nvPr/>
+        </p:nvSpPr>
+        <p:spPr>
+          <a:xfrm>
+            <a:off x="243733" y="344606"/>
+            <a:ext cx="5729261" cy="584775"/>
+          </a:xfrm>
+          <a:prstGeom prst="rect">
+            <a:avLst/>
+          </a:prstGeom>
+          <a:noFill/>
+        </p:spPr>
+        <p:txBody>
+          <a:bodyPr wrap="none" rtlCol="0">
+            <a:spAutoFit/>
+          </a:bodyPr>
+          <a:lstStyle/>
+          <a:p>
+            <a:r>
+              <a:rPr lang="en-US" sz="3200" dirty="0">
+                <a:solidFill>
+                  <a:srgbClr val="0070C0"/>
+                </a:solidFill>
+              </a:rPr>
+              <a:t>Visualizing Bulk Delay Predictions</a:t>
+            </a:r>
+          </a:p>
+        </p:txBody>
+      </p:sp>
+      <p:sp>
+        <p:nvSpPr>
+          <p:cNvPr id="37" name="TextBox 36">
+            <a:extLst>
+              <a:ext uri="{FF2B5EF4-FFF2-40B4-BE49-F238E27FC236}">
+                <a16:creationId xmlns:a16="http://schemas.microsoft.com/office/drawing/2014/main" id="{07C6412B-0A16-47E7-89B2-978A00414FCB}"/>
+              </a:ext>
+            </a:extLst>
+          </p:cNvPr>
+          <p:cNvSpPr txBox="1"/>
+          <p:nvPr/>
+        </p:nvSpPr>
+        <p:spPr>
+          <a:xfrm>
+            <a:off x="1843861" y="4631385"/>
+            <a:ext cx="2072042" cy="892552"/>
+          </a:xfrm>
+          <a:prstGeom prst="rect">
+            <a:avLst/>
+          </a:prstGeom>
+          <a:noFill/>
+        </p:spPr>
+        <p:txBody>
+          <a:bodyPr wrap="none" rtlCol="0">
+            <a:spAutoFit/>
+          </a:bodyPr>
+          <a:lstStyle/>
+          <a:p>
+            <a:r>
+              <a:rPr lang="en-US" sz="1300" i="1" dirty="0"/>
+              <a:t>Notebook uses a JDBC</a:t>
+            </a:r>
+          </a:p>
+          <a:p>
+            <a:r>
+              <a:rPr lang="en-US" sz="1300" i="1" dirty="0"/>
+              <a:t>connection to SQL Database</a:t>
+            </a:r>
+            <a:br>
+              <a:rPr lang="en-US" sz="1300" i="1" dirty="0"/>
+            </a:br>
+            <a:r>
+              <a:rPr lang="en-US" sz="1300" i="1" dirty="0"/>
+              <a:t>to write bulk delay</a:t>
+            </a:r>
+            <a:br>
+              <a:rPr lang="en-US" sz="1300" i="1" dirty="0"/>
+            </a:br>
+            <a:r>
+              <a:rPr lang="en-US" sz="1300" i="1" dirty="0"/>
+              <a:t>predictions</a:t>
+            </a:r>
+          </a:p>
+        </p:txBody>
+      </p:sp>
+      <p:cxnSp>
+        <p:nvCxnSpPr>
+          <p:cNvPr id="43" name="Connector: Elbow 42">
+            <a:extLst>
+              <a:ext uri="{FF2B5EF4-FFF2-40B4-BE49-F238E27FC236}">
+                <a16:creationId xmlns:a16="http://schemas.microsoft.com/office/drawing/2014/main" id="{369325CF-68FE-4690-8C1A-46F5FA7D6C9D}"/>
+              </a:ext>
+            </a:extLst>
+          </p:cNvPr>
+          <p:cNvCxnSpPr>
+            <a:cxnSpLocks/>
+            <a:stCxn id="27" idx="1"/>
+            <a:endCxn id="35" idx="3"/>
+          </p:cNvCxnSpPr>
+          <p:nvPr/>
+        </p:nvCxnSpPr>
+        <p:spPr>
+          <a:xfrm rot="10800000" flipV="1">
+            <a:off x="6966705" y="2554293"/>
+            <a:ext cx="1170616" cy="1050732"/>
+          </a:xfrm>
+          <a:prstGeom prst="bentConnector3">
+            <a:avLst>
+              <a:gd name="adj1" fmla="val 50000"/>
+            </a:avLst>
+          </a:prstGeom>
+          <a:ln>
+            <a:tailEnd type="triangle"/>
+          </a:ln>
+        </p:spPr>
+        <p:style>
+          <a:lnRef idx="3">
+            <a:schemeClr val="accent1"/>
+          </a:lnRef>
+          <a:fillRef idx="0">
+            <a:schemeClr val="accent1"/>
+          </a:fillRef>
+          <a:effectRef idx="2">
+            <a:schemeClr val="accent1"/>
+          </a:effectRef>
+          <a:fontRef idx="minor">
+            <a:schemeClr val="tx1"/>
+          </a:fontRef>
+        </p:style>
+      </p:cxnSp>
+      <p:grpSp>
+        <p:nvGrpSpPr>
+          <p:cNvPr id="26" name="Group 25">
+            <a:extLst>
+              <a:ext uri="{FF2B5EF4-FFF2-40B4-BE49-F238E27FC236}">
+                <a16:creationId xmlns:a16="http://schemas.microsoft.com/office/drawing/2014/main" id="{CED6DB04-C51C-48E4-AFC6-3C4C4471C8D9}"/>
+              </a:ext>
+            </a:extLst>
+          </p:cNvPr>
+          <p:cNvGrpSpPr/>
+          <p:nvPr/>
+        </p:nvGrpSpPr>
+        <p:grpSpPr>
+          <a:xfrm>
+            <a:off x="7922072" y="2164148"/>
+            <a:ext cx="1311417" cy="1537418"/>
+            <a:chOff x="9658004" y="1577670"/>
+            <a:chExt cx="1311417" cy="1537418"/>
+          </a:xfrm>
+        </p:grpSpPr>
+        <p:pic>
+          <p:nvPicPr>
+            <p:cNvPr id="27" name="Picture 26" descr="A close up of a logo&#10;&#10;Description generated with high confidence">
+              <a:extLst>
+                <a:ext uri="{FF2B5EF4-FFF2-40B4-BE49-F238E27FC236}">
+                  <a16:creationId xmlns:a16="http://schemas.microsoft.com/office/drawing/2014/main" id="{4F2BEED4-2ED3-408A-B438-88930D9D6195}"/>
+                </a:ext>
+              </a:extLst>
+            </p:cNvPr>
+            <p:cNvPicPr>
+              <a:picLocks noChangeAspect="1"/>
+            </p:cNvPicPr>
+            <p:nvPr/>
+          </p:nvPicPr>
+          <p:blipFill>
+            <a:blip r:embed="rId2">
+              <a:extLst>
+                <a:ext uri="{28A0092B-C50C-407E-A947-70E740481C1C}">
+                  <a14:useLocalDpi xmlns:a14="http://schemas.microsoft.com/office/drawing/2010/main" val="0"/>
+                </a:ext>
+              </a:extLst>
+            </a:blip>
+            <a:stretch>
+              <a:fillRect/>
+            </a:stretch>
+          </p:blipFill>
+          <p:spPr>
+            <a:xfrm>
+              <a:off x="9873253" y="1577670"/>
+              <a:ext cx="780290" cy="780290"/>
+            </a:xfrm>
+            <a:prstGeom prst="rect">
+              <a:avLst/>
+            </a:prstGeom>
+          </p:spPr>
+        </p:pic>
+        <p:sp>
+          <p:nvSpPr>
+            <p:cNvPr id="28" name="TextBox 27">
+              <a:extLst>
+                <a:ext uri="{FF2B5EF4-FFF2-40B4-BE49-F238E27FC236}">
+                  <a16:creationId xmlns:a16="http://schemas.microsoft.com/office/drawing/2014/main" id="{BD27FBBC-36BD-4684-BD8C-03E64028942E}"/>
+                </a:ext>
+              </a:extLst>
+            </p:cNvPr>
+            <p:cNvSpPr txBox="1"/>
+            <p:nvPr/>
+          </p:nvSpPr>
+          <p:spPr>
+            <a:xfrm>
+              <a:off x="9658004" y="2376424"/>
+              <a:ext cx="1311417" cy="738664"/>
+            </a:xfrm>
+            <a:prstGeom prst="rect">
+              <a:avLst/>
+            </a:prstGeom>
+            <a:noFill/>
+          </p:spPr>
+          <p:txBody>
+            <a:bodyPr wrap="square" rtlCol="0">
+              <a:spAutoFit/>
+            </a:bodyPr>
+            <a:lstStyle/>
+            <a:p>
+              <a:pPr algn="ctr"/>
+              <a:r>
+                <a:rPr lang="en-US" sz="1400" dirty="0"/>
+                <a:t>Visualize Delay Predictions on a Map</a:t>
+              </a:r>
+              <a:endParaRPr lang="en-US" sz="1000" dirty="0"/>
+            </a:p>
+          </p:txBody>
+        </p:sp>
+      </p:grpSp>
+      <p:grpSp>
+        <p:nvGrpSpPr>
+          <p:cNvPr id="32" name="Group 31">
+            <a:extLst>
+              <a:ext uri="{FF2B5EF4-FFF2-40B4-BE49-F238E27FC236}">
+                <a16:creationId xmlns:a16="http://schemas.microsoft.com/office/drawing/2014/main" id="{5BF2A4FE-C96D-4F98-8E6B-71CD3F9DC316}"/>
+              </a:ext>
+            </a:extLst>
+          </p:cNvPr>
+          <p:cNvGrpSpPr/>
+          <p:nvPr/>
+        </p:nvGrpSpPr>
+        <p:grpSpPr>
+          <a:xfrm>
+            <a:off x="5953798" y="3263469"/>
+            <a:ext cx="1352348" cy="1268215"/>
+            <a:chOff x="7660176" y="744653"/>
+            <a:chExt cx="1352348" cy="1268215"/>
+          </a:xfrm>
+        </p:grpSpPr>
+        <p:sp>
+          <p:nvSpPr>
+            <p:cNvPr id="34" name="TextBox 33">
+              <a:extLst>
+                <a:ext uri="{FF2B5EF4-FFF2-40B4-BE49-F238E27FC236}">
+                  <a16:creationId xmlns:a16="http://schemas.microsoft.com/office/drawing/2014/main" id="{BB488957-E04F-4C3E-A108-6E41CA430BE9}"/>
+                </a:ext>
+              </a:extLst>
+            </p:cNvPr>
+            <p:cNvSpPr txBox="1"/>
+            <p:nvPr/>
+          </p:nvSpPr>
+          <p:spPr>
+            <a:xfrm>
+              <a:off x="7660176" y="1489648"/>
+              <a:ext cx="1352348" cy="523220"/>
+            </a:xfrm>
+            <a:prstGeom prst="rect">
+              <a:avLst/>
+            </a:prstGeom>
+            <a:noFill/>
+          </p:spPr>
+          <p:txBody>
+            <a:bodyPr wrap="square" rtlCol="0">
+              <a:spAutoFit/>
+            </a:bodyPr>
+            <a:lstStyle/>
+            <a:p>
+              <a:pPr algn="ctr"/>
+              <a:r>
+                <a:rPr lang="en-US" sz="1400" dirty="0"/>
+                <a:t>Azure SQL Database</a:t>
+              </a:r>
+              <a:endParaRPr lang="en-US" sz="1000" dirty="0"/>
+            </a:p>
+          </p:txBody>
+        </p:sp>
+        <p:pic>
+          <p:nvPicPr>
+            <p:cNvPr id="35" name="Graphic 34">
+              <a:extLst>
+                <a:ext uri="{FF2B5EF4-FFF2-40B4-BE49-F238E27FC236}">
+                  <a16:creationId xmlns:a16="http://schemas.microsoft.com/office/drawing/2014/main" id="{48330128-DD44-4488-ABF8-774FC401F6D8}"/>
+                </a:ext>
+              </a:extLst>
+            </p:cNvPr>
+            <p:cNvPicPr>
+              <a:picLocks noChangeAspect="1"/>
+            </p:cNvPicPr>
+            <p:nvPr/>
+          </p:nvPicPr>
+          <p:blipFill>
+            <a:blip r:embed="rId3">
+              <a:extLst>
+                <a:ext uri="{28A0092B-C50C-407E-A947-70E740481C1C}">
+                  <a14:useLocalDpi xmlns:a14="http://schemas.microsoft.com/office/drawing/2010/main" val="0"/>
+                </a:ext>
+                <a:ext uri="{96DAC541-7B7A-43D3-8B79-37D633B846F1}">
+                  <asvg:svgBlip xmlns:asvg="http://schemas.microsoft.com/office/drawing/2016/SVG/main" r:embed="rId4"/>
+                </a:ext>
+              </a:extLst>
+            </a:blip>
+            <a:stretch>
+              <a:fillRect/>
+            </a:stretch>
+          </p:blipFill>
+          <p:spPr>
+            <a:xfrm>
+              <a:off x="7989971" y="744653"/>
+              <a:ext cx="683112" cy="683112"/>
+            </a:xfrm>
+            <a:prstGeom prst="rect">
+              <a:avLst/>
+            </a:prstGeom>
+          </p:spPr>
+        </p:pic>
+      </p:grpSp>
+      <p:sp>
+        <p:nvSpPr>
+          <p:cNvPr id="36" name="TextBox 35">
+            <a:extLst>
+              <a:ext uri="{FF2B5EF4-FFF2-40B4-BE49-F238E27FC236}">
+                <a16:creationId xmlns:a16="http://schemas.microsoft.com/office/drawing/2014/main" id="{40C306C4-F8F1-48B6-9267-336C0CC8579A}"/>
+              </a:ext>
+            </a:extLst>
+          </p:cNvPr>
+          <p:cNvSpPr txBox="1"/>
+          <p:nvPr/>
+        </p:nvSpPr>
+        <p:spPr>
+          <a:xfrm>
+            <a:off x="5652092" y="4635559"/>
+            <a:ext cx="1958037" cy="692497"/>
+          </a:xfrm>
+          <a:prstGeom prst="rect">
+            <a:avLst/>
+          </a:prstGeom>
+          <a:noFill/>
+        </p:spPr>
+        <p:txBody>
+          <a:bodyPr wrap="none" rtlCol="0">
+            <a:spAutoFit/>
+          </a:bodyPr>
+          <a:lstStyle/>
+          <a:p>
+            <a:r>
+              <a:rPr lang="en-US" sz="1300" i="1" dirty="0"/>
+              <a:t>Storage contains historical</a:t>
+            </a:r>
+            <a:br>
+              <a:rPr lang="en-US" sz="1300" i="1" dirty="0"/>
+            </a:br>
+            <a:r>
+              <a:rPr lang="en-US" sz="1300" i="1" dirty="0"/>
+              <a:t>flight delay data and bulk</a:t>
+            </a:r>
+            <a:br>
+              <a:rPr lang="en-US" sz="1300" i="1" dirty="0"/>
+            </a:br>
+            <a:r>
+              <a:rPr lang="en-US" sz="1300" i="1" dirty="0"/>
+              <a:t>delay predictions</a:t>
+            </a:r>
+          </a:p>
+        </p:txBody>
+      </p:sp>
+      <p:grpSp>
+        <p:nvGrpSpPr>
+          <p:cNvPr id="17" name="Group 16">
+            <a:extLst>
+              <a:ext uri="{FF2B5EF4-FFF2-40B4-BE49-F238E27FC236}">
+                <a16:creationId xmlns:a16="http://schemas.microsoft.com/office/drawing/2014/main" id="{3FDABC88-356A-49CA-8650-83A17590C035}"/>
+              </a:ext>
+            </a:extLst>
+          </p:cNvPr>
+          <p:cNvGrpSpPr/>
+          <p:nvPr/>
+        </p:nvGrpSpPr>
+        <p:grpSpPr>
+          <a:xfrm>
+            <a:off x="1973931" y="3217882"/>
+            <a:ext cx="1210785" cy="1303510"/>
+            <a:chOff x="5421698" y="1312914"/>
+            <a:chExt cx="1210785" cy="1303510"/>
+          </a:xfrm>
+        </p:grpSpPr>
+        <p:pic>
+          <p:nvPicPr>
+            <p:cNvPr id="18" name="Picture 17">
+              <a:extLst>
+                <a:ext uri="{FF2B5EF4-FFF2-40B4-BE49-F238E27FC236}">
+                  <a16:creationId xmlns:a16="http://schemas.microsoft.com/office/drawing/2014/main" id="{17966F7E-D5AF-4B38-B44A-0DCC9FF368CD}"/>
+                </a:ext>
+              </a:extLst>
+            </p:cNvPr>
+            <p:cNvPicPr>
+              <a:picLocks noChangeAspect="1"/>
+            </p:cNvPicPr>
+            <p:nvPr/>
+          </p:nvPicPr>
+          <p:blipFill>
+            <a:blip r:embed="rId5">
+              <a:extLst>
+                <a:ext uri="{28A0092B-C50C-407E-A947-70E740481C1C}">
+                  <a14:useLocalDpi xmlns:a14="http://schemas.microsoft.com/office/drawing/2010/main" val="0"/>
+                </a:ext>
+              </a:extLst>
+            </a:blip>
+            <a:stretch>
+              <a:fillRect/>
+            </a:stretch>
+          </p:blipFill>
+          <p:spPr>
+            <a:xfrm>
+              <a:off x="5641117" y="1312914"/>
+              <a:ext cx="707212" cy="780290"/>
+            </a:xfrm>
+            <a:prstGeom prst="rect">
+              <a:avLst/>
+            </a:prstGeom>
+          </p:spPr>
+        </p:pic>
+        <p:sp>
+          <p:nvSpPr>
+            <p:cNvPr id="19" name="TextBox 18">
+              <a:extLst>
+                <a:ext uri="{FF2B5EF4-FFF2-40B4-BE49-F238E27FC236}">
+                  <a16:creationId xmlns:a16="http://schemas.microsoft.com/office/drawing/2014/main" id="{C0E18EE8-658A-47C0-B5CD-05CAD21FBA8C}"/>
+                </a:ext>
+              </a:extLst>
+            </p:cNvPr>
+            <p:cNvSpPr txBox="1"/>
+            <p:nvPr/>
+          </p:nvSpPr>
+          <p:spPr>
+            <a:xfrm>
+              <a:off x="5421698" y="2093204"/>
+              <a:ext cx="1210785" cy="523220"/>
+            </a:xfrm>
+            <a:prstGeom prst="rect">
+              <a:avLst/>
+            </a:prstGeom>
+            <a:noFill/>
+          </p:spPr>
+          <p:txBody>
+            <a:bodyPr wrap="square" rtlCol="0">
+              <a:spAutoFit/>
+            </a:bodyPr>
+            <a:lstStyle/>
+            <a:p>
+              <a:pPr algn="ctr"/>
+              <a:r>
+                <a:rPr lang="en-US" sz="1400" dirty="0"/>
+                <a:t>Azure Databricks</a:t>
+              </a:r>
+              <a:endParaRPr lang="en-US" sz="1100" dirty="0"/>
+            </a:p>
+          </p:txBody>
+        </p:sp>
+      </p:grpSp>
+      <p:cxnSp>
+        <p:nvCxnSpPr>
+          <p:cNvPr id="5" name="Connector: Elbow 4">
+            <a:extLst>
+              <a:ext uri="{FF2B5EF4-FFF2-40B4-BE49-F238E27FC236}">
+                <a16:creationId xmlns:a16="http://schemas.microsoft.com/office/drawing/2014/main" id="{98D17985-8327-4C9B-BECD-6A9E5D9835E9}"/>
+              </a:ext>
+            </a:extLst>
+          </p:cNvPr>
+          <p:cNvCxnSpPr>
+            <a:cxnSpLocks/>
+            <a:stCxn id="18" idx="3"/>
+            <a:endCxn id="35" idx="1"/>
+          </p:cNvCxnSpPr>
+          <p:nvPr/>
+        </p:nvCxnSpPr>
+        <p:spPr>
+          <a:xfrm flipV="1">
+            <a:off x="2900562" y="3605025"/>
+            <a:ext cx="3383031" cy="3002"/>
+          </a:xfrm>
+          <a:prstGeom prst="straightConnector1">
+            <a:avLst/>
+          </a:prstGeom>
+          <a:ln>
+            <a:tailEnd type="triangle"/>
+          </a:ln>
+        </p:spPr>
+        <p:style>
+          <a:lnRef idx="3">
+            <a:schemeClr val="accent1"/>
+          </a:lnRef>
+          <a:fillRef idx="0">
+            <a:schemeClr val="accent1"/>
+          </a:fillRef>
+          <a:effectRef idx="2">
+            <a:schemeClr val="accent1"/>
+          </a:effectRef>
+          <a:fontRef idx="minor">
+            <a:schemeClr val="tx1"/>
+          </a:fontRef>
+        </p:style>
+      </p:cxnSp>
+      <p:grpSp>
+        <p:nvGrpSpPr>
+          <p:cNvPr id="29" name="Group 28">
+            <a:extLst>
+              <a:ext uri="{FF2B5EF4-FFF2-40B4-BE49-F238E27FC236}">
+                <a16:creationId xmlns:a16="http://schemas.microsoft.com/office/drawing/2014/main" id="{CD3CF257-F9CB-43E6-AA34-E2881C15D22D}"/>
+              </a:ext>
+            </a:extLst>
+          </p:cNvPr>
+          <p:cNvGrpSpPr/>
+          <p:nvPr/>
+        </p:nvGrpSpPr>
+        <p:grpSpPr>
+          <a:xfrm>
+            <a:off x="3915903" y="1334063"/>
+            <a:ext cx="1352348" cy="1088067"/>
+            <a:chOff x="2215379" y="4759808"/>
+            <a:chExt cx="1352348" cy="1088067"/>
+          </a:xfrm>
+        </p:grpSpPr>
+        <p:pic>
+          <p:nvPicPr>
+            <p:cNvPr id="30" name="Graphic 29">
+              <a:extLst>
+                <a:ext uri="{FF2B5EF4-FFF2-40B4-BE49-F238E27FC236}">
+                  <a16:creationId xmlns:a16="http://schemas.microsoft.com/office/drawing/2014/main" id="{4DE99718-8B4F-4166-B68D-32C6FEBB80C3}"/>
+                </a:ext>
+              </a:extLst>
+            </p:cNvPr>
+            <p:cNvPicPr>
+              <a:picLocks noChangeAspect="1"/>
+            </p:cNvPicPr>
+            <p:nvPr/>
+          </p:nvPicPr>
+          <p:blipFill>
+            <a:blip r:embed="rId6">
+              <a:extLst>
+                <a:ext uri="{28A0092B-C50C-407E-A947-70E740481C1C}">
+                  <a14:useLocalDpi xmlns:a14="http://schemas.microsoft.com/office/drawing/2010/main" val="0"/>
+                </a:ext>
+                <a:ext uri="{96DAC541-7B7A-43D3-8B79-37D633B846F1}">
+                  <asvg:svgBlip xmlns:asvg="http://schemas.microsoft.com/office/drawing/2016/SVG/main" r:embed="rId7"/>
+                </a:ext>
+              </a:extLst>
+            </a:blip>
+            <a:stretch>
+              <a:fillRect/>
+            </a:stretch>
+          </p:blipFill>
+          <p:spPr>
+            <a:xfrm>
+              <a:off x="2502935" y="4759808"/>
+              <a:ext cx="780290" cy="780290"/>
+            </a:xfrm>
+            <a:prstGeom prst="rect">
+              <a:avLst/>
+            </a:prstGeom>
+          </p:spPr>
+        </p:pic>
+        <p:sp>
+          <p:nvSpPr>
+            <p:cNvPr id="31" name="TextBox 30">
+              <a:extLst>
+                <a:ext uri="{FF2B5EF4-FFF2-40B4-BE49-F238E27FC236}">
+                  <a16:creationId xmlns:a16="http://schemas.microsoft.com/office/drawing/2014/main" id="{48AEA2D9-9211-4AB2-9822-E7AADBA88C58}"/>
+                </a:ext>
+              </a:extLst>
+            </p:cNvPr>
+            <p:cNvSpPr txBox="1"/>
+            <p:nvPr/>
+          </p:nvSpPr>
+          <p:spPr>
+            <a:xfrm>
+              <a:off x="2215379" y="5540098"/>
+              <a:ext cx="1352348" cy="307777"/>
+            </a:xfrm>
+            <a:prstGeom prst="rect">
+              <a:avLst/>
+            </a:prstGeom>
+            <a:noFill/>
+          </p:spPr>
+          <p:txBody>
+            <a:bodyPr wrap="square" rtlCol="0">
+              <a:spAutoFit/>
+            </a:bodyPr>
+            <a:lstStyle/>
+            <a:p>
+              <a:pPr algn="ctr"/>
+              <a:r>
+                <a:rPr lang="en-US" sz="1400" dirty="0"/>
+                <a:t>Azure Key Vault</a:t>
+              </a:r>
+              <a:endParaRPr lang="en-US" sz="1000" dirty="0"/>
+            </a:p>
+          </p:txBody>
+        </p:sp>
+      </p:grpSp>
+      <p:sp>
+        <p:nvSpPr>
+          <p:cNvPr id="8" name="TextBox 7">
+            <a:extLst>
+              <a:ext uri="{FF2B5EF4-FFF2-40B4-BE49-F238E27FC236}">
+                <a16:creationId xmlns:a16="http://schemas.microsoft.com/office/drawing/2014/main" id="{14B0B4F9-2862-491E-9EF7-A2FCC519F32D}"/>
+              </a:ext>
+            </a:extLst>
+          </p:cNvPr>
+          <p:cNvSpPr txBox="1"/>
+          <p:nvPr/>
+        </p:nvSpPr>
+        <p:spPr>
+          <a:xfrm>
+            <a:off x="3583674" y="2455909"/>
+            <a:ext cx="2089355" cy="892552"/>
+          </a:xfrm>
+          <a:prstGeom prst="rect">
+            <a:avLst/>
+          </a:prstGeom>
+          <a:noFill/>
+        </p:spPr>
+        <p:txBody>
+          <a:bodyPr wrap="none" rtlCol="0">
+            <a:spAutoFit/>
+          </a:bodyPr>
+          <a:lstStyle/>
+          <a:p>
+            <a:r>
+              <a:rPr lang="en-US" sz="1300" i="1" dirty="0"/>
+              <a:t>Key Vault-backed Databricks</a:t>
+            </a:r>
+            <a:br>
+              <a:rPr lang="en-US" sz="1300" i="1" dirty="0"/>
+            </a:br>
+            <a:r>
+              <a:rPr lang="en-US" sz="1300" i="1" dirty="0"/>
+              <a:t>secret scope securely stores</a:t>
+            </a:r>
+            <a:br>
+              <a:rPr lang="en-US" sz="1300" i="1" dirty="0"/>
+            </a:br>
+            <a:r>
+              <a:rPr lang="en-US" sz="1300" i="1" dirty="0"/>
+              <a:t>JDBC connection string and</a:t>
+            </a:r>
+            <a:br>
+              <a:rPr lang="en-US" sz="1300" i="1" dirty="0"/>
+            </a:br>
+            <a:r>
+              <a:rPr lang="en-US" sz="1300" i="1" dirty="0"/>
+              <a:t>other secrets</a:t>
+            </a:r>
+          </a:p>
+        </p:txBody>
+      </p:sp>
+    </p:spTree>
+    <p:extLst>
+      <p:ext uri="{BB962C8B-B14F-4D97-AF65-F5344CB8AC3E}">
+        <p14:creationId xmlns:p14="http://schemas.microsoft.com/office/powerpoint/2010/main" val="1760812063"/>
+      </p:ext>
+    </p:extLst>
+  </p:cSld>
+  <p:clrMapOvr>
+    <a:masterClrMapping/>
+  </p:clrMapOvr>
+</p:sld>
+</file>
+
 <file path=ppt/theme/theme1.xml><?xml version="1.0" encoding="utf-8"?>
 <a:theme xmlns:a="http://schemas.openxmlformats.org/drawingml/2006/main" name="Office Theme">
   <a:themeElements>

--- a/Whiteboard design session/Diagrams.pptx
+++ b/Whiteboard design session/Diagrams.pptx
@@ -12,6 +12,9 @@
     <p:sldId id="260" r:id="rId6"/>
     <p:sldId id="261" r:id="rId7"/>
     <p:sldId id="262" r:id="rId8"/>
+    <p:sldId id="263" r:id="rId9"/>
+    <p:sldId id="264" r:id="rId10"/>
+    <p:sldId id="265" r:id="rId11"/>
   </p:sldIdLst>
   <p:sldSz cx="12192000" cy="6858000"/>
   <p:notesSz cx="6858000" cy="9144000"/>
@@ -265,7 +268,7 @@
           <a:p>
             <a:fld id="{7197974A-2564-4B50-81B9-7BC2278DE874}" type="datetimeFigureOut">
               <a:rPr lang="en-US" smtClean="0"/>
-              <a:t>6/19/2020</a:t>
+              <a:t>2021-03-24</a:t>
             </a:fld>
             <a:endParaRPr lang="en-US"/>
           </a:p>
@@ -463,7 +466,7 @@
           <a:p>
             <a:fld id="{7197974A-2564-4B50-81B9-7BC2278DE874}" type="datetimeFigureOut">
               <a:rPr lang="en-US" smtClean="0"/>
-              <a:t>6/19/2020</a:t>
+              <a:t>2021-03-24</a:t>
             </a:fld>
             <a:endParaRPr lang="en-US"/>
           </a:p>
@@ -671,7 +674,7 @@
           <a:p>
             <a:fld id="{7197974A-2564-4B50-81B9-7BC2278DE874}" type="datetimeFigureOut">
               <a:rPr lang="en-US" smtClean="0"/>
-              <a:t>6/19/2020</a:t>
+              <a:t>2021-03-24</a:t>
             </a:fld>
             <a:endParaRPr lang="en-US"/>
           </a:p>
@@ -869,7 +872,7 @@
           <a:p>
             <a:fld id="{7197974A-2564-4B50-81B9-7BC2278DE874}" type="datetimeFigureOut">
               <a:rPr lang="en-US" smtClean="0"/>
-              <a:t>6/19/2020</a:t>
+              <a:t>2021-03-24</a:t>
             </a:fld>
             <a:endParaRPr lang="en-US"/>
           </a:p>
@@ -1144,7 +1147,7 @@
           <a:p>
             <a:fld id="{7197974A-2564-4B50-81B9-7BC2278DE874}" type="datetimeFigureOut">
               <a:rPr lang="en-US" smtClean="0"/>
-              <a:t>6/19/2020</a:t>
+              <a:t>2021-03-24</a:t>
             </a:fld>
             <a:endParaRPr lang="en-US"/>
           </a:p>
@@ -1409,7 +1412,7 @@
           <a:p>
             <a:fld id="{7197974A-2564-4B50-81B9-7BC2278DE874}" type="datetimeFigureOut">
               <a:rPr lang="en-US" smtClean="0"/>
-              <a:t>6/19/2020</a:t>
+              <a:t>2021-03-24</a:t>
             </a:fld>
             <a:endParaRPr lang="en-US"/>
           </a:p>
@@ -1821,7 +1824,7 @@
           <a:p>
             <a:fld id="{7197974A-2564-4B50-81B9-7BC2278DE874}" type="datetimeFigureOut">
               <a:rPr lang="en-US" smtClean="0"/>
-              <a:t>6/19/2020</a:t>
+              <a:t>2021-03-24</a:t>
             </a:fld>
             <a:endParaRPr lang="en-US"/>
           </a:p>
@@ -1962,7 +1965,7 @@
           <a:p>
             <a:fld id="{7197974A-2564-4B50-81B9-7BC2278DE874}" type="datetimeFigureOut">
               <a:rPr lang="en-US" smtClean="0"/>
-              <a:t>6/19/2020</a:t>
+              <a:t>2021-03-24</a:t>
             </a:fld>
             <a:endParaRPr lang="en-US"/>
           </a:p>
@@ -2075,7 +2078,7 @@
           <a:p>
             <a:fld id="{7197974A-2564-4B50-81B9-7BC2278DE874}" type="datetimeFigureOut">
               <a:rPr lang="en-US" smtClean="0"/>
-              <a:t>6/19/2020</a:t>
+              <a:t>2021-03-24</a:t>
             </a:fld>
             <a:endParaRPr lang="en-US"/>
           </a:p>
@@ -2386,7 +2389,7 @@
           <a:p>
             <a:fld id="{7197974A-2564-4B50-81B9-7BC2278DE874}" type="datetimeFigureOut">
               <a:rPr lang="en-US" smtClean="0"/>
-              <a:t>6/19/2020</a:t>
+              <a:t>2021-03-24</a:t>
             </a:fld>
             <a:endParaRPr lang="en-US"/>
           </a:p>
@@ -2674,7 +2677,7 @@
           <a:p>
             <a:fld id="{7197974A-2564-4B50-81B9-7BC2278DE874}" type="datetimeFigureOut">
               <a:rPr lang="en-US" smtClean="0"/>
-              <a:t>6/19/2020</a:t>
+              <a:t>2021-03-24</a:t>
             </a:fld>
             <a:endParaRPr lang="en-US"/>
           </a:p>
@@ -2915,7 +2918,7 @@
           <a:p>
             <a:fld id="{7197974A-2564-4B50-81B9-7BC2278DE874}" type="datetimeFigureOut">
               <a:rPr lang="en-US" smtClean="0"/>
-              <a:t>6/19/2020</a:t>
+              <a:t>2021-03-24</a:t>
             </a:fld>
             <a:endParaRPr lang="en-US"/>
           </a:p>
@@ -3332,6 +3335,162 @@
           <a:chExt cx="0" cy="0"/>
         </a:xfrm>
       </p:grpSpPr>
+      <p:pic>
+        <p:nvPicPr>
+          <p:cNvPr id="72" name="Graphic 71">
+            <a:extLst>
+              <a:ext uri="{FF2B5EF4-FFF2-40B4-BE49-F238E27FC236}">
+                <a16:creationId xmlns:a16="http://schemas.microsoft.com/office/drawing/2014/main" id="{C1FAE143-FAEE-40B2-B6B1-D33E29965FCA}"/>
+              </a:ext>
+            </a:extLst>
+          </p:cNvPr>
+          <p:cNvPicPr>
+            <a:picLocks noChangeAspect="1"/>
+          </p:cNvPicPr>
+          <p:nvPr/>
+        </p:nvPicPr>
+        <p:blipFill>
+          <a:blip r:embed="rId2">
+            <a:extLst>
+              <a:ext uri="{28A0092B-C50C-407E-A947-70E740481C1C}">
+                <a14:useLocalDpi xmlns:a14="http://schemas.microsoft.com/office/drawing/2010/main"/>
+              </a:ext>
+              <a:ext uri="{96DAC541-7B7A-43D3-8B79-37D633B846F1}">
+                <asvg:svgBlip xmlns:asvg="http://schemas.microsoft.com/office/drawing/2016/SVG/main" r:embed="rId3"/>
+              </a:ext>
+            </a:extLst>
+          </a:blip>
+          <a:stretch>
+            <a:fillRect/>
+          </a:stretch>
+        </p:blipFill>
+        <p:spPr>
+          <a:xfrm>
+            <a:off x="9899482" y="691837"/>
+            <a:ext cx="738663" cy="738663"/>
+          </a:xfrm>
+          <a:prstGeom prst="rect">
+            <a:avLst/>
+          </a:prstGeom>
+        </p:spPr>
+      </p:pic>
+      <p:pic>
+        <p:nvPicPr>
+          <p:cNvPr id="45" name="Graphic 44">
+            <a:extLst>
+              <a:ext uri="{FF2B5EF4-FFF2-40B4-BE49-F238E27FC236}">
+                <a16:creationId xmlns:a16="http://schemas.microsoft.com/office/drawing/2014/main" id="{134405AE-00DF-49B4-9521-683975B1910B}"/>
+              </a:ext>
+            </a:extLst>
+          </p:cNvPr>
+          <p:cNvPicPr>
+            <a:picLocks noChangeAspect="1"/>
+          </p:cNvPicPr>
+          <p:nvPr/>
+        </p:nvPicPr>
+        <p:blipFill>
+          <a:blip r:embed="rId4">
+            <a:extLst>
+              <a:ext uri="{28A0092B-C50C-407E-A947-70E740481C1C}">
+                <a14:useLocalDpi xmlns:a14="http://schemas.microsoft.com/office/drawing/2010/main"/>
+              </a:ext>
+              <a:ext uri="{96DAC541-7B7A-43D3-8B79-37D633B846F1}">
+                <asvg:svgBlip xmlns:asvg="http://schemas.microsoft.com/office/drawing/2016/SVG/main" r:embed="rId5"/>
+              </a:ext>
+            </a:extLst>
+          </a:blip>
+          <a:stretch>
+            <a:fillRect/>
+          </a:stretch>
+        </p:blipFill>
+        <p:spPr>
+          <a:xfrm>
+            <a:off x="9899482" y="2804544"/>
+            <a:ext cx="828225" cy="828225"/>
+          </a:xfrm>
+          <a:prstGeom prst="rect">
+            <a:avLst/>
+          </a:prstGeom>
+        </p:spPr>
+      </p:pic>
+      <p:pic>
+        <p:nvPicPr>
+          <p:cNvPr id="36" name="Graphic 35">
+            <a:extLst>
+              <a:ext uri="{FF2B5EF4-FFF2-40B4-BE49-F238E27FC236}">
+                <a16:creationId xmlns:a16="http://schemas.microsoft.com/office/drawing/2014/main" id="{AEBB9519-4CEA-4E99-BF30-F11468088971}"/>
+              </a:ext>
+            </a:extLst>
+          </p:cNvPr>
+          <p:cNvPicPr>
+            <a:picLocks noChangeAspect="1"/>
+          </p:cNvPicPr>
+          <p:nvPr/>
+        </p:nvPicPr>
+        <p:blipFill>
+          <a:blip r:embed="rId6">
+            <a:extLst>
+              <a:ext uri="{28A0092B-C50C-407E-A947-70E740481C1C}">
+                <a14:useLocalDpi xmlns:a14="http://schemas.microsoft.com/office/drawing/2010/main"/>
+              </a:ext>
+              <a:ext uri="{96DAC541-7B7A-43D3-8B79-37D633B846F1}">
+                <asvg:svgBlip xmlns:asvg="http://schemas.microsoft.com/office/drawing/2016/SVG/main" r:embed="rId7"/>
+              </a:ext>
+            </a:extLst>
+          </a:blip>
+          <a:stretch>
+            <a:fillRect/>
+          </a:stretch>
+        </p:blipFill>
+        <p:spPr>
+          <a:xfrm>
+            <a:off x="7949603" y="695122"/>
+            <a:ext cx="780290" cy="780290"/>
+          </a:xfrm>
+          <a:prstGeom prst="rect">
+            <a:avLst/>
+          </a:prstGeom>
+        </p:spPr>
+      </p:pic>
+      <p:pic>
+        <p:nvPicPr>
+          <p:cNvPr id="34" name="Graphic 33">
+            <a:extLst>
+              <a:ext uri="{FF2B5EF4-FFF2-40B4-BE49-F238E27FC236}">
+                <a16:creationId xmlns:a16="http://schemas.microsoft.com/office/drawing/2014/main" id="{E0C86BAC-8661-4248-9006-FD31927BA011}"/>
+              </a:ext>
+            </a:extLst>
+          </p:cNvPr>
+          <p:cNvPicPr>
+            <a:picLocks noChangeAspect="1"/>
+          </p:cNvPicPr>
+          <p:nvPr/>
+        </p:nvPicPr>
+        <p:blipFill>
+          <a:blip r:embed="rId8">
+            <a:extLst>
+              <a:ext uri="{28A0092B-C50C-407E-A947-70E740481C1C}">
+                <a14:useLocalDpi xmlns:a14="http://schemas.microsoft.com/office/drawing/2010/main"/>
+              </a:ext>
+              <a:ext uri="{96DAC541-7B7A-43D3-8B79-37D633B846F1}">
+                <asvg:svgBlip xmlns:asvg="http://schemas.microsoft.com/office/drawing/2016/SVG/main" r:embed="rId9"/>
+              </a:ext>
+            </a:extLst>
+          </a:blip>
+          <a:stretch>
+            <a:fillRect/>
+          </a:stretch>
+        </p:blipFill>
+        <p:spPr>
+          <a:xfrm>
+            <a:off x="2471091" y="1567237"/>
+            <a:ext cx="838079" cy="838079"/>
+          </a:xfrm>
+          <a:prstGeom prst="rect">
+            <a:avLst/>
+          </a:prstGeom>
+        </p:spPr>
+      </p:pic>
       <p:grpSp>
         <p:nvGrpSpPr>
           <p:cNvPr id="4" name="Group 3">
@@ -3387,13 +3546,13 @@
               <p:nvPr/>
             </p:nvPicPr>
             <p:blipFill>
-              <a:blip r:embed="rId2">
+              <a:blip r:embed="rId10">
                 <a:extLst>
                   <a:ext uri="{28A0092B-C50C-407E-A947-70E740481C1C}">
-                    <a14:useLocalDpi xmlns:a14="http://schemas.microsoft.com/office/drawing/2010/main" val="0"/>
+                    <a14:useLocalDpi xmlns:a14="http://schemas.microsoft.com/office/drawing/2010/main"/>
                   </a:ext>
                   <a:ext uri="{96DAC541-7B7A-43D3-8B79-37D633B846F1}">
-                    <asvg:svgBlip xmlns:asvg="http://schemas.microsoft.com/office/drawing/2016/SVG/main" r:embed="rId3"/>
+                    <asvg:svgBlip xmlns:asvg="http://schemas.microsoft.com/office/drawing/2016/SVG/main" r:embed="rId11"/>
                   </a:ext>
                 </a:extLst>
               </a:blip>
@@ -3426,13 +3585,13 @@
               <p:nvPr/>
             </p:nvPicPr>
             <p:blipFill>
-              <a:blip r:embed="rId4">
+              <a:blip r:embed="rId12" cstate="hqprint">
                 <a:extLst>
                   <a:ext uri="{28A0092B-C50C-407E-A947-70E740481C1C}">
-                    <a14:useLocalDpi xmlns:a14="http://schemas.microsoft.com/office/drawing/2010/main" val="0"/>
+                    <a14:useLocalDpi xmlns:a14="http://schemas.microsoft.com/office/drawing/2010/main"/>
                   </a:ext>
                   <a:ext uri="{96DAC541-7B7A-43D3-8B79-37D633B846F1}">
-                    <asvg:svgBlip xmlns:asvg="http://schemas.microsoft.com/office/drawing/2016/SVG/main" r:embed="rId5"/>
+                    <asvg:svgBlip xmlns:asvg="http://schemas.microsoft.com/office/drawing/2016/SVG/main" r:embed="rId13"/>
                   </a:ext>
                 </a:extLst>
               </a:blip>
@@ -3551,13 +3710,13 @@
               <p:nvPr/>
             </p:nvPicPr>
             <p:blipFill>
-              <a:blip r:embed="rId2">
+              <a:blip r:embed="rId10">
                 <a:extLst>
                   <a:ext uri="{28A0092B-C50C-407E-A947-70E740481C1C}">
-                    <a14:useLocalDpi xmlns:a14="http://schemas.microsoft.com/office/drawing/2010/main" val="0"/>
+                    <a14:useLocalDpi xmlns:a14="http://schemas.microsoft.com/office/drawing/2010/main"/>
                   </a:ext>
                   <a:ext uri="{96DAC541-7B7A-43D3-8B79-37D633B846F1}">
-                    <asvg:svgBlip xmlns:asvg="http://schemas.microsoft.com/office/drawing/2016/SVG/main" r:embed="rId3"/>
+                    <asvg:svgBlip xmlns:asvg="http://schemas.microsoft.com/office/drawing/2016/SVG/main" r:embed="rId11"/>
                   </a:ext>
                 </a:extLst>
               </a:blip>
@@ -3590,13 +3749,13 @@
               <p:nvPr/>
             </p:nvPicPr>
             <p:blipFill>
-              <a:blip r:embed="rId4">
+              <a:blip r:embed="rId12" cstate="hqprint">
                 <a:extLst>
                   <a:ext uri="{28A0092B-C50C-407E-A947-70E740481C1C}">
-                    <a14:useLocalDpi xmlns:a14="http://schemas.microsoft.com/office/drawing/2010/main" val="0"/>
+                    <a14:useLocalDpi xmlns:a14="http://schemas.microsoft.com/office/drawing/2010/main"/>
                   </a:ext>
                   <a:ext uri="{96DAC541-7B7A-43D3-8B79-37D633B846F1}">
-                    <asvg:svgBlip xmlns:asvg="http://schemas.microsoft.com/office/drawing/2016/SVG/main" r:embed="rId5"/>
+                    <asvg:svgBlip xmlns:asvg="http://schemas.microsoft.com/office/drawing/2016/SVG/main" r:embed="rId13"/>
                   </a:ext>
                 </a:extLst>
               </a:blip>
@@ -3660,12 +3819,49 @@
           </p:txBody>
         </p:sp>
       </p:grpSp>
+      <p:sp>
+        <p:nvSpPr>
+          <p:cNvPr id="27" name="TextBox 26">
+            <a:extLst>
+              <a:ext uri="{FF2B5EF4-FFF2-40B4-BE49-F238E27FC236}">
+                <a16:creationId xmlns:a16="http://schemas.microsoft.com/office/drawing/2014/main" id="{2097523E-2B0E-491F-8BC1-84B9A489E2CE}"/>
+              </a:ext>
+            </a:extLst>
+          </p:cNvPr>
+          <p:cNvSpPr txBox="1"/>
+          <p:nvPr/>
+        </p:nvSpPr>
+        <p:spPr>
+          <a:xfrm>
+            <a:off x="2286161" y="2435591"/>
+            <a:ext cx="1210785" cy="523220"/>
+          </a:xfrm>
+          <a:prstGeom prst="rect">
+            <a:avLst/>
+          </a:prstGeom>
+          <a:noFill/>
+        </p:spPr>
+        <p:txBody>
+          <a:bodyPr wrap="square" rtlCol="0">
+            <a:spAutoFit/>
+          </a:bodyPr>
+          <a:lstStyle/>
+          <a:p>
+            <a:pPr algn="ctr"/>
+            <a:r>
+              <a:rPr lang="en-US" sz="1400" dirty="0"/>
+              <a:t>Azure Data Factory</a:t>
+            </a:r>
+            <a:endParaRPr lang="en-US" sz="1000" dirty="0"/>
+          </a:p>
+        </p:txBody>
+      </p:sp>
       <p:grpSp>
         <p:nvGrpSpPr>
-          <p:cNvPr id="29" name="Group 28">
-            <a:extLst>
-              <a:ext uri="{FF2B5EF4-FFF2-40B4-BE49-F238E27FC236}">
-                <a16:creationId xmlns:a16="http://schemas.microsoft.com/office/drawing/2014/main" id="{3CA66550-D272-4F54-8CF0-C6D1CC653797}"/>
+          <p:cNvPr id="25" name="Group 24">
+            <a:extLst>
+              <a:ext uri="{FF2B5EF4-FFF2-40B4-BE49-F238E27FC236}">
+                <a16:creationId xmlns:a16="http://schemas.microsoft.com/office/drawing/2014/main" id="{C9E81C4E-A86B-42E9-990F-E55826156533}"/>
               </a:ext>
             </a:extLst>
           </p:cNvPr>
@@ -3674,18 +3870,18 @@
         </p:nvGrpSpPr>
         <p:grpSpPr>
           <a:xfrm>
-            <a:off x="3833568" y="1596134"/>
-            <a:ext cx="1210785" cy="1101067"/>
-            <a:chOff x="3856015" y="1312914"/>
-            <a:chExt cx="1210785" cy="1101067"/>
+            <a:off x="6051650" y="1594844"/>
+            <a:ext cx="1210785" cy="1482752"/>
+            <a:chOff x="6009538" y="1570780"/>
+            <a:chExt cx="1210785" cy="1482752"/>
           </a:xfrm>
         </p:grpSpPr>
         <p:pic>
           <p:nvPicPr>
-            <p:cNvPr id="17" name="Picture 16" descr="A stop sign&#10;&#10;Description generated with high confidence">
+            <p:cNvPr id="14" name="Graphic 13">
               <a:extLst>
                 <a:ext uri="{FF2B5EF4-FFF2-40B4-BE49-F238E27FC236}">
-                  <a16:creationId xmlns:a16="http://schemas.microsoft.com/office/drawing/2014/main" id="{55840299-CC03-4677-A8BA-FBD123431B29}"/>
+                  <a16:creationId xmlns:a16="http://schemas.microsoft.com/office/drawing/2014/main" id="{FCE5244B-0ED4-4742-B07F-D1F3374F4776}"/>
                 </a:ext>
               </a:extLst>
             </p:cNvPr>
@@ -3695,10 +3891,13 @@
             <p:nvPr/>
           </p:nvPicPr>
           <p:blipFill>
-            <a:blip r:embed="rId6">
+            <a:blip r:embed="rId14">
               <a:extLst>
                 <a:ext uri="{28A0092B-C50C-407E-A947-70E740481C1C}">
-                  <a14:useLocalDpi xmlns:a14="http://schemas.microsoft.com/office/drawing/2010/main" val="0"/>
+                  <a14:useLocalDpi xmlns:a14="http://schemas.microsoft.com/office/drawing/2010/main"/>
+                </a:ext>
+                <a:ext uri="{96DAC541-7B7A-43D3-8B79-37D633B846F1}">
+                  <asvg:svgBlip xmlns:asvg="http://schemas.microsoft.com/office/drawing/2016/SVG/main" r:embed="rId15"/>
                 </a:ext>
               </a:extLst>
             </a:blip>
@@ -3708,196 +3907,8 @@
           </p:blipFill>
           <p:spPr>
             <a:xfrm>
-              <a:off x="4071263" y="1312914"/>
-              <a:ext cx="780290" cy="780290"/>
-            </a:xfrm>
-            <a:prstGeom prst="rect">
-              <a:avLst/>
-            </a:prstGeom>
-          </p:spPr>
-        </p:pic>
-        <p:sp>
-          <p:nvSpPr>
-            <p:cNvPr id="26" name="TextBox 25">
-              <a:extLst>
-                <a:ext uri="{FF2B5EF4-FFF2-40B4-BE49-F238E27FC236}">
-                  <a16:creationId xmlns:a16="http://schemas.microsoft.com/office/drawing/2014/main" id="{BB82A25B-4290-4F26-B6A0-DE277E58056F}"/>
-                </a:ext>
-              </a:extLst>
-            </p:cNvPr>
-            <p:cNvSpPr txBox="1"/>
-            <p:nvPr/>
-          </p:nvSpPr>
-          <p:spPr>
-            <a:xfrm>
-              <a:off x="3856015" y="2106204"/>
-              <a:ext cx="1210785" cy="307777"/>
-            </a:xfrm>
-            <a:prstGeom prst="rect">
-              <a:avLst/>
-            </a:prstGeom>
-            <a:noFill/>
-          </p:spPr>
-          <p:txBody>
-            <a:bodyPr wrap="square" rtlCol="0">
-              <a:spAutoFit/>
-            </a:bodyPr>
-            <a:lstStyle/>
-            <a:p>
-              <a:pPr algn="ctr"/>
-              <a:r>
-                <a:rPr lang="en-US" sz="1400" dirty="0"/>
-                <a:t>Blob Storage</a:t>
-              </a:r>
-              <a:endParaRPr lang="en-US" sz="1000" dirty="0"/>
-            </a:p>
-          </p:txBody>
-        </p:sp>
-      </p:grpSp>
-      <p:grpSp>
-        <p:nvGrpSpPr>
-          <p:cNvPr id="28" name="Group 27">
-            <a:extLst>
-              <a:ext uri="{FF2B5EF4-FFF2-40B4-BE49-F238E27FC236}">
-                <a16:creationId xmlns:a16="http://schemas.microsoft.com/office/drawing/2014/main" id="{8A2D8B15-D81B-4F74-A31B-966F47F07FE0}"/>
-              </a:ext>
-            </a:extLst>
-          </p:cNvPr>
-          <p:cNvGrpSpPr/>
-          <p:nvPr/>
-        </p:nvGrpSpPr>
-        <p:grpSpPr>
-          <a:xfrm>
-            <a:off x="2286161" y="1596134"/>
-            <a:ext cx="1210785" cy="1362677"/>
-            <a:chOff x="2286161" y="1312914"/>
-            <a:chExt cx="1210785" cy="1362677"/>
-          </a:xfrm>
-        </p:grpSpPr>
-        <p:pic>
-          <p:nvPicPr>
-            <p:cNvPr id="15" name="Picture 14">
-              <a:extLst>
-                <a:ext uri="{FF2B5EF4-FFF2-40B4-BE49-F238E27FC236}">
-                  <a16:creationId xmlns:a16="http://schemas.microsoft.com/office/drawing/2014/main" id="{B3B0C049-1A82-4EBA-8A06-5694DEFB7635}"/>
-                </a:ext>
-              </a:extLst>
-            </p:cNvPr>
-            <p:cNvPicPr>
-              <a:picLocks noChangeAspect="1"/>
-            </p:cNvPicPr>
-            <p:nvPr/>
-          </p:nvPicPr>
-          <p:blipFill>
-            <a:blip r:embed="rId7">
-              <a:extLst>
-                <a:ext uri="{28A0092B-C50C-407E-A947-70E740481C1C}">
-                  <a14:useLocalDpi xmlns:a14="http://schemas.microsoft.com/office/drawing/2010/main" val="0"/>
-                </a:ext>
-              </a:extLst>
-            </a:blip>
-            <a:stretch>
-              <a:fillRect/>
-            </a:stretch>
-          </p:blipFill>
-          <p:spPr>
-            <a:xfrm>
-              <a:off x="2501409" y="1312914"/>
-              <a:ext cx="780290" cy="780290"/>
-            </a:xfrm>
-            <a:prstGeom prst="rect">
-              <a:avLst/>
-            </a:prstGeom>
-          </p:spPr>
-        </p:pic>
-        <p:sp>
-          <p:nvSpPr>
-            <p:cNvPr id="27" name="TextBox 26">
-              <a:extLst>
-                <a:ext uri="{FF2B5EF4-FFF2-40B4-BE49-F238E27FC236}">
-                  <a16:creationId xmlns:a16="http://schemas.microsoft.com/office/drawing/2014/main" id="{2097523E-2B0E-491F-8BC1-84B9A489E2CE}"/>
-                </a:ext>
-              </a:extLst>
-            </p:cNvPr>
-            <p:cNvSpPr txBox="1"/>
-            <p:nvPr/>
-          </p:nvSpPr>
-          <p:spPr>
-            <a:xfrm>
-              <a:off x="2286161" y="2152371"/>
-              <a:ext cx="1210785" cy="523220"/>
-            </a:xfrm>
-            <a:prstGeom prst="rect">
-              <a:avLst/>
-            </a:prstGeom>
-            <a:noFill/>
-          </p:spPr>
-          <p:txBody>
-            <a:bodyPr wrap="square" rtlCol="0">
-              <a:spAutoFit/>
-            </a:bodyPr>
-            <a:lstStyle/>
-            <a:p>
-              <a:pPr algn="ctr"/>
-              <a:r>
-                <a:rPr lang="en-US" sz="1400" dirty="0"/>
-                <a:t>Azure Data Factory</a:t>
-              </a:r>
-              <a:endParaRPr lang="en-US" sz="1000" dirty="0"/>
-            </a:p>
-          </p:txBody>
-        </p:sp>
-      </p:grpSp>
-      <p:grpSp>
-        <p:nvGrpSpPr>
-          <p:cNvPr id="23" name="Group 22">
-            <a:extLst>
-              <a:ext uri="{FF2B5EF4-FFF2-40B4-BE49-F238E27FC236}">
-                <a16:creationId xmlns:a16="http://schemas.microsoft.com/office/drawing/2014/main" id="{5CAF17A7-E2E4-4223-84C7-5785E21350F8}"/>
-              </a:ext>
-            </a:extLst>
-          </p:cNvPr>
-          <p:cNvGrpSpPr/>
-          <p:nvPr/>
-        </p:nvGrpSpPr>
-        <p:grpSpPr>
-          <a:xfrm>
-            <a:off x="6009538" y="1596134"/>
-            <a:ext cx="1210785" cy="1457398"/>
-            <a:chOff x="5421698" y="1312914"/>
-            <a:chExt cx="1210785" cy="1457398"/>
-          </a:xfrm>
-        </p:grpSpPr>
-        <p:pic>
-          <p:nvPicPr>
-            <p:cNvPr id="19" name="Picture 18">
-              <a:extLst>
-                <a:ext uri="{FF2B5EF4-FFF2-40B4-BE49-F238E27FC236}">
-                  <a16:creationId xmlns:a16="http://schemas.microsoft.com/office/drawing/2014/main" id="{EB89CC9B-4D3E-4B2E-87D6-4CB51E5CC7B0}"/>
-                </a:ext>
-              </a:extLst>
-            </p:cNvPr>
-            <p:cNvPicPr>
-              <a:picLocks noChangeAspect="1"/>
-            </p:cNvPicPr>
-            <p:nvPr/>
-          </p:nvPicPr>
-          <p:blipFill>
-            <a:blip r:embed="rId8">
-              <a:extLst>
-                <a:ext uri="{28A0092B-C50C-407E-A947-70E740481C1C}">
-                  <a14:useLocalDpi xmlns:a14="http://schemas.microsoft.com/office/drawing/2010/main" val="0"/>
-                </a:ext>
-              </a:extLst>
-            </a:blip>
-            <a:stretch>
-              <a:fillRect/>
-            </a:stretch>
-          </p:blipFill>
-          <p:spPr>
-            <a:xfrm>
-              <a:off x="5641117" y="1312914"/>
-              <a:ext cx="707212" cy="780290"/>
+              <a:off x="6163013" y="1570780"/>
+              <a:ext cx="838079" cy="838079"/>
             </a:xfrm>
             <a:prstGeom prst="rect">
               <a:avLst/>
@@ -3918,7 +3929,7 @@
           </p:nvSpPr>
           <p:spPr>
             <a:xfrm>
-              <a:off x="5421698" y="2093204"/>
+              <a:off x="6009538" y="2376424"/>
               <a:ext cx="1210785" cy="677108"/>
             </a:xfrm>
             <a:prstGeom prst="rect">
@@ -3949,194 +3960,80 @@
           </p:txBody>
         </p:sp>
       </p:grpSp>
-      <p:grpSp>
-        <p:nvGrpSpPr>
-          <p:cNvPr id="71" name="Group 70">
-            <a:extLst>
-              <a:ext uri="{FF2B5EF4-FFF2-40B4-BE49-F238E27FC236}">
-                <a16:creationId xmlns:a16="http://schemas.microsoft.com/office/drawing/2014/main" id="{2C5B94A0-D656-499F-BB00-041FE5F46354}"/>
-              </a:ext>
-            </a:extLst>
-          </p:cNvPr>
-          <p:cNvGrpSpPr/>
+      <p:sp>
+        <p:nvSpPr>
+          <p:cNvPr id="39" name="TextBox 38">
+            <a:extLst>
+              <a:ext uri="{FF2B5EF4-FFF2-40B4-BE49-F238E27FC236}">
+                <a16:creationId xmlns:a16="http://schemas.microsoft.com/office/drawing/2014/main" id="{788B270F-9212-43CD-8EC8-548BF3CBE899}"/>
+              </a:ext>
+            </a:extLst>
+          </p:cNvPr>
+          <p:cNvSpPr txBox="1"/>
           <p:nvPr/>
-        </p:nvGrpSpPr>
-        <p:grpSpPr>
+        </p:nvSpPr>
+        <p:spPr>
           <a:xfrm>
-            <a:off x="9658004" y="691837"/>
-            <a:ext cx="1311417" cy="1537418"/>
-            <a:chOff x="9658004" y="1577670"/>
-            <a:chExt cx="1311417" cy="1537418"/>
-          </a:xfrm>
-        </p:grpSpPr>
-        <p:pic>
-          <p:nvPicPr>
-            <p:cNvPr id="38" name="Picture 37" descr="A close up of a logo&#10;&#10;Description generated with high confidence">
-              <a:extLst>
-                <a:ext uri="{FF2B5EF4-FFF2-40B4-BE49-F238E27FC236}">
-                  <a16:creationId xmlns:a16="http://schemas.microsoft.com/office/drawing/2014/main" id="{9C693635-2A1E-443B-9323-D1AA30972D9F}"/>
-                </a:ext>
-              </a:extLst>
-            </p:cNvPr>
-            <p:cNvPicPr>
-              <a:picLocks noChangeAspect="1"/>
-            </p:cNvPicPr>
-            <p:nvPr/>
-          </p:nvPicPr>
-          <p:blipFill>
-            <a:blip r:embed="rId9">
-              <a:extLst>
-                <a:ext uri="{28A0092B-C50C-407E-A947-70E740481C1C}">
-                  <a14:useLocalDpi xmlns:a14="http://schemas.microsoft.com/office/drawing/2010/main" val="0"/>
-                </a:ext>
-              </a:extLst>
-            </a:blip>
-            <a:stretch>
-              <a:fillRect/>
-            </a:stretch>
-          </p:blipFill>
-          <p:spPr>
-            <a:xfrm>
-              <a:off x="9873253" y="1577670"/>
-              <a:ext cx="780290" cy="780290"/>
-            </a:xfrm>
-            <a:prstGeom prst="rect">
-              <a:avLst/>
-            </a:prstGeom>
-          </p:spPr>
-        </p:pic>
-        <p:sp>
-          <p:nvSpPr>
-            <p:cNvPr id="39" name="TextBox 38">
-              <a:extLst>
-                <a:ext uri="{FF2B5EF4-FFF2-40B4-BE49-F238E27FC236}">
-                  <a16:creationId xmlns:a16="http://schemas.microsoft.com/office/drawing/2014/main" id="{788B270F-9212-43CD-8EC8-548BF3CBE899}"/>
-                </a:ext>
-              </a:extLst>
-            </p:cNvPr>
-            <p:cNvSpPr txBox="1"/>
-            <p:nvPr/>
-          </p:nvSpPr>
-          <p:spPr>
-            <a:xfrm>
-              <a:off x="9658004" y="2376424"/>
-              <a:ext cx="1311417" cy="738664"/>
-            </a:xfrm>
-            <a:prstGeom prst="rect">
-              <a:avLst/>
-            </a:prstGeom>
-            <a:noFill/>
-          </p:spPr>
-          <p:txBody>
-            <a:bodyPr wrap="square" rtlCol="0">
-              <a:spAutoFit/>
-            </a:bodyPr>
-            <a:lstStyle/>
-            <a:p>
-              <a:pPr algn="ctr"/>
-              <a:r>
-                <a:rPr lang="en-US" sz="1400" dirty="0"/>
-                <a:t>Visualize Delay Predictions on a Map</a:t>
-              </a:r>
-              <a:endParaRPr lang="en-US" sz="1000" dirty="0"/>
-            </a:p>
-          </p:txBody>
-        </p:sp>
-      </p:grpSp>
-      <p:grpSp>
-        <p:nvGrpSpPr>
-          <p:cNvPr id="74" name="Group 73">
-            <a:extLst>
-              <a:ext uri="{FF2B5EF4-FFF2-40B4-BE49-F238E27FC236}">
-                <a16:creationId xmlns:a16="http://schemas.microsoft.com/office/drawing/2014/main" id="{E1154AB9-B1BC-4FCD-A674-84961B126CF4}"/>
-              </a:ext>
-            </a:extLst>
-          </p:cNvPr>
-          <p:cNvGrpSpPr/>
+            <a:off x="9658004" y="1490591"/>
+            <a:ext cx="1311417" cy="738664"/>
+          </a:xfrm>
+          <a:prstGeom prst="rect">
+            <a:avLst/>
+          </a:prstGeom>
+          <a:noFill/>
+        </p:spPr>
+        <p:txBody>
+          <a:bodyPr wrap="square" rtlCol="0">
+            <a:spAutoFit/>
+          </a:bodyPr>
+          <a:lstStyle/>
+          <a:p>
+            <a:pPr algn="ctr"/>
+            <a:r>
+              <a:rPr lang="en-US" sz="1400" dirty="0"/>
+              <a:t>Visualize Delay Predictions on a Map</a:t>
+            </a:r>
+            <a:endParaRPr lang="en-US" sz="1000" dirty="0"/>
+          </a:p>
+        </p:txBody>
+      </p:sp>
+      <p:sp>
+        <p:nvSpPr>
+          <p:cNvPr id="42" name="TextBox 41">
+            <a:extLst>
+              <a:ext uri="{FF2B5EF4-FFF2-40B4-BE49-F238E27FC236}">
+                <a16:creationId xmlns:a16="http://schemas.microsoft.com/office/drawing/2014/main" id="{BC4FB62F-AE78-4C88-8142-539E578368E5}"/>
+              </a:ext>
+            </a:extLst>
+          </p:cNvPr>
+          <p:cNvSpPr txBox="1"/>
           <p:nvPr/>
-        </p:nvGrpSpPr>
-        <p:grpSpPr>
+        </p:nvSpPr>
+        <p:spPr>
           <a:xfrm>
-            <a:off x="9701840" y="2819746"/>
-            <a:ext cx="1210785" cy="1364181"/>
-            <a:chOff x="9658004" y="3384474"/>
-            <a:chExt cx="1210785" cy="1364181"/>
-          </a:xfrm>
-        </p:grpSpPr>
-        <p:pic>
-          <p:nvPicPr>
-            <p:cNvPr id="41" name="Picture 40" descr="A close up of a logo&#10;&#10;Description generated with high confidence">
-              <a:extLst>
-                <a:ext uri="{FF2B5EF4-FFF2-40B4-BE49-F238E27FC236}">
-                  <a16:creationId xmlns:a16="http://schemas.microsoft.com/office/drawing/2014/main" id="{60356394-6B44-43F3-A00A-6AC49DFD1CB5}"/>
-                </a:ext>
-              </a:extLst>
-            </p:cNvPr>
-            <p:cNvPicPr>
-              <a:picLocks noChangeAspect="1"/>
-            </p:cNvPicPr>
-            <p:nvPr/>
-          </p:nvPicPr>
-          <p:blipFill>
-            <a:blip r:embed="rId10">
-              <a:extLst>
-                <a:ext uri="{28A0092B-C50C-407E-A947-70E740481C1C}">
-                  <a14:useLocalDpi xmlns:a14="http://schemas.microsoft.com/office/drawing/2010/main" val="0"/>
-                </a:ext>
-              </a:extLst>
-            </a:blip>
-            <a:stretch>
-              <a:fillRect/>
-            </a:stretch>
-          </p:blipFill>
-          <p:spPr>
-            <a:xfrm>
-              <a:off x="9873252" y="3384474"/>
-              <a:ext cx="780290" cy="780290"/>
-            </a:xfrm>
-            <a:prstGeom prst="rect">
-              <a:avLst/>
-            </a:prstGeom>
-          </p:spPr>
-        </p:pic>
-        <p:sp>
-          <p:nvSpPr>
-            <p:cNvPr id="42" name="TextBox 41">
-              <a:extLst>
-                <a:ext uri="{FF2B5EF4-FFF2-40B4-BE49-F238E27FC236}">
-                  <a16:creationId xmlns:a16="http://schemas.microsoft.com/office/drawing/2014/main" id="{BC4FB62F-AE78-4C88-8142-539E578368E5}"/>
-                </a:ext>
-              </a:extLst>
-            </p:cNvPr>
-            <p:cNvSpPr txBox="1"/>
-            <p:nvPr/>
-          </p:nvSpPr>
-          <p:spPr>
-            <a:xfrm>
-              <a:off x="9658004" y="4225435"/>
-              <a:ext cx="1210785" cy="523220"/>
-            </a:xfrm>
-            <a:prstGeom prst="rect">
-              <a:avLst/>
-            </a:prstGeom>
-            <a:noFill/>
-          </p:spPr>
-          <p:txBody>
-            <a:bodyPr wrap="square" rtlCol="0">
-              <a:spAutoFit/>
-            </a:bodyPr>
-            <a:lstStyle/>
-            <a:p>
-              <a:pPr algn="ctr"/>
-              <a:r>
-                <a:rPr lang="en-US" sz="1400" dirty="0"/>
-                <a:t>Flight Delays Web Portal</a:t>
-              </a:r>
-              <a:endParaRPr lang="en-US" sz="1000" dirty="0"/>
-            </a:p>
-          </p:txBody>
-        </p:sp>
-      </p:grpSp>
+            <a:off x="9701840" y="3660707"/>
+            <a:ext cx="1210785" cy="523220"/>
+          </a:xfrm>
+          <a:prstGeom prst="rect">
+            <a:avLst/>
+          </a:prstGeom>
+          <a:noFill/>
+        </p:spPr>
+        <p:txBody>
+          <a:bodyPr wrap="square" rtlCol="0">
+            <a:spAutoFit/>
+          </a:bodyPr>
+          <a:lstStyle/>
+          <a:p>
+            <a:pPr algn="ctr"/>
+            <a:r>
+              <a:rPr lang="en-US" sz="1400" dirty="0"/>
+              <a:t>Flight Delays Web Portal</a:t>
+            </a:r>
+            <a:endParaRPr lang="en-US" sz="1000" dirty="0"/>
+          </a:p>
+        </p:txBody>
+      </p:sp>
       <p:grpSp>
         <p:nvGrpSpPr>
           <p:cNvPr id="50" name="Group 49">
@@ -4172,13 +4069,13 @@
             <p:nvPr/>
           </p:nvPicPr>
           <p:blipFill>
-            <a:blip r:embed="rId11">
+            <a:blip r:embed="rId16">
               <a:extLst>
                 <a:ext uri="{28A0092B-C50C-407E-A947-70E740481C1C}">
-                  <a14:useLocalDpi xmlns:a14="http://schemas.microsoft.com/office/drawing/2010/main" val="0"/>
+                  <a14:useLocalDpi xmlns:a14="http://schemas.microsoft.com/office/drawing/2010/main"/>
                 </a:ext>
                 <a:ext uri="{96DAC541-7B7A-43D3-8B79-37D633B846F1}">
-                  <asvg:svgBlip xmlns:asvg="http://schemas.microsoft.com/office/drawing/2016/SVG/main" r:embed="rId12"/>
+                  <asvg:svgBlip xmlns:asvg="http://schemas.microsoft.com/office/drawing/2016/SVG/main" r:embed="rId17"/>
                 </a:ext>
               </a:extLst>
             </a:blip>
@@ -4249,110 +4146,6 @@
           </p:txBody>
         </p:sp>
       </p:grpSp>
-      <p:grpSp>
-        <p:nvGrpSpPr>
-          <p:cNvPr id="47" name="Group 46">
-            <a:extLst>
-              <a:ext uri="{FF2B5EF4-FFF2-40B4-BE49-F238E27FC236}">
-                <a16:creationId xmlns:a16="http://schemas.microsoft.com/office/drawing/2014/main" id="{4B088F92-2BD7-42BF-9FAE-B2B63D53EEAA}"/>
-              </a:ext>
-            </a:extLst>
-          </p:cNvPr>
-          <p:cNvGrpSpPr/>
-          <p:nvPr/>
-        </p:nvGrpSpPr>
-        <p:grpSpPr>
-          <a:xfrm>
-            <a:off x="7855690" y="2819746"/>
-            <a:ext cx="1210785" cy="1593544"/>
-            <a:chOff x="4319032" y="2931593"/>
-            <a:chExt cx="1210785" cy="1593544"/>
-          </a:xfrm>
-        </p:grpSpPr>
-        <p:pic>
-          <p:nvPicPr>
-            <p:cNvPr id="48" name="Graphic 47">
-              <a:extLst>
-                <a:ext uri="{FF2B5EF4-FFF2-40B4-BE49-F238E27FC236}">
-                  <a16:creationId xmlns:a16="http://schemas.microsoft.com/office/drawing/2014/main" id="{AA4F295D-EFF0-44F8-9135-56828A78CFB0}"/>
-                </a:ext>
-              </a:extLst>
-            </p:cNvPr>
-            <p:cNvPicPr>
-              <a:picLocks noChangeAspect="1"/>
-            </p:cNvPicPr>
-            <p:nvPr/>
-          </p:nvPicPr>
-          <p:blipFill>
-            <a:blip r:embed="rId13">
-              <a:extLst>
-                <a:ext uri="{28A0092B-C50C-407E-A947-70E740481C1C}">
-                  <a14:useLocalDpi xmlns:a14="http://schemas.microsoft.com/office/drawing/2010/main" val="0"/>
-                </a:ext>
-                <a:ext uri="{96DAC541-7B7A-43D3-8B79-37D633B846F1}">
-                  <asvg:svgBlip xmlns:asvg="http://schemas.microsoft.com/office/drawing/2016/SVG/main" r:embed="rId14"/>
-                </a:ext>
-              </a:extLst>
-            </a:blip>
-            <a:stretch>
-              <a:fillRect/>
-            </a:stretch>
-          </p:blipFill>
-          <p:spPr>
-            <a:xfrm>
-              <a:off x="4534279" y="2931593"/>
-              <a:ext cx="780289" cy="780289"/>
-            </a:xfrm>
-            <a:prstGeom prst="rect">
-              <a:avLst/>
-            </a:prstGeom>
-          </p:spPr>
-        </p:pic>
-        <p:sp>
-          <p:nvSpPr>
-            <p:cNvPr id="49" name="TextBox 48">
-              <a:extLst>
-                <a:ext uri="{FF2B5EF4-FFF2-40B4-BE49-F238E27FC236}">
-                  <a16:creationId xmlns:a16="http://schemas.microsoft.com/office/drawing/2014/main" id="{020B28BF-57C7-4608-94B4-E7E665B4F52D}"/>
-                </a:ext>
-              </a:extLst>
-            </p:cNvPr>
-            <p:cNvSpPr txBox="1"/>
-            <p:nvPr/>
-          </p:nvSpPr>
-          <p:spPr>
-            <a:xfrm>
-              <a:off x="4319032" y="3694140"/>
-              <a:ext cx="1210785" cy="830997"/>
-            </a:xfrm>
-            <a:prstGeom prst="rect">
-              <a:avLst/>
-            </a:prstGeom>
-            <a:noFill/>
-          </p:spPr>
-          <p:txBody>
-            <a:bodyPr wrap="square" rtlCol="0">
-              <a:spAutoFit/>
-            </a:bodyPr>
-            <a:lstStyle/>
-            <a:p>
-              <a:pPr algn="ctr"/>
-              <a:r>
-                <a:rPr lang="en-US" sz="1400" dirty="0"/>
-                <a:t>Containerized AI Services</a:t>
-              </a:r>
-              <a:endParaRPr lang="en-US" sz="1100" dirty="0"/>
-            </a:p>
-            <a:p>
-              <a:pPr algn="ctr"/>
-              <a:r>
-                <a:rPr lang="en-US" sz="1000" dirty="0"/>
-                <a:t>Flight Delay Predictions</a:t>
-              </a:r>
-            </a:p>
-          </p:txBody>
-        </p:sp>
-      </p:grpSp>
       <p:cxnSp>
         <p:nvCxnSpPr>
           <p:cNvPr id="52" name="Connector: Curved 51">
@@ -4363,8 +4156,8 @@
             </a:extLst>
           </p:cNvPr>
           <p:cNvCxnSpPr>
+            <a:cxnSpLocks/>
             <a:stCxn id="7" idx="3"/>
-            <a:endCxn id="15" idx="1"/>
           </p:cNvCxnSpPr>
           <p:nvPr/>
         </p:nvCxnSpPr>
@@ -4405,7 +4198,7 @@
             </a:extLst>
           </p:cNvPr>
           <p:cNvCxnSpPr>
-            <a:endCxn id="15" idx="1"/>
+            <a:cxnSpLocks/>
           </p:cNvCxnSpPr>
           <p:nvPr/>
         </p:nvCxnSpPr>
@@ -4446,8 +4239,7 @@
             </a:extLst>
           </p:cNvPr>
           <p:cNvCxnSpPr>
-            <a:stCxn id="15" idx="3"/>
-            <a:endCxn id="17" idx="1"/>
+            <a:cxnSpLocks/>
           </p:cNvCxnSpPr>
           <p:nvPr/>
         </p:nvCxnSpPr>
@@ -4489,8 +4281,7 @@
             </a:extLst>
           </p:cNvPr>
           <p:cNvCxnSpPr>
-            <a:stCxn id="17" idx="3"/>
-            <a:endCxn id="19" idx="1"/>
+            <a:cxnSpLocks/>
           </p:cNvCxnSpPr>
           <p:nvPr/>
         </p:nvCxnSpPr>
@@ -4532,8 +4323,8 @@
             </a:extLst>
           </p:cNvPr>
           <p:cNvCxnSpPr>
+            <a:cxnSpLocks/>
             <a:stCxn id="27" idx="2"/>
-            <a:endCxn id="19" idx="1"/>
           </p:cNvCxnSpPr>
           <p:nvPr/>
         </p:nvCxnSpPr>
@@ -4579,18 +4370,17 @@
           <p:cNvCxnSpPr>
             <a:cxnSpLocks/>
             <a:stCxn id="22" idx="2"/>
-            <a:endCxn id="84" idx="0"/>
           </p:cNvCxnSpPr>
           <p:nvPr/>
         </p:nvCxnSpPr>
         <p:spPr>
           <a:xfrm rot="5400000">
-            <a:off x="5292586" y="2946499"/>
-            <a:ext cx="1215312" cy="1429378"/>
+            <a:off x="5325674" y="2937475"/>
+            <a:ext cx="1191248" cy="1471490"/>
           </a:xfrm>
           <a:prstGeom prst="bentConnector3">
             <a:avLst>
-              <a:gd name="adj1" fmla="val 62651"/>
+              <a:gd name="adj1" fmla="val 50000"/>
             </a:avLst>
           </a:prstGeom>
           <a:ln w="12700" cap="flat" cmpd="sng" algn="ctr">
@@ -4664,15 +4454,14 @@
           </p:cNvPr>
           <p:cNvCxnSpPr>
             <a:cxnSpLocks/>
-            <a:stCxn id="30" idx="1"/>
-            <a:endCxn id="19" idx="0"/>
+            <a:endCxn id="14" idx="0"/>
           </p:cNvCxnSpPr>
           <p:nvPr/>
         </p:nvCxnSpPr>
         <p:spPr>
           <a:xfrm rot="10800000" flipV="1">
-            <a:off x="6582563" y="1086208"/>
-            <a:ext cx="1407408" cy="509925"/>
+            <a:off x="6624165" y="1086208"/>
+            <a:ext cx="1365806" cy="508635"/>
           </a:xfrm>
           <a:prstGeom prst="bentConnector2">
             <a:avLst/>
@@ -4707,8 +4496,7 @@
             </a:extLst>
           </p:cNvPr>
           <p:cNvCxnSpPr>
-            <a:stCxn id="41" idx="1"/>
-            <a:endCxn id="48" idx="3"/>
+            <a:cxnSpLocks/>
           </p:cNvCxnSpPr>
           <p:nvPr/>
         </p:nvCxnSpPr>
@@ -4749,6 +4537,7 @@
             </a:extLst>
           </p:cNvPr>
           <p:cNvCxnSpPr>
+            <a:cxnSpLocks/>
             <a:stCxn id="42" idx="2"/>
             <a:endCxn id="44" idx="3"/>
           </p:cNvCxnSpPr>
@@ -4791,7 +4580,7 @@
             </a:extLst>
           </p:cNvPr>
           <p:cNvCxnSpPr>
-            <a:stCxn id="41" idx="0"/>
+            <a:cxnSpLocks/>
             <a:endCxn id="39" idx="2"/>
           </p:cNvCxnSpPr>
           <p:nvPr/>
@@ -4823,107 +4612,50 @@
           </a:fontRef>
         </p:style>
       </p:cxnSp>
-      <p:grpSp>
-        <p:nvGrpSpPr>
-          <p:cNvPr id="98" name="Group 97">
-            <a:extLst>
-              <a:ext uri="{FF2B5EF4-FFF2-40B4-BE49-F238E27FC236}">
-                <a16:creationId xmlns:a16="http://schemas.microsoft.com/office/drawing/2014/main" id="{1F973FAA-79F0-43FD-97A3-57B507E1A713}"/>
-              </a:ext>
-            </a:extLst>
-          </p:cNvPr>
-          <p:cNvGrpSpPr/>
+      <p:sp>
+        <p:nvSpPr>
+          <p:cNvPr id="87" name="TextBox 86">
+            <a:extLst>
+              <a:ext uri="{FF2B5EF4-FFF2-40B4-BE49-F238E27FC236}">
+                <a16:creationId xmlns:a16="http://schemas.microsoft.com/office/drawing/2014/main" id="{296E80BF-06E5-4522-9B77-FDE3A37B4E0C}"/>
+              </a:ext>
+            </a:extLst>
+          </p:cNvPr>
+          <p:cNvSpPr txBox="1"/>
           <p:nvPr/>
-        </p:nvGrpSpPr>
-        <p:grpSpPr>
+        </p:nvSpPr>
+        <p:spPr>
           <a:xfrm>
-            <a:off x="4405297" y="4268844"/>
-            <a:ext cx="1560512" cy="1615653"/>
-            <a:chOff x="4405297" y="4268844"/>
-            <a:chExt cx="1560512" cy="1615653"/>
-          </a:xfrm>
-        </p:grpSpPr>
-        <p:pic>
-          <p:nvPicPr>
-            <p:cNvPr id="84" name="Picture 83">
-              <a:extLst>
-                <a:ext uri="{FF2B5EF4-FFF2-40B4-BE49-F238E27FC236}">
-                  <a16:creationId xmlns:a16="http://schemas.microsoft.com/office/drawing/2014/main" id="{565165A8-E59E-4678-B288-513593BB691F}"/>
-                </a:ext>
-              </a:extLst>
-            </p:cNvPr>
-            <p:cNvPicPr>
-              <a:picLocks noChangeAspect="1"/>
-            </p:cNvPicPr>
-            <p:nvPr/>
-          </p:nvPicPr>
-          <p:blipFill>
-            <a:blip r:embed="rId15">
-              <a:extLst>
-                <a:ext uri="{28A0092B-C50C-407E-A947-70E740481C1C}">
-                  <a14:useLocalDpi xmlns:a14="http://schemas.microsoft.com/office/drawing/2010/main" val="0"/>
-                </a:ext>
-              </a:extLst>
-            </a:blip>
-            <a:stretch>
-              <a:fillRect/>
-            </a:stretch>
-          </p:blipFill>
-          <p:spPr>
-            <a:xfrm>
-              <a:off x="4795408" y="4268844"/>
-              <a:ext cx="780290" cy="780290"/>
-            </a:xfrm>
-            <a:prstGeom prst="rect">
-              <a:avLst/>
-            </a:prstGeom>
-          </p:spPr>
-        </p:pic>
-        <p:sp>
-          <p:nvSpPr>
-            <p:cNvPr id="87" name="TextBox 86">
-              <a:extLst>
-                <a:ext uri="{FF2B5EF4-FFF2-40B4-BE49-F238E27FC236}">
-                  <a16:creationId xmlns:a16="http://schemas.microsoft.com/office/drawing/2014/main" id="{296E80BF-06E5-4522-9B77-FDE3A37B4E0C}"/>
-                </a:ext>
-              </a:extLst>
-            </p:cNvPr>
-            <p:cNvSpPr txBox="1"/>
-            <p:nvPr/>
-          </p:nvSpPr>
-          <p:spPr>
-            <a:xfrm>
-              <a:off x="4405297" y="5053500"/>
-              <a:ext cx="1560512" cy="830997"/>
-            </a:xfrm>
-            <a:prstGeom prst="rect">
-              <a:avLst/>
-            </a:prstGeom>
-            <a:noFill/>
-          </p:spPr>
-          <p:txBody>
-            <a:bodyPr wrap="square" rtlCol="0">
-              <a:spAutoFit/>
-            </a:bodyPr>
-            <a:lstStyle/>
-            <a:p>
-              <a:pPr algn="ctr"/>
-              <a:r>
-                <a:rPr lang="en-US" sz="1400" dirty="0"/>
-                <a:t>Azure Machine Learning service</a:t>
-              </a:r>
-              <a:endParaRPr lang="en-US" sz="1100" dirty="0"/>
-            </a:p>
-            <a:p>
-              <a:pPr algn="ctr"/>
-              <a:r>
-                <a:rPr lang="en-US" sz="1000" dirty="0"/>
-                <a:t>Store and operationalize trained ML model</a:t>
-              </a:r>
-            </a:p>
-          </p:txBody>
-        </p:sp>
-      </p:grpSp>
+            <a:off x="4405297" y="5053500"/>
+            <a:ext cx="1560512" cy="830997"/>
+          </a:xfrm>
+          <a:prstGeom prst="rect">
+            <a:avLst/>
+          </a:prstGeom>
+          <a:noFill/>
+        </p:spPr>
+        <p:txBody>
+          <a:bodyPr wrap="square" rtlCol="0">
+            <a:spAutoFit/>
+          </a:bodyPr>
+          <a:lstStyle/>
+          <a:p>
+            <a:pPr algn="ctr"/>
+            <a:r>
+              <a:rPr lang="en-US" sz="1400" dirty="0"/>
+              <a:t>Azure Machine Learning service</a:t>
+            </a:r>
+            <a:endParaRPr lang="en-US" sz="1100" dirty="0"/>
+          </a:p>
+          <a:p>
+            <a:pPr algn="ctr"/>
+            <a:r>
+              <a:rPr lang="en-US" sz="1000" dirty="0"/>
+              <a:t>Store and operationalize trained ML model</a:t>
+            </a:r>
+          </a:p>
+        </p:txBody>
+      </p:sp>
       <p:cxnSp>
         <p:nvCxnSpPr>
           <p:cNvPr id="91" name="Connector: Elbow 90">
@@ -4936,7 +4668,6 @@
           <p:cNvCxnSpPr>
             <a:cxnSpLocks/>
             <a:stCxn id="87" idx="3"/>
-            <a:endCxn id="48" idx="1"/>
           </p:cNvCxnSpPr>
           <p:nvPr/>
         </p:nvCxnSpPr>
@@ -5105,8 +4836,6 @@
           </p:cNvPr>
           <p:cNvCxnSpPr>
             <a:cxnSpLocks/>
-            <a:stCxn id="38" idx="1"/>
-            <a:endCxn id="30" idx="3"/>
           </p:cNvCxnSpPr>
           <p:nvPr/>
         </p:nvCxnSpPr>
@@ -5137,103 +4866,43 @@
           </a:fontRef>
         </p:style>
       </p:cxnSp>
-      <p:grpSp>
-        <p:nvGrpSpPr>
-          <p:cNvPr id="31" name="Group 30">
-            <a:extLst>
-              <a:ext uri="{FF2B5EF4-FFF2-40B4-BE49-F238E27FC236}">
-                <a16:creationId xmlns:a16="http://schemas.microsoft.com/office/drawing/2014/main" id="{03A8DBB8-AAF5-4FDC-AA41-8CF0770B61B0}"/>
-              </a:ext>
-            </a:extLst>
-          </p:cNvPr>
-          <p:cNvGrpSpPr/>
+      <p:sp>
+        <p:nvSpPr>
+          <p:cNvPr id="59" name="TextBox 58">
+            <a:extLst>
+              <a:ext uri="{FF2B5EF4-FFF2-40B4-BE49-F238E27FC236}">
+                <a16:creationId xmlns:a16="http://schemas.microsoft.com/office/drawing/2014/main" id="{77608820-8161-4AE6-8602-923C28A2C42B}"/>
+              </a:ext>
+            </a:extLst>
+          </p:cNvPr>
+          <p:cNvSpPr txBox="1"/>
           <p:nvPr/>
-        </p:nvGrpSpPr>
-        <p:grpSpPr>
+        </p:nvSpPr>
+        <p:spPr>
           <a:xfrm>
-            <a:off x="7660176" y="744653"/>
-            <a:ext cx="1352348" cy="1268215"/>
-            <a:chOff x="7660176" y="744653"/>
-            <a:chExt cx="1352348" cy="1268215"/>
-          </a:xfrm>
-        </p:grpSpPr>
-        <p:sp>
-          <p:nvSpPr>
-            <p:cNvPr id="59" name="TextBox 58">
-              <a:extLst>
-                <a:ext uri="{FF2B5EF4-FFF2-40B4-BE49-F238E27FC236}">
-                  <a16:creationId xmlns:a16="http://schemas.microsoft.com/office/drawing/2014/main" id="{77608820-8161-4AE6-8602-923C28A2C42B}"/>
-                </a:ext>
-              </a:extLst>
-            </p:cNvPr>
-            <p:cNvSpPr txBox="1"/>
-            <p:nvPr/>
-          </p:nvSpPr>
-          <p:spPr>
-            <a:xfrm>
-              <a:off x="7660176" y="1489648"/>
-              <a:ext cx="1352348" cy="523220"/>
-            </a:xfrm>
-            <a:prstGeom prst="rect">
-              <a:avLst/>
-            </a:prstGeom>
-            <a:noFill/>
-          </p:spPr>
-          <p:txBody>
-            <a:bodyPr wrap="square" rtlCol="0">
-              <a:spAutoFit/>
-            </a:bodyPr>
-            <a:lstStyle/>
-            <a:p>
-              <a:pPr algn="ctr"/>
-              <a:r>
-                <a:rPr lang="en-US" sz="1400" dirty="0"/>
-                <a:t>Azure SQL Database</a:t>
-              </a:r>
-              <a:endParaRPr lang="en-US" sz="1000" dirty="0"/>
-            </a:p>
-          </p:txBody>
-        </p:sp>
-        <p:pic>
-          <p:nvPicPr>
-            <p:cNvPr id="30" name="Graphic 29">
-              <a:extLst>
-                <a:ext uri="{FF2B5EF4-FFF2-40B4-BE49-F238E27FC236}">
-                  <a16:creationId xmlns:a16="http://schemas.microsoft.com/office/drawing/2014/main" id="{C82218FE-7DF5-4CDF-BB71-E48DDCAF4CA8}"/>
-                </a:ext>
-              </a:extLst>
-            </p:cNvPr>
-            <p:cNvPicPr>
-              <a:picLocks noChangeAspect="1"/>
-            </p:cNvPicPr>
-            <p:nvPr/>
-          </p:nvPicPr>
-          <p:blipFill>
-            <a:blip r:embed="rId16">
-              <a:extLst>
-                <a:ext uri="{28A0092B-C50C-407E-A947-70E740481C1C}">
-                  <a14:useLocalDpi xmlns:a14="http://schemas.microsoft.com/office/drawing/2010/main" val="0"/>
-                </a:ext>
-                <a:ext uri="{96DAC541-7B7A-43D3-8B79-37D633B846F1}">
-                  <asvg:svgBlip xmlns:asvg="http://schemas.microsoft.com/office/drawing/2016/SVG/main" r:embed="rId17"/>
-                </a:ext>
-              </a:extLst>
-            </a:blip>
-            <a:stretch>
-              <a:fillRect/>
-            </a:stretch>
-          </p:blipFill>
-          <p:spPr>
-            <a:xfrm>
-              <a:off x="7989971" y="744653"/>
-              <a:ext cx="683112" cy="683112"/>
-            </a:xfrm>
-            <a:prstGeom prst="rect">
-              <a:avLst/>
-            </a:prstGeom>
-          </p:spPr>
-        </p:pic>
-      </p:grpSp>
+            <a:off x="7660176" y="1489648"/>
+            <a:ext cx="1352348" cy="523220"/>
+          </a:xfrm>
+          <a:prstGeom prst="rect">
+            <a:avLst/>
+          </a:prstGeom>
+          <a:noFill/>
+        </p:spPr>
+        <p:txBody>
+          <a:bodyPr wrap="square" rtlCol="0">
+            <a:spAutoFit/>
+          </a:bodyPr>
+          <a:lstStyle/>
+          <a:p>
+            <a:pPr algn="ctr"/>
+            <a:r>
+              <a:rPr lang="en-US" sz="1400" dirty="0"/>
+              <a:t>Azure SQL Database</a:t>
+            </a:r>
+            <a:endParaRPr lang="en-US" sz="1000" dirty="0"/>
+          </a:p>
+        </p:txBody>
+      </p:sp>
       <p:grpSp>
         <p:nvGrpSpPr>
           <p:cNvPr id="21" name="Group 20">
@@ -5272,7 +4941,7 @@
             <a:blip r:embed="rId18">
               <a:extLst>
                 <a:ext uri="{28A0092B-C50C-407E-A947-70E740481C1C}">
-                  <a14:useLocalDpi xmlns:a14="http://schemas.microsoft.com/office/drawing/2010/main" val="0"/>
+                  <a14:useLocalDpi xmlns:a14="http://schemas.microsoft.com/office/drawing/2010/main"/>
                 </a:ext>
                 <a:ext uri="{96DAC541-7B7A-43D3-8B79-37D633B846F1}">
                   <asvg:svgBlip xmlns:asvg="http://schemas.microsoft.com/office/drawing/2016/SVG/main" r:embed="rId19"/>
@@ -5369,7 +5038,7 @@
             <a:blip r:embed="rId20">
               <a:extLst>
                 <a:ext uri="{28A0092B-C50C-407E-A947-70E740481C1C}">
-                  <a14:useLocalDpi xmlns:a14="http://schemas.microsoft.com/office/drawing/2010/main" val="0"/>
+                  <a14:useLocalDpi xmlns:a14="http://schemas.microsoft.com/office/drawing/2010/main"/>
                 </a:ext>
                 <a:ext uri="{96DAC541-7B7A-43D3-8B79-37D633B846F1}">
                   <asvg:svgBlip xmlns:asvg="http://schemas.microsoft.com/office/drawing/2016/SVG/main" r:embed="rId21"/>
@@ -5428,10 +5097,1030 @@
           </p:txBody>
         </p:sp>
       </p:grpSp>
+      <p:grpSp>
+        <p:nvGrpSpPr>
+          <p:cNvPr id="2" name="Group 1">
+            <a:extLst>
+              <a:ext uri="{FF2B5EF4-FFF2-40B4-BE49-F238E27FC236}">
+                <a16:creationId xmlns:a16="http://schemas.microsoft.com/office/drawing/2014/main" id="{DDA658C7-F14E-46A2-ADC3-CB85D65E1DCB}"/>
+              </a:ext>
+            </a:extLst>
+          </p:cNvPr>
+          <p:cNvGrpSpPr/>
+          <p:nvPr/>
+        </p:nvGrpSpPr>
+        <p:grpSpPr>
+          <a:xfrm>
+            <a:off x="3833568" y="1612891"/>
+            <a:ext cx="1210785" cy="1084310"/>
+            <a:chOff x="3833568" y="1612891"/>
+            <a:chExt cx="1210785" cy="1084310"/>
+          </a:xfrm>
+        </p:grpSpPr>
+        <p:sp>
+          <p:nvSpPr>
+            <p:cNvPr id="26" name="TextBox 25">
+              <a:extLst>
+                <a:ext uri="{FF2B5EF4-FFF2-40B4-BE49-F238E27FC236}">
+                  <a16:creationId xmlns:a16="http://schemas.microsoft.com/office/drawing/2014/main" id="{BB82A25B-4290-4F26-B6A0-DE277E58056F}"/>
+                </a:ext>
+              </a:extLst>
+            </p:cNvPr>
+            <p:cNvSpPr txBox="1"/>
+            <p:nvPr/>
+          </p:nvSpPr>
+          <p:spPr>
+            <a:xfrm>
+              <a:off x="3833568" y="2389424"/>
+              <a:ext cx="1210785" cy="307777"/>
+            </a:xfrm>
+            <a:prstGeom prst="rect">
+              <a:avLst/>
+            </a:prstGeom>
+            <a:noFill/>
+          </p:spPr>
+          <p:txBody>
+            <a:bodyPr wrap="square" rtlCol="0">
+              <a:spAutoFit/>
+            </a:bodyPr>
+            <a:lstStyle/>
+            <a:p>
+              <a:pPr algn="ctr"/>
+              <a:r>
+                <a:rPr lang="en-US" sz="1400" dirty="0"/>
+                <a:t>Blob Storage</a:t>
+              </a:r>
+              <a:endParaRPr lang="en-US" sz="1000" dirty="0"/>
+            </a:p>
+          </p:txBody>
+        </p:sp>
+        <p:pic>
+          <p:nvPicPr>
+            <p:cNvPr id="40" name="Graphic 39">
+              <a:extLst>
+                <a:ext uri="{FF2B5EF4-FFF2-40B4-BE49-F238E27FC236}">
+                  <a16:creationId xmlns:a16="http://schemas.microsoft.com/office/drawing/2014/main" id="{06CE3298-F965-484B-953B-E27D8DDBFF7A}"/>
+                </a:ext>
+              </a:extLst>
+            </p:cNvPr>
+            <p:cNvPicPr>
+              <a:picLocks noChangeAspect="1"/>
+            </p:cNvPicPr>
+            <p:nvPr/>
+          </p:nvPicPr>
+          <p:blipFill>
+            <a:blip r:embed="rId22">
+              <a:extLst>
+                <a:ext uri="{28A0092B-C50C-407E-A947-70E740481C1C}">
+                  <a14:useLocalDpi xmlns:a14="http://schemas.microsoft.com/office/drawing/2010/main"/>
+                </a:ext>
+                <a:ext uri="{96DAC541-7B7A-43D3-8B79-37D633B846F1}">
+                  <asvg:svgBlip xmlns:asvg="http://schemas.microsoft.com/office/drawing/2016/SVG/main" r:embed="rId23"/>
+                </a:ext>
+              </a:extLst>
+            </a:blip>
+            <a:stretch>
+              <a:fillRect/>
+            </a:stretch>
+          </p:blipFill>
+          <p:spPr>
+            <a:xfrm>
+              <a:off x="4054832" y="1612891"/>
+              <a:ext cx="790215" cy="790215"/>
+            </a:xfrm>
+            <a:prstGeom prst="rect">
+              <a:avLst/>
+            </a:prstGeom>
+          </p:spPr>
+        </p:pic>
+      </p:grpSp>
+      <p:grpSp>
+        <p:nvGrpSpPr>
+          <p:cNvPr id="15" name="Group 14">
+            <a:extLst>
+              <a:ext uri="{FF2B5EF4-FFF2-40B4-BE49-F238E27FC236}">
+                <a16:creationId xmlns:a16="http://schemas.microsoft.com/office/drawing/2014/main" id="{ED1D8B4F-7393-4DD8-96D6-CC2415D04E01}"/>
+              </a:ext>
+            </a:extLst>
+          </p:cNvPr>
+          <p:cNvGrpSpPr/>
+          <p:nvPr/>
+        </p:nvGrpSpPr>
+        <p:grpSpPr>
+          <a:xfrm>
+            <a:off x="7855690" y="2831893"/>
+            <a:ext cx="1210785" cy="1581397"/>
+            <a:chOff x="7855690" y="2831893"/>
+            <a:chExt cx="1210785" cy="1581397"/>
+          </a:xfrm>
+        </p:grpSpPr>
+        <p:sp>
+          <p:nvSpPr>
+            <p:cNvPr id="49" name="TextBox 48">
+              <a:extLst>
+                <a:ext uri="{FF2B5EF4-FFF2-40B4-BE49-F238E27FC236}">
+                  <a16:creationId xmlns:a16="http://schemas.microsoft.com/office/drawing/2014/main" id="{020B28BF-57C7-4608-94B4-E7E665B4F52D}"/>
+                </a:ext>
+              </a:extLst>
+            </p:cNvPr>
+            <p:cNvSpPr txBox="1"/>
+            <p:nvPr/>
+          </p:nvSpPr>
+          <p:spPr>
+            <a:xfrm>
+              <a:off x="7855690" y="3582293"/>
+              <a:ext cx="1210785" cy="830997"/>
+            </a:xfrm>
+            <a:prstGeom prst="rect">
+              <a:avLst/>
+            </a:prstGeom>
+            <a:noFill/>
+          </p:spPr>
+          <p:txBody>
+            <a:bodyPr wrap="square" rtlCol="0">
+              <a:spAutoFit/>
+            </a:bodyPr>
+            <a:lstStyle/>
+            <a:p>
+              <a:pPr algn="ctr"/>
+              <a:r>
+                <a:rPr lang="en-US" sz="1400" dirty="0"/>
+                <a:t>Containerized AI Services</a:t>
+              </a:r>
+              <a:endParaRPr lang="en-US" sz="1100" dirty="0"/>
+            </a:p>
+            <a:p>
+              <a:pPr algn="ctr"/>
+              <a:r>
+                <a:rPr lang="en-US" sz="1000" dirty="0"/>
+                <a:t>Flight Delay Predictions</a:t>
+              </a:r>
+            </a:p>
+          </p:txBody>
+        </p:sp>
+        <p:pic>
+          <p:nvPicPr>
+            <p:cNvPr id="60" name="Graphic 59">
+              <a:extLst>
+                <a:ext uri="{FF2B5EF4-FFF2-40B4-BE49-F238E27FC236}">
+                  <a16:creationId xmlns:a16="http://schemas.microsoft.com/office/drawing/2014/main" id="{08892ACD-88B5-47CF-ABA5-E744A5399C29}"/>
+                </a:ext>
+              </a:extLst>
+            </p:cNvPr>
+            <p:cNvPicPr>
+              <a:picLocks noChangeAspect="1"/>
+            </p:cNvPicPr>
+            <p:nvPr/>
+          </p:nvPicPr>
+          <p:blipFill>
+            <a:blip r:embed="rId24">
+              <a:extLst>
+                <a:ext uri="{28A0092B-C50C-407E-A947-70E740481C1C}">
+                  <a14:useLocalDpi xmlns:a14="http://schemas.microsoft.com/office/drawing/2010/main"/>
+                </a:ext>
+                <a:ext uri="{96DAC541-7B7A-43D3-8B79-37D633B846F1}">
+                  <asvg:svgBlip xmlns:asvg="http://schemas.microsoft.com/office/drawing/2016/SVG/main" r:embed="rId25"/>
+                </a:ext>
+              </a:extLst>
+            </a:blip>
+            <a:stretch>
+              <a:fillRect/>
+            </a:stretch>
+          </p:blipFill>
+          <p:spPr>
+            <a:xfrm>
+              <a:off x="8100136" y="2831893"/>
+              <a:ext cx="751057" cy="751057"/>
+            </a:xfrm>
+            <a:prstGeom prst="rect">
+              <a:avLst/>
+            </a:prstGeom>
+          </p:spPr>
+        </p:pic>
+      </p:grpSp>
+      <p:pic>
+        <p:nvPicPr>
+          <p:cNvPr id="63" name="Graphic 62">
+            <a:extLst>
+              <a:ext uri="{FF2B5EF4-FFF2-40B4-BE49-F238E27FC236}">
+                <a16:creationId xmlns:a16="http://schemas.microsoft.com/office/drawing/2014/main" id="{D52DBC70-416C-4352-95F2-41E93B090809}"/>
+              </a:ext>
+            </a:extLst>
+          </p:cNvPr>
+          <p:cNvPicPr>
+            <a:picLocks noChangeAspect="1"/>
+          </p:cNvPicPr>
+          <p:nvPr/>
+        </p:nvPicPr>
+        <p:blipFill>
+          <a:blip r:embed="rId26">
+            <a:extLst>
+              <a:ext uri="{28A0092B-C50C-407E-A947-70E740481C1C}">
+                <a14:useLocalDpi xmlns:a14="http://schemas.microsoft.com/office/drawing/2010/main"/>
+              </a:ext>
+              <a:ext uri="{96DAC541-7B7A-43D3-8B79-37D633B846F1}">
+                <asvg:svgBlip xmlns:asvg="http://schemas.microsoft.com/office/drawing/2016/SVG/main" r:embed="rId27"/>
+              </a:ext>
+            </a:extLst>
+          </a:blip>
+          <a:stretch>
+            <a:fillRect/>
+          </a:stretch>
+        </p:blipFill>
+        <p:spPr>
+          <a:xfrm>
+            <a:off x="4767525" y="4278920"/>
+            <a:ext cx="806182" cy="806182"/>
+          </a:xfrm>
+          <a:prstGeom prst="rect">
+            <a:avLst/>
+          </a:prstGeom>
+        </p:spPr>
+      </p:pic>
     </p:spTree>
     <p:extLst>
       <p:ext uri="{BB962C8B-B14F-4D97-AF65-F5344CB8AC3E}">
         <p14:creationId xmlns:p14="http://schemas.microsoft.com/office/powerpoint/2010/main" val="2790150959"/>
+      </p:ext>
+    </p:extLst>
+  </p:cSld>
+  <p:clrMapOvr>
+    <a:masterClrMapping/>
+  </p:clrMapOvr>
+</p:sld>
+</file>
+
+<file path=ppt/slides/slide10.xml><?xml version="1.0" encoding="utf-8"?>
+<p:sld xmlns:a="http://schemas.openxmlformats.org/drawingml/2006/main" xmlns:r="http://schemas.openxmlformats.org/officeDocument/2006/relationships" xmlns:p="http://schemas.openxmlformats.org/presentationml/2006/main">
+  <p:cSld>
+    <p:spTree>
+      <p:nvGrpSpPr>
+        <p:cNvPr id="1" name=""/>
+        <p:cNvGrpSpPr/>
+        <p:nvPr/>
+      </p:nvGrpSpPr>
+      <p:grpSpPr>
+        <a:xfrm>
+          <a:off x="0" y="0"/>
+          <a:ext cx="0" cy="0"/>
+          <a:chOff x="0" y="0"/>
+          <a:chExt cx="0" cy="0"/>
+        </a:xfrm>
+      </p:grpSpPr>
+      <p:sp>
+        <p:nvSpPr>
+          <p:cNvPr id="14" name="TextBox 13">
+            <a:extLst>
+              <a:ext uri="{FF2B5EF4-FFF2-40B4-BE49-F238E27FC236}">
+                <a16:creationId xmlns:a16="http://schemas.microsoft.com/office/drawing/2014/main" id="{9861045D-2BFB-47F3-959E-FD3A1D8353FA}"/>
+              </a:ext>
+            </a:extLst>
+          </p:cNvPr>
+          <p:cNvSpPr txBox="1"/>
+          <p:nvPr/>
+        </p:nvSpPr>
+        <p:spPr>
+          <a:xfrm>
+            <a:off x="901714" y="371043"/>
+            <a:ext cx="4241867" cy="1569660"/>
+          </a:xfrm>
+          <a:prstGeom prst="rect">
+            <a:avLst/>
+          </a:prstGeom>
+          <a:noFill/>
+        </p:spPr>
+        <p:txBody>
+          <a:bodyPr wrap="none" rtlCol="0">
+            <a:spAutoFit/>
+          </a:bodyPr>
+          <a:lstStyle/>
+          <a:p>
+            <a:r>
+              <a:rPr lang="en-US" sz="3200" dirty="0">
+                <a:solidFill>
+                  <a:srgbClr val="0070C0"/>
+                </a:solidFill>
+              </a:rPr>
+              <a:t>Machine learning model</a:t>
+            </a:r>
+          </a:p>
+          <a:p>
+            <a:endParaRPr lang="en-US" sz="3200" dirty="0">
+              <a:solidFill>
+                <a:srgbClr val="0070C0"/>
+              </a:solidFill>
+            </a:endParaRPr>
+          </a:p>
+          <a:p>
+            <a:endParaRPr lang="en-US" sz="3200" dirty="0">
+              <a:solidFill>
+                <a:srgbClr val="0070C0"/>
+              </a:solidFill>
+            </a:endParaRPr>
+          </a:p>
+        </p:txBody>
+      </p:sp>
+      <p:grpSp>
+        <p:nvGrpSpPr>
+          <p:cNvPr id="15" name="Group 14">
+            <a:extLst>
+              <a:ext uri="{FF2B5EF4-FFF2-40B4-BE49-F238E27FC236}">
+                <a16:creationId xmlns:a16="http://schemas.microsoft.com/office/drawing/2014/main" id="{585CEB8B-4653-4BE8-90E6-9EDB15526C14}"/>
+              </a:ext>
+            </a:extLst>
+          </p:cNvPr>
+          <p:cNvGrpSpPr/>
+          <p:nvPr/>
+        </p:nvGrpSpPr>
+        <p:grpSpPr>
+          <a:xfrm>
+            <a:off x="1015679" y="1654982"/>
+            <a:ext cx="10712337" cy="4541091"/>
+            <a:chOff x="1190137" y="2003898"/>
+            <a:chExt cx="10712337" cy="4541091"/>
+          </a:xfrm>
+        </p:grpSpPr>
+        <p:grpSp>
+          <p:nvGrpSpPr>
+            <p:cNvPr id="16" name="Group 15">
+              <a:extLst>
+                <a:ext uri="{FF2B5EF4-FFF2-40B4-BE49-F238E27FC236}">
+                  <a16:creationId xmlns:a16="http://schemas.microsoft.com/office/drawing/2014/main" id="{06A36D2A-B3F0-4036-ABAE-28B451253975}"/>
+                </a:ext>
+              </a:extLst>
+            </p:cNvPr>
+            <p:cNvGrpSpPr/>
+            <p:nvPr/>
+          </p:nvGrpSpPr>
+          <p:grpSpPr>
+            <a:xfrm>
+              <a:off x="1190137" y="2483285"/>
+              <a:ext cx="3202926" cy="2962190"/>
+              <a:chOff x="6009538" y="1570780"/>
+              <a:chExt cx="1210785" cy="1119781"/>
+            </a:xfrm>
+          </p:grpSpPr>
+          <p:pic>
+            <p:nvPicPr>
+              <p:cNvPr id="24" name="Graphic 23">
+                <a:extLst>
+                  <a:ext uri="{FF2B5EF4-FFF2-40B4-BE49-F238E27FC236}">
+                    <a16:creationId xmlns:a16="http://schemas.microsoft.com/office/drawing/2014/main" id="{EEF4C0C4-4E10-4CAC-A098-9218F4B9054B}"/>
+                  </a:ext>
+                </a:extLst>
+              </p:cNvPr>
+              <p:cNvPicPr>
+                <a:picLocks noChangeAspect="1"/>
+              </p:cNvPicPr>
+              <p:nvPr/>
+            </p:nvPicPr>
+            <p:blipFill>
+              <a:blip r:embed="rId2">
+                <a:extLst>
+                  <a:ext uri="{28A0092B-C50C-407E-A947-70E740481C1C}">
+                    <a14:useLocalDpi xmlns:a14="http://schemas.microsoft.com/office/drawing/2010/main"/>
+                  </a:ext>
+                  <a:ext uri="{96DAC541-7B7A-43D3-8B79-37D633B846F1}">
+                    <asvg:svgBlip xmlns:asvg="http://schemas.microsoft.com/office/drawing/2016/SVG/main" r:embed="rId3"/>
+                  </a:ext>
+                </a:extLst>
+              </a:blip>
+              <a:stretch>
+                <a:fillRect/>
+              </a:stretch>
+            </p:blipFill>
+            <p:spPr>
+              <a:xfrm>
+                <a:off x="6163013" y="1570780"/>
+                <a:ext cx="838079" cy="838079"/>
+              </a:xfrm>
+              <a:prstGeom prst="rect">
+                <a:avLst/>
+              </a:prstGeom>
+            </p:spPr>
+          </p:pic>
+          <p:sp>
+            <p:nvSpPr>
+              <p:cNvPr id="25" name="TextBox 24">
+                <a:extLst>
+                  <a:ext uri="{FF2B5EF4-FFF2-40B4-BE49-F238E27FC236}">
+                    <a16:creationId xmlns:a16="http://schemas.microsoft.com/office/drawing/2014/main" id="{249089F3-B8D0-4348-A961-E96C640AC0E5}"/>
+                  </a:ext>
+                </a:extLst>
+              </p:cNvPr>
+              <p:cNvSpPr txBox="1"/>
+              <p:nvPr/>
+            </p:nvSpPr>
+            <p:spPr>
+              <a:xfrm>
+                <a:off x="6009538" y="2376424"/>
+                <a:ext cx="1210785" cy="314137"/>
+              </a:xfrm>
+              <a:prstGeom prst="rect">
+                <a:avLst/>
+              </a:prstGeom>
+              <a:noFill/>
+            </p:spPr>
+            <p:txBody>
+              <a:bodyPr wrap="square" rtlCol="0">
+                <a:spAutoFit/>
+              </a:bodyPr>
+              <a:lstStyle/>
+              <a:p>
+                <a:pPr algn="ctr"/>
+                <a:r>
+                  <a:rPr lang="en-US" sz="2400" dirty="0"/>
+                  <a:t>Azure Databricks Workspace</a:t>
+                </a:r>
+                <a:endParaRPr lang="en-US" sz="1400" dirty="0"/>
+              </a:p>
+            </p:txBody>
+          </p:sp>
+        </p:grpSp>
+        <p:sp>
+          <p:nvSpPr>
+            <p:cNvPr id="17" name="Arrow: Down 16">
+              <a:extLst>
+                <a:ext uri="{FF2B5EF4-FFF2-40B4-BE49-F238E27FC236}">
+                  <a16:creationId xmlns:a16="http://schemas.microsoft.com/office/drawing/2014/main" id="{D7EF0454-6342-452B-A3B8-C7F6914F688B}"/>
+                </a:ext>
+              </a:extLst>
+            </p:cNvPr>
+            <p:cNvSpPr/>
+            <p:nvPr/>
+          </p:nvSpPr>
+          <p:spPr>
+            <a:xfrm rot="16200000">
+              <a:off x="5400989" y="2309640"/>
+              <a:ext cx="801353" cy="2564284"/>
+            </a:xfrm>
+            <a:prstGeom prst="downArrow">
+              <a:avLst/>
+            </a:prstGeom>
+            <a:solidFill>
+              <a:schemeClr val="accent6">
+                <a:alpha val="50000"/>
+              </a:schemeClr>
+            </a:solidFill>
+            <a:ln>
+              <a:noFill/>
+            </a:ln>
+          </p:spPr>
+          <p:style>
+            <a:lnRef idx="0">
+              <a:scrgbClr r="0" g="0" b="0"/>
+            </a:lnRef>
+            <a:fillRef idx="0">
+              <a:scrgbClr r="0" g="0" b="0"/>
+            </a:fillRef>
+            <a:effectRef idx="0">
+              <a:scrgbClr r="0" g="0" b="0"/>
+            </a:effectRef>
+            <a:fontRef idx="minor">
+              <a:schemeClr val="lt1"/>
+            </a:fontRef>
+          </p:style>
+          <p:txBody>
+            <a:bodyPr vert="vert" rtlCol="0" anchor="ctr"/>
+            <a:lstStyle/>
+            <a:p>
+              <a:pPr algn="ctr"/>
+              <a:r>
+                <a:rPr lang="en-US" sz="2400" dirty="0"/>
+                <a:t>Spark SQL</a:t>
+              </a:r>
+            </a:p>
+          </p:txBody>
+        </p:sp>
+        <p:grpSp>
+          <p:nvGrpSpPr>
+            <p:cNvPr id="18" name="Group 17">
+              <a:extLst>
+                <a:ext uri="{FF2B5EF4-FFF2-40B4-BE49-F238E27FC236}">
+                  <a16:creationId xmlns:a16="http://schemas.microsoft.com/office/drawing/2014/main" id="{84EEF2B1-62D9-44E8-A6A2-7C1E33D6445C}"/>
+                </a:ext>
+              </a:extLst>
+            </p:cNvPr>
+            <p:cNvGrpSpPr/>
+            <p:nvPr/>
+          </p:nvGrpSpPr>
+          <p:grpSpPr>
+            <a:xfrm>
+              <a:off x="8033955" y="2003898"/>
+              <a:ext cx="2844249" cy="3093395"/>
+              <a:chOff x="7672953" y="1867711"/>
+              <a:chExt cx="2844249" cy="3093395"/>
+            </a:xfrm>
+          </p:grpSpPr>
+          <p:sp>
+            <p:nvSpPr>
+              <p:cNvPr id="22" name="Rectangle 21">
+                <a:extLst>
+                  <a:ext uri="{FF2B5EF4-FFF2-40B4-BE49-F238E27FC236}">
+                    <a16:creationId xmlns:a16="http://schemas.microsoft.com/office/drawing/2014/main" id="{EC810591-4F56-4BB4-8833-36E0F22C0A34}"/>
+                  </a:ext>
+                </a:extLst>
+              </p:cNvPr>
+              <p:cNvSpPr/>
+              <p:nvPr/>
+            </p:nvSpPr>
+            <p:spPr bwMode="auto">
+              <a:xfrm>
+                <a:off x="7963287" y="1867711"/>
+                <a:ext cx="2163208" cy="3093395"/>
+              </a:xfrm>
+              <a:prstGeom prst="rect">
+                <a:avLst/>
+              </a:prstGeom>
+              <a:solidFill>
+                <a:schemeClr val="tx1"/>
+              </a:solidFill>
+              <a:ln>
+                <a:noFill/>
+                <a:headEnd type="none" w="med" len="med"/>
+                <a:tailEnd type="none" w="med" len="med"/>
+              </a:ln>
+              <a:effectLst/>
+            </p:spPr>
+            <p:style>
+              <a:lnRef idx="1">
+                <a:schemeClr val="accent2"/>
+              </a:lnRef>
+              <a:fillRef idx="3">
+                <a:schemeClr val="accent2"/>
+              </a:fillRef>
+              <a:effectRef idx="2">
+                <a:schemeClr val="accent2"/>
+              </a:effectRef>
+              <a:fontRef idx="minor">
+                <a:schemeClr val="lt1"/>
+              </a:fontRef>
+            </p:style>
+            <p:txBody>
+              <a:bodyPr rot="0" spcFirstLastPara="0" vertOverflow="overflow" horzOverflow="overflow" vert="horz" wrap="square" lIns="182880" tIns="146304" rIns="182880" bIns="146304" numCol="1" spcCol="0" rtlCol="0" fromWordArt="0" anchor="t" anchorCtr="0" forceAA="0" compatLnSpc="1">
+                <a:prstTxWarp prst="textNoShape">
+                  <a:avLst/>
+                </a:prstTxWarp>
+                <a:noAutofit/>
+              </a:bodyPr>
+              <a:lstStyle/>
+              <a:p>
+                <a:pPr algn="ctr" defTabSz="932472" fontAlgn="base">
+                  <a:lnSpc>
+                    <a:spcPct val="90000"/>
+                  </a:lnSpc>
+                  <a:spcBef>
+                    <a:spcPct val="0"/>
+                  </a:spcBef>
+                  <a:spcAft>
+                    <a:spcPct val="0"/>
+                  </a:spcAft>
+                </a:pPr>
+                <a:endParaRPr lang="en-US" sz="2400" dirty="0" err="1">
+                  <a:gradFill>
+                    <a:gsLst>
+                      <a:gs pos="0">
+                        <a:srgbClr val="FFFFFF"/>
+                      </a:gs>
+                      <a:gs pos="100000">
+                        <a:srgbClr val="FFFFFF"/>
+                      </a:gs>
+                    </a:gsLst>
+                    <a:lin ang="5400000" scaled="0"/>
+                  </a:gradFill>
+                  <a:ea typeface="Segoe UI" pitchFamily="34" charset="0"/>
+                  <a:cs typeface="Segoe UI" pitchFamily="34" charset="0"/>
+                </a:endParaRPr>
+              </a:p>
+            </p:txBody>
+          </p:sp>
+          <p:pic>
+            <p:nvPicPr>
+              <p:cNvPr id="23" name="Graphic 22">
+                <a:extLst>
+                  <a:ext uri="{FF2B5EF4-FFF2-40B4-BE49-F238E27FC236}">
+                    <a16:creationId xmlns:a16="http://schemas.microsoft.com/office/drawing/2014/main" id="{F9782A98-B7BE-44EF-927D-A21011C10F59}"/>
+                  </a:ext>
+                </a:extLst>
+              </p:cNvPr>
+              <p:cNvPicPr>
+                <a:picLocks noChangeAspect="1"/>
+              </p:cNvPicPr>
+              <p:nvPr/>
+            </p:nvPicPr>
+            <p:blipFill>
+              <a:blip r:embed="rId4">
+                <a:extLst>
+                  <a:ext uri="{28A0092B-C50C-407E-A947-70E740481C1C}">
+                    <a14:useLocalDpi xmlns:a14="http://schemas.microsoft.com/office/drawing/2010/main" val="0"/>
+                  </a:ext>
+                  <a:ext uri="{96DAC541-7B7A-43D3-8B79-37D633B846F1}">
+                    <asvg:svgBlip xmlns:asvg="http://schemas.microsoft.com/office/drawing/2016/SVG/main" r:embed="rId5"/>
+                  </a:ext>
+                </a:extLst>
+              </a:blip>
+              <a:stretch>
+                <a:fillRect/>
+              </a:stretch>
+            </p:blipFill>
+            <p:spPr>
+              <a:xfrm>
+                <a:off x="7672953" y="1990398"/>
+                <a:ext cx="2844249" cy="2844249"/>
+              </a:xfrm>
+              <a:prstGeom prst="rect">
+                <a:avLst/>
+              </a:prstGeom>
+            </p:spPr>
+          </p:pic>
+        </p:grpSp>
+        <p:sp>
+          <p:nvSpPr>
+            <p:cNvPr id="19" name="TextBox 18">
+              <a:extLst>
+                <a:ext uri="{FF2B5EF4-FFF2-40B4-BE49-F238E27FC236}">
+                  <a16:creationId xmlns:a16="http://schemas.microsoft.com/office/drawing/2014/main" id="{794BD590-6802-4E49-9986-F64CCB87498D}"/>
+                </a:ext>
+              </a:extLst>
+            </p:cNvPr>
+            <p:cNvSpPr txBox="1"/>
+            <p:nvPr/>
+          </p:nvSpPr>
+          <p:spPr>
+            <a:xfrm>
+              <a:off x="4624962" y="2801136"/>
+              <a:ext cx="2085251" cy="627864"/>
+            </a:xfrm>
+            <a:prstGeom prst="rect">
+              <a:avLst/>
+            </a:prstGeom>
+            <a:noFill/>
+          </p:spPr>
+          <p:txBody>
+            <a:bodyPr wrap="none" lIns="182880" tIns="146304" rIns="182880" bIns="146304" rtlCol="0">
+              <a:spAutoFit/>
+            </a:bodyPr>
+            <a:lstStyle/>
+            <a:p>
+              <a:pPr>
+                <a:lnSpc>
+                  <a:spcPct val="90000"/>
+                </a:lnSpc>
+                <a:spcAft>
+                  <a:spcPts val="600"/>
+                </a:spcAft>
+              </a:pPr>
+              <a:r>
+                <a:rPr lang="en-US" sz="2400" dirty="0">
+                  <a:gradFill>
+                    <a:gsLst>
+                      <a:gs pos="2917">
+                        <a:schemeClr val="tx1"/>
+                      </a:gs>
+                      <a:gs pos="30000">
+                        <a:schemeClr val="tx1"/>
+                      </a:gs>
+                    </a:gsLst>
+                    <a:lin ang="5400000" scaled="0"/>
+                  </a:gradFill>
+                </a:rPr>
+                <a:t>Prepare Data</a:t>
+              </a:r>
+            </a:p>
+          </p:txBody>
+        </p:sp>
+        <p:pic>
+          <p:nvPicPr>
+            <p:cNvPr id="20" name="Graphic 19">
+              <a:extLst>
+                <a:ext uri="{FF2B5EF4-FFF2-40B4-BE49-F238E27FC236}">
+                  <a16:creationId xmlns:a16="http://schemas.microsoft.com/office/drawing/2014/main" id="{4A644346-AC7C-4BF3-A981-5A7EB202D5AA}"/>
+                </a:ext>
+              </a:extLst>
+            </p:cNvPr>
+            <p:cNvPicPr>
+              <a:picLocks noChangeAspect="1"/>
+            </p:cNvPicPr>
+            <p:nvPr/>
+          </p:nvPicPr>
+          <p:blipFill>
+            <a:blip r:embed="rId2">
+              <a:extLst>
+                <a:ext uri="{28A0092B-C50C-407E-A947-70E740481C1C}">
+                  <a14:useLocalDpi xmlns:a14="http://schemas.microsoft.com/office/drawing/2010/main"/>
+                </a:ext>
+                <a:ext uri="{96DAC541-7B7A-43D3-8B79-37D633B846F1}">
+                  <asvg:svgBlip xmlns:asvg="http://schemas.microsoft.com/office/drawing/2016/SVG/main" r:embed="rId3"/>
+                </a:ext>
+              </a:extLst>
+            </a:blip>
+            <a:stretch>
+              <a:fillRect/>
+            </a:stretch>
+          </p:blipFill>
+          <p:spPr>
+            <a:xfrm>
+              <a:off x="8397622" y="3796882"/>
+              <a:ext cx="1237182" cy="1237181"/>
+            </a:xfrm>
+            <a:prstGeom prst="rect">
+              <a:avLst/>
+            </a:prstGeom>
+          </p:spPr>
+        </p:pic>
+        <p:sp>
+          <p:nvSpPr>
+            <p:cNvPr id="21" name="TextBox 20">
+              <a:extLst>
+                <a:ext uri="{FF2B5EF4-FFF2-40B4-BE49-F238E27FC236}">
+                  <a16:creationId xmlns:a16="http://schemas.microsoft.com/office/drawing/2014/main" id="{0BA6B23E-EF6F-4A9F-B709-03BF0D9244EF}"/>
+                </a:ext>
+              </a:extLst>
+            </p:cNvPr>
+            <p:cNvSpPr txBox="1"/>
+            <p:nvPr/>
+          </p:nvSpPr>
+          <p:spPr>
+            <a:xfrm>
+              <a:off x="6909312" y="5175383"/>
+              <a:ext cx="4993162" cy="1369606"/>
+            </a:xfrm>
+            <a:prstGeom prst="rect">
+              <a:avLst/>
+            </a:prstGeom>
+            <a:noFill/>
+          </p:spPr>
+          <p:txBody>
+            <a:bodyPr wrap="none" lIns="182880" tIns="146304" rIns="182880" bIns="146304" rtlCol="0">
+              <a:spAutoFit/>
+            </a:bodyPr>
+            <a:lstStyle/>
+            <a:p>
+              <a:pPr>
+                <a:lnSpc>
+                  <a:spcPct val="90000"/>
+                </a:lnSpc>
+                <a:spcAft>
+                  <a:spcPts val="600"/>
+                </a:spcAft>
+              </a:pPr>
+              <a:r>
+                <a:rPr lang="en-US" sz="2400" dirty="0">
+                  <a:gradFill>
+                    <a:gsLst>
+                      <a:gs pos="2917">
+                        <a:schemeClr val="tx1"/>
+                      </a:gs>
+                      <a:gs pos="30000">
+                        <a:schemeClr val="tx1"/>
+                      </a:gs>
+                    </a:gsLst>
+                    <a:lin ang="5400000" scaled="0"/>
+                  </a:gradFill>
+                </a:rPr>
+                <a:t>Spark </a:t>
+              </a:r>
+              <a:r>
+                <a:rPr lang="en-US" sz="2400" dirty="0" err="1">
+                  <a:gradFill>
+                    <a:gsLst>
+                      <a:gs pos="2917">
+                        <a:schemeClr val="tx1"/>
+                      </a:gs>
+                      <a:gs pos="30000">
+                        <a:schemeClr val="tx1"/>
+                      </a:gs>
+                    </a:gsLst>
+                    <a:lin ang="5400000" scaled="0"/>
+                  </a:gradFill>
+                </a:rPr>
+                <a:t>MLlib</a:t>
+              </a:r>
+              <a:r>
+                <a:rPr lang="en-US" sz="2400" dirty="0">
+                  <a:gradFill>
+                    <a:gsLst>
+                      <a:gs pos="2917">
+                        <a:schemeClr val="tx1"/>
+                      </a:gs>
+                      <a:gs pos="30000">
+                        <a:schemeClr val="tx1"/>
+                      </a:gs>
+                    </a:gsLst>
+                    <a:lin ang="5400000" scaled="0"/>
+                  </a:gradFill>
+                </a:rPr>
+                <a:t> two-class logistic</a:t>
+              </a:r>
+            </a:p>
+            <a:p>
+              <a:pPr>
+                <a:lnSpc>
+                  <a:spcPct val="90000"/>
+                </a:lnSpc>
+                <a:spcAft>
+                  <a:spcPts val="600"/>
+                </a:spcAft>
+              </a:pPr>
+              <a:r>
+                <a:rPr lang="en-US" sz="2400" dirty="0">
+                  <a:gradFill>
+                    <a:gsLst>
+                      <a:gs pos="2917">
+                        <a:schemeClr val="tx1"/>
+                      </a:gs>
+                      <a:gs pos="30000">
+                        <a:schemeClr val="tx1"/>
+                      </a:gs>
+                    </a:gsLst>
+                    <a:lin ang="5400000" scaled="0"/>
+                  </a:gradFill>
+                </a:rPr>
+                <a:t>regression model created and </a:t>
+              </a:r>
+              <a:br>
+                <a:rPr lang="en-US" sz="2400" dirty="0">
+                  <a:gradFill>
+                    <a:gsLst>
+                      <a:gs pos="2917">
+                        <a:schemeClr val="tx1"/>
+                      </a:gs>
+                      <a:gs pos="30000">
+                        <a:schemeClr val="tx1"/>
+                      </a:gs>
+                    </a:gsLst>
+                    <a:lin ang="5400000" scaled="0"/>
+                  </a:gradFill>
+                </a:rPr>
+              </a:br>
+              <a:r>
+                <a:rPr lang="en-US" sz="2400" dirty="0">
+                  <a:gradFill>
+                    <a:gsLst>
+                      <a:gs pos="2917">
+                        <a:schemeClr val="tx1"/>
+                      </a:gs>
+                      <a:gs pos="30000">
+                        <a:schemeClr val="tx1"/>
+                      </a:gs>
+                    </a:gsLst>
+                    <a:lin ang="5400000" scaled="0"/>
+                  </a:gradFill>
+                </a:rPr>
+                <a:t>trained within Databricks notebook</a:t>
+              </a:r>
+            </a:p>
+          </p:txBody>
+        </p:sp>
+      </p:grpSp>
+      <p:grpSp>
+        <p:nvGrpSpPr>
+          <p:cNvPr id="26" name="Group 25">
+            <a:extLst>
+              <a:ext uri="{FF2B5EF4-FFF2-40B4-BE49-F238E27FC236}">
+                <a16:creationId xmlns:a16="http://schemas.microsoft.com/office/drawing/2014/main" id="{135280F6-CCCB-4922-9EAF-6DA2086DF9C7}"/>
+              </a:ext>
+            </a:extLst>
+          </p:cNvPr>
+          <p:cNvGrpSpPr/>
+          <p:nvPr/>
+        </p:nvGrpSpPr>
+        <p:grpSpPr>
+          <a:xfrm>
+            <a:off x="6909350" y="820945"/>
+            <a:ext cx="1589986" cy="1589985"/>
+            <a:chOff x="5637603" y="367300"/>
+            <a:chExt cx="2216996" cy="2216995"/>
+          </a:xfrm>
+        </p:grpSpPr>
+        <p:sp>
+          <p:nvSpPr>
+            <p:cNvPr id="27" name="Oval 26">
+              <a:extLst>
+                <a:ext uri="{FF2B5EF4-FFF2-40B4-BE49-F238E27FC236}">
+                  <a16:creationId xmlns:a16="http://schemas.microsoft.com/office/drawing/2014/main" id="{A11A0886-CF61-4C54-A390-24FC7ECEB077}"/>
+                </a:ext>
+              </a:extLst>
+            </p:cNvPr>
+            <p:cNvSpPr/>
+            <p:nvPr/>
+          </p:nvSpPr>
+          <p:spPr bwMode="auto">
+            <a:xfrm>
+              <a:off x="5637603" y="367300"/>
+              <a:ext cx="2216996" cy="2216995"/>
+            </a:xfrm>
+            <a:prstGeom prst="ellipse">
+              <a:avLst/>
+            </a:prstGeom>
+            <a:solidFill>
+              <a:srgbClr val="FFFFFF">
+                <a:alpha val="89804"/>
+              </a:srgbClr>
+            </a:solidFill>
+            <a:ln>
+              <a:noFill/>
+              <a:headEnd type="none" w="med" len="med"/>
+              <a:tailEnd type="none" w="med" len="med"/>
+            </a:ln>
+            <a:effectLst/>
+          </p:spPr>
+          <p:style>
+            <a:lnRef idx="1">
+              <a:schemeClr val="accent2"/>
+            </a:lnRef>
+            <a:fillRef idx="3">
+              <a:schemeClr val="accent2"/>
+            </a:fillRef>
+            <a:effectRef idx="2">
+              <a:schemeClr val="accent2"/>
+            </a:effectRef>
+            <a:fontRef idx="minor">
+              <a:schemeClr val="lt1"/>
+            </a:fontRef>
+          </p:style>
+          <p:txBody>
+            <a:bodyPr rot="0" spcFirstLastPara="0" vertOverflow="overflow" horzOverflow="overflow" vert="horz" wrap="square" lIns="182880" tIns="146304" rIns="182880" bIns="146304" numCol="1" spcCol="0" rtlCol="0" fromWordArt="0" anchor="t" anchorCtr="0" forceAA="0" compatLnSpc="1">
+              <a:prstTxWarp prst="textNoShape">
+                <a:avLst/>
+              </a:prstTxWarp>
+              <a:noAutofit/>
+            </a:bodyPr>
+            <a:lstStyle/>
+            <a:p>
+              <a:pPr algn="ctr" defTabSz="932472" fontAlgn="base">
+                <a:lnSpc>
+                  <a:spcPct val="90000"/>
+                </a:lnSpc>
+                <a:spcBef>
+                  <a:spcPct val="0"/>
+                </a:spcBef>
+                <a:spcAft>
+                  <a:spcPct val="0"/>
+                </a:spcAft>
+              </a:pPr>
+              <a:endParaRPr lang="en-US" sz="2400" dirty="0" err="1">
+                <a:gradFill>
+                  <a:gsLst>
+                    <a:gs pos="0">
+                      <a:srgbClr val="FFFFFF"/>
+                    </a:gs>
+                    <a:gs pos="100000">
+                      <a:srgbClr val="FFFFFF"/>
+                    </a:gs>
+                  </a:gsLst>
+                  <a:lin ang="5400000" scaled="0"/>
+                </a:gradFill>
+                <a:ea typeface="Segoe UI" pitchFamily="34" charset="0"/>
+                <a:cs typeface="Segoe UI" pitchFamily="34" charset="0"/>
+              </a:endParaRPr>
+            </a:p>
+          </p:txBody>
+        </p:sp>
+        <p:pic>
+          <p:nvPicPr>
+            <p:cNvPr id="28" name="Graphic 27">
+              <a:extLst>
+                <a:ext uri="{FF2B5EF4-FFF2-40B4-BE49-F238E27FC236}">
+                  <a16:creationId xmlns:a16="http://schemas.microsoft.com/office/drawing/2014/main" id="{042B2790-7E0E-4332-93E0-42932BF28062}"/>
+                </a:ext>
+              </a:extLst>
+            </p:cNvPr>
+            <p:cNvPicPr>
+              <a:picLocks noChangeAspect="1"/>
+            </p:cNvPicPr>
+            <p:nvPr/>
+          </p:nvPicPr>
+          <p:blipFill>
+            <a:blip r:embed="rId6">
+              <a:extLst>
+                <a:ext uri="{28A0092B-C50C-407E-A947-70E740481C1C}">
+                  <a14:useLocalDpi xmlns:a14="http://schemas.microsoft.com/office/drawing/2010/main" val="0"/>
+                </a:ext>
+                <a:ext uri="{96DAC541-7B7A-43D3-8B79-37D633B846F1}">
+                  <asvg:svgBlip xmlns:asvg="http://schemas.microsoft.com/office/drawing/2016/SVG/main" r:embed="rId7"/>
+                </a:ext>
+              </a:extLst>
+            </a:blip>
+            <a:stretch>
+              <a:fillRect/>
+            </a:stretch>
+          </p:blipFill>
+          <p:spPr>
+            <a:xfrm>
+              <a:off x="5920932" y="625718"/>
+              <a:ext cx="1670146" cy="1670146"/>
+            </a:xfrm>
+            <a:prstGeom prst="rect">
+              <a:avLst/>
+            </a:prstGeom>
+          </p:spPr>
+        </p:pic>
+      </p:grpSp>
+    </p:spTree>
+    <p:extLst>
+      <p:ext uri="{BB962C8B-B14F-4D97-AF65-F5344CB8AC3E}">
+        <p14:creationId xmlns:p14="http://schemas.microsoft.com/office/powerpoint/2010/main" val="1381029239"/>
       </p:ext>
     </p:extLst>
   </p:cSld>
@@ -5516,7 +6205,7 @@
               <a:blip r:embed="rId2">
                 <a:extLst>
                   <a:ext uri="{28A0092B-C50C-407E-A947-70E740481C1C}">
-                    <a14:useLocalDpi xmlns:a14="http://schemas.microsoft.com/office/drawing/2010/main" val="0"/>
+                    <a14:useLocalDpi xmlns:a14="http://schemas.microsoft.com/office/drawing/2010/main"/>
                   </a:ext>
                   <a:ext uri="{96DAC541-7B7A-43D3-8B79-37D633B846F1}">
                     <asvg:svgBlip xmlns:asvg="http://schemas.microsoft.com/office/drawing/2016/SVG/main" r:embed="rId3"/>
@@ -5552,10 +6241,10 @@
               <p:nvPr/>
             </p:nvPicPr>
             <p:blipFill>
-              <a:blip r:embed="rId4">
+              <a:blip r:embed="rId4" cstate="hqprint">
                 <a:extLst>
                   <a:ext uri="{28A0092B-C50C-407E-A947-70E740481C1C}">
-                    <a14:useLocalDpi xmlns:a14="http://schemas.microsoft.com/office/drawing/2010/main" val="0"/>
+                    <a14:useLocalDpi xmlns:a14="http://schemas.microsoft.com/office/drawing/2010/main"/>
                   </a:ext>
                   <a:ext uri="{96DAC541-7B7A-43D3-8B79-37D633B846F1}">
                     <asvg:svgBlip xmlns:asvg="http://schemas.microsoft.com/office/drawing/2016/SVG/main" r:embed="rId5"/>
@@ -5680,7 +6369,7 @@
               <a:blip r:embed="rId2">
                 <a:extLst>
                   <a:ext uri="{28A0092B-C50C-407E-A947-70E740481C1C}">
-                    <a14:useLocalDpi xmlns:a14="http://schemas.microsoft.com/office/drawing/2010/main" val="0"/>
+                    <a14:useLocalDpi xmlns:a14="http://schemas.microsoft.com/office/drawing/2010/main"/>
                   </a:ext>
                   <a:ext uri="{96DAC541-7B7A-43D3-8B79-37D633B846F1}">
                     <asvg:svgBlip xmlns:asvg="http://schemas.microsoft.com/office/drawing/2016/SVG/main" r:embed="rId3"/>
@@ -5716,10 +6405,10 @@
               <p:nvPr/>
             </p:nvPicPr>
             <p:blipFill>
-              <a:blip r:embed="rId4">
+              <a:blip r:embed="rId4" cstate="hqprint">
                 <a:extLst>
                   <a:ext uri="{28A0092B-C50C-407E-A947-70E740481C1C}">
-                    <a14:useLocalDpi xmlns:a14="http://schemas.microsoft.com/office/drawing/2010/main" val="0"/>
+                    <a14:useLocalDpi xmlns:a14="http://schemas.microsoft.com/office/drawing/2010/main"/>
                   </a:ext>
                   <a:ext uri="{96DAC541-7B7A-43D3-8B79-37D633B846F1}">
                     <asvg:svgBlip xmlns:asvg="http://schemas.microsoft.com/office/drawing/2016/SVG/main" r:embed="rId5"/>
@@ -5786,194 +6475,80 @@
           </p:txBody>
         </p:sp>
       </p:grpSp>
-      <p:grpSp>
-        <p:nvGrpSpPr>
-          <p:cNvPr id="29" name="Group 28">
-            <a:extLst>
-              <a:ext uri="{FF2B5EF4-FFF2-40B4-BE49-F238E27FC236}">
-                <a16:creationId xmlns:a16="http://schemas.microsoft.com/office/drawing/2014/main" id="{3CA66550-D272-4F54-8CF0-C6D1CC653797}"/>
-              </a:ext>
-            </a:extLst>
-          </p:cNvPr>
-          <p:cNvGrpSpPr/>
+      <p:sp>
+        <p:nvSpPr>
+          <p:cNvPr id="26" name="TextBox 25">
+            <a:extLst>
+              <a:ext uri="{FF2B5EF4-FFF2-40B4-BE49-F238E27FC236}">
+                <a16:creationId xmlns:a16="http://schemas.microsoft.com/office/drawing/2014/main" id="{BB82A25B-4290-4F26-B6A0-DE277E58056F}"/>
+              </a:ext>
+            </a:extLst>
+          </p:cNvPr>
+          <p:cNvSpPr txBox="1"/>
           <p:nvPr/>
-        </p:nvGrpSpPr>
-        <p:grpSpPr>
+        </p:nvSpPr>
+        <p:spPr>
           <a:xfrm>
-            <a:off x="4885215" y="2567178"/>
-            <a:ext cx="1210785" cy="1101067"/>
-            <a:chOff x="3856015" y="1312914"/>
-            <a:chExt cx="1210785" cy="1101067"/>
-          </a:xfrm>
-        </p:grpSpPr>
-        <p:pic>
-          <p:nvPicPr>
-            <p:cNvPr id="17" name="Picture 16" descr="A stop sign&#10;&#10;Description generated with high confidence">
-              <a:extLst>
-                <a:ext uri="{FF2B5EF4-FFF2-40B4-BE49-F238E27FC236}">
-                  <a16:creationId xmlns:a16="http://schemas.microsoft.com/office/drawing/2014/main" id="{55840299-CC03-4677-A8BA-FBD123431B29}"/>
-                </a:ext>
-              </a:extLst>
-            </p:cNvPr>
-            <p:cNvPicPr>
-              <a:picLocks noChangeAspect="1"/>
-            </p:cNvPicPr>
-            <p:nvPr/>
-          </p:nvPicPr>
-          <p:blipFill>
-            <a:blip r:embed="rId6">
-              <a:extLst>
-                <a:ext uri="{28A0092B-C50C-407E-A947-70E740481C1C}">
-                  <a14:useLocalDpi xmlns:a14="http://schemas.microsoft.com/office/drawing/2010/main" val="0"/>
-                </a:ext>
-              </a:extLst>
-            </a:blip>
-            <a:stretch>
-              <a:fillRect/>
-            </a:stretch>
-          </p:blipFill>
-          <p:spPr>
-            <a:xfrm>
-              <a:off x="4071263" y="1312914"/>
-              <a:ext cx="780290" cy="780290"/>
-            </a:xfrm>
-            <a:prstGeom prst="rect">
-              <a:avLst/>
-            </a:prstGeom>
-          </p:spPr>
-        </p:pic>
-        <p:sp>
-          <p:nvSpPr>
-            <p:cNvPr id="26" name="TextBox 25">
-              <a:extLst>
-                <a:ext uri="{FF2B5EF4-FFF2-40B4-BE49-F238E27FC236}">
-                  <a16:creationId xmlns:a16="http://schemas.microsoft.com/office/drawing/2014/main" id="{BB82A25B-4290-4F26-B6A0-DE277E58056F}"/>
-                </a:ext>
-              </a:extLst>
-            </p:cNvPr>
-            <p:cNvSpPr txBox="1"/>
-            <p:nvPr/>
-          </p:nvSpPr>
-          <p:spPr>
-            <a:xfrm>
-              <a:off x="3856015" y="2106204"/>
-              <a:ext cx="1210785" cy="307777"/>
-            </a:xfrm>
-            <a:prstGeom prst="rect">
-              <a:avLst/>
-            </a:prstGeom>
-            <a:noFill/>
-          </p:spPr>
-          <p:txBody>
-            <a:bodyPr wrap="square" rtlCol="0">
-              <a:spAutoFit/>
-            </a:bodyPr>
-            <a:lstStyle/>
-            <a:p>
-              <a:pPr algn="ctr"/>
-              <a:r>
-                <a:rPr lang="en-US" sz="1400" dirty="0"/>
-                <a:t>Blob Storage</a:t>
-              </a:r>
-              <a:endParaRPr lang="en-US" sz="1000" dirty="0"/>
-            </a:p>
-          </p:txBody>
-        </p:sp>
-      </p:grpSp>
-      <p:grpSp>
-        <p:nvGrpSpPr>
-          <p:cNvPr id="28" name="Group 27">
-            <a:extLst>
-              <a:ext uri="{FF2B5EF4-FFF2-40B4-BE49-F238E27FC236}">
-                <a16:creationId xmlns:a16="http://schemas.microsoft.com/office/drawing/2014/main" id="{8A2D8B15-D81B-4F74-A31B-966F47F07FE0}"/>
-              </a:ext>
-            </a:extLst>
-          </p:cNvPr>
-          <p:cNvGrpSpPr/>
+            <a:off x="4885215" y="3360468"/>
+            <a:ext cx="1210785" cy="307777"/>
+          </a:xfrm>
+          <a:prstGeom prst="rect">
+            <a:avLst/>
+          </a:prstGeom>
+          <a:noFill/>
+        </p:spPr>
+        <p:txBody>
+          <a:bodyPr wrap="square" rtlCol="0">
+            <a:spAutoFit/>
+          </a:bodyPr>
+          <a:lstStyle/>
+          <a:p>
+            <a:pPr algn="ctr"/>
+            <a:r>
+              <a:rPr lang="en-US" sz="1400" dirty="0"/>
+              <a:t>Blob Storage</a:t>
+            </a:r>
+            <a:endParaRPr lang="en-US" sz="1000" dirty="0"/>
+          </a:p>
+        </p:txBody>
+      </p:sp>
+      <p:sp>
+        <p:nvSpPr>
+          <p:cNvPr id="27" name="TextBox 26">
+            <a:extLst>
+              <a:ext uri="{FF2B5EF4-FFF2-40B4-BE49-F238E27FC236}">
+                <a16:creationId xmlns:a16="http://schemas.microsoft.com/office/drawing/2014/main" id="{2097523E-2B0E-491F-8BC1-84B9A489E2CE}"/>
+              </a:ext>
+            </a:extLst>
+          </p:cNvPr>
+          <p:cNvSpPr txBox="1"/>
           <p:nvPr/>
-        </p:nvGrpSpPr>
-        <p:grpSpPr>
+        </p:nvSpPr>
+        <p:spPr>
           <a:xfrm>
-            <a:off x="2414680" y="2567178"/>
-            <a:ext cx="1210785" cy="1362677"/>
-            <a:chOff x="2286161" y="1312914"/>
-            <a:chExt cx="1210785" cy="1362677"/>
-          </a:xfrm>
-        </p:grpSpPr>
-        <p:pic>
-          <p:nvPicPr>
-            <p:cNvPr id="15" name="Picture 14">
-              <a:extLst>
-                <a:ext uri="{FF2B5EF4-FFF2-40B4-BE49-F238E27FC236}">
-                  <a16:creationId xmlns:a16="http://schemas.microsoft.com/office/drawing/2014/main" id="{B3B0C049-1A82-4EBA-8A06-5694DEFB7635}"/>
-                </a:ext>
-              </a:extLst>
-            </p:cNvPr>
-            <p:cNvPicPr>
-              <a:picLocks noChangeAspect="1"/>
-            </p:cNvPicPr>
-            <p:nvPr/>
-          </p:nvPicPr>
-          <p:blipFill>
-            <a:blip r:embed="rId7">
-              <a:extLst>
-                <a:ext uri="{28A0092B-C50C-407E-A947-70E740481C1C}">
-                  <a14:useLocalDpi xmlns:a14="http://schemas.microsoft.com/office/drawing/2010/main" val="0"/>
-                </a:ext>
-              </a:extLst>
-            </a:blip>
-            <a:stretch>
-              <a:fillRect/>
-            </a:stretch>
-          </p:blipFill>
-          <p:spPr>
-            <a:xfrm>
-              <a:off x="2501409" y="1312914"/>
-              <a:ext cx="780290" cy="780290"/>
-            </a:xfrm>
-            <a:prstGeom prst="rect">
-              <a:avLst/>
-            </a:prstGeom>
-          </p:spPr>
-        </p:pic>
-        <p:sp>
-          <p:nvSpPr>
-            <p:cNvPr id="27" name="TextBox 26">
-              <a:extLst>
-                <a:ext uri="{FF2B5EF4-FFF2-40B4-BE49-F238E27FC236}">
-                  <a16:creationId xmlns:a16="http://schemas.microsoft.com/office/drawing/2014/main" id="{2097523E-2B0E-491F-8BC1-84B9A489E2CE}"/>
-                </a:ext>
-              </a:extLst>
-            </p:cNvPr>
-            <p:cNvSpPr txBox="1"/>
-            <p:nvPr/>
-          </p:nvSpPr>
-          <p:spPr>
-            <a:xfrm>
-              <a:off x="2286161" y="2152371"/>
-              <a:ext cx="1210785" cy="523220"/>
-            </a:xfrm>
-            <a:prstGeom prst="rect">
-              <a:avLst/>
-            </a:prstGeom>
-            <a:noFill/>
-          </p:spPr>
-          <p:txBody>
-            <a:bodyPr wrap="square" rtlCol="0">
-              <a:spAutoFit/>
-            </a:bodyPr>
-            <a:lstStyle/>
-            <a:p>
-              <a:pPr algn="ctr"/>
-              <a:r>
-                <a:rPr lang="en-US" sz="1400" dirty="0"/>
-                <a:t>Azure Data Factory</a:t>
-              </a:r>
-              <a:endParaRPr lang="en-US" sz="1000" dirty="0"/>
-            </a:p>
-          </p:txBody>
-        </p:sp>
-      </p:grpSp>
+            <a:off x="2414680" y="3406635"/>
+            <a:ext cx="1210785" cy="523220"/>
+          </a:xfrm>
+          <a:prstGeom prst="rect">
+            <a:avLst/>
+          </a:prstGeom>
+          <a:noFill/>
+        </p:spPr>
+        <p:txBody>
+          <a:bodyPr wrap="square" rtlCol="0">
+            <a:spAutoFit/>
+          </a:bodyPr>
+          <a:lstStyle/>
+          <a:p>
+            <a:pPr algn="ctr"/>
+            <a:r>
+              <a:rPr lang="en-US" sz="1400" dirty="0"/>
+              <a:t>Azure Data Factory</a:t>
+            </a:r>
+            <a:endParaRPr lang="en-US" sz="1000" dirty="0"/>
+          </a:p>
+        </p:txBody>
+      </p:sp>
       <p:cxnSp>
         <p:nvCxnSpPr>
           <p:cNvPr id="52" name="Connector: Curved 51">
@@ -5984,8 +6559,8 @@
             </a:extLst>
           </p:cNvPr>
           <p:cNvCxnSpPr>
+            <a:cxnSpLocks/>
             <a:stCxn id="7" idx="3"/>
-            <a:endCxn id="15" idx="1"/>
           </p:cNvCxnSpPr>
           <p:nvPr/>
         </p:nvCxnSpPr>
@@ -6026,7 +6601,7 @@
             </a:extLst>
           </p:cNvPr>
           <p:cNvCxnSpPr>
-            <a:endCxn id="15" idx="1"/>
+            <a:cxnSpLocks/>
           </p:cNvCxnSpPr>
           <p:nvPr/>
         </p:nvCxnSpPr>
@@ -6067,8 +6642,7 @@
             </a:extLst>
           </p:cNvPr>
           <p:cNvCxnSpPr>
-            <a:stCxn id="15" idx="3"/>
-            <a:endCxn id="17" idx="1"/>
+            <a:cxnSpLocks/>
           </p:cNvCxnSpPr>
           <p:nvPr/>
         </p:nvCxnSpPr>
@@ -6157,13 +6731,13 @@
           <p:nvPr/>
         </p:nvPicPr>
         <p:blipFill>
-          <a:blip r:embed="rId8">
+          <a:blip r:embed="rId6">
             <a:extLst>
               <a:ext uri="{28A0092B-C50C-407E-A947-70E740481C1C}">
-                <a14:useLocalDpi xmlns:a14="http://schemas.microsoft.com/office/drawing/2010/main" val="0"/>
+                <a14:useLocalDpi xmlns:a14="http://schemas.microsoft.com/office/drawing/2010/main"/>
               </a:ext>
               <a:ext uri="{96DAC541-7B7A-43D3-8B79-37D633B846F1}">
-                <asvg:svgBlip xmlns:asvg="http://schemas.microsoft.com/office/drawing/2016/SVG/main" r:embed="rId9"/>
+                <asvg:svgBlip xmlns:asvg="http://schemas.microsoft.com/office/drawing/2016/SVG/main" r:embed="rId7"/>
               </a:ext>
             </a:extLst>
           </a:blip>
@@ -6256,6 +6830,84 @@
           </a:p>
         </p:txBody>
       </p:sp>
+      <p:pic>
+        <p:nvPicPr>
+          <p:cNvPr id="25" name="Graphic 24">
+            <a:extLst>
+              <a:ext uri="{FF2B5EF4-FFF2-40B4-BE49-F238E27FC236}">
+                <a16:creationId xmlns:a16="http://schemas.microsoft.com/office/drawing/2014/main" id="{4165CAC5-F277-4312-A954-6E00FF1B0F94}"/>
+              </a:ext>
+            </a:extLst>
+          </p:cNvPr>
+          <p:cNvPicPr>
+            <a:picLocks noChangeAspect="1"/>
+          </p:cNvPicPr>
+          <p:nvPr/>
+        </p:nvPicPr>
+        <p:blipFill>
+          <a:blip r:embed="rId8">
+            <a:extLst>
+              <a:ext uri="{28A0092B-C50C-407E-A947-70E740481C1C}">
+                <a14:useLocalDpi xmlns:a14="http://schemas.microsoft.com/office/drawing/2010/main"/>
+              </a:ext>
+              <a:ext uri="{96DAC541-7B7A-43D3-8B79-37D633B846F1}">
+                <asvg:svgBlip xmlns:asvg="http://schemas.microsoft.com/office/drawing/2016/SVG/main" r:embed="rId9"/>
+              </a:ext>
+            </a:extLst>
+          </a:blip>
+          <a:stretch>
+            <a:fillRect/>
+          </a:stretch>
+        </p:blipFill>
+        <p:spPr>
+          <a:xfrm>
+            <a:off x="2601034" y="2610911"/>
+            <a:ext cx="838079" cy="838079"/>
+          </a:xfrm>
+          <a:prstGeom prst="rect">
+            <a:avLst/>
+          </a:prstGeom>
+        </p:spPr>
+      </p:pic>
+      <p:pic>
+        <p:nvPicPr>
+          <p:cNvPr id="30" name="Graphic 29">
+            <a:extLst>
+              <a:ext uri="{FF2B5EF4-FFF2-40B4-BE49-F238E27FC236}">
+                <a16:creationId xmlns:a16="http://schemas.microsoft.com/office/drawing/2014/main" id="{1CA02173-4165-415D-BB75-A321D1A91C82}"/>
+              </a:ext>
+            </a:extLst>
+          </p:cNvPr>
+          <p:cNvPicPr>
+            <a:picLocks noChangeAspect="1"/>
+          </p:cNvPicPr>
+          <p:nvPr/>
+        </p:nvPicPr>
+        <p:blipFill>
+          <a:blip r:embed="rId10">
+            <a:extLst>
+              <a:ext uri="{28A0092B-C50C-407E-A947-70E740481C1C}">
+                <a14:useLocalDpi xmlns:a14="http://schemas.microsoft.com/office/drawing/2010/main"/>
+              </a:ext>
+              <a:ext uri="{96DAC541-7B7A-43D3-8B79-37D633B846F1}">
+                <asvg:svgBlip xmlns:asvg="http://schemas.microsoft.com/office/drawing/2016/SVG/main" r:embed="rId11"/>
+              </a:ext>
+            </a:extLst>
+          </a:blip>
+          <a:stretch>
+            <a:fillRect/>
+          </a:stretch>
+        </p:blipFill>
+        <p:spPr>
+          <a:xfrm>
+            <a:off x="5113873" y="2634842"/>
+            <a:ext cx="790215" cy="790215"/>
+          </a:xfrm>
+          <a:prstGeom prst="rect">
+            <a:avLst/>
+          </a:prstGeom>
+        </p:spPr>
+      </p:pic>
     </p:spTree>
     <p:extLst>
       <p:ext uri="{BB962C8B-B14F-4D97-AF65-F5344CB8AC3E}">
@@ -6344,7 +6996,7 @@
               <a:blip r:embed="rId2">
                 <a:extLst>
                   <a:ext uri="{28A0092B-C50C-407E-A947-70E740481C1C}">
-                    <a14:useLocalDpi xmlns:a14="http://schemas.microsoft.com/office/drawing/2010/main" val="0"/>
+                    <a14:useLocalDpi xmlns:a14="http://schemas.microsoft.com/office/drawing/2010/main"/>
                   </a:ext>
                   <a:ext uri="{96DAC541-7B7A-43D3-8B79-37D633B846F1}">
                     <asvg:svgBlip xmlns:asvg="http://schemas.microsoft.com/office/drawing/2016/SVG/main" r:embed="rId3"/>
@@ -6380,10 +7032,10 @@
               <p:nvPr/>
             </p:nvPicPr>
             <p:blipFill>
-              <a:blip r:embed="rId4">
+              <a:blip r:embed="rId4" cstate="hqprint">
                 <a:extLst>
                   <a:ext uri="{28A0092B-C50C-407E-A947-70E740481C1C}">
-                    <a14:useLocalDpi xmlns:a14="http://schemas.microsoft.com/office/drawing/2010/main" val="0"/>
+                    <a14:useLocalDpi xmlns:a14="http://schemas.microsoft.com/office/drawing/2010/main"/>
                   </a:ext>
                   <a:ext uri="{96DAC541-7B7A-43D3-8B79-37D633B846F1}">
                     <asvg:svgBlip xmlns:asvg="http://schemas.microsoft.com/office/drawing/2016/SVG/main" r:embed="rId5"/>
@@ -6508,7 +7160,7 @@
               <a:blip r:embed="rId2">
                 <a:extLst>
                   <a:ext uri="{28A0092B-C50C-407E-A947-70E740481C1C}">
-                    <a14:useLocalDpi xmlns:a14="http://schemas.microsoft.com/office/drawing/2010/main" val="0"/>
+                    <a14:useLocalDpi xmlns:a14="http://schemas.microsoft.com/office/drawing/2010/main"/>
                   </a:ext>
                   <a:ext uri="{96DAC541-7B7A-43D3-8B79-37D633B846F1}">
                     <asvg:svgBlip xmlns:asvg="http://schemas.microsoft.com/office/drawing/2016/SVG/main" r:embed="rId3"/>
@@ -6544,10 +7196,10 @@
               <p:nvPr/>
             </p:nvPicPr>
             <p:blipFill>
-              <a:blip r:embed="rId4">
+              <a:blip r:embed="rId4" cstate="hqprint">
                 <a:extLst>
                   <a:ext uri="{28A0092B-C50C-407E-A947-70E740481C1C}">
-                    <a14:useLocalDpi xmlns:a14="http://schemas.microsoft.com/office/drawing/2010/main" val="0"/>
+                    <a14:useLocalDpi xmlns:a14="http://schemas.microsoft.com/office/drawing/2010/main"/>
                   </a:ext>
                   <a:ext uri="{96DAC541-7B7A-43D3-8B79-37D633B846F1}">
                     <asvg:svgBlip xmlns:asvg="http://schemas.microsoft.com/office/drawing/2016/SVG/main" r:embed="rId5"/>
@@ -6614,100 +7266,43 @@
           </p:txBody>
         </p:sp>
       </p:grpSp>
-      <p:grpSp>
-        <p:nvGrpSpPr>
-          <p:cNvPr id="29" name="Group 28">
-            <a:extLst>
-              <a:ext uri="{FF2B5EF4-FFF2-40B4-BE49-F238E27FC236}">
-                <a16:creationId xmlns:a16="http://schemas.microsoft.com/office/drawing/2014/main" id="{3CA66550-D272-4F54-8CF0-C6D1CC653797}"/>
-              </a:ext>
-            </a:extLst>
-          </p:cNvPr>
-          <p:cNvGrpSpPr/>
+      <p:sp>
+        <p:nvSpPr>
+          <p:cNvPr id="26" name="TextBox 25">
+            <a:extLst>
+              <a:ext uri="{FF2B5EF4-FFF2-40B4-BE49-F238E27FC236}">
+                <a16:creationId xmlns:a16="http://schemas.microsoft.com/office/drawing/2014/main" id="{BB82A25B-4290-4F26-B6A0-DE277E58056F}"/>
+              </a:ext>
+            </a:extLst>
+          </p:cNvPr>
+          <p:cNvSpPr txBox="1"/>
           <p:nvPr/>
-        </p:nvGrpSpPr>
-        <p:grpSpPr>
+        </p:nvSpPr>
+        <p:spPr>
           <a:xfrm>
-            <a:off x="2465320" y="2555353"/>
-            <a:ext cx="1210785" cy="1101067"/>
-            <a:chOff x="3856015" y="1312914"/>
-            <a:chExt cx="1210785" cy="1101067"/>
-          </a:xfrm>
-        </p:grpSpPr>
-        <p:pic>
-          <p:nvPicPr>
-            <p:cNvPr id="17" name="Picture 16" descr="A stop sign&#10;&#10;Description generated with high confidence">
-              <a:extLst>
-                <a:ext uri="{FF2B5EF4-FFF2-40B4-BE49-F238E27FC236}">
-                  <a16:creationId xmlns:a16="http://schemas.microsoft.com/office/drawing/2014/main" id="{55840299-CC03-4677-A8BA-FBD123431B29}"/>
-                </a:ext>
-              </a:extLst>
-            </p:cNvPr>
-            <p:cNvPicPr>
-              <a:picLocks noChangeAspect="1"/>
-            </p:cNvPicPr>
-            <p:nvPr/>
-          </p:nvPicPr>
-          <p:blipFill>
-            <a:blip r:embed="rId6">
-              <a:extLst>
-                <a:ext uri="{28A0092B-C50C-407E-A947-70E740481C1C}">
-                  <a14:useLocalDpi xmlns:a14="http://schemas.microsoft.com/office/drawing/2010/main" val="0"/>
-                </a:ext>
-              </a:extLst>
-            </a:blip>
-            <a:stretch>
-              <a:fillRect/>
-            </a:stretch>
-          </p:blipFill>
-          <p:spPr>
-            <a:xfrm>
-              <a:off x="4071263" y="1312914"/>
-              <a:ext cx="780290" cy="780290"/>
-            </a:xfrm>
-            <a:prstGeom prst="rect">
-              <a:avLst/>
-            </a:prstGeom>
-          </p:spPr>
-        </p:pic>
-        <p:sp>
-          <p:nvSpPr>
-            <p:cNvPr id="26" name="TextBox 25">
-              <a:extLst>
-                <a:ext uri="{FF2B5EF4-FFF2-40B4-BE49-F238E27FC236}">
-                  <a16:creationId xmlns:a16="http://schemas.microsoft.com/office/drawing/2014/main" id="{BB82A25B-4290-4F26-B6A0-DE277E58056F}"/>
-                </a:ext>
-              </a:extLst>
-            </p:cNvPr>
-            <p:cNvSpPr txBox="1"/>
-            <p:nvPr/>
-          </p:nvSpPr>
-          <p:spPr>
-            <a:xfrm>
-              <a:off x="3856015" y="2106204"/>
-              <a:ext cx="1210785" cy="307777"/>
-            </a:xfrm>
-            <a:prstGeom prst="rect">
-              <a:avLst/>
-            </a:prstGeom>
-            <a:noFill/>
-          </p:spPr>
-          <p:txBody>
-            <a:bodyPr wrap="square" rtlCol="0">
-              <a:spAutoFit/>
-            </a:bodyPr>
-            <a:lstStyle/>
-            <a:p>
-              <a:pPr algn="ctr"/>
-              <a:r>
-                <a:rPr lang="en-US" sz="1400" dirty="0"/>
-                <a:t>Blob Storage</a:t>
-              </a:r>
-              <a:endParaRPr lang="en-US" sz="1000" dirty="0"/>
-            </a:p>
-          </p:txBody>
-        </p:sp>
-      </p:grpSp>
+            <a:off x="2465320" y="3348643"/>
+            <a:ext cx="1210785" cy="307777"/>
+          </a:xfrm>
+          <a:prstGeom prst="rect">
+            <a:avLst/>
+          </a:prstGeom>
+          <a:noFill/>
+        </p:spPr>
+        <p:txBody>
+          <a:bodyPr wrap="square" rtlCol="0">
+            <a:spAutoFit/>
+          </a:bodyPr>
+          <a:lstStyle/>
+          <a:p>
+            <a:pPr algn="ctr"/>
+            <a:r>
+              <a:rPr lang="en-US" sz="1400" dirty="0"/>
+              <a:t>Blob Storage</a:t>
+            </a:r>
+            <a:endParaRPr lang="en-US" sz="1000" dirty="0"/>
+          </a:p>
+        </p:txBody>
+      </p:sp>
       <p:cxnSp>
         <p:nvCxnSpPr>
           <p:cNvPr id="52" name="Connector: Curved 51">
@@ -6830,107 +7425,50 @@
           </a:p>
         </p:txBody>
       </p:sp>
-      <p:grpSp>
-        <p:nvGrpSpPr>
-          <p:cNvPr id="25" name="Group 24">
-            <a:extLst>
-              <a:ext uri="{FF2B5EF4-FFF2-40B4-BE49-F238E27FC236}">
-                <a16:creationId xmlns:a16="http://schemas.microsoft.com/office/drawing/2014/main" id="{DD257516-07AF-4C61-BA1A-99C64283628B}"/>
-              </a:ext>
-            </a:extLst>
-          </p:cNvPr>
-          <p:cNvGrpSpPr/>
+      <p:sp>
+        <p:nvSpPr>
+          <p:cNvPr id="31" name="TextBox 30">
+            <a:extLst>
+              <a:ext uri="{FF2B5EF4-FFF2-40B4-BE49-F238E27FC236}">
+                <a16:creationId xmlns:a16="http://schemas.microsoft.com/office/drawing/2014/main" id="{A0D84B40-08DC-4A62-AF7C-D30657F11569}"/>
+              </a:ext>
+            </a:extLst>
+          </p:cNvPr>
+          <p:cNvSpPr txBox="1"/>
           <p:nvPr/>
-        </p:nvGrpSpPr>
-        <p:grpSpPr>
+        </p:nvSpPr>
+        <p:spPr>
           <a:xfrm>
-            <a:off x="4070190" y="2556262"/>
-            <a:ext cx="1210785" cy="1457398"/>
-            <a:chOff x="5421698" y="1312914"/>
-            <a:chExt cx="1210785" cy="1457398"/>
-          </a:xfrm>
-        </p:grpSpPr>
-        <p:pic>
-          <p:nvPicPr>
-            <p:cNvPr id="30" name="Picture 29">
-              <a:extLst>
-                <a:ext uri="{FF2B5EF4-FFF2-40B4-BE49-F238E27FC236}">
-                  <a16:creationId xmlns:a16="http://schemas.microsoft.com/office/drawing/2014/main" id="{A3ADDF41-A2F4-44A5-AB0B-43378FBD791B}"/>
-                </a:ext>
-              </a:extLst>
-            </p:cNvPr>
-            <p:cNvPicPr>
-              <a:picLocks noChangeAspect="1"/>
-            </p:cNvPicPr>
-            <p:nvPr/>
-          </p:nvPicPr>
-          <p:blipFill>
-            <a:blip r:embed="rId7">
-              <a:extLst>
-                <a:ext uri="{28A0092B-C50C-407E-A947-70E740481C1C}">
-                  <a14:useLocalDpi xmlns:a14="http://schemas.microsoft.com/office/drawing/2010/main" val="0"/>
-                </a:ext>
-              </a:extLst>
-            </a:blip>
-            <a:stretch>
-              <a:fillRect/>
-            </a:stretch>
-          </p:blipFill>
-          <p:spPr>
-            <a:xfrm>
-              <a:off x="5641117" y="1312914"/>
-              <a:ext cx="707212" cy="780290"/>
-            </a:xfrm>
-            <a:prstGeom prst="rect">
-              <a:avLst/>
-            </a:prstGeom>
-          </p:spPr>
-        </p:pic>
-        <p:sp>
-          <p:nvSpPr>
-            <p:cNvPr id="31" name="TextBox 30">
-              <a:extLst>
-                <a:ext uri="{FF2B5EF4-FFF2-40B4-BE49-F238E27FC236}">
-                  <a16:creationId xmlns:a16="http://schemas.microsoft.com/office/drawing/2014/main" id="{A0D84B40-08DC-4A62-AF7C-D30657F11569}"/>
-                </a:ext>
-              </a:extLst>
-            </p:cNvPr>
-            <p:cNvSpPr txBox="1"/>
-            <p:nvPr/>
-          </p:nvSpPr>
-          <p:spPr>
-            <a:xfrm>
-              <a:off x="5421698" y="2093204"/>
-              <a:ext cx="1210785" cy="677108"/>
-            </a:xfrm>
-            <a:prstGeom prst="rect">
-              <a:avLst/>
-            </a:prstGeom>
-            <a:noFill/>
-          </p:spPr>
-          <p:txBody>
-            <a:bodyPr wrap="square" rtlCol="0">
-              <a:spAutoFit/>
-            </a:bodyPr>
-            <a:lstStyle/>
-            <a:p>
-              <a:pPr algn="ctr"/>
-              <a:r>
-                <a:rPr lang="en-US" sz="1400" dirty="0"/>
-                <a:t>Azure Databricks</a:t>
-              </a:r>
-              <a:endParaRPr lang="en-US" sz="1100" dirty="0"/>
-            </a:p>
-            <a:p>
-              <a:pPr algn="ctr"/>
-              <a:r>
-                <a:rPr lang="en-US" sz="1000" dirty="0"/>
-                <a:t>(Spark SQL)</a:t>
-              </a:r>
-            </a:p>
-          </p:txBody>
-        </p:sp>
-      </p:grpSp>
+            <a:off x="4070190" y="3336552"/>
+            <a:ext cx="1210785" cy="677108"/>
+          </a:xfrm>
+          <a:prstGeom prst="rect">
+            <a:avLst/>
+          </a:prstGeom>
+          <a:noFill/>
+        </p:spPr>
+        <p:txBody>
+          <a:bodyPr wrap="square" rtlCol="0">
+            <a:spAutoFit/>
+          </a:bodyPr>
+          <a:lstStyle/>
+          <a:p>
+            <a:pPr algn="ctr"/>
+            <a:r>
+              <a:rPr lang="en-US" sz="1400" dirty="0"/>
+              <a:t>Azure Databricks</a:t>
+            </a:r>
+            <a:endParaRPr lang="en-US" sz="1100" dirty="0"/>
+          </a:p>
+          <a:p>
+            <a:pPr algn="ctr"/>
+            <a:r>
+              <a:rPr lang="en-US" sz="1000" dirty="0"/>
+              <a:t>(Spark SQL)</a:t>
+            </a:r>
+          </a:p>
+        </p:txBody>
+      </p:sp>
       <p:cxnSp>
         <p:nvCxnSpPr>
           <p:cNvPr id="19" name="Straight Arrow Connector 18">
@@ -6941,8 +7479,7 @@
             </a:extLst>
           </p:cNvPr>
           <p:cNvCxnSpPr>
-            <a:stCxn id="17" idx="3"/>
-            <a:endCxn id="30" idx="1"/>
+            <a:cxnSpLocks/>
           </p:cNvCxnSpPr>
           <p:nvPr/>
         </p:nvCxnSpPr>
@@ -7094,6 +7631,84 @@
           </a:p>
         </p:txBody>
       </p:sp>
+      <p:pic>
+        <p:nvPicPr>
+          <p:cNvPr id="27" name="Graphic 26">
+            <a:extLst>
+              <a:ext uri="{FF2B5EF4-FFF2-40B4-BE49-F238E27FC236}">
+                <a16:creationId xmlns:a16="http://schemas.microsoft.com/office/drawing/2014/main" id="{D35C68B3-989C-4843-9127-5C877DA9EDD2}"/>
+              </a:ext>
+            </a:extLst>
+          </p:cNvPr>
+          <p:cNvPicPr>
+            <a:picLocks noChangeAspect="1"/>
+          </p:cNvPicPr>
+          <p:nvPr/>
+        </p:nvPicPr>
+        <p:blipFill>
+          <a:blip r:embed="rId6">
+            <a:extLst>
+              <a:ext uri="{28A0092B-C50C-407E-A947-70E740481C1C}">
+                <a14:useLocalDpi xmlns:a14="http://schemas.microsoft.com/office/drawing/2010/main"/>
+              </a:ext>
+              <a:ext uri="{96DAC541-7B7A-43D3-8B79-37D633B846F1}">
+                <asvg:svgBlip xmlns:asvg="http://schemas.microsoft.com/office/drawing/2016/SVG/main" r:embed="rId7"/>
+              </a:ext>
+            </a:extLst>
+          </a:blip>
+          <a:stretch>
+            <a:fillRect/>
+          </a:stretch>
+        </p:blipFill>
+        <p:spPr>
+          <a:xfrm>
+            <a:off x="2668464" y="2638785"/>
+            <a:ext cx="790215" cy="790215"/>
+          </a:xfrm>
+          <a:prstGeom prst="rect">
+            <a:avLst/>
+          </a:prstGeom>
+        </p:spPr>
+      </p:pic>
+      <p:pic>
+        <p:nvPicPr>
+          <p:cNvPr id="28" name="Graphic 27">
+            <a:extLst>
+              <a:ext uri="{FF2B5EF4-FFF2-40B4-BE49-F238E27FC236}">
+                <a16:creationId xmlns:a16="http://schemas.microsoft.com/office/drawing/2014/main" id="{6A867F0F-28C6-4AFA-901A-0BB663E6246D}"/>
+              </a:ext>
+            </a:extLst>
+          </p:cNvPr>
+          <p:cNvPicPr>
+            <a:picLocks noChangeAspect="1"/>
+          </p:cNvPicPr>
+          <p:nvPr/>
+        </p:nvPicPr>
+        <p:blipFill>
+          <a:blip r:embed="rId8">
+            <a:extLst>
+              <a:ext uri="{28A0092B-C50C-407E-A947-70E740481C1C}">
+                <a14:useLocalDpi xmlns:a14="http://schemas.microsoft.com/office/drawing/2010/main"/>
+              </a:ext>
+              <a:ext uri="{96DAC541-7B7A-43D3-8B79-37D633B846F1}">
+                <asvg:svgBlip xmlns:asvg="http://schemas.microsoft.com/office/drawing/2016/SVG/main" r:embed="rId9"/>
+              </a:ext>
+            </a:extLst>
+          </a:blip>
+          <a:stretch>
+            <a:fillRect/>
+          </a:stretch>
+        </p:blipFill>
+        <p:spPr>
+          <a:xfrm>
+            <a:off x="4278288" y="2550652"/>
+            <a:ext cx="838079" cy="838079"/>
+          </a:xfrm>
+          <a:prstGeom prst="rect">
+            <a:avLst/>
+          </a:prstGeom>
+        </p:spPr>
+      </p:pic>
     </p:spTree>
     <p:extLst>
       <p:ext uri="{BB962C8B-B14F-4D97-AF65-F5344CB8AC3E}">
@@ -7124,12 +7739,51 @@
           <a:chExt cx="0" cy="0"/>
         </a:xfrm>
       </p:grpSpPr>
+      <p:sp>
+        <p:nvSpPr>
+          <p:cNvPr id="14" name="TextBox 13">
+            <a:extLst>
+              <a:ext uri="{FF2B5EF4-FFF2-40B4-BE49-F238E27FC236}">
+                <a16:creationId xmlns:a16="http://schemas.microsoft.com/office/drawing/2014/main" id="{9861045D-2BFB-47F3-959E-FD3A1D8353FA}"/>
+              </a:ext>
+            </a:extLst>
+          </p:cNvPr>
+          <p:cNvSpPr txBox="1"/>
+          <p:nvPr/>
+        </p:nvSpPr>
+        <p:spPr>
+          <a:xfrm>
+            <a:off x="901714" y="371043"/>
+            <a:ext cx="2778774" cy="584775"/>
+          </a:xfrm>
+          <a:prstGeom prst="rect">
+            <a:avLst/>
+          </a:prstGeom>
+          <a:noFill/>
+        </p:spPr>
+        <p:txBody>
+          <a:bodyPr wrap="none" rtlCol="0">
+            <a:spAutoFit/>
+          </a:bodyPr>
+          <a:lstStyle/>
+          <a:p>
+            <a:r>
+              <a:rPr lang="en-US" sz="3200" dirty="0">
+                <a:solidFill>
+                  <a:srgbClr val="0070C0"/>
+                </a:solidFill>
+              </a:rPr>
+              <a:t>Model Creation</a:t>
+            </a:r>
+          </a:p>
+        </p:txBody>
+      </p:sp>
       <p:grpSp>
         <p:nvGrpSpPr>
-          <p:cNvPr id="29" name="Group 28">
-            <a:extLst>
-              <a:ext uri="{FF2B5EF4-FFF2-40B4-BE49-F238E27FC236}">
-                <a16:creationId xmlns:a16="http://schemas.microsoft.com/office/drawing/2014/main" id="{3CA66550-D272-4F54-8CF0-C6D1CC653797}"/>
+          <p:cNvPr id="2" name="Group 1">
+            <a:extLst>
+              <a:ext uri="{FF2B5EF4-FFF2-40B4-BE49-F238E27FC236}">
+                <a16:creationId xmlns:a16="http://schemas.microsoft.com/office/drawing/2014/main" id="{EA3FCCB0-F2CE-4127-A274-AC06931ECEA3}"/>
               </a:ext>
             </a:extLst>
           </p:cNvPr>
@@ -7138,48 +7792,12 @@
         </p:nvGrpSpPr>
         <p:grpSpPr>
           <a:xfrm>
-            <a:off x="426127" y="2514892"/>
-            <a:ext cx="1210785" cy="1101067"/>
-            <a:chOff x="3856015" y="1312914"/>
-            <a:chExt cx="1210785" cy="1101067"/>
+            <a:off x="353584" y="1882461"/>
+            <a:ext cx="7757918" cy="3030354"/>
+            <a:chOff x="353584" y="1882461"/>
+            <a:chExt cx="7757918" cy="3030354"/>
           </a:xfrm>
         </p:grpSpPr>
-        <p:pic>
-          <p:nvPicPr>
-            <p:cNvPr id="17" name="Picture 16" descr="A stop sign&#10;&#10;Description generated with high confidence">
-              <a:extLst>
-                <a:ext uri="{FF2B5EF4-FFF2-40B4-BE49-F238E27FC236}">
-                  <a16:creationId xmlns:a16="http://schemas.microsoft.com/office/drawing/2014/main" id="{55840299-CC03-4677-A8BA-FBD123431B29}"/>
-                </a:ext>
-              </a:extLst>
-            </p:cNvPr>
-            <p:cNvPicPr>
-              <a:picLocks noChangeAspect="1"/>
-            </p:cNvPicPr>
-            <p:nvPr/>
-          </p:nvPicPr>
-          <p:blipFill>
-            <a:blip r:embed="rId2">
-              <a:extLst>
-                <a:ext uri="{28A0092B-C50C-407E-A947-70E740481C1C}">
-                  <a14:useLocalDpi xmlns:a14="http://schemas.microsoft.com/office/drawing/2010/main" val="0"/>
-                </a:ext>
-              </a:extLst>
-            </a:blip>
-            <a:stretch>
-              <a:fillRect/>
-            </a:stretch>
-          </p:blipFill>
-          <p:spPr>
-            <a:xfrm>
-              <a:off x="4071263" y="1312914"/>
-              <a:ext cx="780290" cy="780290"/>
-            </a:xfrm>
-            <a:prstGeom prst="rect">
-              <a:avLst/>
-            </a:prstGeom>
-          </p:spPr>
-        </p:pic>
         <p:sp>
           <p:nvSpPr>
             <p:cNvPr id="26" name="TextBox 25">
@@ -7194,7 +7812,7 @@
           </p:nvSpPr>
           <p:spPr>
             <a:xfrm>
-              <a:off x="3856015" y="2106204"/>
+              <a:off x="426127" y="3308182"/>
               <a:ext cx="1210785" cy="307777"/>
             </a:xfrm>
             <a:prstGeom prst="rect">
@@ -7217,102 +7835,6 @@
             </a:p>
           </p:txBody>
         </p:sp>
-      </p:grpSp>
-      <p:sp>
-        <p:nvSpPr>
-          <p:cNvPr id="14" name="TextBox 13">
-            <a:extLst>
-              <a:ext uri="{FF2B5EF4-FFF2-40B4-BE49-F238E27FC236}">
-                <a16:creationId xmlns:a16="http://schemas.microsoft.com/office/drawing/2014/main" id="{9861045D-2BFB-47F3-959E-FD3A1D8353FA}"/>
-              </a:ext>
-            </a:extLst>
-          </p:cNvPr>
-          <p:cNvSpPr txBox="1"/>
-          <p:nvPr/>
-        </p:nvSpPr>
-        <p:spPr>
-          <a:xfrm>
-            <a:off x="901714" y="371043"/>
-            <a:ext cx="2778774" cy="584775"/>
-          </a:xfrm>
-          <a:prstGeom prst="rect">
-            <a:avLst/>
-          </a:prstGeom>
-          <a:noFill/>
-        </p:spPr>
-        <p:txBody>
-          <a:bodyPr wrap="none" rtlCol="0">
-            <a:spAutoFit/>
-          </a:bodyPr>
-          <a:lstStyle/>
-          <a:p>
-            <a:r>
-              <a:rPr lang="en-US" sz="3200" dirty="0">
-                <a:solidFill>
-                  <a:srgbClr val="0070C0"/>
-                </a:solidFill>
-              </a:rPr>
-              <a:t>Model Creation</a:t>
-            </a:r>
-          </a:p>
-        </p:txBody>
-      </p:sp>
-      <p:grpSp>
-        <p:nvGrpSpPr>
-          <p:cNvPr id="25" name="Group 24">
-            <a:extLst>
-              <a:ext uri="{FF2B5EF4-FFF2-40B4-BE49-F238E27FC236}">
-                <a16:creationId xmlns:a16="http://schemas.microsoft.com/office/drawing/2014/main" id="{DD257516-07AF-4C61-BA1A-99C64283628B}"/>
-              </a:ext>
-            </a:extLst>
-          </p:cNvPr>
-          <p:cNvGrpSpPr/>
-          <p:nvPr/>
-        </p:nvGrpSpPr>
-        <p:grpSpPr>
-          <a:xfrm>
-            <a:off x="2605757" y="2514892"/>
-            <a:ext cx="1210785" cy="1457398"/>
-            <a:chOff x="5421698" y="1312914"/>
-            <a:chExt cx="1210785" cy="1457398"/>
-          </a:xfrm>
-        </p:grpSpPr>
-        <p:pic>
-          <p:nvPicPr>
-            <p:cNvPr id="30" name="Picture 29">
-              <a:extLst>
-                <a:ext uri="{FF2B5EF4-FFF2-40B4-BE49-F238E27FC236}">
-                  <a16:creationId xmlns:a16="http://schemas.microsoft.com/office/drawing/2014/main" id="{A3ADDF41-A2F4-44A5-AB0B-43378FBD791B}"/>
-                </a:ext>
-              </a:extLst>
-            </p:cNvPr>
-            <p:cNvPicPr>
-              <a:picLocks noChangeAspect="1"/>
-            </p:cNvPicPr>
-            <p:nvPr/>
-          </p:nvPicPr>
-          <p:blipFill>
-            <a:blip r:embed="rId3">
-              <a:extLst>
-                <a:ext uri="{28A0092B-C50C-407E-A947-70E740481C1C}">
-                  <a14:useLocalDpi xmlns:a14="http://schemas.microsoft.com/office/drawing/2010/main" val="0"/>
-                </a:ext>
-              </a:extLst>
-            </a:blip>
-            <a:stretch>
-              <a:fillRect/>
-            </a:stretch>
-          </p:blipFill>
-          <p:spPr>
-            <a:xfrm>
-              <a:off x="5641117" y="1312914"/>
-              <a:ext cx="707212" cy="780290"/>
-            </a:xfrm>
-            <a:prstGeom prst="rect">
-              <a:avLst/>
-            </a:prstGeom>
-          </p:spPr>
-        </p:pic>
         <p:sp>
           <p:nvSpPr>
             <p:cNvPr id="31" name="TextBox 30">
@@ -7327,7 +7849,7 @@
           </p:nvSpPr>
           <p:spPr>
             <a:xfrm>
-              <a:off x="5421698" y="2093204"/>
+              <a:off x="2605757" y="3295182"/>
               <a:ext cx="1210785" cy="677108"/>
             </a:xfrm>
             <a:prstGeom prst="rect">
@@ -7357,245 +7879,54 @@
             </a:p>
           </p:txBody>
         </p:sp>
-      </p:grpSp>
-      <p:cxnSp>
-        <p:nvCxnSpPr>
-          <p:cNvPr id="19" name="Straight Arrow Connector 18">
-            <a:extLst>
-              <a:ext uri="{FF2B5EF4-FFF2-40B4-BE49-F238E27FC236}">
-                <a16:creationId xmlns:a16="http://schemas.microsoft.com/office/drawing/2014/main" id="{68A026AB-4E09-4B25-91D3-EE90D41ED150}"/>
-              </a:ext>
-            </a:extLst>
-          </p:cNvPr>
-          <p:cNvCxnSpPr>
-            <a:stCxn id="17" idx="3"/>
-            <a:endCxn id="30" idx="1"/>
-          </p:cNvCxnSpPr>
-          <p:nvPr/>
-        </p:nvCxnSpPr>
-        <p:spPr>
-          <a:xfrm>
-            <a:off x="1421665" y="2905037"/>
-            <a:ext cx="1403511" cy="0"/>
-          </a:xfrm>
-          <a:prstGeom prst="straightConnector1">
-            <a:avLst/>
-          </a:prstGeom>
-          <a:ln>
-            <a:headEnd type="triangle"/>
-            <a:tailEnd type="triangle"/>
-          </a:ln>
-        </p:spPr>
-        <p:style>
-          <a:lnRef idx="3">
-            <a:schemeClr val="accent1"/>
-          </a:lnRef>
-          <a:fillRef idx="0">
-            <a:schemeClr val="accent1"/>
-          </a:fillRef>
-          <a:effectRef idx="2">
-            <a:schemeClr val="accent1"/>
-          </a:effectRef>
-          <a:fontRef idx="minor">
-            <a:schemeClr val="tx1"/>
-          </a:fontRef>
-        </p:style>
-      </p:cxnSp>
-      <p:sp>
-        <p:nvSpPr>
-          <p:cNvPr id="20" name="TextBox 19">
-            <a:extLst>
-              <a:ext uri="{FF2B5EF4-FFF2-40B4-BE49-F238E27FC236}">
-                <a16:creationId xmlns:a16="http://schemas.microsoft.com/office/drawing/2014/main" id="{C041D7BB-7799-4BD8-8861-08917F5CA432}"/>
-              </a:ext>
-            </a:extLst>
-          </p:cNvPr>
-          <p:cNvSpPr txBox="1"/>
-          <p:nvPr/>
-        </p:nvSpPr>
-        <p:spPr>
-          <a:xfrm>
-            <a:off x="1636912" y="4220318"/>
-            <a:ext cx="2662717" cy="492443"/>
-          </a:xfrm>
-          <a:prstGeom prst="rect">
-            <a:avLst/>
-          </a:prstGeom>
-          <a:noFill/>
-        </p:spPr>
-        <p:txBody>
-          <a:bodyPr wrap="none" rtlCol="0">
-            <a:spAutoFit/>
-          </a:bodyPr>
-          <a:lstStyle/>
-          <a:p>
-            <a:r>
-              <a:rPr lang="en-US" sz="1300" i="1" dirty="0"/>
-              <a:t>1) Create and train machine learning</a:t>
-            </a:r>
-            <a:br>
-              <a:rPr lang="en-US" sz="1300" i="1" dirty="0"/>
-            </a:br>
-            <a:r>
-              <a:rPr lang="en-US" sz="1300" i="1" dirty="0"/>
-              <a:t>     model from historical data</a:t>
-            </a:r>
-          </a:p>
-        </p:txBody>
-      </p:sp>
-      <p:sp>
-        <p:nvSpPr>
-          <p:cNvPr id="37" name="TextBox 36">
-            <a:extLst>
-              <a:ext uri="{FF2B5EF4-FFF2-40B4-BE49-F238E27FC236}">
-                <a16:creationId xmlns:a16="http://schemas.microsoft.com/office/drawing/2014/main" id="{07C6412B-0A16-47E7-89B2-978A00414FCB}"/>
-              </a:ext>
-            </a:extLst>
-          </p:cNvPr>
-          <p:cNvSpPr txBox="1"/>
-          <p:nvPr/>
-        </p:nvSpPr>
-        <p:spPr>
-          <a:xfrm>
-            <a:off x="4052978" y="1882461"/>
-            <a:ext cx="2568395" cy="692497"/>
-          </a:xfrm>
-          <a:prstGeom prst="rect">
-            <a:avLst/>
-          </a:prstGeom>
-          <a:noFill/>
-        </p:spPr>
-        <p:txBody>
-          <a:bodyPr wrap="none" rtlCol="0">
-            <a:spAutoFit/>
-          </a:bodyPr>
-          <a:lstStyle/>
-          <a:p>
-            <a:r>
-              <a:rPr lang="en-US" sz="1300" i="1" dirty="0"/>
-              <a:t>2) Export trained model and store</a:t>
-            </a:r>
-            <a:br>
-              <a:rPr lang="en-US" sz="1300" i="1" dirty="0"/>
-            </a:br>
-            <a:r>
-              <a:rPr lang="en-US" sz="1300" i="1" dirty="0"/>
-              <a:t>    within Azure Machine Learning</a:t>
-            </a:r>
-            <a:br>
-              <a:rPr lang="en-US" sz="1300" i="1" dirty="0"/>
-            </a:br>
-            <a:r>
-              <a:rPr lang="en-US" sz="1300" i="1" dirty="0"/>
-              <a:t>    service workspace model registry</a:t>
-            </a:r>
-          </a:p>
-        </p:txBody>
-      </p:sp>
-      <p:sp>
-        <p:nvSpPr>
-          <p:cNvPr id="27" name="TextBox 26">
-            <a:extLst>
-              <a:ext uri="{FF2B5EF4-FFF2-40B4-BE49-F238E27FC236}">
-                <a16:creationId xmlns:a16="http://schemas.microsoft.com/office/drawing/2014/main" id="{24E539D0-E115-42C1-9D88-F5271D754985}"/>
-              </a:ext>
-            </a:extLst>
-          </p:cNvPr>
-          <p:cNvSpPr txBox="1"/>
-          <p:nvPr/>
-        </p:nvSpPr>
-        <p:spPr>
-          <a:xfrm>
-            <a:off x="353584" y="1882461"/>
-            <a:ext cx="2136162" cy="492443"/>
-          </a:xfrm>
-          <a:prstGeom prst="rect">
-            <a:avLst/>
-          </a:prstGeom>
-          <a:noFill/>
-        </p:spPr>
-        <p:txBody>
-          <a:bodyPr wrap="none" rtlCol="0">
-            <a:spAutoFit/>
-          </a:bodyPr>
-          <a:lstStyle/>
-          <a:p>
-            <a:r>
-              <a:rPr lang="en-US" sz="1300" i="1" dirty="0"/>
-              <a:t>0) Storage contains prepared</a:t>
-            </a:r>
-            <a:br>
-              <a:rPr lang="en-US" sz="1300" i="1" dirty="0"/>
-            </a:br>
-            <a:r>
-              <a:rPr lang="en-US" sz="1300" i="1" dirty="0"/>
-              <a:t>     historical flight delay data</a:t>
-            </a:r>
-          </a:p>
-        </p:txBody>
-      </p:sp>
-      <p:grpSp>
-        <p:nvGrpSpPr>
-          <p:cNvPr id="28" name="Group 27">
-            <a:extLst>
-              <a:ext uri="{FF2B5EF4-FFF2-40B4-BE49-F238E27FC236}">
-                <a16:creationId xmlns:a16="http://schemas.microsoft.com/office/drawing/2014/main" id="{43D996A4-E8C2-499D-88A0-E8FD95C90A08}"/>
-              </a:ext>
-            </a:extLst>
-          </p:cNvPr>
-          <p:cNvGrpSpPr/>
-          <p:nvPr/>
-        </p:nvGrpSpPr>
-        <p:grpSpPr>
-          <a:xfrm>
-            <a:off x="4498827" y="2621126"/>
-            <a:ext cx="1560512" cy="1523296"/>
-            <a:chOff x="4405297" y="4361201"/>
-            <a:chExt cx="1560512" cy="1523296"/>
-          </a:xfrm>
-        </p:grpSpPr>
-        <p:pic>
-          <p:nvPicPr>
-            <p:cNvPr id="32" name="Picture 31">
+        <p:cxnSp>
+          <p:nvCxnSpPr>
+            <p:cNvPr id="19" name="Straight Arrow Connector 18">
               <a:extLst>
                 <a:ext uri="{FF2B5EF4-FFF2-40B4-BE49-F238E27FC236}">
-                  <a16:creationId xmlns:a16="http://schemas.microsoft.com/office/drawing/2014/main" id="{7D9A444A-19FD-4BF6-99BF-F77CAC5E2CB0}"/>
+                  <a16:creationId xmlns:a16="http://schemas.microsoft.com/office/drawing/2014/main" id="{68A026AB-4E09-4B25-91D3-EE90D41ED150}"/>
                 </a:ext>
               </a:extLst>
             </p:cNvPr>
-            <p:cNvPicPr>
-              <a:picLocks noChangeAspect="1"/>
-            </p:cNvPicPr>
+            <p:cNvCxnSpPr>
+              <a:cxnSpLocks/>
+            </p:cNvCxnSpPr>
             <p:nvPr/>
-          </p:nvPicPr>
-          <p:blipFill>
-            <a:blip r:embed="rId4">
-              <a:extLst>
-                <a:ext uri="{28A0092B-C50C-407E-A947-70E740481C1C}">
-                  <a14:useLocalDpi xmlns:a14="http://schemas.microsoft.com/office/drawing/2010/main" val="0"/>
-                </a:ext>
-              </a:extLst>
-            </a:blip>
-            <a:stretch>
-              <a:fillRect/>
-            </a:stretch>
-          </p:blipFill>
+          </p:nvCxnSpPr>
           <p:spPr>
             <a:xfrm>
-              <a:off x="4885629" y="4361201"/>
-              <a:ext cx="599848" cy="599848"/>
+              <a:off x="1421665" y="2905037"/>
+              <a:ext cx="1403511" cy="0"/>
             </a:xfrm>
-            <a:prstGeom prst="rect">
+            <a:prstGeom prst="straightConnector1">
               <a:avLst/>
             </a:prstGeom>
+            <a:ln>
+              <a:headEnd type="triangle"/>
+              <a:tailEnd type="triangle"/>
+            </a:ln>
           </p:spPr>
-        </p:pic>
+          <p:style>
+            <a:lnRef idx="3">
+              <a:schemeClr val="accent1"/>
+            </a:lnRef>
+            <a:fillRef idx="0">
+              <a:schemeClr val="accent1"/>
+            </a:fillRef>
+            <a:effectRef idx="2">
+              <a:schemeClr val="accent1"/>
+            </a:effectRef>
+            <a:fontRef idx="minor">
+              <a:schemeClr val="tx1"/>
+            </a:fontRef>
+          </p:style>
+        </p:cxnSp>
         <p:sp>
           <p:nvSpPr>
-            <p:cNvPr id="33" name="TextBox 32">
+            <p:cNvPr id="20" name="TextBox 19">
               <a:extLst>
                 <a:ext uri="{FF2B5EF4-FFF2-40B4-BE49-F238E27FC236}">
-                  <a16:creationId xmlns:a16="http://schemas.microsoft.com/office/drawing/2014/main" id="{6DD8D6F9-7590-409B-A63A-B4A1071AC81B}"/>
+                  <a16:creationId xmlns:a16="http://schemas.microsoft.com/office/drawing/2014/main" id="{C041D7BB-7799-4BD8-8861-08917F5CA432}"/>
                 </a:ext>
               </a:extLst>
             </p:cNvPr>
@@ -7604,7 +7935,140 @@
           </p:nvSpPr>
           <p:spPr>
             <a:xfrm>
-              <a:off x="4405297" y="5053500"/>
+              <a:off x="1636912" y="4220318"/>
+              <a:ext cx="2662717" cy="492443"/>
+            </a:xfrm>
+            <a:prstGeom prst="rect">
+              <a:avLst/>
+            </a:prstGeom>
+            <a:noFill/>
+          </p:spPr>
+          <p:txBody>
+            <a:bodyPr wrap="none" rtlCol="0">
+              <a:spAutoFit/>
+            </a:bodyPr>
+            <a:lstStyle/>
+            <a:p>
+              <a:r>
+                <a:rPr lang="en-US" sz="1300" i="1" dirty="0"/>
+                <a:t>1) Create and train machine learning</a:t>
+              </a:r>
+              <a:br>
+                <a:rPr lang="en-US" sz="1300" i="1" dirty="0"/>
+              </a:br>
+              <a:r>
+                <a:rPr lang="en-US" sz="1300" i="1" dirty="0"/>
+                <a:t>     model from historical data</a:t>
+              </a:r>
+            </a:p>
+          </p:txBody>
+        </p:sp>
+        <p:sp>
+          <p:nvSpPr>
+            <p:cNvPr id="37" name="TextBox 36">
+              <a:extLst>
+                <a:ext uri="{FF2B5EF4-FFF2-40B4-BE49-F238E27FC236}">
+                  <a16:creationId xmlns:a16="http://schemas.microsoft.com/office/drawing/2014/main" id="{07C6412B-0A16-47E7-89B2-978A00414FCB}"/>
+                </a:ext>
+              </a:extLst>
+            </p:cNvPr>
+            <p:cNvSpPr txBox="1"/>
+            <p:nvPr/>
+          </p:nvSpPr>
+          <p:spPr>
+            <a:xfrm>
+              <a:off x="4052978" y="1882461"/>
+              <a:ext cx="2568395" cy="692497"/>
+            </a:xfrm>
+            <a:prstGeom prst="rect">
+              <a:avLst/>
+            </a:prstGeom>
+            <a:noFill/>
+          </p:spPr>
+          <p:txBody>
+            <a:bodyPr wrap="none" rtlCol="0">
+              <a:spAutoFit/>
+            </a:bodyPr>
+            <a:lstStyle/>
+            <a:p>
+              <a:r>
+                <a:rPr lang="en-US" sz="1300" i="1" dirty="0"/>
+                <a:t>2) Export trained model and store</a:t>
+              </a:r>
+              <a:br>
+                <a:rPr lang="en-US" sz="1300" i="1" dirty="0"/>
+              </a:br>
+              <a:r>
+                <a:rPr lang="en-US" sz="1300" i="1" dirty="0"/>
+                <a:t>    within Azure Machine Learning</a:t>
+              </a:r>
+              <a:br>
+                <a:rPr lang="en-US" sz="1300" i="1" dirty="0"/>
+              </a:br>
+              <a:r>
+                <a:rPr lang="en-US" sz="1300" i="1" dirty="0"/>
+                <a:t>    service workspace model registry</a:t>
+              </a:r>
+            </a:p>
+          </p:txBody>
+        </p:sp>
+        <p:sp>
+          <p:nvSpPr>
+            <p:cNvPr id="27" name="TextBox 26">
+              <a:extLst>
+                <a:ext uri="{FF2B5EF4-FFF2-40B4-BE49-F238E27FC236}">
+                  <a16:creationId xmlns:a16="http://schemas.microsoft.com/office/drawing/2014/main" id="{24E539D0-E115-42C1-9D88-F5271D754985}"/>
+                </a:ext>
+              </a:extLst>
+            </p:cNvPr>
+            <p:cNvSpPr txBox="1"/>
+            <p:nvPr/>
+          </p:nvSpPr>
+          <p:spPr>
+            <a:xfrm>
+              <a:off x="353584" y="1882461"/>
+              <a:ext cx="2136162" cy="492443"/>
+            </a:xfrm>
+            <a:prstGeom prst="rect">
+              <a:avLst/>
+            </a:prstGeom>
+            <a:noFill/>
+          </p:spPr>
+          <p:txBody>
+            <a:bodyPr wrap="none" rtlCol="0">
+              <a:spAutoFit/>
+            </a:bodyPr>
+            <a:lstStyle/>
+            <a:p>
+              <a:r>
+                <a:rPr lang="en-US" sz="1300" i="1" dirty="0"/>
+                <a:t>0) Storage contains prepared</a:t>
+              </a:r>
+              <a:br>
+                <a:rPr lang="en-US" sz="1300" i="1" dirty="0"/>
+              </a:br>
+              <a:r>
+                <a:rPr lang="en-US" sz="1300" i="1" dirty="0"/>
+                <a:t>     historical flight delay data</a:t>
+              </a:r>
+            </a:p>
+          </p:txBody>
+        </p:sp>
+        <p:sp>
+          <p:nvSpPr>
+            <p:cNvPr id="33" name="TextBox 32">
+              <a:extLst>
+                <a:ext uri="{FF2B5EF4-FFF2-40B4-BE49-F238E27FC236}">
+                  <a16:creationId xmlns:a16="http://schemas.microsoft.com/office/drawing/2014/main" id="{6DD8D6F9-7590-409B-A63A-B4A1071AC81B}"/>
+                </a:ext>
+              </a:extLst>
+            </p:cNvPr>
+            <p:cNvSpPr txBox="1"/>
+            <p:nvPr/>
+          </p:nvSpPr>
+          <p:spPr>
+            <a:xfrm>
+              <a:off x="4498827" y="3313425"/>
               <a:ext cx="1560512" cy="830997"/>
             </a:xfrm>
             <a:prstGeom prst="rect">
@@ -7634,109 +8098,48 @@
             </a:p>
           </p:txBody>
         </p:sp>
-      </p:grpSp>
-      <p:cxnSp>
-        <p:nvCxnSpPr>
-          <p:cNvPr id="3" name="Straight Arrow Connector 2">
-            <a:extLst>
-              <a:ext uri="{FF2B5EF4-FFF2-40B4-BE49-F238E27FC236}">
-                <a16:creationId xmlns:a16="http://schemas.microsoft.com/office/drawing/2014/main" id="{76AA926D-0AD8-4AD9-BCFB-D035011E3BA0}"/>
-              </a:ext>
-            </a:extLst>
-          </p:cNvPr>
-          <p:cNvCxnSpPr>
-            <a:stCxn id="30" idx="3"/>
-            <a:endCxn id="32" idx="1"/>
-          </p:cNvCxnSpPr>
-          <p:nvPr/>
-        </p:nvCxnSpPr>
-        <p:spPr>
-          <a:xfrm>
-            <a:off x="3532388" y="2905037"/>
-            <a:ext cx="1446771" cy="16013"/>
-          </a:xfrm>
-          <a:prstGeom prst="straightConnector1">
-            <a:avLst/>
-          </a:prstGeom>
-          <a:ln>
-            <a:prstDash val="dash"/>
-            <a:tailEnd type="triangle"/>
-          </a:ln>
-        </p:spPr>
-        <p:style>
-          <a:lnRef idx="3">
-            <a:schemeClr val="accent2"/>
-          </a:lnRef>
-          <a:fillRef idx="0">
-            <a:schemeClr val="accent2"/>
-          </a:fillRef>
-          <a:effectRef idx="2">
-            <a:schemeClr val="accent2"/>
-          </a:effectRef>
-          <a:fontRef idx="minor">
-            <a:schemeClr val="tx1"/>
-          </a:fontRef>
-        </p:style>
-      </p:cxnSp>
-      <p:grpSp>
-        <p:nvGrpSpPr>
-          <p:cNvPr id="34" name="Group 33">
-            <a:extLst>
-              <a:ext uri="{FF2B5EF4-FFF2-40B4-BE49-F238E27FC236}">
-                <a16:creationId xmlns:a16="http://schemas.microsoft.com/office/drawing/2014/main" id="{B311E732-DDAE-40E7-9609-A69BCF02CC40}"/>
-              </a:ext>
-            </a:extLst>
-          </p:cNvPr>
-          <p:cNvGrpSpPr/>
-          <p:nvPr/>
-        </p:nvGrpSpPr>
-        <p:grpSpPr>
-          <a:xfrm>
-            <a:off x="6900717" y="2534323"/>
-            <a:ext cx="1210785" cy="1593544"/>
-            <a:chOff x="4319032" y="2931593"/>
-            <a:chExt cx="1210785" cy="1593544"/>
-          </a:xfrm>
-        </p:grpSpPr>
-        <p:pic>
-          <p:nvPicPr>
-            <p:cNvPr id="35" name="Graphic 34">
+        <p:cxnSp>
+          <p:nvCxnSpPr>
+            <p:cNvPr id="3" name="Straight Arrow Connector 2">
               <a:extLst>
                 <a:ext uri="{FF2B5EF4-FFF2-40B4-BE49-F238E27FC236}">
-                  <a16:creationId xmlns:a16="http://schemas.microsoft.com/office/drawing/2014/main" id="{5F9288E0-7CBC-4DAF-9F4B-CCF68EC92FE3}"/>
+                  <a16:creationId xmlns:a16="http://schemas.microsoft.com/office/drawing/2014/main" id="{76AA926D-0AD8-4AD9-BCFB-D035011E3BA0}"/>
                 </a:ext>
               </a:extLst>
             </p:cNvPr>
-            <p:cNvPicPr>
-              <a:picLocks noChangeAspect="1"/>
-            </p:cNvPicPr>
+            <p:cNvCxnSpPr>
+              <a:cxnSpLocks/>
+            </p:cNvCxnSpPr>
             <p:nvPr/>
-          </p:nvPicPr>
-          <p:blipFill>
-            <a:blip r:embed="rId5">
-              <a:extLst>
-                <a:ext uri="{28A0092B-C50C-407E-A947-70E740481C1C}">
-                  <a14:useLocalDpi xmlns:a14="http://schemas.microsoft.com/office/drawing/2010/main" val="0"/>
-                </a:ext>
-                <a:ext uri="{96DAC541-7B7A-43D3-8B79-37D633B846F1}">
-                  <asvg:svgBlip xmlns:asvg="http://schemas.microsoft.com/office/drawing/2016/SVG/main" r:embed="rId6"/>
-                </a:ext>
-              </a:extLst>
-            </a:blip>
-            <a:stretch>
-              <a:fillRect/>
-            </a:stretch>
-          </p:blipFill>
+          </p:nvCxnSpPr>
           <p:spPr>
             <a:xfrm>
-              <a:off x="4534279" y="2931593"/>
-              <a:ext cx="780289" cy="780289"/>
+              <a:off x="3532388" y="2905037"/>
+              <a:ext cx="1446771" cy="16013"/>
             </a:xfrm>
-            <a:prstGeom prst="rect">
+            <a:prstGeom prst="straightConnector1">
               <a:avLst/>
             </a:prstGeom>
+            <a:ln>
+              <a:prstDash val="dash"/>
+              <a:tailEnd type="triangle"/>
+            </a:ln>
           </p:spPr>
-        </p:pic>
+          <p:style>
+            <a:lnRef idx="3">
+              <a:schemeClr val="accent2"/>
+            </a:lnRef>
+            <a:fillRef idx="0">
+              <a:schemeClr val="accent2"/>
+            </a:fillRef>
+            <a:effectRef idx="2">
+              <a:schemeClr val="accent2"/>
+            </a:effectRef>
+            <a:fontRef idx="minor">
+              <a:schemeClr val="tx1"/>
+            </a:fontRef>
+          </p:style>
+        </p:cxnSp>
         <p:sp>
           <p:nvSpPr>
             <p:cNvPr id="36" name="TextBox 35">
@@ -7751,7 +8154,7 @@
           </p:nvSpPr>
           <p:spPr>
             <a:xfrm>
-              <a:off x="4319032" y="3694140"/>
+              <a:off x="6900717" y="3296870"/>
               <a:ext cx="1210785" cy="830997"/>
             </a:xfrm>
             <a:prstGeom prst="rect">
@@ -7781,100 +8184,254 @@
             </a:p>
           </p:txBody>
         </p:sp>
+        <p:cxnSp>
+          <p:nvCxnSpPr>
+            <p:cNvPr id="38" name="Straight Arrow Connector 37">
+              <a:extLst>
+                <a:ext uri="{FF2B5EF4-FFF2-40B4-BE49-F238E27FC236}">
+                  <a16:creationId xmlns:a16="http://schemas.microsoft.com/office/drawing/2014/main" id="{E794593C-6D62-4660-B3B9-2461070B411B}"/>
+                </a:ext>
+              </a:extLst>
+            </p:cNvPr>
+            <p:cNvCxnSpPr>
+              <a:cxnSpLocks/>
+            </p:cNvCxnSpPr>
+            <p:nvPr/>
+          </p:nvCxnSpPr>
+          <p:spPr>
+            <a:xfrm>
+              <a:off x="5579007" y="2921050"/>
+              <a:ext cx="1536957" cy="3418"/>
+            </a:xfrm>
+            <a:prstGeom prst="straightConnector1">
+              <a:avLst/>
+            </a:prstGeom>
+            <a:ln>
+              <a:prstDash val="dash"/>
+              <a:tailEnd type="triangle"/>
+            </a:ln>
+          </p:spPr>
+          <p:style>
+            <a:lnRef idx="3">
+              <a:schemeClr val="accent2"/>
+            </a:lnRef>
+            <a:fillRef idx="0">
+              <a:schemeClr val="accent2"/>
+            </a:fillRef>
+            <a:effectRef idx="2">
+              <a:schemeClr val="accent2"/>
+            </a:effectRef>
+            <a:fontRef idx="minor">
+              <a:schemeClr val="tx1"/>
+            </a:fontRef>
+          </p:style>
+        </p:cxnSp>
+        <p:sp>
+          <p:nvSpPr>
+            <p:cNvPr id="39" name="TextBox 38">
+              <a:extLst>
+                <a:ext uri="{FF2B5EF4-FFF2-40B4-BE49-F238E27FC236}">
+                  <a16:creationId xmlns:a16="http://schemas.microsoft.com/office/drawing/2014/main" id="{7E3DCA8F-F570-4A53-AFFE-1714C69AA124}"/>
+                </a:ext>
+              </a:extLst>
+            </p:cNvPr>
+            <p:cNvSpPr txBox="1"/>
+            <p:nvPr/>
+          </p:nvSpPr>
+          <p:spPr>
+            <a:xfrm>
+              <a:off x="5646981" y="4220318"/>
+              <a:ext cx="2352695" cy="692497"/>
+            </a:xfrm>
+            <a:prstGeom prst="rect">
+              <a:avLst/>
+            </a:prstGeom>
+            <a:noFill/>
+          </p:spPr>
+          <p:txBody>
+            <a:bodyPr wrap="none" rtlCol="0">
+              <a:spAutoFit/>
+            </a:bodyPr>
+            <a:lstStyle/>
+            <a:p>
+              <a:r>
+                <a:rPr lang="en-US" sz="1300" i="1" dirty="0"/>
+                <a:t>3) Deploy model using Azure ML</a:t>
+              </a:r>
+              <a:br>
+                <a:rPr lang="en-US" sz="1300" i="1" dirty="0"/>
+              </a:br>
+              <a:r>
+                <a:rPr lang="en-US" sz="1300" i="1" dirty="0"/>
+                <a:t>     service to a container hosted</a:t>
+              </a:r>
+              <a:br>
+                <a:rPr lang="en-US" sz="1300" i="1" dirty="0"/>
+              </a:br>
+              <a:r>
+                <a:rPr lang="en-US" sz="1300" i="1" dirty="0"/>
+                <a:t>     in Azure Kubernetes Service</a:t>
+              </a:r>
+            </a:p>
+          </p:txBody>
+        </p:sp>
+        <p:pic>
+          <p:nvPicPr>
+            <p:cNvPr id="22" name="Graphic 21">
+              <a:extLst>
+                <a:ext uri="{FF2B5EF4-FFF2-40B4-BE49-F238E27FC236}">
+                  <a16:creationId xmlns:a16="http://schemas.microsoft.com/office/drawing/2014/main" id="{3F43D0B5-1D0D-4CA9-937B-A563B90CC7F8}"/>
+                </a:ext>
+              </a:extLst>
+            </p:cNvPr>
+            <p:cNvPicPr>
+              <a:picLocks noChangeAspect="1"/>
+            </p:cNvPicPr>
+            <p:nvPr/>
+          </p:nvPicPr>
+          <p:blipFill>
+            <a:blip r:embed="rId2">
+              <a:extLst>
+                <a:ext uri="{28A0092B-C50C-407E-A947-70E740481C1C}">
+                  <a14:useLocalDpi xmlns:a14="http://schemas.microsoft.com/office/drawing/2010/main"/>
+                </a:ext>
+                <a:ext uri="{96DAC541-7B7A-43D3-8B79-37D633B846F1}">
+                  <asvg:svgBlip xmlns:asvg="http://schemas.microsoft.com/office/drawing/2016/SVG/main" r:embed="rId3"/>
+                </a:ext>
+              </a:extLst>
+            </a:blip>
+            <a:stretch>
+              <a:fillRect/>
+            </a:stretch>
+          </p:blipFill>
+          <p:spPr>
+            <a:xfrm>
+              <a:off x="2790681" y="2563336"/>
+              <a:ext cx="751276" cy="751276"/>
+            </a:xfrm>
+            <a:prstGeom prst="rect">
+              <a:avLst/>
+            </a:prstGeom>
+          </p:spPr>
+        </p:pic>
+        <p:pic>
+          <p:nvPicPr>
+            <p:cNvPr id="23" name="Graphic 22">
+              <a:extLst>
+                <a:ext uri="{FF2B5EF4-FFF2-40B4-BE49-F238E27FC236}">
+                  <a16:creationId xmlns:a16="http://schemas.microsoft.com/office/drawing/2014/main" id="{9C1D446F-6BEF-4C92-9928-CE906F7F4C83}"/>
+                </a:ext>
+              </a:extLst>
+            </p:cNvPr>
+            <p:cNvPicPr>
+              <a:picLocks noChangeAspect="1"/>
+            </p:cNvPicPr>
+            <p:nvPr/>
+          </p:nvPicPr>
+          <p:blipFill>
+            <a:blip r:embed="rId4">
+              <a:extLst>
+                <a:ext uri="{28A0092B-C50C-407E-A947-70E740481C1C}">
+                  <a14:useLocalDpi xmlns:a14="http://schemas.microsoft.com/office/drawing/2010/main"/>
+                </a:ext>
+                <a:ext uri="{96DAC541-7B7A-43D3-8B79-37D633B846F1}">
+                  <asvg:svgBlip xmlns:asvg="http://schemas.microsoft.com/office/drawing/2016/SVG/main" r:embed="rId5"/>
+                </a:ext>
+              </a:extLst>
+            </a:blip>
+            <a:stretch>
+              <a:fillRect/>
+            </a:stretch>
+          </p:blipFill>
+          <p:spPr>
+            <a:xfrm>
+              <a:off x="4847915" y="2560824"/>
+              <a:ext cx="806182" cy="806182"/>
+            </a:xfrm>
+            <a:prstGeom prst="rect">
+              <a:avLst/>
+            </a:prstGeom>
+          </p:spPr>
+        </p:pic>
+        <p:pic>
+          <p:nvPicPr>
+            <p:cNvPr id="24" name="Graphic 23">
+              <a:extLst>
+                <a:ext uri="{FF2B5EF4-FFF2-40B4-BE49-F238E27FC236}">
+                  <a16:creationId xmlns:a16="http://schemas.microsoft.com/office/drawing/2014/main" id="{E22C9D5C-1450-4C28-9CA6-51F52BDA682E}"/>
+                </a:ext>
+              </a:extLst>
+            </p:cNvPr>
+            <p:cNvPicPr>
+              <a:picLocks noChangeAspect="1"/>
+            </p:cNvPicPr>
+            <p:nvPr/>
+          </p:nvPicPr>
+          <p:blipFill>
+            <a:blip r:embed="rId6">
+              <a:extLst>
+                <a:ext uri="{28A0092B-C50C-407E-A947-70E740481C1C}">
+                  <a14:useLocalDpi xmlns:a14="http://schemas.microsoft.com/office/drawing/2010/main"/>
+                </a:ext>
+                <a:ext uri="{96DAC541-7B7A-43D3-8B79-37D633B846F1}">
+                  <asvg:svgBlip xmlns:asvg="http://schemas.microsoft.com/office/drawing/2016/SVG/main" r:embed="rId7"/>
+                </a:ext>
+              </a:extLst>
+            </a:blip>
+            <a:stretch>
+              <a:fillRect/>
+            </a:stretch>
+          </p:blipFill>
+          <p:spPr>
+            <a:xfrm>
+              <a:off x="7132394" y="2560824"/>
+              <a:ext cx="751057" cy="751057"/>
+            </a:xfrm>
+            <a:prstGeom prst="rect">
+              <a:avLst/>
+            </a:prstGeom>
+          </p:spPr>
+        </p:pic>
+        <p:pic>
+          <p:nvPicPr>
+            <p:cNvPr id="40" name="Graphic 39">
+              <a:extLst>
+                <a:ext uri="{FF2B5EF4-FFF2-40B4-BE49-F238E27FC236}">
+                  <a16:creationId xmlns:a16="http://schemas.microsoft.com/office/drawing/2014/main" id="{7385AB27-2CAC-437D-90D8-4CA9399BA8CF}"/>
+                </a:ext>
+              </a:extLst>
+            </p:cNvPr>
+            <p:cNvPicPr>
+              <a:picLocks noChangeAspect="1"/>
+            </p:cNvPicPr>
+            <p:nvPr/>
+          </p:nvPicPr>
+          <p:blipFill>
+            <a:blip r:embed="rId8">
+              <a:extLst>
+                <a:ext uri="{28A0092B-C50C-407E-A947-70E740481C1C}">
+                  <a14:useLocalDpi xmlns:a14="http://schemas.microsoft.com/office/drawing/2010/main"/>
+                </a:ext>
+                <a:ext uri="{96DAC541-7B7A-43D3-8B79-37D633B846F1}">
+                  <asvg:svgBlip xmlns:asvg="http://schemas.microsoft.com/office/drawing/2016/SVG/main" r:embed="rId9"/>
+                </a:ext>
+              </a:extLst>
+            </a:blip>
+            <a:stretch>
+              <a:fillRect/>
+            </a:stretch>
+          </p:blipFill>
+          <p:spPr>
+            <a:xfrm>
+              <a:off x="615020" y="2541244"/>
+              <a:ext cx="790215" cy="790215"/>
+            </a:xfrm>
+            <a:prstGeom prst="rect">
+              <a:avLst/>
+            </a:prstGeom>
+          </p:spPr>
+        </p:pic>
       </p:grpSp>
-      <p:cxnSp>
-        <p:nvCxnSpPr>
-          <p:cNvPr id="38" name="Straight Arrow Connector 37">
-            <a:extLst>
-              <a:ext uri="{FF2B5EF4-FFF2-40B4-BE49-F238E27FC236}">
-                <a16:creationId xmlns:a16="http://schemas.microsoft.com/office/drawing/2014/main" id="{E794593C-6D62-4660-B3B9-2461070B411B}"/>
-              </a:ext>
-            </a:extLst>
-          </p:cNvPr>
-          <p:cNvCxnSpPr>
-            <a:cxnSpLocks/>
-            <a:stCxn id="32" idx="3"/>
-            <a:endCxn id="35" idx="1"/>
-          </p:cNvCxnSpPr>
-          <p:nvPr/>
-        </p:nvCxnSpPr>
-        <p:spPr>
-          <a:xfrm>
-            <a:off x="5579007" y="2921050"/>
-            <a:ext cx="1536957" cy="3418"/>
-          </a:xfrm>
-          <a:prstGeom prst="straightConnector1">
-            <a:avLst/>
-          </a:prstGeom>
-          <a:ln>
-            <a:prstDash val="dash"/>
-            <a:tailEnd type="triangle"/>
-          </a:ln>
-        </p:spPr>
-        <p:style>
-          <a:lnRef idx="3">
-            <a:schemeClr val="accent2"/>
-          </a:lnRef>
-          <a:fillRef idx="0">
-            <a:schemeClr val="accent2"/>
-          </a:fillRef>
-          <a:effectRef idx="2">
-            <a:schemeClr val="accent2"/>
-          </a:effectRef>
-          <a:fontRef idx="minor">
-            <a:schemeClr val="tx1"/>
-          </a:fontRef>
-        </p:style>
-      </p:cxnSp>
-      <p:sp>
-        <p:nvSpPr>
-          <p:cNvPr id="39" name="TextBox 38">
-            <a:extLst>
-              <a:ext uri="{FF2B5EF4-FFF2-40B4-BE49-F238E27FC236}">
-                <a16:creationId xmlns:a16="http://schemas.microsoft.com/office/drawing/2014/main" id="{7E3DCA8F-F570-4A53-AFFE-1714C69AA124}"/>
-              </a:ext>
-            </a:extLst>
-          </p:cNvPr>
-          <p:cNvSpPr txBox="1"/>
-          <p:nvPr/>
-        </p:nvSpPr>
-        <p:spPr>
-          <a:xfrm>
-            <a:off x="5646981" y="4220318"/>
-            <a:ext cx="2352695" cy="692497"/>
-          </a:xfrm>
-          <a:prstGeom prst="rect">
-            <a:avLst/>
-          </a:prstGeom>
-          <a:noFill/>
-        </p:spPr>
-        <p:txBody>
-          <a:bodyPr wrap="none" rtlCol="0">
-            <a:spAutoFit/>
-          </a:bodyPr>
-          <a:lstStyle/>
-          <a:p>
-            <a:r>
-              <a:rPr lang="en-US" sz="1300" i="1" dirty="0"/>
-              <a:t>3) Deploy model using Azure ML</a:t>
-            </a:r>
-            <a:br>
-              <a:rPr lang="en-US" sz="1300" i="1" dirty="0"/>
-            </a:br>
-            <a:r>
-              <a:rPr lang="en-US" sz="1300" i="1" dirty="0"/>
-              <a:t>     service to a container hosted</a:t>
-            </a:r>
-            <a:br>
-              <a:rPr lang="en-US" sz="1300" i="1" dirty="0"/>
-            </a:br>
-            <a:r>
-              <a:rPr lang="en-US" sz="1300" i="1" dirty="0"/>
-              <a:t>     in Azure Kubernetes Service</a:t>
-            </a:r>
-          </a:p>
-        </p:txBody>
-      </p:sp>
     </p:spTree>
     <p:extLst>
       <p:ext uri="{BB962C8B-B14F-4D97-AF65-F5344CB8AC3E}">
@@ -8028,12 +8585,93 @@
           </a:p>
         </p:txBody>
       </p:sp>
+      <p:sp>
+        <p:nvSpPr>
+          <p:cNvPr id="36" name="TextBox 35">
+            <a:extLst>
+              <a:ext uri="{FF2B5EF4-FFF2-40B4-BE49-F238E27FC236}">
+                <a16:creationId xmlns:a16="http://schemas.microsoft.com/office/drawing/2014/main" id="{6DCD22BD-B646-4F6D-AD8C-2022E2BAB103}"/>
+              </a:ext>
+            </a:extLst>
+          </p:cNvPr>
+          <p:cNvSpPr txBox="1"/>
+          <p:nvPr/>
+        </p:nvSpPr>
+        <p:spPr>
+          <a:xfrm>
+            <a:off x="3865251" y="4186093"/>
+            <a:ext cx="1210785" cy="830997"/>
+          </a:xfrm>
+          <a:prstGeom prst="rect">
+            <a:avLst/>
+          </a:prstGeom>
+          <a:noFill/>
+        </p:spPr>
+        <p:txBody>
+          <a:bodyPr wrap="square" rtlCol="0">
+            <a:spAutoFit/>
+          </a:bodyPr>
+          <a:lstStyle/>
+          <a:p>
+            <a:pPr algn="ctr"/>
+            <a:r>
+              <a:rPr lang="en-US" sz="1400" dirty="0"/>
+              <a:t>Containerized AI Services</a:t>
+            </a:r>
+            <a:endParaRPr lang="en-US" sz="1100" dirty="0"/>
+          </a:p>
+          <a:p>
+            <a:pPr algn="ctr"/>
+            <a:r>
+              <a:rPr lang="en-US" sz="1000" dirty="0"/>
+              <a:t>Flight Delay Predictions</a:t>
+            </a:r>
+          </a:p>
+        </p:txBody>
+      </p:sp>
+      <p:sp>
+        <p:nvSpPr>
+          <p:cNvPr id="24" name="TextBox 23">
+            <a:extLst>
+              <a:ext uri="{FF2B5EF4-FFF2-40B4-BE49-F238E27FC236}">
+                <a16:creationId xmlns:a16="http://schemas.microsoft.com/office/drawing/2014/main" id="{4076E074-82F3-43C7-B956-B71720BF31BA}"/>
+              </a:ext>
+            </a:extLst>
+          </p:cNvPr>
+          <p:cNvSpPr txBox="1"/>
+          <p:nvPr/>
+        </p:nvSpPr>
+        <p:spPr>
+          <a:xfrm>
+            <a:off x="350654" y="3355853"/>
+            <a:ext cx="1210785" cy="523220"/>
+          </a:xfrm>
+          <a:prstGeom prst="rect">
+            <a:avLst/>
+          </a:prstGeom>
+          <a:noFill/>
+        </p:spPr>
+        <p:txBody>
+          <a:bodyPr wrap="square" rtlCol="0">
+            <a:spAutoFit/>
+          </a:bodyPr>
+          <a:lstStyle/>
+          <a:p>
+            <a:pPr algn="ctr"/>
+            <a:r>
+              <a:rPr lang="en-US" sz="1400" dirty="0"/>
+              <a:t>Flight Delays Web Portal</a:t>
+            </a:r>
+            <a:endParaRPr lang="en-US" sz="1000" dirty="0"/>
+          </a:p>
+        </p:txBody>
+      </p:sp>
       <p:grpSp>
         <p:nvGrpSpPr>
-          <p:cNvPr id="34" name="Group 33">
-            <a:extLst>
-              <a:ext uri="{FF2B5EF4-FFF2-40B4-BE49-F238E27FC236}">
-                <a16:creationId xmlns:a16="http://schemas.microsoft.com/office/drawing/2014/main" id="{B311E732-DDAE-40E7-9609-A69BCF02CC40}"/>
+          <p:cNvPr id="40" name="Group 39">
+            <a:extLst>
+              <a:ext uri="{FF2B5EF4-FFF2-40B4-BE49-F238E27FC236}">
+                <a16:creationId xmlns:a16="http://schemas.microsoft.com/office/drawing/2014/main" id="{9D6BDBF9-1481-4007-9F6C-D1E003DFCB23}"/>
               </a:ext>
             </a:extLst>
           </p:cNvPr>
@@ -8042,18 +8680,18 @@
         </p:nvGrpSpPr>
         <p:grpSpPr>
           <a:xfrm>
-            <a:off x="3865251" y="3423546"/>
-            <a:ext cx="1210785" cy="1593544"/>
-            <a:chOff x="4319032" y="2931593"/>
-            <a:chExt cx="1210785" cy="1593544"/>
+            <a:off x="3865252" y="1306360"/>
+            <a:ext cx="1210785" cy="1428576"/>
+            <a:chOff x="6881921" y="5047071"/>
+            <a:chExt cx="1210785" cy="1428576"/>
           </a:xfrm>
         </p:grpSpPr>
         <p:pic>
           <p:nvPicPr>
-            <p:cNvPr id="35" name="Graphic 34">
+            <p:cNvPr id="41" name="Graphic 40" descr="Partial Sun">
               <a:extLst>
                 <a:ext uri="{FF2B5EF4-FFF2-40B4-BE49-F238E27FC236}">
-                  <a16:creationId xmlns:a16="http://schemas.microsoft.com/office/drawing/2014/main" id="{5F9288E0-7CBC-4DAF-9F4B-CCF68EC92FE3}"/>
+                  <a16:creationId xmlns:a16="http://schemas.microsoft.com/office/drawing/2014/main" id="{7D6FB832-634B-4720-ACE5-2091B059901A}"/>
                 </a:ext>
               </a:extLst>
             </p:cNvPr>
@@ -8066,208 +8704,10 @@
             <a:blip r:embed="rId2">
               <a:extLst>
                 <a:ext uri="{28A0092B-C50C-407E-A947-70E740481C1C}">
-                  <a14:useLocalDpi xmlns:a14="http://schemas.microsoft.com/office/drawing/2010/main" val="0"/>
+                  <a14:useLocalDpi xmlns:a14="http://schemas.microsoft.com/office/drawing/2010/main"/>
                 </a:ext>
                 <a:ext uri="{96DAC541-7B7A-43D3-8B79-37D633B846F1}">
                   <asvg:svgBlip xmlns:asvg="http://schemas.microsoft.com/office/drawing/2016/SVG/main" r:embed="rId3"/>
-                </a:ext>
-              </a:extLst>
-            </a:blip>
-            <a:stretch>
-              <a:fillRect/>
-            </a:stretch>
-          </p:blipFill>
-          <p:spPr>
-            <a:xfrm>
-              <a:off x="4534279" y="2931593"/>
-              <a:ext cx="780289" cy="780289"/>
-            </a:xfrm>
-            <a:prstGeom prst="rect">
-              <a:avLst/>
-            </a:prstGeom>
-          </p:spPr>
-        </p:pic>
-        <p:sp>
-          <p:nvSpPr>
-            <p:cNvPr id="36" name="TextBox 35">
-              <a:extLst>
-                <a:ext uri="{FF2B5EF4-FFF2-40B4-BE49-F238E27FC236}">
-                  <a16:creationId xmlns:a16="http://schemas.microsoft.com/office/drawing/2014/main" id="{6DCD22BD-B646-4F6D-AD8C-2022E2BAB103}"/>
-                </a:ext>
-              </a:extLst>
-            </p:cNvPr>
-            <p:cNvSpPr txBox="1"/>
-            <p:nvPr/>
-          </p:nvSpPr>
-          <p:spPr>
-            <a:xfrm>
-              <a:off x="4319032" y="3694140"/>
-              <a:ext cx="1210785" cy="830997"/>
-            </a:xfrm>
-            <a:prstGeom prst="rect">
-              <a:avLst/>
-            </a:prstGeom>
-            <a:noFill/>
-          </p:spPr>
-          <p:txBody>
-            <a:bodyPr wrap="square" rtlCol="0">
-              <a:spAutoFit/>
-            </a:bodyPr>
-            <a:lstStyle/>
-            <a:p>
-              <a:pPr algn="ctr"/>
-              <a:r>
-                <a:rPr lang="en-US" sz="1400" dirty="0"/>
-                <a:t>Containerized AI Services</a:t>
-              </a:r>
-              <a:endParaRPr lang="en-US" sz="1100" dirty="0"/>
-            </a:p>
-            <a:p>
-              <a:pPr algn="ctr"/>
-              <a:r>
-                <a:rPr lang="en-US" sz="1000" dirty="0"/>
-                <a:t>Flight Delay Predictions</a:t>
-              </a:r>
-            </a:p>
-          </p:txBody>
-        </p:sp>
-      </p:grpSp>
-      <p:grpSp>
-        <p:nvGrpSpPr>
-          <p:cNvPr id="22" name="Group 21">
-            <a:extLst>
-              <a:ext uri="{FF2B5EF4-FFF2-40B4-BE49-F238E27FC236}">
-                <a16:creationId xmlns:a16="http://schemas.microsoft.com/office/drawing/2014/main" id="{E60332BE-3786-4E7C-A228-78337C54E5DA}"/>
-              </a:ext>
-            </a:extLst>
-          </p:cNvPr>
-          <p:cNvGrpSpPr/>
-          <p:nvPr/>
-        </p:nvGrpSpPr>
-        <p:grpSpPr>
-          <a:xfrm>
-            <a:off x="350654" y="2514892"/>
-            <a:ext cx="1210785" cy="1364181"/>
-            <a:chOff x="9658004" y="3384474"/>
-            <a:chExt cx="1210785" cy="1364181"/>
-          </a:xfrm>
-        </p:grpSpPr>
-        <p:pic>
-          <p:nvPicPr>
-            <p:cNvPr id="23" name="Picture 22" descr="A close up of a logo&#10;&#10;Description generated with high confidence">
-              <a:extLst>
-                <a:ext uri="{FF2B5EF4-FFF2-40B4-BE49-F238E27FC236}">
-                  <a16:creationId xmlns:a16="http://schemas.microsoft.com/office/drawing/2014/main" id="{5F62F617-E17F-4BD8-BCD2-B5194AD74824}"/>
-                </a:ext>
-              </a:extLst>
-            </p:cNvPr>
-            <p:cNvPicPr>
-              <a:picLocks noChangeAspect="1"/>
-            </p:cNvPicPr>
-            <p:nvPr/>
-          </p:nvPicPr>
-          <p:blipFill>
-            <a:blip r:embed="rId4">
-              <a:extLst>
-                <a:ext uri="{28A0092B-C50C-407E-A947-70E740481C1C}">
-                  <a14:useLocalDpi xmlns:a14="http://schemas.microsoft.com/office/drawing/2010/main" val="0"/>
-                </a:ext>
-              </a:extLst>
-            </a:blip>
-            <a:stretch>
-              <a:fillRect/>
-            </a:stretch>
-          </p:blipFill>
-          <p:spPr>
-            <a:xfrm>
-              <a:off x="9873252" y="3384474"/>
-              <a:ext cx="780290" cy="780290"/>
-            </a:xfrm>
-            <a:prstGeom prst="rect">
-              <a:avLst/>
-            </a:prstGeom>
-          </p:spPr>
-        </p:pic>
-        <p:sp>
-          <p:nvSpPr>
-            <p:cNvPr id="24" name="TextBox 23">
-              <a:extLst>
-                <a:ext uri="{FF2B5EF4-FFF2-40B4-BE49-F238E27FC236}">
-                  <a16:creationId xmlns:a16="http://schemas.microsoft.com/office/drawing/2014/main" id="{4076E074-82F3-43C7-B956-B71720BF31BA}"/>
-                </a:ext>
-              </a:extLst>
-            </p:cNvPr>
-            <p:cNvSpPr txBox="1"/>
-            <p:nvPr/>
-          </p:nvSpPr>
-          <p:spPr>
-            <a:xfrm>
-              <a:off x="9658004" y="4225435"/>
-              <a:ext cx="1210785" cy="523220"/>
-            </a:xfrm>
-            <a:prstGeom prst="rect">
-              <a:avLst/>
-            </a:prstGeom>
-            <a:noFill/>
-          </p:spPr>
-          <p:txBody>
-            <a:bodyPr wrap="square" rtlCol="0">
-              <a:spAutoFit/>
-            </a:bodyPr>
-            <a:lstStyle/>
-            <a:p>
-              <a:pPr algn="ctr"/>
-              <a:r>
-                <a:rPr lang="en-US" sz="1400" dirty="0"/>
-                <a:t>Flight Delays Web Portal</a:t>
-              </a:r>
-              <a:endParaRPr lang="en-US" sz="1000" dirty="0"/>
-            </a:p>
-          </p:txBody>
-        </p:sp>
-      </p:grpSp>
-      <p:grpSp>
-        <p:nvGrpSpPr>
-          <p:cNvPr id="40" name="Group 39">
-            <a:extLst>
-              <a:ext uri="{FF2B5EF4-FFF2-40B4-BE49-F238E27FC236}">
-                <a16:creationId xmlns:a16="http://schemas.microsoft.com/office/drawing/2014/main" id="{9D6BDBF9-1481-4007-9F6C-D1E003DFCB23}"/>
-              </a:ext>
-            </a:extLst>
-          </p:cNvPr>
-          <p:cNvGrpSpPr/>
-          <p:nvPr/>
-        </p:nvGrpSpPr>
-        <p:grpSpPr>
-          <a:xfrm>
-            <a:off x="3865252" y="1306360"/>
-            <a:ext cx="1210785" cy="1428576"/>
-            <a:chOff x="6881921" y="5047071"/>
-            <a:chExt cx="1210785" cy="1428576"/>
-          </a:xfrm>
-        </p:grpSpPr>
-        <p:pic>
-          <p:nvPicPr>
-            <p:cNvPr id="41" name="Graphic 40" descr="Partial Sun">
-              <a:extLst>
-                <a:ext uri="{FF2B5EF4-FFF2-40B4-BE49-F238E27FC236}">
-                  <a16:creationId xmlns:a16="http://schemas.microsoft.com/office/drawing/2014/main" id="{7D6FB832-634B-4720-ACE5-2091B059901A}"/>
-                </a:ext>
-              </a:extLst>
-            </p:cNvPr>
-            <p:cNvPicPr>
-              <a:picLocks noChangeAspect="1"/>
-            </p:cNvPicPr>
-            <p:nvPr/>
-          </p:nvPicPr>
-          <p:blipFill>
-            <a:blip r:embed="rId5">
-              <a:extLst>
-                <a:ext uri="{28A0092B-C50C-407E-A947-70E740481C1C}">
-                  <a14:useLocalDpi xmlns:a14="http://schemas.microsoft.com/office/drawing/2010/main" val="0"/>
-                </a:ext>
-                <a:ext uri="{96DAC541-7B7A-43D3-8B79-37D633B846F1}">
-                  <asvg:svgBlip xmlns:asvg="http://schemas.microsoft.com/office/drawing/2016/SVG/main" r:embed="rId6"/>
                 </a:ext>
               </a:extLst>
             </a:blip>
@@ -8348,7 +8788,7 @@
             </a:extLst>
           </p:cNvPr>
           <p:cNvCxnSpPr>
-            <a:stCxn id="23" idx="3"/>
+            <a:cxnSpLocks/>
             <a:endCxn id="41" idx="1"/>
           </p:cNvCxnSpPr>
           <p:nvPr/>
@@ -8393,8 +8833,6 @@
           </p:cNvPr>
           <p:cNvCxnSpPr>
             <a:cxnSpLocks/>
-            <a:stCxn id="23" idx="3"/>
-            <a:endCxn id="35" idx="1"/>
           </p:cNvCxnSpPr>
           <p:nvPr/>
         </p:nvCxnSpPr>
@@ -8427,6 +8865,84 @@
           </a:fontRef>
         </p:style>
       </p:cxnSp>
+      <p:pic>
+        <p:nvPicPr>
+          <p:cNvPr id="16" name="Graphic 15">
+            <a:extLst>
+              <a:ext uri="{FF2B5EF4-FFF2-40B4-BE49-F238E27FC236}">
+                <a16:creationId xmlns:a16="http://schemas.microsoft.com/office/drawing/2014/main" id="{C125B987-C80D-47C6-A6A1-022C797DE53A}"/>
+              </a:ext>
+            </a:extLst>
+          </p:cNvPr>
+          <p:cNvPicPr>
+            <a:picLocks noChangeAspect="1"/>
+          </p:cNvPicPr>
+          <p:nvPr/>
+        </p:nvPicPr>
+        <p:blipFill>
+          <a:blip r:embed="rId4">
+            <a:extLst>
+              <a:ext uri="{28A0092B-C50C-407E-A947-70E740481C1C}">
+                <a14:useLocalDpi xmlns:a14="http://schemas.microsoft.com/office/drawing/2010/main"/>
+              </a:ext>
+              <a:ext uri="{96DAC541-7B7A-43D3-8B79-37D633B846F1}">
+                <asvg:svgBlip xmlns:asvg="http://schemas.microsoft.com/office/drawing/2016/SVG/main" r:embed="rId5"/>
+              </a:ext>
+            </a:extLst>
+          </a:blip>
+          <a:stretch>
+            <a:fillRect/>
+          </a:stretch>
+        </p:blipFill>
+        <p:spPr>
+          <a:xfrm>
+            <a:off x="517967" y="2490924"/>
+            <a:ext cx="828225" cy="828225"/>
+          </a:xfrm>
+          <a:prstGeom prst="rect">
+            <a:avLst/>
+          </a:prstGeom>
+        </p:spPr>
+      </p:pic>
+      <p:pic>
+        <p:nvPicPr>
+          <p:cNvPr id="17" name="Graphic 16">
+            <a:extLst>
+              <a:ext uri="{FF2B5EF4-FFF2-40B4-BE49-F238E27FC236}">
+                <a16:creationId xmlns:a16="http://schemas.microsoft.com/office/drawing/2014/main" id="{63EF3190-1775-4948-B02D-EFD8C18C659E}"/>
+              </a:ext>
+            </a:extLst>
+          </p:cNvPr>
+          <p:cNvPicPr>
+            <a:picLocks noChangeAspect="1"/>
+          </p:cNvPicPr>
+          <p:nvPr/>
+        </p:nvPicPr>
+        <p:blipFill>
+          <a:blip r:embed="rId6">
+            <a:extLst>
+              <a:ext uri="{28A0092B-C50C-407E-A947-70E740481C1C}">
+                <a14:useLocalDpi xmlns:a14="http://schemas.microsoft.com/office/drawing/2010/main"/>
+              </a:ext>
+              <a:ext uri="{96DAC541-7B7A-43D3-8B79-37D633B846F1}">
+                <asvg:svgBlip xmlns:asvg="http://schemas.microsoft.com/office/drawing/2016/SVG/main" r:embed="rId7"/>
+              </a:ext>
+            </a:extLst>
+          </a:blip>
+          <a:stretch>
+            <a:fillRect/>
+          </a:stretch>
+        </p:blipFill>
+        <p:spPr>
+          <a:xfrm>
+            <a:off x="4121605" y="3438162"/>
+            <a:ext cx="751057" cy="751057"/>
+          </a:xfrm>
+          <a:prstGeom prst="rect">
+            <a:avLst/>
+          </a:prstGeom>
+        </p:spPr>
+      </p:pic>
     </p:spTree>
     <p:extLst>
       <p:ext uri="{BB962C8B-B14F-4D97-AF65-F5344CB8AC3E}">
@@ -8587,100 +9103,43 @@
           </a:p>
         </p:txBody>
       </p:sp>
-      <p:grpSp>
-        <p:nvGrpSpPr>
-          <p:cNvPr id="22" name="Group 21">
-            <a:extLst>
-              <a:ext uri="{FF2B5EF4-FFF2-40B4-BE49-F238E27FC236}">
-                <a16:creationId xmlns:a16="http://schemas.microsoft.com/office/drawing/2014/main" id="{E60332BE-3786-4E7C-A228-78337C54E5DA}"/>
-              </a:ext>
-            </a:extLst>
-          </p:cNvPr>
-          <p:cNvGrpSpPr/>
+      <p:sp>
+        <p:nvSpPr>
+          <p:cNvPr id="24" name="TextBox 23">
+            <a:extLst>
+              <a:ext uri="{FF2B5EF4-FFF2-40B4-BE49-F238E27FC236}">
+                <a16:creationId xmlns:a16="http://schemas.microsoft.com/office/drawing/2014/main" id="{4076E074-82F3-43C7-B956-B71720BF31BA}"/>
+              </a:ext>
+            </a:extLst>
+          </p:cNvPr>
+          <p:cNvSpPr txBox="1"/>
           <p:nvPr/>
-        </p:nvGrpSpPr>
-        <p:grpSpPr>
+        </p:nvSpPr>
+        <p:spPr>
           <a:xfrm>
-            <a:off x="350654" y="2514892"/>
-            <a:ext cx="1210785" cy="1364181"/>
-            <a:chOff x="9658004" y="3384474"/>
-            <a:chExt cx="1210785" cy="1364181"/>
-          </a:xfrm>
-        </p:grpSpPr>
-        <p:pic>
-          <p:nvPicPr>
-            <p:cNvPr id="23" name="Picture 22" descr="A close up of a logo&#10;&#10;Description generated with high confidence">
-              <a:extLst>
-                <a:ext uri="{FF2B5EF4-FFF2-40B4-BE49-F238E27FC236}">
-                  <a16:creationId xmlns:a16="http://schemas.microsoft.com/office/drawing/2014/main" id="{5F62F617-E17F-4BD8-BCD2-B5194AD74824}"/>
-                </a:ext>
-              </a:extLst>
-            </p:cNvPr>
-            <p:cNvPicPr>
-              <a:picLocks noChangeAspect="1"/>
-            </p:cNvPicPr>
-            <p:nvPr/>
-          </p:nvPicPr>
-          <p:blipFill>
-            <a:blip r:embed="rId2">
-              <a:extLst>
-                <a:ext uri="{28A0092B-C50C-407E-A947-70E740481C1C}">
-                  <a14:useLocalDpi xmlns:a14="http://schemas.microsoft.com/office/drawing/2010/main" val="0"/>
-                </a:ext>
-              </a:extLst>
-            </a:blip>
-            <a:stretch>
-              <a:fillRect/>
-            </a:stretch>
-          </p:blipFill>
-          <p:spPr>
-            <a:xfrm>
-              <a:off x="9873252" y="3384474"/>
-              <a:ext cx="780290" cy="780290"/>
-            </a:xfrm>
-            <a:prstGeom prst="rect">
-              <a:avLst/>
-            </a:prstGeom>
-          </p:spPr>
-        </p:pic>
-        <p:sp>
-          <p:nvSpPr>
-            <p:cNvPr id="24" name="TextBox 23">
-              <a:extLst>
-                <a:ext uri="{FF2B5EF4-FFF2-40B4-BE49-F238E27FC236}">
-                  <a16:creationId xmlns:a16="http://schemas.microsoft.com/office/drawing/2014/main" id="{4076E074-82F3-43C7-B956-B71720BF31BA}"/>
-                </a:ext>
-              </a:extLst>
-            </p:cNvPr>
-            <p:cNvSpPr txBox="1"/>
-            <p:nvPr/>
-          </p:nvSpPr>
-          <p:spPr>
-            <a:xfrm>
-              <a:off x="9658004" y="4225435"/>
-              <a:ext cx="1210785" cy="523220"/>
-            </a:xfrm>
-            <a:prstGeom prst="rect">
-              <a:avLst/>
-            </a:prstGeom>
-            <a:noFill/>
-          </p:spPr>
-          <p:txBody>
-            <a:bodyPr wrap="square" rtlCol="0">
-              <a:spAutoFit/>
-            </a:bodyPr>
-            <a:lstStyle/>
-            <a:p>
-              <a:pPr algn="ctr"/>
-              <a:r>
-                <a:rPr lang="en-US" sz="1400" dirty="0"/>
-                <a:t>Flight Delays Web Portal</a:t>
-              </a:r>
-              <a:endParaRPr lang="en-US" sz="1000" dirty="0"/>
-            </a:p>
-          </p:txBody>
-        </p:sp>
-      </p:grpSp>
+            <a:off x="350654" y="3355853"/>
+            <a:ext cx="1210785" cy="523220"/>
+          </a:xfrm>
+          <a:prstGeom prst="rect">
+            <a:avLst/>
+          </a:prstGeom>
+          <a:noFill/>
+        </p:spPr>
+        <p:txBody>
+          <a:bodyPr wrap="square" rtlCol="0">
+            <a:spAutoFit/>
+          </a:bodyPr>
+          <a:lstStyle/>
+          <a:p>
+            <a:pPr algn="ctr"/>
+            <a:r>
+              <a:rPr lang="en-US" sz="1400" dirty="0"/>
+              <a:t>Flight Delays Web Portal</a:t>
+            </a:r>
+            <a:endParaRPr lang="en-US" sz="1000" dirty="0"/>
+          </a:p>
+        </p:txBody>
+      </p:sp>
       <p:cxnSp>
         <p:nvCxnSpPr>
           <p:cNvPr id="4" name="Connector: Elbow 3">
@@ -8692,8 +9151,6 @@
           </p:cNvPr>
           <p:cNvCxnSpPr>
             <a:cxnSpLocks/>
-            <a:stCxn id="23" idx="3"/>
-            <a:endCxn id="27" idx="1"/>
           </p:cNvCxnSpPr>
           <p:nvPr/>
         </p:nvCxnSpPr>
@@ -8737,8 +9194,6 @@
           </p:cNvPr>
           <p:cNvCxnSpPr>
             <a:cxnSpLocks/>
-            <a:stCxn id="27" idx="3"/>
-            <a:endCxn id="35" idx="1"/>
           </p:cNvCxnSpPr>
           <p:nvPr/>
         </p:nvCxnSpPr>
@@ -8771,197 +9226,80 @@
           </a:fontRef>
         </p:style>
       </p:cxnSp>
-      <p:grpSp>
-        <p:nvGrpSpPr>
-          <p:cNvPr id="26" name="Group 25">
-            <a:extLst>
-              <a:ext uri="{FF2B5EF4-FFF2-40B4-BE49-F238E27FC236}">
-                <a16:creationId xmlns:a16="http://schemas.microsoft.com/office/drawing/2014/main" id="{CED6DB04-C51C-48E4-AFC6-3C4C4471C8D9}"/>
-              </a:ext>
-            </a:extLst>
-          </p:cNvPr>
-          <p:cNvGrpSpPr/>
+      <p:sp>
+        <p:nvSpPr>
+          <p:cNvPr id="28" name="TextBox 27">
+            <a:extLst>
+              <a:ext uri="{FF2B5EF4-FFF2-40B4-BE49-F238E27FC236}">
+                <a16:creationId xmlns:a16="http://schemas.microsoft.com/office/drawing/2014/main" id="{BD27FBBC-36BD-4684-BD8C-03E64028942E}"/>
+              </a:ext>
+            </a:extLst>
+          </p:cNvPr>
+          <p:cNvSpPr txBox="1"/>
           <p:nvPr/>
-        </p:nvGrpSpPr>
-        <p:grpSpPr>
+        </p:nvSpPr>
+        <p:spPr>
           <a:xfrm>
-            <a:off x="3587139" y="1833949"/>
-            <a:ext cx="1311417" cy="1537418"/>
-            <a:chOff x="9658004" y="1577670"/>
-            <a:chExt cx="1311417" cy="1537418"/>
-          </a:xfrm>
-        </p:grpSpPr>
-        <p:pic>
-          <p:nvPicPr>
-            <p:cNvPr id="27" name="Picture 26" descr="A close up of a logo&#10;&#10;Description generated with high confidence">
-              <a:extLst>
-                <a:ext uri="{FF2B5EF4-FFF2-40B4-BE49-F238E27FC236}">
-                  <a16:creationId xmlns:a16="http://schemas.microsoft.com/office/drawing/2014/main" id="{4F2BEED4-2ED3-408A-B438-88930D9D6195}"/>
-                </a:ext>
-              </a:extLst>
-            </p:cNvPr>
-            <p:cNvPicPr>
-              <a:picLocks noChangeAspect="1"/>
-            </p:cNvPicPr>
-            <p:nvPr/>
-          </p:nvPicPr>
-          <p:blipFill>
-            <a:blip r:embed="rId3">
-              <a:extLst>
-                <a:ext uri="{28A0092B-C50C-407E-A947-70E740481C1C}">
-                  <a14:useLocalDpi xmlns:a14="http://schemas.microsoft.com/office/drawing/2010/main" val="0"/>
-                </a:ext>
-              </a:extLst>
-            </a:blip>
-            <a:stretch>
-              <a:fillRect/>
-            </a:stretch>
-          </p:blipFill>
-          <p:spPr>
-            <a:xfrm>
-              <a:off x="9873253" y="1577670"/>
-              <a:ext cx="780290" cy="780290"/>
-            </a:xfrm>
-            <a:prstGeom prst="rect">
-              <a:avLst/>
-            </a:prstGeom>
-          </p:spPr>
-        </p:pic>
-        <p:sp>
-          <p:nvSpPr>
-            <p:cNvPr id="28" name="TextBox 27">
-              <a:extLst>
-                <a:ext uri="{FF2B5EF4-FFF2-40B4-BE49-F238E27FC236}">
-                  <a16:creationId xmlns:a16="http://schemas.microsoft.com/office/drawing/2014/main" id="{BD27FBBC-36BD-4684-BD8C-03E64028942E}"/>
-                </a:ext>
-              </a:extLst>
-            </p:cNvPr>
-            <p:cNvSpPr txBox="1"/>
-            <p:nvPr/>
-          </p:nvSpPr>
-          <p:spPr>
-            <a:xfrm>
-              <a:off x="9658004" y="2376424"/>
-              <a:ext cx="1311417" cy="738664"/>
-            </a:xfrm>
-            <a:prstGeom prst="rect">
-              <a:avLst/>
-            </a:prstGeom>
-            <a:noFill/>
-          </p:spPr>
-          <p:txBody>
-            <a:bodyPr wrap="square" rtlCol="0">
-              <a:spAutoFit/>
-            </a:bodyPr>
-            <a:lstStyle/>
-            <a:p>
-              <a:pPr algn="ctr"/>
-              <a:r>
-                <a:rPr lang="en-US" sz="1400" dirty="0"/>
-                <a:t>Visualize Delay Predictions on a Map</a:t>
-              </a:r>
-              <a:endParaRPr lang="en-US" sz="1000" dirty="0"/>
-            </a:p>
-          </p:txBody>
-        </p:sp>
-      </p:grpSp>
-      <p:grpSp>
-        <p:nvGrpSpPr>
-          <p:cNvPr id="32" name="Group 31">
-            <a:extLst>
-              <a:ext uri="{FF2B5EF4-FFF2-40B4-BE49-F238E27FC236}">
-                <a16:creationId xmlns:a16="http://schemas.microsoft.com/office/drawing/2014/main" id="{5BF2A4FE-C96D-4F98-8E6B-71CD3F9DC316}"/>
-              </a:ext>
-            </a:extLst>
-          </p:cNvPr>
-          <p:cNvGrpSpPr/>
+            <a:off x="3587139" y="2632703"/>
+            <a:ext cx="1311417" cy="738664"/>
+          </a:xfrm>
+          <a:prstGeom prst="rect">
+            <a:avLst/>
+          </a:prstGeom>
+          <a:noFill/>
+        </p:spPr>
+        <p:txBody>
+          <a:bodyPr wrap="square" rtlCol="0">
+            <a:spAutoFit/>
+          </a:bodyPr>
+          <a:lstStyle/>
+          <a:p>
+            <a:pPr algn="ctr"/>
+            <a:r>
+              <a:rPr lang="en-US" sz="1400" dirty="0"/>
+              <a:t>Visualize Delay Predictions on a Map</a:t>
+            </a:r>
+            <a:endParaRPr lang="en-US" sz="1000" dirty="0"/>
+          </a:p>
+        </p:txBody>
+      </p:sp>
+      <p:sp>
+        <p:nvSpPr>
+          <p:cNvPr id="34" name="TextBox 33">
+            <a:extLst>
+              <a:ext uri="{FF2B5EF4-FFF2-40B4-BE49-F238E27FC236}">
+                <a16:creationId xmlns:a16="http://schemas.microsoft.com/office/drawing/2014/main" id="{BB488957-E04F-4C3E-A108-6E41CA430BE9}"/>
+              </a:ext>
+            </a:extLst>
+          </p:cNvPr>
+          <p:cNvSpPr txBox="1"/>
           <p:nvPr/>
-        </p:nvGrpSpPr>
-        <p:grpSpPr>
+        </p:nvSpPr>
+        <p:spPr>
           <a:xfrm>
-            <a:off x="5941098" y="2632703"/>
-            <a:ext cx="1352348" cy="1268215"/>
-            <a:chOff x="7660176" y="744653"/>
-            <a:chExt cx="1352348" cy="1268215"/>
-          </a:xfrm>
-        </p:grpSpPr>
-        <p:sp>
-          <p:nvSpPr>
-            <p:cNvPr id="34" name="TextBox 33">
-              <a:extLst>
-                <a:ext uri="{FF2B5EF4-FFF2-40B4-BE49-F238E27FC236}">
-                  <a16:creationId xmlns:a16="http://schemas.microsoft.com/office/drawing/2014/main" id="{BB488957-E04F-4C3E-A108-6E41CA430BE9}"/>
-                </a:ext>
-              </a:extLst>
-            </p:cNvPr>
-            <p:cNvSpPr txBox="1"/>
-            <p:nvPr/>
-          </p:nvSpPr>
-          <p:spPr>
-            <a:xfrm>
-              <a:off x="7660176" y="1489648"/>
-              <a:ext cx="1352348" cy="523220"/>
-            </a:xfrm>
-            <a:prstGeom prst="rect">
-              <a:avLst/>
-            </a:prstGeom>
-            <a:noFill/>
-          </p:spPr>
-          <p:txBody>
-            <a:bodyPr wrap="square" rtlCol="0">
-              <a:spAutoFit/>
-            </a:bodyPr>
-            <a:lstStyle/>
-            <a:p>
-              <a:pPr algn="ctr"/>
-              <a:r>
-                <a:rPr lang="en-US" sz="1400" dirty="0"/>
-                <a:t>Azure SQL Database</a:t>
-              </a:r>
-              <a:endParaRPr lang="en-US" sz="1000" dirty="0"/>
-            </a:p>
-          </p:txBody>
-        </p:sp>
-        <p:pic>
-          <p:nvPicPr>
-            <p:cNvPr id="35" name="Graphic 34">
-              <a:extLst>
-                <a:ext uri="{FF2B5EF4-FFF2-40B4-BE49-F238E27FC236}">
-                  <a16:creationId xmlns:a16="http://schemas.microsoft.com/office/drawing/2014/main" id="{48330128-DD44-4488-ABF8-774FC401F6D8}"/>
-                </a:ext>
-              </a:extLst>
-            </p:cNvPr>
-            <p:cNvPicPr>
-              <a:picLocks noChangeAspect="1"/>
-            </p:cNvPicPr>
-            <p:nvPr/>
-          </p:nvPicPr>
-          <p:blipFill>
-            <a:blip r:embed="rId4">
-              <a:extLst>
-                <a:ext uri="{28A0092B-C50C-407E-A947-70E740481C1C}">
-                  <a14:useLocalDpi xmlns:a14="http://schemas.microsoft.com/office/drawing/2010/main" val="0"/>
-                </a:ext>
-                <a:ext uri="{96DAC541-7B7A-43D3-8B79-37D633B846F1}">
-                  <asvg:svgBlip xmlns:asvg="http://schemas.microsoft.com/office/drawing/2016/SVG/main" r:embed="rId5"/>
-                </a:ext>
-              </a:extLst>
-            </a:blip>
-            <a:stretch>
-              <a:fillRect/>
-            </a:stretch>
-          </p:blipFill>
-          <p:spPr>
-            <a:xfrm>
-              <a:off x="7989971" y="744653"/>
-              <a:ext cx="683112" cy="683112"/>
-            </a:xfrm>
-            <a:prstGeom prst="rect">
-              <a:avLst/>
-            </a:prstGeom>
-          </p:spPr>
-        </p:pic>
-      </p:grpSp>
+            <a:off x="5941098" y="3377698"/>
+            <a:ext cx="1352348" cy="523220"/>
+          </a:xfrm>
+          <a:prstGeom prst="rect">
+            <a:avLst/>
+          </a:prstGeom>
+          <a:noFill/>
+        </p:spPr>
+        <p:txBody>
+          <a:bodyPr wrap="square" rtlCol="0">
+            <a:spAutoFit/>
+          </a:bodyPr>
+          <a:lstStyle/>
+          <a:p>
+            <a:pPr algn="ctr"/>
+            <a:r>
+              <a:rPr lang="en-US" sz="1400" dirty="0"/>
+              <a:t>Azure SQL Database</a:t>
+            </a:r>
+            <a:endParaRPr lang="en-US" sz="1000" dirty="0"/>
+          </a:p>
+        </p:txBody>
+      </p:sp>
       <p:sp>
         <p:nvSpPr>
           <p:cNvPr id="36" name="TextBox 35">
@@ -9011,6 +9349,123 @@
           </a:p>
         </p:txBody>
       </p:sp>
+      <p:pic>
+        <p:nvPicPr>
+          <p:cNvPr id="17" name="Graphic 16">
+            <a:extLst>
+              <a:ext uri="{FF2B5EF4-FFF2-40B4-BE49-F238E27FC236}">
+                <a16:creationId xmlns:a16="http://schemas.microsoft.com/office/drawing/2014/main" id="{DE08A5F3-8EA4-4516-87B3-5371D1BFD52D}"/>
+              </a:ext>
+            </a:extLst>
+          </p:cNvPr>
+          <p:cNvPicPr>
+            <a:picLocks noChangeAspect="1"/>
+          </p:cNvPicPr>
+          <p:nvPr/>
+        </p:nvPicPr>
+        <p:blipFill>
+          <a:blip r:embed="rId2">
+            <a:extLst>
+              <a:ext uri="{28A0092B-C50C-407E-A947-70E740481C1C}">
+                <a14:useLocalDpi xmlns:a14="http://schemas.microsoft.com/office/drawing/2010/main"/>
+              </a:ext>
+              <a:ext uri="{96DAC541-7B7A-43D3-8B79-37D633B846F1}">
+                <asvg:svgBlip xmlns:asvg="http://schemas.microsoft.com/office/drawing/2016/SVG/main" r:embed="rId3"/>
+              </a:ext>
+            </a:extLst>
+          </a:blip>
+          <a:stretch>
+            <a:fillRect/>
+          </a:stretch>
+        </p:blipFill>
+        <p:spPr>
+          <a:xfrm>
+            <a:off x="517967" y="2490924"/>
+            <a:ext cx="828225" cy="828225"/>
+          </a:xfrm>
+          <a:prstGeom prst="rect">
+            <a:avLst/>
+          </a:prstGeom>
+        </p:spPr>
+      </p:pic>
+      <p:pic>
+        <p:nvPicPr>
+          <p:cNvPr id="18" name="Graphic 17">
+            <a:extLst>
+              <a:ext uri="{FF2B5EF4-FFF2-40B4-BE49-F238E27FC236}">
+                <a16:creationId xmlns:a16="http://schemas.microsoft.com/office/drawing/2014/main" id="{79D6D852-E456-40FA-AC61-2DEB6BDCCB51}"/>
+              </a:ext>
+            </a:extLst>
+          </p:cNvPr>
+          <p:cNvPicPr>
+            <a:picLocks noChangeAspect="1"/>
+          </p:cNvPicPr>
+          <p:nvPr/>
+        </p:nvPicPr>
+        <p:blipFill>
+          <a:blip r:embed="rId4">
+            <a:extLst>
+              <a:ext uri="{28A0092B-C50C-407E-A947-70E740481C1C}">
+                <a14:useLocalDpi xmlns:a14="http://schemas.microsoft.com/office/drawing/2010/main"/>
+              </a:ext>
+              <a:ext uri="{96DAC541-7B7A-43D3-8B79-37D633B846F1}">
+                <asvg:svgBlip xmlns:asvg="http://schemas.microsoft.com/office/drawing/2016/SVG/main" r:embed="rId5"/>
+              </a:ext>
+            </a:extLst>
+          </a:blip>
+          <a:stretch>
+            <a:fillRect/>
+          </a:stretch>
+        </p:blipFill>
+        <p:spPr>
+          <a:xfrm>
+            <a:off x="6227127" y="2630975"/>
+            <a:ext cx="780290" cy="780290"/>
+          </a:xfrm>
+          <a:prstGeom prst="rect">
+            <a:avLst/>
+          </a:prstGeom>
+        </p:spPr>
+      </p:pic>
+      <p:pic>
+        <p:nvPicPr>
+          <p:cNvPr id="19" name="Graphic 18">
+            <a:extLst>
+              <a:ext uri="{FF2B5EF4-FFF2-40B4-BE49-F238E27FC236}">
+                <a16:creationId xmlns:a16="http://schemas.microsoft.com/office/drawing/2014/main" id="{643AAB58-090E-4998-8BA3-9553A4E92E1D}"/>
+              </a:ext>
+            </a:extLst>
+          </p:cNvPr>
+          <p:cNvPicPr>
+            <a:picLocks noChangeAspect="1"/>
+          </p:cNvPicPr>
+          <p:nvPr/>
+        </p:nvPicPr>
+        <p:blipFill>
+          <a:blip r:embed="rId6">
+            <a:extLst>
+              <a:ext uri="{28A0092B-C50C-407E-A947-70E740481C1C}">
+                <a14:useLocalDpi xmlns:a14="http://schemas.microsoft.com/office/drawing/2010/main"/>
+              </a:ext>
+              <a:ext uri="{96DAC541-7B7A-43D3-8B79-37D633B846F1}">
+                <asvg:svgBlip xmlns:asvg="http://schemas.microsoft.com/office/drawing/2016/SVG/main" r:embed="rId7"/>
+              </a:ext>
+            </a:extLst>
+          </a:blip>
+          <a:stretch>
+            <a:fillRect/>
+          </a:stretch>
+        </p:blipFill>
+        <p:spPr>
+          <a:xfrm>
+            <a:off x="3844015" y="1866263"/>
+            <a:ext cx="738663" cy="738663"/>
+          </a:xfrm>
+          <a:prstGeom prst="rect">
+            <a:avLst/>
+          </a:prstGeom>
+        </p:spPr>
+      </p:pic>
     </p:spTree>
     <p:extLst>
       <p:ext uri="{BB962C8B-B14F-4D97-AF65-F5344CB8AC3E}">
@@ -9080,112 +9535,12 @@
           </a:p>
         </p:txBody>
       </p:sp>
-      <p:sp>
-        <p:nvSpPr>
-          <p:cNvPr id="37" name="TextBox 36">
-            <a:extLst>
-              <a:ext uri="{FF2B5EF4-FFF2-40B4-BE49-F238E27FC236}">
-                <a16:creationId xmlns:a16="http://schemas.microsoft.com/office/drawing/2014/main" id="{07C6412B-0A16-47E7-89B2-978A00414FCB}"/>
-              </a:ext>
-            </a:extLst>
-          </p:cNvPr>
-          <p:cNvSpPr txBox="1"/>
-          <p:nvPr/>
-        </p:nvSpPr>
-        <p:spPr>
-          <a:xfrm>
-            <a:off x="1843861" y="4631385"/>
-            <a:ext cx="2072042" cy="892552"/>
-          </a:xfrm>
-          <a:prstGeom prst="rect">
-            <a:avLst/>
-          </a:prstGeom>
-          <a:noFill/>
-        </p:spPr>
-        <p:txBody>
-          <a:bodyPr wrap="none" rtlCol="0">
-            <a:spAutoFit/>
-          </a:bodyPr>
-          <a:lstStyle/>
-          <a:p>
-            <a:r>
-              <a:rPr lang="en-US" sz="1300" i="1" dirty="0"/>
-              <a:t>Notebook uses a JDBC</a:t>
-            </a:r>
-          </a:p>
-          <a:p>
-            <a:r>
-              <a:rPr lang="en-US" sz="1300" i="1" dirty="0"/>
-              <a:t>connection to SQL Database</a:t>
-            </a:r>
-            <a:br>
-              <a:rPr lang="en-US" sz="1300" i="1" dirty="0"/>
-            </a:br>
-            <a:r>
-              <a:rPr lang="en-US" sz="1300" i="1" dirty="0"/>
-              <a:t>to write bulk delay</a:t>
-            </a:r>
-            <a:br>
-              <a:rPr lang="en-US" sz="1300" i="1" dirty="0"/>
-            </a:br>
-            <a:r>
-              <a:rPr lang="en-US" sz="1300" i="1" dirty="0"/>
-              <a:t>predictions</a:t>
-            </a:r>
-          </a:p>
-        </p:txBody>
-      </p:sp>
-      <p:cxnSp>
-        <p:nvCxnSpPr>
-          <p:cNvPr id="43" name="Connector: Elbow 42">
-            <a:extLst>
-              <a:ext uri="{FF2B5EF4-FFF2-40B4-BE49-F238E27FC236}">
-                <a16:creationId xmlns:a16="http://schemas.microsoft.com/office/drawing/2014/main" id="{369325CF-68FE-4690-8C1A-46F5FA7D6C9D}"/>
-              </a:ext>
-            </a:extLst>
-          </p:cNvPr>
-          <p:cNvCxnSpPr>
-            <a:cxnSpLocks/>
-            <a:stCxn id="27" idx="1"/>
-            <a:endCxn id="35" idx="3"/>
-          </p:cNvCxnSpPr>
-          <p:nvPr/>
-        </p:nvCxnSpPr>
-        <p:spPr>
-          <a:xfrm rot="10800000" flipV="1">
-            <a:off x="6966705" y="2554293"/>
-            <a:ext cx="1170616" cy="1050732"/>
-          </a:xfrm>
-          <a:prstGeom prst="bentConnector3">
-            <a:avLst>
-              <a:gd name="adj1" fmla="val 50000"/>
-            </a:avLst>
-          </a:prstGeom>
-          <a:ln>
-            <a:tailEnd type="triangle"/>
-          </a:ln>
-        </p:spPr>
-        <p:style>
-          <a:lnRef idx="3">
-            <a:schemeClr val="accent1"/>
-          </a:lnRef>
-          <a:fillRef idx="0">
-            <a:schemeClr val="accent1"/>
-          </a:fillRef>
-          <a:effectRef idx="2">
-            <a:schemeClr val="accent1"/>
-          </a:effectRef>
-          <a:fontRef idx="minor">
-            <a:schemeClr val="tx1"/>
-          </a:fontRef>
-        </p:style>
-      </p:cxnSp>
       <p:grpSp>
         <p:nvGrpSpPr>
-          <p:cNvPr id="26" name="Group 25">
-            <a:extLst>
-              <a:ext uri="{FF2B5EF4-FFF2-40B4-BE49-F238E27FC236}">
-                <a16:creationId xmlns:a16="http://schemas.microsoft.com/office/drawing/2014/main" id="{CED6DB04-C51C-48E4-AFC6-3C4C4471C8D9}"/>
+          <p:cNvPr id="2" name="Group 1">
+            <a:extLst>
+              <a:ext uri="{FF2B5EF4-FFF2-40B4-BE49-F238E27FC236}">
+                <a16:creationId xmlns:a16="http://schemas.microsoft.com/office/drawing/2014/main" id="{3A06D6FA-6F4D-4241-9821-6865597D8831}"/>
               </a:ext>
             </a:extLst>
           </p:cNvPr>
@@ -9194,54 +9549,18 @@
         </p:nvGrpSpPr>
         <p:grpSpPr>
           <a:xfrm>
-            <a:off x="7922072" y="2164148"/>
-            <a:ext cx="1311417" cy="1537418"/>
-            <a:chOff x="9658004" y="1577670"/>
-            <a:chExt cx="1311417" cy="1537418"/>
+            <a:off x="1843861" y="1334063"/>
+            <a:ext cx="7389628" cy="4189874"/>
+            <a:chOff x="1843861" y="1334063"/>
+            <a:chExt cx="7389628" cy="4189874"/>
           </a:xfrm>
         </p:grpSpPr>
-        <p:pic>
-          <p:nvPicPr>
-            <p:cNvPr id="27" name="Picture 26" descr="A close up of a logo&#10;&#10;Description generated with high confidence">
+        <p:sp>
+          <p:nvSpPr>
+            <p:cNvPr id="37" name="TextBox 36">
               <a:extLst>
                 <a:ext uri="{FF2B5EF4-FFF2-40B4-BE49-F238E27FC236}">
-                  <a16:creationId xmlns:a16="http://schemas.microsoft.com/office/drawing/2014/main" id="{4F2BEED4-2ED3-408A-B438-88930D9D6195}"/>
-                </a:ext>
-              </a:extLst>
-            </p:cNvPr>
-            <p:cNvPicPr>
-              <a:picLocks noChangeAspect="1"/>
-            </p:cNvPicPr>
-            <p:nvPr/>
-          </p:nvPicPr>
-          <p:blipFill>
-            <a:blip r:embed="rId2">
-              <a:extLst>
-                <a:ext uri="{28A0092B-C50C-407E-A947-70E740481C1C}">
-                  <a14:useLocalDpi xmlns:a14="http://schemas.microsoft.com/office/drawing/2010/main" val="0"/>
-                </a:ext>
-              </a:extLst>
-            </a:blip>
-            <a:stretch>
-              <a:fillRect/>
-            </a:stretch>
-          </p:blipFill>
-          <p:spPr>
-            <a:xfrm>
-              <a:off x="9873253" y="1577670"/>
-              <a:ext cx="780290" cy="780290"/>
-            </a:xfrm>
-            <a:prstGeom prst="rect">
-              <a:avLst/>
-            </a:prstGeom>
-          </p:spPr>
-        </p:pic>
-        <p:sp>
-          <p:nvSpPr>
-            <p:cNvPr id="28" name="TextBox 27">
-              <a:extLst>
-                <a:ext uri="{FF2B5EF4-FFF2-40B4-BE49-F238E27FC236}">
-                  <a16:creationId xmlns:a16="http://schemas.microsoft.com/office/drawing/2014/main" id="{BD27FBBC-36BD-4684-BD8C-03E64028942E}"/>
+                  <a16:creationId xmlns:a16="http://schemas.microsoft.com/office/drawing/2014/main" id="{07C6412B-0A16-47E7-89B2-978A00414FCB}"/>
                 </a:ext>
               </a:extLst>
             </p:cNvPr>
@@ -9250,7 +9569,105 @@
           </p:nvSpPr>
           <p:spPr>
             <a:xfrm>
-              <a:off x="9658004" y="2376424"/>
+              <a:off x="1843861" y="4631385"/>
+              <a:ext cx="2072042" cy="892552"/>
+            </a:xfrm>
+            <a:prstGeom prst="rect">
+              <a:avLst/>
+            </a:prstGeom>
+            <a:noFill/>
+          </p:spPr>
+          <p:txBody>
+            <a:bodyPr wrap="none" rtlCol="0">
+              <a:spAutoFit/>
+            </a:bodyPr>
+            <a:lstStyle/>
+            <a:p>
+              <a:r>
+                <a:rPr lang="en-US" sz="1300" i="1" dirty="0"/>
+                <a:t>Notebook uses a JDBC</a:t>
+              </a:r>
+            </a:p>
+            <a:p>
+              <a:r>
+                <a:rPr lang="en-US" sz="1300" i="1" dirty="0"/>
+                <a:t>connection to SQL Database</a:t>
+              </a:r>
+              <a:br>
+                <a:rPr lang="en-US" sz="1300" i="1" dirty="0"/>
+              </a:br>
+              <a:r>
+                <a:rPr lang="en-US" sz="1300" i="1" dirty="0"/>
+                <a:t>to write bulk delay</a:t>
+              </a:r>
+              <a:br>
+                <a:rPr lang="en-US" sz="1300" i="1" dirty="0"/>
+              </a:br>
+              <a:r>
+                <a:rPr lang="en-US" sz="1300" i="1" dirty="0"/>
+                <a:t>predictions</a:t>
+              </a:r>
+            </a:p>
+          </p:txBody>
+        </p:sp>
+        <p:cxnSp>
+          <p:nvCxnSpPr>
+            <p:cNvPr id="43" name="Connector: Elbow 42">
+              <a:extLst>
+                <a:ext uri="{FF2B5EF4-FFF2-40B4-BE49-F238E27FC236}">
+                  <a16:creationId xmlns:a16="http://schemas.microsoft.com/office/drawing/2014/main" id="{369325CF-68FE-4690-8C1A-46F5FA7D6C9D}"/>
+                </a:ext>
+              </a:extLst>
+            </p:cNvPr>
+            <p:cNvCxnSpPr>
+              <a:cxnSpLocks/>
+            </p:cNvCxnSpPr>
+            <p:nvPr/>
+          </p:nvCxnSpPr>
+          <p:spPr>
+            <a:xfrm rot="10800000" flipV="1">
+              <a:off x="6966705" y="2554293"/>
+              <a:ext cx="1170616" cy="1050732"/>
+            </a:xfrm>
+            <a:prstGeom prst="bentConnector3">
+              <a:avLst>
+                <a:gd name="adj1" fmla="val 50000"/>
+              </a:avLst>
+            </a:prstGeom>
+            <a:ln>
+              <a:tailEnd type="triangle"/>
+            </a:ln>
+          </p:spPr>
+          <p:style>
+            <a:lnRef idx="3">
+              <a:schemeClr val="accent1"/>
+            </a:lnRef>
+            <a:fillRef idx="0">
+              <a:schemeClr val="accent1"/>
+            </a:fillRef>
+            <a:effectRef idx="2">
+              <a:schemeClr val="accent1"/>
+            </a:effectRef>
+            <a:fontRef idx="minor">
+              <a:schemeClr val="tx1"/>
+            </a:fontRef>
+          </p:style>
+        </p:cxnSp>
+        <p:sp>
+          <p:nvSpPr>
+            <p:cNvPr id="28" name="TextBox 27">
+              <a:extLst>
+                <a:ext uri="{FF2B5EF4-FFF2-40B4-BE49-F238E27FC236}">
+                  <a16:creationId xmlns:a16="http://schemas.microsoft.com/office/drawing/2014/main" id="{BD27FBBC-36BD-4684-BD8C-03E64028942E}"/>
+                </a:ext>
+              </a:extLst>
+            </p:cNvPr>
+            <p:cNvSpPr txBox="1"/>
+            <p:nvPr/>
+          </p:nvSpPr>
+          <p:spPr>
+            <a:xfrm>
+              <a:off x="7922072" y="2962902"/>
               <a:ext cx="1311417" cy="738664"/>
             </a:xfrm>
             <a:prstGeom prst="rect">
@@ -9273,27 +9690,6 @@
             </a:p>
           </p:txBody>
         </p:sp>
-      </p:grpSp>
-      <p:grpSp>
-        <p:nvGrpSpPr>
-          <p:cNvPr id="32" name="Group 31">
-            <a:extLst>
-              <a:ext uri="{FF2B5EF4-FFF2-40B4-BE49-F238E27FC236}">
-                <a16:creationId xmlns:a16="http://schemas.microsoft.com/office/drawing/2014/main" id="{5BF2A4FE-C96D-4F98-8E6B-71CD3F9DC316}"/>
-              </a:ext>
-            </a:extLst>
-          </p:cNvPr>
-          <p:cNvGrpSpPr/>
-          <p:nvPr/>
-        </p:nvGrpSpPr>
-        <p:grpSpPr>
-          <a:xfrm>
-            <a:off x="5953798" y="3263469"/>
-            <a:ext cx="1352348" cy="1268215"/>
-            <a:chOff x="7660176" y="744653"/>
-            <a:chExt cx="1352348" cy="1268215"/>
-          </a:xfrm>
-        </p:grpSpPr>
         <p:sp>
           <p:nvSpPr>
             <p:cNvPr id="34" name="TextBox 33">
@@ -9308,7 +9704,7 @@
           </p:nvSpPr>
           <p:spPr>
             <a:xfrm>
-              <a:off x="7660176" y="1489648"/>
+              <a:off x="5953798" y="4008464"/>
               <a:ext cx="1352348" cy="523220"/>
             </a:xfrm>
             <a:prstGeom prst="rect">
@@ -9331,157 +9727,12 @@
             </a:p>
           </p:txBody>
         </p:sp>
-        <p:pic>
-          <p:nvPicPr>
-            <p:cNvPr id="35" name="Graphic 34">
+        <p:sp>
+          <p:nvSpPr>
+            <p:cNvPr id="36" name="TextBox 35">
               <a:extLst>
                 <a:ext uri="{FF2B5EF4-FFF2-40B4-BE49-F238E27FC236}">
-                  <a16:creationId xmlns:a16="http://schemas.microsoft.com/office/drawing/2014/main" id="{48330128-DD44-4488-ABF8-774FC401F6D8}"/>
-                </a:ext>
-              </a:extLst>
-            </p:cNvPr>
-            <p:cNvPicPr>
-              <a:picLocks noChangeAspect="1"/>
-            </p:cNvPicPr>
-            <p:nvPr/>
-          </p:nvPicPr>
-          <p:blipFill>
-            <a:blip r:embed="rId3">
-              <a:extLst>
-                <a:ext uri="{28A0092B-C50C-407E-A947-70E740481C1C}">
-                  <a14:useLocalDpi xmlns:a14="http://schemas.microsoft.com/office/drawing/2010/main" val="0"/>
-                </a:ext>
-                <a:ext uri="{96DAC541-7B7A-43D3-8B79-37D633B846F1}">
-                  <asvg:svgBlip xmlns:asvg="http://schemas.microsoft.com/office/drawing/2016/SVG/main" r:embed="rId4"/>
-                </a:ext>
-              </a:extLst>
-            </a:blip>
-            <a:stretch>
-              <a:fillRect/>
-            </a:stretch>
-          </p:blipFill>
-          <p:spPr>
-            <a:xfrm>
-              <a:off x="7989971" y="744653"/>
-              <a:ext cx="683112" cy="683112"/>
-            </a:xfrm>
-            <a:prstGeom prst="rect">
-              <a:avLst/>
-            </a:prstGeom>
-          </p:spPr>
-        </p:pic>
-      </p:grpSp>
-      <p:sp>
-        <p:nvSpPr>
-          <p:cNvPr id="36" name="TextBox 35">
-            <a:extLst>
-              <a:ext uri="{FF2B5EF4-FFF2-40B4-BE49-F238E27FC236}">
-                <a16:creationId xmlns:a16="http://schemas.microsoft.com/office/drawing/2014/main" id="{40C306C4-F8F1-48B6-9267-336C0CC8579A}"/>
-              </a:ext>
-            </a:extLst>
-          </p:cNvPr>
-          <p:cNvSpPr txBox="1"/>
-          <p:nvPr/>
-        </p:nvSpPr>
-        <p:spPr>
-          <a:xfrm>
-            <a:off x="5652092" y="4635559"/>
-            <a:ext cx="1958037" cy="692497"/>
-          </a:xfrm>
-          <a:prstGeom prst="rect">
-            <a:avLst/>
-          </a:prstGeom>
-          <a:noFill/>
-        </p:spPr>
-        <p:txBody>
-          <a:bodyPr wrap="none" rtlCol="0">
-            <a:spAutoFit/>
-          </a:bodyPr>
-          <a:lstStyle/>
-          <a:p>
-            <a:r>
-              <a:rPr lang="en-US" sz="1300" i="1" dirty="0"/>
-              <a:t>Storage contains historical</a:t>
-            </a:r>
-            <a:br>
-              <a:rPr lang="en-US" sz="1300" i="1" dirty="0"/>
-            </a:br>
-            <a:r>
-              <a:rPr lang="en-US" sz="1300" i="1" dirty="0"/>
-              <a:t>flight delay data and bulk</a:t>
-            </a:r>
-            <a:br>
-              <a:rPr lang="en-US" sz="1300" i="1" dirty="0"/>
-            </a:br>
-            <a:r>
-              <a:rPr lang="en-US" sz="1300" i="1" dirty="0"/>
-              <a:t>delay predictions</a:t>
-            </a:r>
-          </a:p>
-        </p:txBody>
-      </p:sp>
-      <p:grpSp>
-        <p:nvGrpSpPr>
-          <p:cNvPr id="17" name="Group 16">
-            <a:extLst>
-              <a:ext uri="{FF2B5EF4-FFF2-40B4-BE49-F238E27FC236}">
-                <a16:creationId xmlns:a16="http://schemas.microsoft.com/office/drawing/2014/main" id="{3FDABC88-356A-49CA-8650-83A17590C035}"/>
-              </a:ext>
-            </a:extLst>
-          </p:cNvPr>
-          <p:cNvGrpSpPr/>
-          <p:nvPr/>
-        </p:nvGrpSpPr>
-        <p:grpSpPr>
-          <a:xfrm>
-            <a:off x="1973931" y="3217882"/>
-            <a:ext cx="1210785" cy="1303510"/>
-            <a:chOff x="5421698" y="1312914"/>
-            <a:chExt cx="1210785" cy="1303510"/>
-          </a:xfrm>
-        </p:grpSpPr>
-        <p:pic>
-          <p:nvPicPr>
-            <p:cNvPr id="18" name="Picture 17">
-              <a:extLst>
-                <a:ext uri="{FF2B5EF4-FFF2-40B4-BE49-F238E27FC236}">
-                  <a16:creationId xmlns:a16="http://schemas.microsoft.com/office/drawing/2014/main" id="{17966F7E-D5AF-4B38-B44A-0DCC9FF368CD}"/>
-                </a:ext>
-              </a:extLst>
-            </p:cNvPr>
-            <p:cNvPicPr>
-              <a:picLocks noChangeAspect="1"/>
-            </p:cNvPicPr>
-            <p:nvPr/>
-          </p:nvPicPr>
-          <p:blipFill>
-            <a:blip r:embed="rId5">
-              <a:extLst>
-                <a:ext uri="{28A0092B-C50C-407E-A947-70E740481C1C}">
-                  <a14:useLocalDpi xmlns:a14="http://schemas.microsoft.com/office/drawing/2010/main" val="0"/>
-                </a:ext>
-              </a:extLst>
-            </a:blip>
-            <a:stretch>
-              <a:fillRect/>
-            </a:stretch>
-          </p:blipFill>
-          <p:spPr>
-            <a:xfrm>
-              <a:off x="5641117" y="1312914"/>
-              <a:ext cx="707212" cy="780290"/>
-            </a:xfrm>
-            <a:prstGeom prst="rect">
-              <a:avLst/>
-            </a:prstGeom>
-          </p:spPr>
-        </p:pic>
-        <p:sp>
-          <p:nvSpPr>
-            <p:cNvPr id="19" name="TextBox 18">
-              <a:extLst>
-                <a:ext uri="{FF2B5EF4-FFF2-40B4-BE49-F238E27FC236}">
-                  <a16:creationId xmlns:a16="http://schemas.microsoft.com/office/drawing/2014/main" id="{C0E18EE8-658A-47C0-B5CD-05CAD21FBA8C}"/>
+                  <a16:creationId xmlns:a16="http://schemas.microsoft.com/office/drawing/2014/main" id="{40C306C4-F8F1-48B6-9267-336C0CC8579A}"/>
                 </a:ext>
               </a:extLst>
             </p:cNvPr>
@@ -9490,7 +9741,56 @@
           </p:nvSpPr>
           <p:spPr>
             <a:xfrm>
-              <a:off x="5421698" y="2093204"/>
+              <a:off x="5652092" y="4635559"/>
+              <a:ext cx="1958037" cy="692497"/>
+            </a:xfrm>
+            <a:prstGeom prst="rect">
+              <a:avLst/>
+            </a:prstGeom>
+            <a:noFill/>
+          </p:spPr>
+          <p:txBody>
+            <a:bodyPr wrap="none" rtlCol="0">
+              <a:spAutoFit/>
+            </a:bodyPr>
+            <a:lstStyle/>
+            <a:p>
+              <a:r>
+                <a:rPr lang="en-US" sz="1300" i="1" dirty="0"/>
+                <a:t>Storage contains historical</a:t>
+              </a:r>
+              <a:br>
+                <a:rPr lang="en-US" sz="1300" i="1" dirty="0"/>
+              </a:br>
+              <a:r>
+                <a:rPr lang="en-US" sz="1300" i="1" dirty="0"/>
+                <a:t>flight delay data and bulk</a:t>
+              </a:r>
+              <a:br>
+                <a:rPr lang="en-US" sz="1300" i="1" dirty="0"/>
+              </a:br>
+              <a:r>
+                <a:rPr lang="en-US" sz="1300" i="1" dirty="0"/>
+                <a:t>delay predictions</a:t>
+              </a:r>
+            </a:p>
+          </p:txBody>
+        </p:sp>
+        <p:sp>
+          <p:nvSpPr>
+            <p:cNvPr id="19" name="TextBox 18">
+              <a:extLst>
+                <a:ext uri="{FF2B5EF4-FFF2-40B4-BE49-F238E27FC236}">
+                  <a16:creationId xmlns:a16="http://schemas.microsoft.com/office/drawing/2014/main" id="{C0E18EE8-658A-47C0-B5CD-05CAD21FBA8C}"/>
+                </a:ext>
+              </a:extLst>
+            </p:cNvPr>
+            <p:cNvSpPr txBox="1"/>
+            <p:nvPr/>
+          </p:nvSpPr>
+          <p:spPr>
+            <a:xfrm>
+              <a:off x="1897578" y="4004396"/>
               <a:ext cx="1210785" cy="523220"/>
             </a:xfrm>
             <a:prstGeom prst="rect">
@@ -9513,76 +9813,245 @@
             </a:p>
           </p:txBody>
         </p:sp>
-      </p:grpSp>
-      <p:cxnSp>
-        <p:nvCxnSpPr>
-          <p:cNvPr id="5" name="Connector: Elbow 4">
-            <a:extLst>
-              <a:ext uri="{FF2B5EF4-FFF2-40B4-BE49-F238E27FC236}">
-                <a16:creationId xmlns:a16="http://schemas.microsoft.com/office/drawing/2014/main" id="{98D17985-8327-4C9B-BECD-6A9E5D9835E9}"/>
-              </a:ext>
-            </a:extLst>
-          </p:cNvPr>
-          <p:cNvCxnSpPr>
-            <a:cxnSpLocks/>
-            <a:stCxn id="18" idx="3"/>
-            <a:endCxn id="35" idx="1"/>
-          </p:cNvCxnSpPr>
-          <p:nvPr/>
-        </p:nvCxnSpPr>
-        <p:spPr>
-          <a:xfrm flipV="1">
-            <a:off x="2900562" y="3605025"/>
-            <a:ext cx="3383031" cy="3002"/>
-          </a:xfrm>
-          <a:prstGeom prst="straightConnector1">
-            <a:avLst/>
-          </a:prstGeom>
-          <a:ln>
-            <a:tailEnd type="triangle"/>
-          </a:ln>
-        </p:spPr>
-        <p:style>
-          <a:lnRef idx="3">
-            <a:schemeClr val="accent1"/>
-          </a:lnRef>
-          <a:fillRef idx="0">
-            <a:schemeClr val="accent1"/>
-          </a:fillRef>
-          <a:effectRef idx="2">
-            <a:schemeClr val="accent1"/>
-          </a:effectRef>
-          <a:fontRef idx="minor">
-            <a:schemeClr val="tx1"/>
-          </a:fontRef>
-        </p:style>
-      </p:cxnSp>
-      <p:grpSp>
-        <p:nvGrpSpPr>
-          <p:cNvPr id="29" name="Group 28">
-            <a:extLst>
-              <a:ext uri="{FF2B5EF4-FFF2-40B4-BE49-F238E27FC236}">
-                <a16:creationId xmlns:a16="http://schemas.microsoft.com/office/drawing/2014/main" id="{CD3CF257-F9CB-43E6-AA34-E2881C15D22D}"/>
-              </a:ext>
-            </a:extLst>
-          </p:cNvPr>
-          <p:cNvGrpSpPr/>
-          <p:nvPr/>
-        </p:nvGrpSpPr>
-        <p:grpSpPr>
-          <a:xfrm>
-            <a:off x="3915903" y="1334063"/>
-            <a:ext cx="1352348" cy="1088067"/>
-            <a:chOff x="2215379" y="4759808"/>
-            <a:chExt cx="1352348" cy="1088067"/>
-          </a:xfrm>
-        </p:grpSpPr>
+        <p:cxnSp>
+          <p:nvCxnSpPr>
+            <p:cNvPr id="5" name="Connector: Elbow 4">
+              <a:extLst>
+                <a:ext uri="{FF2B5EF4-FFF2-40B4-BE49-F238E27FC236}">
+                  <a16:creationId xmlns:a16="http://schemas.microsoft.com/office/drawing/2014/main" id="{98D17985-8327-4C9B-BECD-6A9E5D9835E9}"/>
+                </a:ext>
+              </a:extLst>
+            </p:cNvPr>
+            <p:cNvCxnSpPr>
+              <a:cxnSpLocks/>
+            </p:cNvCxnSpPr>
+            <p:nvPr/>
+          </p:nvCxnSpPr>
+          <p:spPr>
+            <a:xfrm flipV="1">
+              <a:off x="2900562" y="3605025"/>
+              <a:ext cx="3383031" cy="3002"/>
+            </a:xfrm>
+            <a:prstGeom prst="straightConnector1">
+              <a:avLst/>
+            </a:prstGeom>
+            <a:ln>
+              <a:tailEnd type="triangle"/>
+            </a:ln>
+          </p:spPr>
+          <p:style>
+            <a:lnRef idx="3">
+              <a:schemeClr val="accent1"/>
+            </a:lnRef>
+            <a:fillRef idx="0">
+              <a:schemeClr val="accent1"/>
+            </a:fillRef>
+            <a:effectRef idx="2">
+              <a:schemeClr val="accent1"/>
+            </a:effectRef>
+            <a:fontRef idx="minor">
+              <a:schemeClr val="tx1"/>
+            </a:fontRef>
+          </p:style>
+        </p:cxnSp>
+        <p:grpSp>
+          <p:nvGrpSpPr>
+            <p:cNvPr id="29" name="Group 28">
+              <a:extLst>
+                <a:ext uri="{FF2B5EF4-FFF2-40B4-BE49-F238E27FC236}">
+                  <a16:creationId xmlns:a16="http://schemas.microsoft.com/office/drawing/2014/main" id="{CD3CF257-F9CB-43E6-AA34-E2881C15D22D}"/>
+                </a:ext>
+              </a:extLst>
+            </p:cNvPr>
+            <p:cNvGrpSpPr/>
+            <p:nvPr/>
+          </p:nvGrpSpPr>
+          <p:grpSpPr>
+            <a:xfrm>
+              <a:off x="3915903" y="1334063"/>
+              <a:ext cx="1352348" cy="1088067"/>
+              <a:chOff x="2215379" y="4759808"/>
+              <a:chExt cx="1352348" cy="1088067"/>
+            </a:xfrm>
+          </p:grpSpPr>
+          <p:pic>
+            <p:nvPicPr>
+              <p:cNvPr id="30" name="Graphic 29">
+                <a:extLst>
+                  <a:ext uri="{FF2B5EF4-FFF2-40B4-BE49-F238E27FC236}">
+                    <a16:creationId xmlns:a16="http://schemas.microsoft.com/office/drawing/2014/main" id="{4DE99718-8B4F-4166-B68D-32C6FEBB80C3}"/>
+                  </a:ext>
+                </a:extLst>
+              </p:cNvPr>
+              <p:cNvPicPr>
+                <a:picLocks noChangeAspect="1"/>
+              </p:cNvPicPr>
+              <p:nvPr/>
+            </p:nvPicPr>
+            <p:blipFill>
+              <a:blip r:embed="rId2">
+                <a:extLst>
+                  <a:ext uri="{28A0092B-C50C-407E-A947-70E740481C1C}">
+                    <a14:useLocalDpi xmlns:a14="http://schemas.microsoft.com/office/drawing/2010/main"/>
+                  </a:ext>
+                  <a:ext uri="{96DAC541-7B7A-43D3-8B79-37D633B846F1}">
+                    <asvg:svgBlip xmlns:asvg="http://schemas.microsoft.com/office/drawing/2016/SVG/main" r:embed="rId3"/>
+                  </a:ext>
+                </a:extLst>
+              </a:blip>
+              <a:stretch>
+                <a:fillRect/>
+              </a:stretch>
+            </p:blipFill>
+            <p:spPr>
+              <a:xfrm>
+                <a:off x="2502935" y="4759808"/>
+                <a:ext cx="780290" cy="780290"/>
+              </a:xfrm>
+              <a:prstGeom prst="rect">
+                <a:avLst/>
+              </a:prstGeom>
+            </p:spPr>
+          </p:pic>
+          <p:sp>
+            <p:nvSpPr>
+              <p:cNvPr id="31" name="TextBox 30">
+                <a:extLst>
+                  <a:ext uri="{FF2B5EF4-FFF2-40B4-BE49-F238E27FC236}">
+                    <a16:creationId xmlns:a16="http://schemas.microsoft.com/office/drawing/2014/main" id="{48AEA2D9-9211-4AB2-9822-E7AADBA88C58}"/>
+                  </a:ext>
+                </a:extLst>
+              </p:cNvPr>
+              <p:cNvSpPr txBox="1"/>
+              <p:nvPr/>
+            </p:nvSpPr>
+            <p:spPr>
+              <a:xfrm>
+                <a:off x="2215379" y="5540098"/>
+                <a:ext cx="1352348" cy="307777"/>
+              </a:xfrm>
+              <a:prstGeom prst="rect">
+                <a:avLst/>
+              </a:prstGeom>
+              <a:noFill/>
+            </p:spPr>
+            <p:txBody>
+              <a:bodyPr wrap="square" rtlCol="0">
+                <a:spAutoFit/>
+              </a:bodyPr>
+              <a:lstStyle/>
+              <a:p>
+                <a:pPr algn="ctr"/>
+                <a:r>
+                  <a:rPr lang="en-US" sz="1400" dirty="0"/>
+                  <a:t>Azure Key Vault</a:t>
+                </a:r>
+                <a:endParaRPr lang="en-US" sz="1000" dirty="0"/>
+              </a:p>
+            </p:txBody>
+          </p:sp>
+        </p:grpSp>
+        <p:sp>
+          <p:nvSpPr>
+            <p:cNvPr id="8" name="TextBox 7">
+              <a:extLst>
+                <a:ext uri="{FF2B5EF4-FFF2-40B4-BE49-F238E27FC236}">
+                  <a16:creationId xmlns:a16="http://schemas.microsoft.com/office/drawing/2014/main" id="{14B0B4F9-2862-491E-9EF7-A2FCC519F32D}"/>
+                </a:ext>
+              </a:extLst>
+            </p:cNvPr>
+            <p:cNvSpPr txBox="1"/>
+            <p:nvPr/>
+          </p:nvSpPr>
+          <p:spPr>
+            <a:xfrm>
+              <a:off x="3583674" y="2455909"/>
+              <a:ext cx="2089355" cy="892552"/>
+            </a:xfrm>
+            <a:prstGeom prst="rect">
+              <a:avLst/>
+            </a:prstGeom>
+            <a:noFill/>
+          </p:spPr>
+          <p:txBody>
+            <a:bodyPr wrap="none" rtlCol="0">
+              <a:spAutoFit/>
+            </a:bodyPr>
+            <a:lstStyle/>
+            <a:p>
+              <a:r>
+                <a:rPr lang="en-US" sz="1300" i="1" dirty="0"/>
+                <a:t>Key Vault-backed Databricks</a:t>
+              </a:r>
+              <a:br>
+                <a:rPr lang="en-US" sz="1300" i="1" dirty="0"/>
+              </a:br>
+              <a:r>
+                <a:rPr lang="en-US" sz="1300" i="1" dirty="0"/>
+                <a:t>secret scope securely stores</a:t>
+              </a:r>
+              <a:br>
+                <a:rPr lang="en-US" sz="1300" i="1" dirty="0"/>
+              </a:br>
+              <a:r>
+                <a:rPr lang="en-US" sz="1300" i="1" dirty="0"/>
+                <a:t>JDBC connection string and</a:t>
+              </a:r>
+              <a:br>
+                <a:rPr lang="en-US" sz="1300" i="1" dirty="0"/>
+              </a:br>
+              <a:r>
+                <a:rPr lang="en-US" sz="1300" i="1" dirty="0"/>
+                <a:t>other secrets</a:t>
+              </a:r>
+            </a:p>
+          </p:txBody>
+        </p:sp>
         <p:pic>
           <p:nvPicPr>
-            <p:cNvPr id="30" name="Graphic 29">
+            <p:cNvPr id="20" name="Graphic 19">
               <a:extLst>
                 <a:ext uri="{FF2B5EF4-FFF2-40B4-BE49-F238E27FC236}">
-                  <a16:creationId xmlns:a16="http://schemas.microsoft.com/office/drawing/2014/main" id="{4DE99718-8B4F-4166-B68D-32C6FEBB80C3}"/>
+                  <a16:creationId xmlns:a16="http://schemas.microsoft.com/office/drawing/2014/main" id="{F6B09298-C769-47D3-8D8F-CB5739A087C2}"/>
+                </a:ext>
+              </a:extLst>
+            </p:cNvPr>
+            <p:cNvPicPr>
+              <a:picLocks noChangeAspect="1"/>
+            </p:cNvPicPr>
+            <p:nvPr/>
+          </p:nvPicPr>
+          <p:blipFill>
+            <a:blip r:embed="rId4">
+              <a:extLst>
+                <a:ext uri="{28A0092B-C50C-407E-A947-70E740481C1C}">
+                  <a14:useLocalDpi xmlns:a14="http://schemas.microsoft.com/office/drawing/2010/main"/>
+                </a:ext>
+                <a:ext uri="{96DAC541-7B7A-43D3-8B79-37D633B846F1}">
+                  <asvg:svgBlip xmlns:asvg="http://schemas.microsoft.com/office/drawing/2016/SVG/main" r:embed="rId5"/>
+                </a:ext>
+              </a:extLst>
+            </a:blip>
+            <a:stretch>
+              <a:fillRect/>
+            </a:stretch>
+          </p:blipFill>
+          <p:spPr>
+            <a:xfrm>
+              <a:off x="2073922" y="3236495"/>
+              <a:ext cx="838079" cy="838079"/>
+            </a:xfrm>
+            <a:prstGeom prst="rect">
+              <a:avLst/>
+            </a:prstGeom>
+          </p:spPr>
+        </p:pic>
+        <p:pic>
+          <p:nvPicPr>
+            <p:cNvPr id="21" name="Graphic 20">
+              <a:extLst>
+                <a:ext uri="{FF2B5EF4-FFF2-40B4-BE49-F238E27FC236}">
+                  <a16:creationId xmlns:a16="http://schemas.microsoft.com/office/drawing/2014/main" id="{9BCCCCBD-ACD4-415D-99D2-2A7B1A9631F1}"/>
                 </a:ext>
               </a:extLst>
             </p:cNvPr>
@@ -9595,7 +10064,7 @@
             <a:blip r:embed="rId6">
               <a:extLst>
                 <a:ext uri="{28A0092B-C50C-407E-A947-70E740481C1C}">
-                  <a14:useLocalDpi xmlns:a14="http://schemas.microsoft.com/office/drawing/2010/main" val="0"/>
+                  <a14:useLocalDpi xmlns:a14="http://schemas.microsoft.com/office/drawing/2010/main"/>
                 </a:ext>
                 <a:ext uri="{96DAC541-7B7A-43D3-8B79-37D633B846F1}">
                   <asvg:svgBlip xmlns:asvg="http://schemas.microsoft.com/office/drawing/2016/SVG/main" r:embed="rId7"/>
@@ -9608,8 +10077,176 @@
           </p:blipFill>
           <p:spPr>
             <a:xfrm>
-              <a:off x="2502935" y="4759808"/>
+              <a:off x="6235004" y="3236495"/>
               <a:ext cx="780290" cy="780290"/>
+            </a:xfrm>
+            <a:prstGeom prst="rect">
+              <a:avLst/>
+            </a:prstGeom>
+          </p:spPr>
+        </p:pic>
+        <p:pic>
+          <p:nvPicPr>
+            <p:cNvPr id="22" name="Graphic 21">
+              <a:extLst>
+                <a:ext uri="{FF2B5EF4-FFF2-40B4-BE49-F238E27FC236}">
+                  <a16:creationId xmlns:a16="http://schemas.microsoft.com/office/drawing/2014/main" id="{3F89C4B4-AAEF-4111-A021-DCB1BFEC0159}"/>
+                </a:ext>
+              </a:extLst>
+            </p:cNvPr>
+            <p:cNvPicPr>
+              <a:picLocks noChangeAspect="1"/>
+            </p:cNvPicPr>
+            <p:nvPr/>
+          </p:nvPicPr>
+          <p:blipFill>
+            <a:blip r:embed="rId8">
+              <a:extLst>
+                <a:ext uri="{28A0092B-C50C-407E-A947-70E740481C1C}">
+                  <a14:useLocalDpi xmlns:a14="http://schemas.microsoft.com/office/drawing/2010/main"/>
+                </a:ext>
+                <a:ext uri="{96DAC541-7B7A-43D3-8B79-37D633B846F1}">
+                  <asvg:svgBlip xmlns:asvg="http://schemas.microsoft.com/office/drawing/2016/SVG/main" r:embed="rId9"/>
+                </a:ext>
+              </a:extLst>
+            </a:blip>
+            <a:stretch>
+              <a:fillRect/>
+            </a:stretch>
+          </p:blipFill>
+          <p:spPr>
+            <a:xfrm>
+              <a:off x="8161385" y="2178945"/>
+              <a:ext cx="738663" cy="738663"/>
+            </a:xfrm>
+            <a:prstGeom prst="rect">
+              <a:avLst/>
+            </a:prstGeom>
+          </p:spPr>
+        </p:pic>
+      </p:grpSp>
+    </p:spTree>
+    <p:extLst>
+      <p:ext uri="{BB962C8B-B14F-4D97-AF65-F5344CB8AC3E}">
+        <p14:creationId xmlns:p14="http://schemas.microsoft.com/office/powerpoint/2010/main" val="1760812063"/>
+      </p:ext>
+    </p:extLst>
+  </p:cSld>
+  <p:clrMapOvr>
+    <a:masterClrMapping/>
+  </p:clrMapOvr>
+</p:sld>
+</file>
+
+<file path=ppt/slides/slide8.xml><?xml version="1.0" encoding="utf-8"?>
+<p:sld xmlns:a="http://schemas.openxmlformats.org/drawingml/2006/main" xmlns:r="http://schemas.openxmlformats.org/officeDocument/2006/relationships" xmlns:p="http://schemas.openxmlformats.org/presentationml/2006/main">
+  <p:cSld>
+    <p:spTree>
+      <p:nvGrpSpPr>
+        <p:cNvPr id="1" name=""/>
+        <p:cNvGrpSpPr/>
+        <p:nvPr/>
+      </p:nvGrpSpPr>
+      <p:grpSpPr>
+        <a:xfrm>
+          <a:off x="0" y="0"/>
+          <a:ext cx="0" cy="0"/>
+          <a:chOff x="0" y="0"/>
+          <a:chExt cx="0" cy="0"/>
+        </a:xfrm>
+      </p:grpSpPr>
+      <p:sp>
+        <p:nvSpPr>
+          <p:cNvPr id="14" name="TextBox 13">
+            <a:extLst>
+              <a:ext uri="{FF2B5EF4-FFF2-40B4-BE49-F238E27FC236}">
+                <a16:creationId xmlns:a16="http://schemas.microsoft.com/office/drawing/2014/main" id="{9861045D-2BFB-47F3-959E-FD3A1D8353FA}"/>
+              </a:ext>
+            </a:extLst>
+          </p:cNvPr>
+          <p:cNvSpPr txBox="1"/>
+          <p:nvPr/>
+        </p:nvSpPr>
+        <p:spPr>
+          <a:xfrm>
+            <a:off x="901714" y="371043"/>
+            <a:ext cx="5898410" cy="584775"/>
+          </a:xfrm>
+          <a:prstGeom prst="rect">
+            <a:avLst/>
+          </a:prstGeom>
+          <a:noFill/>
+        </p:spPr>
+        <p:txBody>
+          <a:bodyPr wrap="none" rtlCol="0">
+            <a:spAutoFit/>
+          </a:bodyPr>
+          <a:lstStyle/>
+          <a:p>
+            <a:r>
+              <a:rPr lang="en-US" sz="3200" dirty="0">
+                <a:solidFill>
+                  <a:srgbClr val="0070C0"/>
+                </a:solidFill>
+              </a:rPr>
+              <a:t>Operationalizing machine learning</a:t>
+            </a:r>
+          </a:p>
+        </p:txBody>
+      </p:sp>
+      <p:grpSp>
+        <p:nvGrpSpPr>
+          <p:cNvPr id="83" name="Group 82">
+            <a:extLst>
+              <a:ext uri="{FF2B5EF4-FFF2-40B4-BE49-F238E27FC236}">
+                <a16:creationId xmlns:a16="http://schemas.microsoft.com/office/drawing/2014/main" id="{DF367C19-DCEA-426D-BAD7-74580774C884}"/>
+              </a:ext>
+            </a:extLst>
+          </p:cNvPr>
+          <p:cNvGrpSpPr/>
+          <p:nvPr/>
+        </p:nvGrpSpPr>
+        <p:grpSpPr>
+          <a:xfrm>
+            <a:off x="2959366" y="4001939"/>
+            <a:ext cx="1210785" cy="1391574"/>
+            <a:chOff x="2286161" y="1567237"/>
+            <a:chExt cx="1210785" cy="1391574"/>
+          </a:xfrm>
+        </p:grpSpPr>
+        <p:pic>
+          <p:nvPicPr>
+            <p:cNvPr id="84" name="Graphic 83">
+              <a:extLst>
+                <a:ext uri="{FF2B5EF4-FFF2-40B4-BE49-F238E27FC236}">
+                  <a16:creationId xmlns:a16="http://schemas.microsoft.com/office/drawing/2014/main" id="{09EA9803-830E-4D22-B8EF-00B6936559EA}"/>
+                </a:ext>
+              </a:extLst>
+            </p:cNvPr>
+            <p:cNvPicPr>
+              <a:picLocks noChangeAspect="1"/>
+            </p:cNvPicPr>
+            <p:nvPr/>
+          </p:nvPicPr>
+          <p:blipFill>
+            <a:blip r:embed="rId2">
+              <a:extLst>
+                <a:ext uri="{28A0092B-C50C-407E-A947-70E740481C1C}">
+                  <a14:useLocalDpi xmlns:a14="http://schemas.microsoft.com/office/drawing/2010/main"/>
+                </a:ext>
+                <a:ext uri="{96DAC541-7B7A-43D3-8B79-37D633B846F1}">
+                  <asvg:svgBlip xmlns:asvg="http://schemas.microsoft.com/office/drawing/2016/SVG/main" r:embed="rId3"/>
+                </a:ext>
+              </a:extLst>
+            </a:blip>
+            <a:stretch>
+              <a:fillRect/>
+            </a:stretch>
+          </p:blipFill>
+          <p:spPr>
+            <a:xfrm>
+              <a:off x="2471091" y="1567237"/>
+              <a:ext cx="838079" cy="838079"/>
             </a:xfrm>
             <a:prstGeom prst="rect">
               <a:avLst/>
@@ -9618,10 +10255,10 @@
         </p:pic>
         <p:sp>
           <p:nvSpPr>
-            <p:cNvPr id="31" name="TextBox 30">
+            <p:cNvPr id="85" name="TextBox 84">
               <a:extLst>
                 <a:ext uri="{FF2B5EF4-FFF2-40B4-BE49-F238E27FC236}">
-                  <a16:creationId xmlns:a16="http://schemas.microsoft.com/office/drawing/2014/main" id="{48AEA2D9-9211-4AB2-9822-E7AADBA88C58}"/>
+                  <a16:creationId xmlns:a16="http://schemas.microsoft.com/office/drawing/2014/main" id="{B04A5668-9633-4D57-A42C-3F278DA182CE}"/>
                 </a:ext>
               </a:extLst>
             </p:cNvPr>
@@ -9630,8 +10267,8 @@
           </p:nvSpPr>
           <p:spPr>
             <a:xfrm>
-              <a:off x="2215379" y="5540098"/>
-              <a:ext cx="1352348" cy="307777"/>
+              <a:off x="2286161" y="2435591"/>
+              <a:ext cx="1210785" cy="523220"/>
             </a:xfrm>
             <a:prstGeom prst="rect">
               <a:avLst/>
@@ -9647,19 +10284,983 @@
               <a:pPr algn="ctr"/>
               <a:r>
                 <a:rPr lang="en-US" sz="1400" dirty="0"/>
-                <a:t>Azure Key Vault</a:t>
+                <a:t>Azure Data Factory</a:t>
               </a:r>
               <a:endParaRPr lang="en-US" sz="1000" dirty="0"/>
             </a:p>
           </p:txBody>
         </p:sp>
       </p:grpSp>
+      <p:grpSp>
+        <p:nvGrpSpPr>
+          <p:cNvPr id="86" name="Group 85">
+            <a:extLst>
+              <a:ext uri="{FF2B5EF4-FFF2-40B4-BE49-F238E27FC236}">
+                <a16:creationId xmlns:a16="http://schemas.microsoft.com/office/drawing/2014/main" id="{D00F3551-88C6-4A57-8ED1-A2A269E9C570}"/>
+              </a:ext>
+            </a:extLst>
+          </p:cNvPr>
+          <p:cNvGrpSpPr/>
+          <p:nvPr/>
+        </p:nvGrpSpPr>
+        <p:grpSpPr>
+          <a:xfrm>
+            <a:off x="4526451" y="1884472"/>
+            <a:ext cx="1210785" cy="1482752"/>
+            <a:chOff x="6009538" y="1570780"/>
+            <a:chExt cx="1210785" cy="1482752"/>
+          </a:xfrm>
+        </p:grpSpPr>
+        <p:pic>
+          <p:nvPicPr>
+            <p:cNvPr id="87" name="Graphic 86">
+              <a:extLst>
+                <a:ext uri="{FF2B5EF4-FFF2-40B4-BE49-F238E27FC236}">
+                  <a16:creationId xmlns:a16="http://schemas.microsoft.com/office/drawing/2014/main" id="{3F767747-F07B-46F9-8515-203B64B08081}"/>
+                </a:ext>
+              </a:extLst>
+            </p:cNvPr>
+            <p:cNvPicPr>
+              <a:picLocks noChangeAspect="1"/>
+            </p:cNvPicPr>
+            <p:nvPr/>
+          </p:nvPicPr>
+          <p:blipFill>
+            <a:blip r:embed="rId4">
+              <a:extLst>
+                <a:ext uri="{28A0092B-C50C-407E-A947-70E740481C1C}">
+                  <a14:useLocalDpi xmlns:a14="http://schemas.microsoft.com/office/drawing/2010/main"/>
+                </a:ext>
+                <a:ext uri="{96DAC541-7B7A-43D3-8B79-37D633B846F1}">
+                  <asvg:svgBlip xmlns:asvg="http://schemas.microsoft.com/office/drawing/2016/SVG/main" r:embed="rId5"/>
+                </a:ext>
+              </a:extLst>
+            </a:blip>
+            <a:stretch>
+              <a:fillRect/>
+            </a:stretch>
+          </p:blipFill>
+          <p:spPr>
+            <a:xfrm>
+              <a:off x="6163013" y="1570780"/>
+              <a:ext cx="838079" cy="838079"/>
+            </a:xfrm>
+            <a:prstGeom prst="rect">
+              <a:avLst/>
+            </a:prstGeom>
+          </p:spPr>
+        </p:pic>
+        <p:sp>
+          <p:nvSpPr>
+            <p:cNvPr id="88" name="TextBox 87">
+              <a:extLst>
+                <a:ext uri="{FF2B5EF4-FFF2-40B4-BE49-F238E27FC236}">
+                  <a16:creationId xmlns:a16="http://schemas.microsoft.com/office/drawing/2014/main" id="{BF2E4A36-6D1A-4E35-9B33-76CD1E247C0A}"/>
+                </a:ext>
+              </a:extLst>
+            </p:cNvPr>
+            <p:cNvSpPr txBox="1"/>
+            <p:nvPr/>
+          </p:nvSpPr>
+          <p:spPr>
+            <a:xfrm>
+              <a:off x="6009538" y="2376424"/>
+              <a:ext cx="1210785" cy="677108"/>
+            </a:xfrm>
+            <a:prstGeom prst="rect">
+              <a:avLst/>
+            </a:prstGeom>
+            <a:noFill/>
+          </p:spPr>
+          <p:txBody>
+            <a:bodyPr wrap="square" rtlCol="0">
+              <a:spAutoFit/>
+            </a:bodyPr>
+            <a:lstStyle/>
+            <a:p>
+              <a:pPr algn="ctr"/>
+              <a:r>
+                <a:rPr lang="en-US" sz="1400" dirty="0"/>
+                <a:t>Azure Databricks</a:t>
+              </a:r>
+              <a:endParaRPr lang="en-US" sz="1100" dirty="0"/>
+            </a:p>
+            <a:p>
+              <a:pPr algn="ctr"/>
+              <a:r>
+                <a:rPr lang="en-US" sz="1000" dirty="0"/>
+                <a:t>(Spark SQL)</a:t>
+              </a:r>
+            </a:p>
+          </p:txBody>
+        </p:sp>
+      </p:grpSp>
+      <p:grpSp>
+        <p:nvGrpSpPr>
+          <p:cNvPr id="89" name="Group 88">
+            <a:extLst>
+              <a:ext uri="{FF2B5EF4-FFF2-40B4-BE49-F238E27FC236}">
+                <a16:creationId xmlns:a16="http://schemas.microsoft.com/office/drawing/2014/main" id="{D220D940-AA76-48C9-B6C5-F18A8EBE53C3}"/>
+              </a:ext>
+            </a:extLst>
+          </p:cNvPr>
+          <p:cNvGrpSpPr/>
+          <p:nvPr/>
+        </p:nvGrpSpPr>
+        <p:grpSpPr>
+          <a:xfrm>
+            <a:off x="1652992" y="1984060"/>
+            <a:ext cx="1210785" cy="1084310"/>
+            <a:chOff x="3833568" y="1612891"/>
+            <a:chExt cx="1210785" cy="1084310"/>
+          </a:xfrm>
+        </p:grpSpPr>
+        <p:sp>
+          <p:nvSpPr>
+            <p:cNvPr id="90" name="TextBox 89">
+              <a:extLst>
+                <a:ext uri="{FF2B5EF4-FFF2-40B4-BE49-F238E27FC236}">
+                  <a16:creationId xmlns:a16="http://schemas.microsoft.com/office/drawing/2014/main" id="{026A1A4E-A58E-45AC-8DE6-7C63FCFFA247}"/>
+                </a:ext>
+              </a:extLst>
+            </p:cNvPr>
+            <p:cNvSpPr txBox="1"/>
+            <p:nvPr/>
+          </p:nvSpPr>
+          <p:spPr>
+            <a:xfrm>
+              <a:off x="3833568" y="2389424"/>
+              <a:ext cx="1210785" cy="307777"/>
+            </a:xfrm>
+            <a:prstGeom prst="rect">
+              <a:avLst/>
+            </a:prstGeom>
+            <a:noFill/>
+          </p:spPr>
+          <p:txBody>
+            <a:bodyPr wrap="square" rtlCol="0">
+              <a:spAutoFit/>
+            </a:bodyPr>
+            <a:lstStyle/>
+            <a:p>
+              <a:pPr algn="ctr"/>
+              <a:r>
+                <a:rPr lang="en-US" sz="1400" dirty="0"/>
+                <a:t>Blob Storage</a:t>
+              </a:r>
+              <a:endParaRPr lang="en-US" sz="1000" dirty="0"/>
+            </a:p>
+          </p:txBody>
+        </p:sp>
+        <p:pic>
+          <p:nvPicPr>
+            <p:cNvPr id="91" name="Graphic 90">
+              <a:extLst>
+                <a:ext uri="{FF2B5EF4-FFF2-40B4-BE49-F238E27FC236}">
+                  <a16:creationId xmlns:a16="http://schemas.microsoft.com/office/drawing/2014/main" id="{C1774E61-B411-4F5D-B25C-CC2F77BD8A85}"/>
+                </a:ext>
+              </a:extLst>
+            </p:cNvPr>
+            <p:cNvPicPr>
+              <a:picLocks noChangeAspect="1"/>
+            </p:cNvPicPr>
+            <p:nvPr/>
+          </p:nvPicPr>
+          <p:blipFill>
+            <a:blip r:embed="rId6">
+              <a:extLst>
+                <a:ext uri="{28A0092B-C50C-407E-A947-70E740481C1C}">
+                  <a14:useLocalDpi xmlns:a14="http://schemas.microsoft.com/office/drawing/2010/main"/>
+                </a:ext>
+                <a:ext uri="{96DAC541-7B7A-43D3-8B79-37D633B846F1}">
+                  <asvg:svgBlip xmlns:asvg="http://schemas.microsoft.com/office/drawing/2016/SVG/main" r:embed="rId7"/>
+                </a:ext>
+              </a:extLst>
+            </a:blip>
+            <a:stretch>
+              <a:fillRect/>
+            </a:stretch>
+          </p:blipFill>
+          <p:spPr>
+            <a:xfrm>
+              <a:off x="4054832" y="1612891"/>
+              <a:ext cx="790215" cy="790215"/>
+            </a:xfrm>
+            <a:prstGeom prst="rect">
+              <a:avLst/>
+            </a:prstGeom>
+          </p:spPr>
+        </p:pic>
+      </p:grpSp>
+      <p:grpSp>
+        <p:nvGrpSpPr>
+          <p:cNvPr id="92" name="Group 91">
+            <a:extLst>
+              <a:ext uri="{FF2B5EF4-FFF2-40B4-BE49-F238E27FC236}">
+                <a16:creationId xmlns:a16="http://schemas.microsoft.com/office/drawing/2014/main" id="{519E48BF-12B1-4CA4-AC7D-90EF8A1043ED}"/>
+              </a:ext>
+            </a:extLst>
+          </p:cNvPr>
+          <p:cNvGrpSpPr/>
+          <p:nvPr/>
+        </p:nvGrpSpPr>
+        <p:grpSpPr>
+          <a:xfrm>
+            <a:off x="6166341" y="1905729"/>
+            <a:ext cx="1210785" cy="1581397"/>
+            <a:chOff x="7855690" y="2831893"/>
+            <a:chExt cx="1210785" cy="1581397"/>
+          </a:xfrm>
+        </p:grpSpPr>
+        <p:sp>
+          <p:nvSpPr>
+            <p:cNvPr id="93" name="TextBox 92">
+              <a:extLst>
+                <a:ext uri="{FF2B5EF4-FFF2-40B4-BE49-F238E27FC236}">
+                  <a16:creationId xmlns:a16="http://schemas.microsoft.com/office/drawing/2014/main" id="{3D97101F-4D42-42E2-B3FA-058F54283274}"/>
+                </a:ext>
+              </a:extLst>
+            </p:cNvPr>
+            <p:cNvSpPr txBox="1"/>
+            <p:nvPr/>
+          </p:nvSpPr>
+          <p:spPr>
+            <a:xfrm>
+              <a:off x="7855690" y="3582293"/>
+              <a:ext cx="1210785" cy="830997"/>
+            </a:xfrm>
+            <a:prstGeom prst="rect">
+              <a:avLst/>
+            </a:prstGeom>
+            <a:noFill/>
+          </p:spPr>
+          <p:txBody>
+            <a:bodyPr wrap="square" rtlCol="0">
+              <a:spAutoFit/>
+            </a:bodyPr>
+            <a:lstStyle/>
+            <a:p>
+              <a:pPr algn="ctr"/>
+              <a:r>
+                <a:rPr lang="en-US" sz="1400" dirty="0"/>
+                <a:t>Containerized AI Services</a:t>
+              </a:r>
+              <a:endParaRPr lang="en-US" sz="1100" dirty="0"/>
+            </a:p>
+            <a:p>
+              <a:pPr algn="ctr"/>
+              <a:r>
+                <a:rPr lang="en-US" sz="1000" dirty="0"/>
+                <a:t>Flight Delay Predictions</a:t>
+              </a:r>
+            </a:p>
+          </p:txBody>
+        </p:sp>
+        <p:pic>
+          <p:nvPicPr>
+            <p:cNvPr id="94" name="Graphic 93">
+              <a:extLst>
+                <a:ext uri="{FF2B5EF4-FFF2-40B4-BE49-F238E27FC236}">
+                  <a16:creationId xmlns:a16="http://schemas.microsoft.com/office/drawing/2014/main" id="{B1F9EC2B-819A-4EB9-A5A8-AB2EC801A98D}"/>
+                </a:ext>
+              </a:extLst>
+            </p:cNvPr>
+            <p:cNvPicPr>
+              <a:picLocks noChangeAspect="1"/>
+            </p:cNvPicPr>
+            <p:nvPr/>
+          </p:nvPicPr>
+          <p:blipFill>
+            <a:blip r:embed="rId8">
+              <a:extLst>
+                <a:ext uri="{28A0092B-C50C-407E-A947-70E740481C1C}">
+                  <a14:useLocalDpi xmlns:a14="http://schemas.microsoft.com/office/drawing/2010/main"/>
+                </a:ext>
+                <a:ext uri="{96DAC541-7B7A-43D3-8B79-37D633B846F1}">
+                  <asvg:svgBlip xmlns:asvg="http://schemas.microsoft.com/office/drawing/2016/SVG/main" r:embed="rId9"/>
+                </a:ext>
+              </a:extLst>
+            </a:blip>
+            <a:stretch>
+              <a:fillRect/>
+            </a:stretch>
+          </p:blipFill>
+          <p:spPr>
+            <a:xfrm>
+              <a:off x="8100136" y="2831893"/>
+              <a:ext cx="751057" cy="751057"/>
+            </a:xfrm>
+            <a:prstGeom prst="rect">
+              <a:avLst/>
+            </a:prstGeom>
+          </p:spPr>
+        </p:pic>
+      </p:grpSp>
+      <p:grpSp>
+        <p:nvGrpSpPr>
+          <p:cNvPr id="95" name="Group 94">
+            <a:extLst>
+              <a:ext uri="{FF2B5EF4-FFF2-40B4-BE49-F238E27FC236}">
+                <a16:creationId xmlns:a16="http://schemas.microsoft.com/office/drawing/2014/main" id="{1539A153-AD0E-4F49-B4DA-5DB585EE5E42}"/>
+              </a:ext>
+            </a:extLst>
+          </p:cNvPr>
+          <p:cNvGrpSpPr/>
+          <p:nvPr/>
+        </p:nvGrpSpPr>
+        <p:grpSpPr>
+          <a:xfrm>
+            <a:off x="5088502" y="4504494"/>
+            <a:ext cx="1560512" cy="1605577"/>
+            <a:chOff x="4405297" y="4278920"/>
+            <a:chExt cx="1560512" cy="1605577"/>
+          </a:xfrm>
+        </p:grpSpPr>
+        <p:sp>
+          <p:nvSpPr>
+            <p:cNvPr id="96" name="TextBox 95">
+              <a:extLst>
+                <a:ext uri="{FF2B5EF4-FFF2-40B4-BE49-F238E27FC236}">
+                  <a16:creationId xmlns:a16="http://schemas.microsoft.com/office/drawing/2014/main" id="{6DDB22A6-A81E-41B7-9E95-042E87166375}"/>
+                </a:ext>
+              </a:extLst>
+            </p:cNvPr>
+            <p:cNvSpPr txBox="1"/>
+            <p:nvPr/>
+          </p:nvSpPr>
+          <p:spPr>
+            <a:xfrm>
+              <a:off x="4405297" y="5053500"/>
+              <a:ext cx="1560512" cy="830997"/>
+            </a:xfrm>
+            <a:prstGeom prst="rect">
+              <a:avLst/>
+            </a:prstGeom>
+            <a:noFill/>
+          </p:spPr>
+          <p:txBody>
+            <a:bodyPr wrap="square" rtlCol="0">
+              <a:spAutoFit/>
+            </a:bodyPr>
+            <a:lstStyle/>
+            <a:p>
+              <a:pPr algn="ctr"/>
+              <a:r>
+                <a:rPr lang="en-US" sz="1400" dirty="0"/>
+                <a:t>Azure Machine Learning service</a:t>
+              </a:r>
+              <a:endParaRPr lang="en-US" sz="1100" dirty="0"/>
+            </a:p>
+            <a:p>
+              <a:pPr algn="ctr"/>
+              <a:r>
+                <a:rPr lang="en-US" sz="1000" dirty="0"/>
+                <a:t>Store and operationalize trained ML model</a:t>
+              </a:r>
+            </a:p>
+          </p:txBody>
+        </p:sp>
+        <p:pic>
+          <p:nvPicPr>
+            <p:cNvPr id="97" name="Graphic 96">
+              <a:extLst>
+                <a:ext uri="{FF2B5EF4-FFF2-40B4-BE49-F238E27FC236}">
+                  <a16:creationId xmlns:a16="http://schemas.microsoft.com/office/drawing/2014/main" id="{643F327B-E5FA-4638-B743-1C25CEF8586A}"/>
+                </a:ext>
+              </a:extLst>
+            </p:cNvPr>
+            <p:cNvPicPr>
+              <a:picLocks noChangeAspect="1"/>
+            </p:cNvPicPr>
+            <p:nvPr/>
+          </p:nvPicPr>
+          <p:blipFill>
+            <a:blip r:embed="rId10">
+              <a:extLst>
+                <a:ext uri="{28A0092B-C50C-407E-A947-70E740481C1C}">
+                  <a14:useLocalDpi xmlns:a14="http://schemas.microsoft.com/office/drawing/2010/main"/>
+                </a:ext>
+                <a:ext uri="{96DAC541-7B7A-43D3-8B79-37D633B846F1}">
+                  <asvg:svgBlip xmlns:asvg="http://schemas.microsoft.com/office/drawing/2016/SVG/main" r:embed="rId11"/>
+                </a:ext>
+              </a:extLst>
+            </a:blip>
+            <a:stretch>
+              <a:fillRect/>
+            </a:stretch>
+          </p:blipFill>
+          <p:spPr>
+            <a:xfrm>
+              <a:off x="4767525" y="4278920"/>
+              <a:ext cx="806182" cy="806182"/>
+            </a:xfrm>
+            <a:prstGeom prst="rect">
+              <a:avLst/>
+            </a:prstGeom>
+          </p:spPr>
+        </p:pic>
+      </p:grpSp>
+      <p:grpSp>
+        <p:nvGrpSpPr>
+          <p:cNvPr id="98" name="Group 97">
+            <a:extLst>
+              <a:ext uri="{FF2B5EF4-FFF2-40B4-BE49-F238E27FC236}">
+                <a16:creationId xmlns:a16="http://schemas.microsoft.com/office/drawing/2014/main" id="{438D0033-9446-4886-8634-54CE7BBDB704}"/>
+              </a:ext>
+            </a:extLst>
+          </p:cNvPr>
+          <p:cNvGrpSpPr/>
+          <p:nvPr/>
+        </p:nvGrpSpPr>
+        <p:grpSpPr>
+          <a:xfrm>
+            <a:off x="8341633" y="1905729"/>
+            <a:ext cx="1210785" cy="1388149"/>
+            <a:chOff x="350654" y="2490924"/>
+            <a:chExt cx="1210785" cy="1388149"/>
+          </a:xfrm>
+        </p:grpSpPr>
+        <p:sp>
+          <p:nvSpPr>
+            <p:cNvPr id="99" name="TextBox 98">
+              <a:extLst>
+                <a:ext uri="{FF2B5EF4-FFF2-40B4-BE49-F238E27FC236}">
+                  <a16:creationId xmlns:a16="http://schemas.microsoft.com/office/drawing/2014/main" id="{11BD0527-4ECC-4C65-A453-BC5BA27F4AC2}"/>
+                </a:ext>
+              </a:extLst>
+            </p:cNvPr>
+            <p:cNvSpPr txBox="1"/>
+            <p:nvPr/>
+          </p:nvSpPr>
+          <p:spPr>
+            <a:xfrm>
+              <a:off x="350654" y="3355853"/>
+              <a:ext cx="1210785" cy="523220"/>
+            </a:xfrm>
+            <a:prstGeom prst="rect">
+              <a:avLst/>
+            </a:prstGeom>
+            <a:noFill/>
+          </p:spPr>
+          <p:txBody>
+            <a:bodyPr wrap="square" rtlCol="0">
+              <a:spAutoFit/>
+            </a:bodyPr>
+            <a:lstStyle/>
+            <a:p>
+              <a:pPr algn="ctr"/>
+              <a:r>
+                <a:rPr lang="en-US" sz="1400" dirty="0"/>
+                <a:t>Flight Delays Web Portal</a:t>
+              </a:r>
+              <a:endParaRPr lang="en-US" sz="1000" dirty="0"/>
+            </a:p>
+          </p:txBody>
+        </p:sp>
+        <p:pic>
+          <p:nvPicPr>
+            <p:cNvPr id="100" name="Graphic 99">
+              <a:extLst>
+                <a:ext uri="{FF2B5EF4-FFF2-40B4-BE49-F238E27FC236}">
+                  <a16:creationId xmlns:a16="http://schemas.microsoft.com/office/drawing/2014/main" id="{59C8301F-0F3C-45D6-B8E2-73A175B76DCE}"/>
+                </a:ext>
+              </a:extLst>
+            </p:cNvPr>
+            <p:cNvPicPr>
+              <a:picLocks noChangeAspect="1"/>
+            </p:cNvPicPr>
+            <p:nvPr/>
+          </p:nvPicPr>
+          <p:blipFill>
+            <a:blip r:embed="rId12">
+              <a:extLst>
+                <a:ext uri="{28A0092B-C50C-407E-A947-70E740481C1C}">
+                  <a14:useLocalDpi xmlns:a14="http://schemas.microsoft.com/office/drawing/2010/main"/>
+                </a:ext>
+                <a:ext uri="{96DAC541-7B7A-43D3-8B79-37D633B846F1}">
+                  <asvg:svgBlip xmlns:asvg="http://schemas.microsoft.com/office/drawing/2016/SVG/main" r:embed="rId13"/>
+                </a:ext>
+              </a:extLst>
+            </a:blip>
+            <a:stretch>
+              <a:fillRect/>
+            </a:stretch>
+          </p:blipFill>
+          <p:spPr>
+            <a:xfrm>
+              <a:off x="517967" y="2490924"/>
+              <a:ext cx="828225" cy="828225"/>
+            </a:xfrm>
+            <a:prstGeom prst="rect">
+              <a:avLst/>
+            </a:prstGeom>
+          </p:spPr>
+        </p:pic>
+      </p:grpSp>
+      <p:grpSp>
+        <p:nvGrpSpPr>
+          <p:cNvPr id="101" name="Group 100">
+            <a:extLst>
+              <a:ext uri="{FF2B5EF4-FFF2-40B4-BE49-F238E27FC236}">
+                <a16:creationId xmlns:a16="http://schemas.microsoft.com/office/drawing/2014/main" id="{5F18A3CB-8688-4020-AD81-9FD9A362122A}"/>
+              </a:ext>
+            </a:extLst>
+          </p:cNvPr>
+          <p:cNvGrpSpPr/>
+          <p:nvPr/>
+        </p:nvGrpSpPr>
+        <p:grpSpPr>
+          <a:xfrm>
+            <a:off x="8317664" y="4280439"/>
+            <a:ext cx="1210785" cy="1428576"/>
+            <a:chOff x="6881921" y="5047071"/>
+            <a:chExt cx="1210785" cy="1428576"/>
+          </a:xfrm>
+        </p:grpSpPr>
+        <p:pic>
+          <p:nvPicPr>
+            <p:cNvPr id="102" name="Graphic 101" descr="Partial Sun">
+              <a:extLst>
+                <a:ext uri="{FF2B5EF4-FFF2-40B4-BE49-F238E27FC236}">
+                  <a16:creationId xmlns:a16="http://schemas.microsoft.com/office/drawing/2014/main" id="{C9741A03-9DA0-49F7-987F-55E660490B0F}"/>
+                </a:ext>
+              </a:extLst>
+            </p:cNvPr>
+            <p:cNvPicPr>
+              <a:picLocks noChangeAspect="1"/>
+            </p:cNvPicPr>
+            <p:nvPr/>
+          </p:nvPicPr>
+          <p:blipFill>
+            <a:blip r:embed="rId14">
+              <a:extLst>
+                <a:ext uri="{28A0092B-C50C-407E-A947-70E740481C1C}">
+                  <a14:useLocalDpi xmlns:a14="http://schemas.microsoft.com/office/drawing/2010/main"/>
+                </a:ext>
+                <a:ext uri="{96DAC541-7B7A-43D3-8B79-37D633B846F1}">
+                  <asvg:svgBlip xmlns:asvg="http://schemas.microsoft.com/office/drawing/2016/SVG/main" r:embed="rId15"/>
+                </a:ext>
+              </a:extLst>
+            </a:blip>
+            <a:stretch>
+              <a:fillRect/>
+            </a:stretch>
+          </p:blipFill>
+          <p:spPr>
+            <a:xfrm>
+              <a:off x="7041039" y="5047071"/>
+              <a:ext cx="892551" cy="892551"/>
+            </a:xfrm>
+            <a:prstGeom prst="rect">
+              <a:avLst/>
+            </a:prstGeom>
+          </p:spPr>
+        </p:pic>
+        <p:sp>
+          <p:nvSpPr>
+            <p:cNvPr id="103" name="TextBox 102">
+              <a:extLst>
+                <a:ext uri="{FF2B5EF4-FFF2-40B4-BE49-F238E27FC236}">
+                  <a16:creationId xmlns:a16="http://schemas.microsoft.com/office/drawing/2014/main" id="{DC35D772-8DBD-493C-9804-C2E8DB0FB9B0}"/>
+                </a:ext>
+              </a:extLst>
+            </p:cNvPr>
+            <p:cNvSpPr txBox="1"/>
+            <p:nvPr/>
+          </p:nvSpPr>
+          <p:spPr>
+            <a:xfrm>
+              <a:off x="6881921" y="5860094"/>
+              <a:ext cx="1210785" cy="615553"/>
+            </a:xfrm>
+            <a:prstGeom prst="rect">
+              <a:avLst/>
+            </a:prstGeom>
+            <a:noFill/>
+          </p:spPr>
+          <p:txBody>
+            <a:bodyPr wrap="square" rtlCol="0">
+              <a:spAutoFit/>
+            </a:bodyPr>
+            <a:lstStyle/>
+            <a:p>
+              <a:pPr algn="ctr"/>
+              <a:r>
+                <a:rPr lang="en-US" sz="1400" dirty="0"/>
+                <a:t>3</a:t>
+              </a:r>
+              <a:r>
+                <a:rPr lang="en-US" sz="1400" baseline="30000" dirty="0"/>
+                <a:t>rd</a:t>
+              </a:r>
+              <a:r>
+                <a:rPr lang="en-US" sz="1400" dirty="0"/>
+                <a:t> Party API</a:t>
+              </a:r>
+              <a:endParaRPr lang="en-US" sz="1100" dirty="0"/>
+            </a:p>
+            <a:p>
+              <a:pPr algn="ctr"/>
+              <a:r>
+                <a:rPr lang="en-US" sz="1000" dirty="0"/>
+                <a:t>Forecasted Airport Weather</a:t>
+              </a:r>
+            </a:p>
+          </p:txBody>
+        </p:sp>
+      </p:grpSp>
       <p:sp>
         <p:nvSpPr>
-          <p:cNvPr id="8" name="TextBox 7">
-            <a:extLst>
-              <a:ext uri="{FF2B5EF4-FFF2-40B4-BE49-F238E27FC236}">
-                <a16:creationId xmlns:a16="http://schemas.microsoft.com/office/drawing/2014/main" id="{14B0B4F9-2862-491E-9EF7-A2FCC519F32D}"/>
+          <p:cNvPr id="104" name="Arrow: Curved Right 103">
+            <a:extLst>
+              <a:ext uri="{FF2B5EF4-FFF2-40B4-BE49-F238E27FC236}">
+                <a16:creationId xmlns:a16="http://schemas.microsoft.com/office/drawing/2014/main" id="{DF7990AB-8894-422E-8AF1-D326C2957F6C}"/>
+              </a:ext>
+            </a:extLst>
+          </p:cNvPr>
+          <p:cNvSpPr/>
+          <p:nvPr/>
+        </p:nvSpPr>
+        <p:spPr>
+          <a:xfrm rot="16200000">
+            <a:off x="5587611" y="2937299"/>
+            <a:ext cx="892083" cy="1942345"/>
+          </a:xfrm>
+          <a:prstGeom prst="curvedRightArrow">
+            <a:avLst/>
+          </a:prstGeom>
+          <a:solidFill>
+            <a:schemeClr val="accent6">
+              <a:alpha val="50000"/>
+            </a:schemeClr>
+          </a:solidFill>
+          <a:ln>
+            <a:noFill/>
+          </a:ln>
+        </p:spPr>
+        <p:style>
+          <a:lnRef idx="0">
+            <a:scrgbClr r="0" g="0" b="0"/>
+          </a:lnRef>
+          <a:fillRef idx="0">
+            <a:scrgbClr r="0" g="0" b="0"/>
+          </a:fillRef>
+          <a:effectRef idx="0">
+            <a:scrgbClr r="0" g="0" b="0"/>
+          </a:effectRef>
+          <a:fontRef idx="minor">
+            <a:schemeClr val="lt1"/>
+          </a:fontRef>
+        </p:style>
+        <p:txBody>
+          <a:bodyPr rtlCol="0" anchor="ctr"/>
+          <a:lstStyle/>
+          <a:p>
+            <a:pPr algn="ctr"/>
+            <a:endParaRPr lang="en-US">
+              <a:solidFill>
+                <a:schemeClr val="tx1"/>
+              </a:solidFill>
+            </a:endParaRPr>
+          </a:p>
+        </p:txBody>
+      </p:sp>
+      <p:sp>
+        <p:nvSpPr>
+          <p:cNvPr id="105" name="Arrow: Down 104">
+            <a:extLst>
+              <a:ext uri="{FF2B5EF4-FFF2-40B4-BE49-F238E27FC236}">
+                <a16:creationId xmlns:a16="http://schemas.microsoft.com/office/drawing/2014/main" id="{B22F6ACA-7794-478A-95D6-1867B7D6C3C5}"/>
+              </a:ext>
+            </a:extLst>
+          </p:cNvPr>
+          <p:cNvSpPr/>
+          <p:nvPr/>
+        </p:nvSpPr>
+        <p:spPr>
+          <a:xfrm rot="1723839">
+            <a:off x="4012119" y="2998217"/>
+            <a:ext cx="532177" cy="1059955"/>
+          </a:xfrm>
+          <a:prstGeom prst="downArrow">
+            <a:avLst/>
+          </a:prstGeom>
+          <a:solidFill>
+            <a:schemeClr val="accent6">
+              <a:alpha val="50000"/>
+            </a:schemeClr>
+          </a:solidFill>
+          <a:ln>
+            <a:noFill/>
+          </a:ln>
+        </p:spPr>
+        <p:style>
+          <a:lnRef idx="0">
+            <a:scrgbClr r="0" g="0" b="0"/>
+          </a:lnRef>
+          <a:fillRef idx="0">
+            <a:scrgbClr r="0" g="0" b="0"/>
+          </a:fillRef>
+          <a:effectRef idx="0">
+            <a:scrgbClr r="0" g="0" b="0"/>
+          </a:effectRef>
+          <a:fontRef idx="minor">
+            <a:schemeClr val="lt1"/>
+          </a:fontRef>
+        </p:style>
+        <p:txBody>
+          <a:bodyPr rtlCol="0" anchor="ctr"/>
+          <a:lstStyle/>
+          <a:p>
+            <a:pPr algn="ctr"/>
+            <a:endParaRPr lang="en-US"/>
+          </a:p>
+        </p:txBody>
+      </p:sp>
+      <p:sp>
+        <p:nvSpPr>
+          <p:cNvPr id="106" name="Arrow: Down 105">
+            <a:extLst>
+              <a:ext uri="{FF2B5EF4-FFF2-40B4-BE49-F238E27FC236}">
+                <a16:creationId xmlns:a16="http://schemas.microsoft.com/office/drawing/2014/main" id="{81BE01A0-8AAE-41E0-BC78-2E71225A6F50}"/>
+              </a:ext>
+            </a:extLst>
+          </p:cNvPr>
+          <p:cNvSpPr/>
+          <p:nvPr/>
+        </p:nvSpPr>
+        <p:spPr>
+          <a:xfrm rot="19163893">
+            <a:off x="2471852" y="3044480"/>
+            <a:ext cx="532177" cy="1059955"/>
+          </a:xfrm>
+          <a:prstGeom prst="downArrow">
+            <a:avLst/>
+          </a:prstGeom>
+          <a:solidFill>
+            <a:schemeClr val="accent6">
+              <a:alpha val="50000"/>
+            </a:schemeClr>
+          </a:solidFill>
+          <a:ln>
+            <a:noFill/>
+          </a:ln>
+        </p:spPr>
+        <p:style>
+          <a:lnRef idx="0">
+            <a:scrgbClr r="0" g="0" b="0"/>
+          </a:lnRef>
+          <a:fillRef idx="0">
+            <a:scrgbClr r="0" g="0" b="0"/>
+          </a:fillRef>
+          <a:effectRef idx="0">
+            <a:scrgbClr r="0" g="0" b="0"/>
+          </a:effectRef>
+          <a:fontRef idx="minor">
+            <a:schemeClr val="lt1"/>
+          </a:fontRef>
+        </p:style>
+        <p:txBody>
+          <a:bodyPr rtlCol="0" anchor="ctr"/>
+          <a:lstStyle/>
+          <a:p>
+            <a:pPr algn="ctr"/>
+            <a:endParaRPr lang="en-US"/>
+          </a:p>
+        </p:txBody>
+      </p:sp>
+      <p:sp>
+        <p:nvSpPr>
+          <p:cNvPr id="107" name="Arrow: Down 106">
+            <a:extLst>
+              <a:ext uri="{FF2B5EF4-FFF2-40B4-BE49-F238E27FC236}">
+                <a16:creationId xmlns:a16="http://schemas.microsoft.com/office/drawing/2014/main" id="{7C1C4EA2-C321-40AF-B775-FBDBA93211BA}"/>
+              </a:ext>
+            </a:extLst>
+          </p:cNvPr>
+          <p:cNvSpPr/>
+          <p:nvPr/>
+        </p:nvSpPr>
+        <p:spPr>
+          <a:xfrm rot="16200000">
+            <a:off x="3408894" y="1517236"/>
+            <a:ext cx="532177" cy="1702936"/>
+          </a:xfrm>
+          <a:prstGeom prst="downArrow">
+            <a:avLst/>
+          </a:prstGeom>
+          <a:solidFill>
+            <a:schemeClr val="accent6">
+              <a:alpha val="50000"/>
+            </a:schemeClr>
+          </a:solidFill>
+          <a:ln>
+            <a:noFill/>
+          </a:ln>
+        </p:spPr>
+        <p:style>
+          <a:lnRef idx="0">
+            <a:scrgbClr r="0" g="0" b="0"/>
+          </a:lnRef>
+          <a:fillRef idx="0">
+            <a:scrgbClr r="0" g="0" b="0"/>
+          </a:fillRef>
+          <a:effectRef idx="0">
+            <a:scrgbClr r="0" g="0" b="0"/>
+          </a:effectRef>
+          <a:fontRef idx="minor">
+            <a:schemeClr val="lt1"/>
+          </a:fontRef>
+        </p:style>
+        <p:txBody>
+          <a:bodyPr rtlCol="0" anchor="ctr"/>
+          <a:lstStyle/>
+          <a:p>
+            <a:pPr algn="ctr"/>
+            <a:endParaRPr lang="en-US"/>
+          </a:p>
+        </p:txBody>
+      </p:sp>
+      <p:sp>
+        <p:nvSpPr>
+          <p:cNvPr id="108" name="Arrow: Down 107">
+            <a:extLst>
+              <a:ext uri="{FF2B5EF4-FFF2-40B4-BE49-F238E27FC236}">
+                <a16:creationId xmlns:a16="http://schemas.microsoft.com/office/drawing/2014/main" id="{EB3DE30A-7386-4225-8D82-D0F2AC5E1325}"/>
+              </a:ext>
+            </a:extLst>
+          </p:cNvPr>
+          <p:cNvSpPr/>
+          <p:nvPr/>
+        </p:nvSpPr>
+        <p:spPr>
+          <a:xfrm rot="5400000">
+            <a:off x="7593290" y="1821258"/>
+            <a:ext cx="532177" cy="964507"/>
+          </a:xfrm>
+          <a:prstGeom prst="downArrow">
+            <a:avLst/>
+          </a:prstGeom>
+          <a:solidFill>
+            <a:schemeClr val="accent6">
+              <a:alpha val="50000"/>
+            </a:schemeClr>
+          </a:solidFill>
+          <a:ln>
+            <a:noFill/>
+          </a:ln>
+        </p:spPr>
+        <p:style>
+          <a:lnRef idx="0">
+            <a:scrgbClr r="0" g="0" b="0"/>
+          </a:lnRef>
+          <a:fillRef idx="0">
+            <a:scrgbClr r="0" g="0" b="0"/>
+          </a:fillRef>
+          <a:effectRef idx="0">
+            <a:scrgbClr r="0" g="0" b="0"/>
+          </a:effectRef>
+          <a:fontRef idx="minor">
+            <a:schemeClr val="lt1"/>
+          </a:fontRef>
+        </p:style>
+        <p:txBody>
+          <a:bodyPr rtlCol="0" anchor="ctr"/>
+          <a:lstStyle/>
+          <a:p>
+            <a:pPr algn="ctr"/>
+            <a:endParaRPr lang="en-US"/>
+          </a:p>
+        </p:txBody>
+      </p:sp>
+      <p:sp>
+        <p:nvSpPr>
+          <p:cNvPr id="109" name="Arrow: Down 108">
+            <a:extLst>
+              <a:ext uri="{FF2B5EF4-FFF2-40B4-BE49-F238E27FC236}">
+                <a16:creationId xmlns:a16="http://schemas.microsoft.com/office/drawing/2014/main" id="{5E070CC5-565E-4AD5-BF7B-B2925EB99BB3}"/>
+              </a:ext>
+            </a:extLst>
+          </p:cNvPr>
+          <p:cNvSpPr/>
+          <p:nvPr/>
+        </p:nvSpPr>
+        <p:spPr>
+          <a:xfrm>
+            <a:off x="8656969" y="3304905"/>
+            <a:ext cx="532177" cy="964507"/>
+          </a:xfrm>
+          <a:prstGeom prst="downArrow">
+            <a:avLst/>
+          </a:prstGeom>
+          <a:solidFill>
+            <a:schemeClr val="accent6">
+              <a:alpha val="50000"/>
+            </a:schemeClr>
+          </a:solidFill>
+          <a:ln>
+            <a:noFill/>
+          </a:ln>
+        </p:spPr>
+        <p:style>
+          <a:lnRef idx="0">
+            <a:scrgbClr r="0" g="0" b="0"/>
+          </a:lnRef>
+          <a:fillRef idx="0">
+            <a:scrgbClr r="0" g="0" b="0"/>
+          </a:fillRef>
+          <a:effectRef idx="0">
+            <a:scrgbClr r="0" g="0" b="0"/>
+          </a:effectRef>
+          <a:fontRef idx="minor">
+            <a:schemeClr val="lt1"/>
+          </a:fontRef>
+        </p:style>
+        <p:txBody>
+          <a:bodyPr rtlCol="0" anchor="ctr"/>
+          <a:lstStyle/>
+          <a:p>
+            <a:pPr algn="ctr"/>
+            <a:endParaRPr lang="en-US"/>
+          </a:p>
+        </p:txBody>
+      </p:sp>
+    </p:spTree>
+    <p:extLst>
+      <p:ext uri="{BB962C8B-B14F-4D97-AF65-F5344CB8AC3E}">
+        <p14:creationId xmlns:p14="http://schemas.microsoft.com/office/powerpoint/2010/main" val="4158584245"/>
+      </p:ext>
+    </p:extLst>
+  </p:cSld>
+  <p:clrMapOvr>
+    <a:masterClrMapping/>
+  </p:clrMapOvr>
+</p:sld>
+</file>
+
+<file path=ppt/slides/slide9.xml><?xml version="1.0" encoding="utf-8"?>
+<p:sld xmlns:a="http://schemas.openxmlformats.org/drawingml/2006/main" xmlns:r="http://schemas.openxmlformats.org/officeDocument/2006/relationships" xmlns:p="http://schemas.openxmlformats.org/presentationml/2006/main">
+  <p:cSld>
+    <p:spTree>
+      <p:nvGrpSpPr>
+        <p:cNvPr id="1" name=""/>
+        <p:cNvGrpSpPr/>
+        <p:nvPr/>
+      </p:nvGrpSpPr>
+      <p:grpSpPr>
+        <a:xfrm>
+          <a:off x="0" y="0"/>
+          <a:ext cx="0" cy="0"/>
+          <a:chOff x="0" y="0"/>
+          <a:chExt cx="0" cy="0"/>
+        </a:xfrm>
+      </p:grpSpPr>
+      <p:sp>
+        <p:nvSpPr>
+          <p:cNvPr id="14" name="TextBox 13">
+            <a:extLst>
+              <a:ext uri="{FF2B5EF4-FFF2-40B4-BE49-F238E27FC236}">
+                <a16:creationId xmlns:a16="http://schemas.microsoft.com/office/drawing/2014/main" id="{9861045D-2BFB-47F3-959E-FD3A1D8353FA}"/>
               </a:ext>
             </a:extLst>
           </p:cNvPr>
@@ -9668,8 +11269,8 @@
         </p:nvSpPr>
         <p:spPr>
           <a:xfrm>
-            <a:off x="3583674" y="2455909"/>
-            <a:ext cx="2089355" cy="892552"/>
+            <a:off x="901714" y="371043"/>
+            <a:ext cx="5898410" cy="584775"/>
           </a:xfrm>
           <a:prstGeom prst="rect">
             <a:avLst/>
@@ -9683,37 +11284,510 @@
           <a:lstStyle/>
           <a:p>
             <a:r>
-              <a:rPr lang="en-US" sz="1300" i="1" dirty="0"/>
-              <a:t>Key Vault-backed Databricks</a:t>
-            </a:r>
-            <a:br>
-              <a:rPr lang="en-US" sz="1300" i="1" dirty="0"/>
-            </a:br>
-            <a:r>
-              <a:rPr lang="en-US" sz="1300" i="1" dirty="0"/>
-              <a:t>secret scope securely stores</a:t>
-            </a:r>
-            <a:br>
-              <a:rPr lang="en-US" sz="1300" i="1" dirty="0"/>
-            </a:br>
-            <a:r>
-              <a:rPr lang="en-US" sz="1300" i="1" dirty="0"/>
-              <a:t>JDBC connection string and</a:t>
-            </a:r>
-            <a:br>
-              <a:rPr lang="en-US" sz="1300" i="1" dirty="0"/>
-            </a:br>
-            <a:r>
-              <a:rPr lang="en-US" sz="1300" i="1" dirty="0"/>
-              <a:t>other secrets</a:t>
+              <a:rPr lang="en-US" sz="3200" dirty="0">
+                <a:solidFill>
+                  <a:srgbClr val="0070C0"/>
+                </a:solidFill>
+              </a:rPr>
+              <a:t>Operationalizing machine learning</a:t>
             </a:r>
           </a:p>
         </p:txBody>
       </p:sp>
+      <p:grpSp>
+        <p:nvGrpSpPr>
+          <p:cNvPr id="32" name="Group 31">
+            <a:extLst>
+              <a:ext uri="{FF2B5EF4-FFF2-40B4-BE49-F238E27FC236}">
+                <a16:creationId xmlns:a16="http://schemas.microsoft.com/office/drawing/2014/main" id="{6EC7D94F-8882-4BD4-9B48-C9BB5ADE177D}"/>
+              </a:ext>
+            </a:extLst>
+          </p:cNvPr>
+          <p:cNvGrpSpPr/>
+          <p:nvPr/>
+        </p:nvGrpSpPr>
+        <p:grpSpPr>
+          <a:xfrm>
+            <a:off x="859269" y="1618887"/>
+            <a:ext cx="10175022" cy="4286870"/>
+            <a:chOff x="1190137" y="2003898"/>
+            <a:chExt cx="10175022" cy="4286870"/>
+          </a:xfrm>
+        </p:grpSpPr>
+        <p:grpSp>
+          <p:nvGrpSpPr>
+            <p:cNvPr id="33" name="Group 32">
+              <a:extLst>
+                <a:ext uri="{FF2B5EF4-FFF2-40B4-BE49-F238E27FC236}">
+                  <a16:creationId xmlns:a16="http://schemas.microsoft.com/office/drawing/2014/main" id="{452CB7A8-7BBF-434A-A16B-D362860B2B2C}"/>
+                </a:ext>
+              </a:extLst>
+            </p:cNvPr>
+            <p:cNvGrpSpPr/>
+            <p:nvPr/>
+          </p:nvGrpSpPr>
+          <p:grpSpPr>
+            <a:xfrm>
+              <a:off x="1190137" y="2483285"/>
+              <a:ext cx="3202926" cy="2962190"/>
+              <a:chOff x="6009538" y="1570780"/>
+              <a:chExt cx="1210785" cy="1119781"/>
+            </a:xfrm>
+          </p:grpSpPr>
+          <p:pic>
+            <p:nvPicPr>
+              <p:cNvPr id="41" name="Graphic 40">
+                <a:extLst>
+                  <a:ext uri="{FF2B5EF4-FFF2-40B4-BE49-F238E27FC236}">
+                    <a16:creationId xmlns:a16="http://schemas.microsoft.com/office/drawing/2014/main" id="{911778FD-D77D-4A59-A842-46591391C6E8}"/>
+                  </a:ext>
+                </a:extLst>
+              </p:cNvPr>
+              <p:cNvPicPr>
+                <a:picLocks noChangeAspect="1"/>
+              </p:cNvPicPr>
+              <p:nvPr/>
+            </p:nvPicPr>
+            <p:blipFill>
+              <a:blip r:embed="rId2">
+                <a:extLst>
+                  <a:ext uri="{28A0092B-C50C-407E-A947-70E740481C1C}">
+                    <a14:useLocalDpi xmlns:a14="http://schemas.microsoft.com/office/drawing/2010/main"/>
+                  </a:ext>
+                  <a:ext uri="{96DAC541-7B7A-43D3-8B79-37D633B846F1}">
+                    <asvg:svgBlip xmlns:asvg="http://schemas.microsoft.com/office/drawing/2016/SVG/main" r:embed="rId3"/>
+                  </a:ext>
+                </a:extLst>
+              </a:blip>
+              <a:stretch>
+                <a:fillRect/>
+              </a:stretch>
+            </p:blipFill>
+            <p:spPr>
+              <a:xfrm>
+                <a:off x="6163013" y="1570780"/>
+                <a:ext cx="838079" cy="838079"/>
+              </a:xfrm>
+              <a:prstGeom prst="rect">
+                <a:avLst/>
+              </a:prstGeom>
+            </p:spPr>
+          </p:pic>
+          <p:sp>
+            <p:nvSpPr>
+              <p:cNvPr id="42" name="TextBox 41">
+                <a:extLst>
+                  <a:ext uri="{FF2B5EF4-FFF2-40B4-BE49-F238E27FC236}">
+                    <a16:creationId xmlns:a16="http://schemas.microsoft.com/office/drawing/2014/main" id="{2028240E-39CC-461B-9C1A-3DEFE7B26639}"/>
+                  </a:ext>
+                </a:extLst>
+              </p:cNvPr>
+              <p:cNvSpPr txBox="1"/>
+              <p:nvPr/>
+            </p:nvSpPr>
+            <p:spPr>
+              <a:xfrm>
+                <a:off x="6009538" y="2376424"/>
+                <a:ext cx="1210785" cy="314137"/>
+              </a:xfrm>
+              <a:prstGeom prst="rect">
+                <a:avLst/>
+              </a:prstGeom>
+              <a:noFill/>
+            </p:spPr>
+            <p:txBody>
+              <a:bodyPr wrap="square" rtlCol="0">
+                <a:spAutoFit/>
+              </a:bodyPr>
+              <a:lstStyle/>
+              <a:p>
+                <a:pPr algn="ctr"/>
+                <a:r>
+                  <a:rPr lang="en-US" sz="2400" dirty="0"/>
+                  <a:t>Azure Databricks Workspace</a:t>
+                </a:r>
+                <a:endParaRPr lang="en-US" sz="1400" dirty="0"/>
+              </a:p>
+            </p:txBody>
+          </p:sp>
+        </p:grpSp>
+        <p:sp>
+          <p:nvSpPr>
+            <p:cNvPr id="34" name="Arrow: Down 33">
+              <a:extLst>
+                <a:ext uri="{FF2B5EF4-FFF2-40B4-BE49-F238E27FC236}">
+                  <a16:creationId xmlns:a16="http://schemas.microsoft.com/office/drawing/2014/main" id="{59D0DE20-1425-48FD-BD0B-FFEDF5E35B78}"/>
+                </a:ext>
+              </a:extLst>
+            </p:cNvPr>
+            <p:cNvSpPr/>
+            <p:nvPr/>
+          </p:nvSpPr>
+          <p:spPr>
+            <a:xfrm rot="16200000">
+              <a:off x="5400989" y="2309640"/>
+              <a:ext cx="801353" cy="2564284"/>
+            </a:xfrm>
+            <a:prstGeom prst="downArrow">
+              <a:avLst/>
+            </a:prstGeom>
+            <a:solidFill>
+              <a:schemeClr val="accent6">
+                <a:alpha val="50000"/>
+              </a:schemeClr>
+            </a:solidFill>
+            <a:ln>
+              <a:noFill/>
+            </a:ln>
+          </p:spPr>
+          <p:style>
+            <a:lnRef idx="0">
+              <a:scrgbClr r="0" g="0" b="0"/>
+            </a:lnRef>
+            <a:fillRef idx="0">
+              <a:scrgbClr r="0" g="0" b="0"/>
+            </a:fillRef>
+            <a:effectRef idx="0">
+              <a:scrgbClr r="0" g="0" b="0"/>
+            </a:effectRef>
+            <a:fontRef idx="minor">
+              <a:schemeClr val="lt1"/>
+            </a:fontRef>
+          </p:style>
+          <p:txBody>
+            <a:bodyPr vert="vert" rtlCol="0" anchor="ctr"/>
+            <a:lstStyle/>
+            <a:p>
+              <a:pPr algn="ctr"/>
+              <a:r>
+                <a:rPr lang="en-US" sz="2400" dirty="0"/>
+                <a:t>Spark SQL</a:t>
+              </a:r>
+            </a:p>
+          </p:txBody>
+        </p:sp>
+        <p:grpSp>
+          <p:nvGrpSpPr>
+            <p:cNvPr id="35" name="Group 34">
+              <a:extLst>
+                <a:ext uri="{FF2B5EF4-FFF2-40B4-BE49-F238E27FC236}">
+                  <a16:creationId xmlns:a16="http://schemas.microsoft.com/office/drawing/2014/main" id="{681425D2-83C3-49A6-9D07-E5B0882F96E2}"/>
+                </a:ext>
+              </a:extLst>
+            </p:cNvPr>
+            <p:cNvGrpSpPr/>
+            <p:nvPr/>
+          </p:nvGrpSpPr>
+          <p:grpSpPr>
+            <a:xfrm>
+              <a:off x="8033955" y="2003898"/>
+              <a:ext cx="2844249" cy="3093395"/>
+              <a:chOff x="7672953" y="1867711"/>
+              <a:chExt cx="2844249" cy="3093395"/>
+            </a:xfrm>
+          </p:grpSpPr>
+          <p:sp>
+            <p:nvSpPr>
+              <p:cNvPr id="39" name="Rectangle 38">
+                <a:extLst>
+                  <a:ext uri="{FF2B5EF4-FFF2-40B4-BE49-F238E27FC236}">
+                    <a16:creationId xmlns:a16="http://schemas.microsoft.com/office/drawing/2014/main" id="{CF7B8E5E-0CEC-476E-A10D-BEF7C1EEDD9C}"/>
+                  </a:ext>
+                </a:extLst>
+              </p:cNvPr>
+              <p:cNvSpPr/>
+              <p:nvPr/>
+            </p:nvSpPr>
+            <p:spPr bwMode="auto">
+              <a:xfrm>
+                <a:off x="7963287" y="1867711"/>
+                <a:ext cx="2163208" cy="3093395"/>
+              </a:xfrm>
+              <a:prstGeom prst="rect">
+                <a:avLst/>
+              </a:prstGeom>
+              <a:solidFill>
+                <a:schemeClr val="tx1"/>
+              </a:solidFill>
+              <a:ln>
+                <a:noFill/>
+                <a:headEnd type="none" w="med" len="med"/>
+                <a:tailEnd type="none" w="med" len="med"/>
+              </a:ln>
+              <a:effectLst/>
+            </p:spPr>
+            <p:style>
+              <a:lnRef idx="1">
+                <a:schemeClr val="accent2"/>
+              </a:lnRef>
+              <a:fillRef idx="3">
+                <a:schemeClr val="accent2"/>
+              </a:fillRef>
+              <a:effectRef idx="2">
+                <a:schemeClr val="accent2"/>
+              </a:effectRef>
+              <a:fontRef idx="minor">
+                <a:schemeClr val="lt1"/>
+              </a:fontRef>
+            </p:style>
+            <p:txBody>
+              <a:bodyPr rot="0" spcFirstLastPara="0" vertOverflow="overflow" horzOverflow="overflow" vert="horz" wrap="square" lIns="182880" tIns="146304" rIns="182880" bIns="146304" numCol="1" spcCol="0" rtlCol="0" fromWordArt="0" anchor="t" anchorCtr="0" forceAA="0" compatLnSpc="1">
+                <a:prstTxWarp prst="textNoShape">
+                  <a:avLst/>
+                </a:prstTxWarp>
+                <a:noAutofit/>
+              </a:bodyPr>
+              <a:lstStyle/>
+              <a:p>
+                <a:pPr algn="ctr" defTabSz="932472" fontAlgn="base">
+                  <a:lnSpc>
+                    <a:spcPct val="90000"/>
+                  </a:lnSpc>
+                  <a:spcBef>
+                    <a:spcPct val="0"/>
+                  </a:spcBef>
+                  <a:spcAft>
+                    <a:spcPct val="0"/>
+                  </a:spcAft>
+                </a:pPr>
+                <a:endParaRPr lang="en-US" sz="2400" dirty="0" err="1">
+                  <a:gradFill>
+                    <a:gsLst>
+                      <a:gs pos="0">
+                        <a:srgbClr val="FFFFFF"/>
+                      </a:gs>
+                      <a:gs pos="100000">
+                        <a:srgbClr val="FFFFFF"/>
+                      </a:gs>
+                    </a:gsLst>
+                    <a:lin ang="5400000" scaled="0"/>
+                  </a:gradFill>
+                  <a:ea typeface="Segoe UI" pitchFamily="34" charset="0"/>
+                  <a:cs typeface="Segoe UI" pitchFamily="34" charset="0"/>
+                </a:endParaRPr>
+              </a:p>
+            </p:txBody>
+          </p:sp>
+          <p:pic>
+            <p:nvPicPr>
+              <p:cNvPr id="40" name="Graphic 39">
+                <a:extLst>
+                  <a:ext uri="{FF2B5EF4-FFF2-40B4-BE49-F238E27FC236}">
+                    <a16:creationId xmlns:a16="http://schemas.microsoft.com/office/drawing/2014/main" id="{EC102079-2B0D-4F9E-9F55-8648FB50A4E9}"/>
+                  </a:ext>
+                </a:extLst>
+              </p:cNvPr>
+              <p:cNvPicPr>
+                <a:picLocks noChangeAspect="1"/>
+              </p:cNvPicPr>
+              <p:nvPr/>
+            </p:nvPicPr>
+            <p:blipFill>
+              <a:blip r:embed="rId4">
+                <a:extLst>
+                  <a:ext uri="{28A0092B-C50C-407E-A947-70E740481C1C}">
+                    <a14:useLocalDpi xmlns:a14="http://schemas.microsoft.com/office/drawing/2010/main" val="0"/>
+                  </a:ext>
+                  <a:ext uri="{96DAC541-7B7A-43D3-8B79-37D633B846F1}">
+                    <asvg:svgBlip xmlns:asvg="http://schemas.microsoft.com/office/drawing/2016/SVG/main" r:embed="rId5"/>
+                  </a:ext>
+                </a:extLst>
+              </a:blip>
+              <a:stretch>
+                <a:fillRect/>
+              </a:stretch>
+            </p:blipFill>
+            <p:spPr>
+              <a:xfrm>
+                <a:off x="7672953" y="1990398"/>
+                <a:ext cx="2844249" cy="2844249"/>
+              </a:xfrm>
+              <a:prstGeom prst="rect">
+                <a:avLst/>
+              </a:prstGeom>
+            </p:spPr>
+          </p:pic>
+        </p:grpSp>
+        <p:sp>
+          <p:nvSpPr>
+            <p:cNvPr id="36" name="TextBox 35">
+              <a:extLst>
+                <a:ext uri="{FF2B5EF4-FFF2-40B4-BE49-F238E27FC236}">
+                  <a16:creationId xmlns:a16="http://schemas.microsoft.com/office/drawing/2014/main" id="{A62FB0A6-63AD-4CC4-9A9F-373CDA054448}"/>
+                </a:ext>
+              </a:extLst>
+            </p:cNvPr>
+            <p:cNvSpPr txBox="1"/>
+            <p:nvPr/>
+          </p:nvSpPr>
+          <p:spPr>
+            <a:xfrm>
+              <a:off x="4119123" y="2636872"/>
+              <a:ext cx="3443763" cy="627864"/>
+            </a:xfrm>
+            <a:prstGeom prst="rect">
+              <a:avLst/>
+            </a:prstGeom>
+            <a:noFill/>
+          </p:spPr>
+          <p:txBody>
+            <a:bodyPr wrap="none" lIns="182880" tIns="146304" rIns="182880" bIns="146304" rtlCol="0">
+              <a:spAutoFit/>
+            </a:bodyPr>
+            <a:lstStyle/>
+            <a:p>
+              <a:pPr>
+                <a:lnSpc>
+                  <a:spcPct val="90000"/>
+                </a:lnSpc>
+                <a:spcAft>
+                  <a:spcPts val="600"/>
+                </a:spcAft>
+              </a:pPr>
+              <a:r>
+                <a:rPr lang="en-US" sz="2400" dirty="0">
+                  <a:gradFill>
+                    <a:gsLst>
+                      <a:gs pos="2917">
+                        <a:schemeClr val="tx1"/>
+                      </a:gs>
+                      <a:gs pos="30000">
+                        <a:schemeClr val="tx1"/>
+                      </a:gs>
+                    </a:gsLst>
+                    <a:lin ang="5400000" scaled="0"/>
+                  </a:gradFill>
+                </a:rPr>
+                <a:t>Explore &amp; Prepare Data</a:t>
+              </a:r>
+            </a:p>
+          </p:txBody>
+        </p:sp>
+        <p:pic>
+          <p:nvPicPr>
+            <p:cNvPr id="37" name="Graphic 36">
+              <a:extLst>
+                <a:ext uri="{FF2B5EF4-FFF2-40B4-BE49-F238E27FC236}">
+                  <a16:creationId xmlns:a16="http://schemas.microsoft.com/office/drawing/2014/main" id="{4F454F9A-D518-4A58-82FB-AACB7D333B49}"/>
+                </a:ext>
+              </a:extLst>
+            </p:cNvPr>
+            <p:cNvPicPr>
+              <a:picLocks noChangeAspect="1"/>
+            </p:cNvPicPr>
+            <p:nvPr/>
+          </p:nvPicPr>
+          <p:blipFill>
+            <a:blip r:embed="rId2">
+              <a:extLst>
+                <a:ext uri="{28A0092B-C50C-407E-A947-70E740481C1C}">
+                  <a14:useLocalDpi xmlns:a14="http://schemas.microsoft.com/office/drawing/2010/main"/>
+                </a:ext>
+                <a:ext uri="{96DAC541-7B7A-43D3-8B79-37D633B846F1}">
+                  <asvg:svgBlip xmlns:asvg="http://schemas.microsoft.com/office/drawing/2016/SVG/main" r:embed="rId3"/>
+                </a:ext>
+              </a:extLst>
+            </a:blip>
+            <a:stretch>
+              <a:fillRect/>
+            </a:stretch>
+          </p:blipFill>
+          <p:spPr>
+            <a:xfrm>
+              <a:off x="8397622" y="3796882"/>
+              <a:ext cx="1237182" cy="1237181"/>
+            </a:xfrm>
+            <a:prstGeom prst="rect">
+              <a:avLst/>
+            </a:prstGeom>
+          </p:spPr>
+        </p:pic>
+        <p:sp>
+          <p:nvSpPr>
+            <p:cNvPr id="38" name="TextBox 37">
+              <a:extLst>
+                <a:ext uri="{FF2B5EF4-FFF2-40B4-BE49-F238E27FC236}">
+                  <a16:creationId xmlns:a16="http://schemas.microsoft.com/office/drawing/2014/main" id="{F4DA6FDF-A1C1-49B4-B5B0-85D3CBA2F012}"/>
+                </a:ext>
+              </a:extLst>
+            </p:cNvPr>
+            <p:cNvSpPr txBox="1"/>
+            <p:nvPr/>
+          </p:nvSpPr>
+          <p:spPr>
+            <a:xfrm>
+              <a:off x="7546998" y="5253561"/>
+              <a:ext cx="3818161" cy="1037207"/>
+            </a:xfrm>
+            <a:prstGeom prst="rect">
+              <a:avLst/>
+            </a:prstGeom>
+            <a:noFill/>
+          </p:spPr>
+          <p:txBody>
+            <a:bodyPr wrap="none" lIns="182880" tIns="146304" rIns="182880" bIns="146304" rtlCol="0">
+              <a:spAutoFit/>
+            </a:bodyPr>
+            <a:lstStyle/>
+            <a:p>
+              <a:pPr algn="ctr">
+                <a:lnSpc>
+                  <a:spcPct val="90000"/>
+                </a:lnSpc>
+                <a:spcAft>
+                  <a:spcPts val="600"/>
+                </a:spcAft>
+              </a:pPr>
+              <a:r>
+                <a:rPr lang="en-US" sz="2400" dirty="0">
+                  <a:gradFill>
+                    <a:gsLst>
+                      <a:gs pos="2917">
+                        <a:schemeClr val="tx1"/>
+                      </a:gs>
+                      <a:gs pos="30000">
+                        <a:schemeClr val="tx1"/>
+                      </a:gs>
+                    </a:gsLst>
+                    <a:lin ang="5400000" scaled="0"/>
+                  </a:gradFill>
+                </a:rPr>
+                <a:t>Databricks notebook used</a:t>
+              </a:r>
+            </a:p>
+            <a:p>
+              <a:pPr algn="ctr">
+                <a:lnSpc>
+                  <a:spcPct val="90000"/>
+                </a:lnSpc>
+                <a:spcAft>
+                  <a:spcPts val="600"/>
+                </a:spcAft>
+              </a:pPr>
+              <a:r>
+                <a:rPr lang="en-US" sz="2400" dirty="0">
+                  <a:gradFill>
+                    <a:gsLst>
+                      <a:gs pos="2917">
+                        <a:schemeClr val="tx1"/>
+                      </a:gs>
+                      <a:gs pos="30000">
+                        <a:schemeClr val="tx1"/>
+                      </a:gs>
+                    </a:gsLst>
+                    <a:lin ang="5400000" scaled="0"/>
+                  </a:gradFill>
+                </a:rPr>
+                <a:t>By AWT analysts</a:t>
+              </a:r>
+            </a:p>
+          </p:txBody>
+        </p:sp>
+      </p:grpSp>
     </p:spTree>
     <p:extLst>
       <p:ext uri="{BB962C8B-B14F-4D97-AF65-F5344CB8AC3E}">
-        <p14:creationId xmlns:p14="http://schemas.microsoft.com/office/powerpoint/2010/main" val="1760812063"/>
+        <p14:creationId xmlns:p14="http://schemas.microsoft.com/office/powerpoint/2010/main" val="3802671389"/>
       </p:ext>
     </p:extLst>
   </p:cSld>
